--- a/Images/Figures_PPT/Jitter_Plot_Rictor_Domain.pptx
+++ b/Images/Figures_PPT/Jitter_Plot_Rictor_Domain.pptx
@@ -2359,7 +2359,7 @@
           </p:nvSpPr>
           <p:spPr>
             <a:xfrm>
-              <a:off x="1459435" y="6453732"/>
+              <a:off x="1459435" y="6453944"/>
               <a:ext cx="1650203" cy="0"/>
             </a:xfrm>
             <a:custGeom>
@@ -2402,7 +2402,7 @@
           </p:nvSpPr>
           <p:spPr>
             <a:xfrm>
-              <a:off x="1459435" y="5063131"/>
+              <a:off x="1459435" y="5063298"/>
               <a:ext cx="1650203" cy="0"/>
             </a:xfrm>
             <a:custGeom>
@@ -2445,7 +2445,7 @@
           </p:nvSpPr>
           <p:spPr>
             <a:xfrm>
-              <a:off x="1459435" y="3672531"/>
+              <a:off x="1459435" y="3672651"/>
               <a:ext cx="1650203" cy="0"/>
             </a:xfrm>
             <a:custGeom>
@@ -2488,7 +2488,7 @@
           </p:nvSpPr>
           <p:spPr>
             <a:xfrm>
-              <a:off x="1459435" y="2281931"/>
+              <a:off x="1459435" y="2282005"/>
               <a:ext cx="1650203" cy="0"/>
             </a:xfrm>
             <a:custGeom>
@@ -2531,7 +2531,7 @@
           </p:nvSpPr>
           <p:spPr>
             <a:xfrm>
-              <a:off x="1459435" y="5758432"/>
+              <a:off x="1459435" y="5758621"/>
               <a:ext cx="1650203" cy="0"/>
             </a:xfrm>
             <a:custGeom>
@@ -2574,7 +2574,7 @@
           </p:nvSpPr>
           <p:spPr>
             <a:xfrm>
-              <a:off x="1459435" y="4367831"/>
+              <a:off x="1459435" y="4367975"/>
               <a:ext cx="1650203" cy="0"/>
             </a:xfrm>
             <a:custGeom>
@@ -2617,7 +2617,7 @@
           </p:nvSpPr>
           <p:spPr>
             <a:xfrm>
-              <a:off x="1459435" y="2977231"/>
+              <a:off x="1459435" y="2977328"/>
               <a:ext cx="1650203" cy="0"/>
             </a:xfrm>
             <a:custGeom>
@@ -2660,7 +2660,7 @@
           </p:nvSpPr>
           <p:spPr>
             <a:xfrm>
-              <a:off x="1459435" y="1586630"/>
+              <a:off x="1459435" y="1586682"/>
               <a:ext cx="1650203" cy="0"/>
             </a:xfrm>
             <a:custGeom>
@@ -2832,7 +2832,7 @@
           </p:nvSpPr>
           <p:spPr>
             <a:xfrm>
-              <a:off x="2658117" y="6513156"/>
+              <a:off x="2767688" y="6513296"/>
               <a:ext cx="63202" cy="63202"/>
             </a:xfrm>
             <a:custGeom>
@@ -2875,7 +2875,7 @@
           </p:nvSpPr>
           <p:spPr>
             <a:xfrm>
-              <a:off x="2091657" y="6043274"/>
+              <a:off x="2201205" y="6043536"/>
               <a:ext cx="63202" cy="63202"/>
             </a:xfrm>
             <a:custGeom>
@@ -2918,7 +2918,7 @@
           </p:nvSpPr>
           <p:spPr>
             <a:xfrm>
-              <a:off x="1782929" y="4159759"/>
+              <a:off x="1617508" y="4159586"/>
               <a:ext cx="63202" cy="63202"/>
             </a:xfrm>
             <a:custGeom>
@@ -2961,7 +2961,7 @@
           </p:nvSpPr>
           <p:spPr>
             <a:xfrm>
-              <a:off x="1805616" y="2962469"/>
+              <a:off x="1668252" y="2962529"/>
               <a:ext cx="63202" cy="63202"/>
             </a:xfrm>
             <a:custGeom>
@@ -3004,7 +3004,7 @@
           </p:nvSpPr>
           <p:spPr>
             <a:xfrm>
-              <a:off x="2790988" y="6609819"/>
+              <a:off x="2671068" y="6610242"/>
               <a:ext cx="63202" cy="63202"/>
             </a:xfrm>
             <a:custGeom>
@@ -3047,7 +3047,7 @@
           </p:nvSpPr>
           <p:spPr>
             <a:xfrm>
-              <a:off x="1589036" y="2962462"/>
+              <a:off x="1703008" y="2962334"/>
               <a:ext cx="63202" cy="63202"/>
             </a:xfrm>
             <a:custGeom>
@@ -3090,7 +3090,7 @@
           </p:nvSpPr>
           <p:spPr>
             <a:xfrm>
-              <a:off x="2114938" y="5826538"/>
+              <a:off x="2133737" y="5826539"/>
               <a:ext cx="63202" cy="63202"/>
             </a:xfrm>
             <a:custGeom>
@@ -3133,7 +3133,7 @@
           </p:nvSpPr>
           <p:spPr>
             <a:xfrm>
-              <a:off x="1803682" y="4899495"/>
+              <a:off x="1773476" y="4899750"/>
               <a:ext cx="63202" cy="63202"/>
             </a:xfrm>
             <a:custGeom>
@@ -3176,7 +3176,7 @@
           </p:nvSpPr>
           <p:spPr>
             <a:xfrm>
-              <a:off x="1545493" y="3991713"/>
+              <a:off x="1730996" y="3991779"/>
               <a:ext cx="63202" cy="63202"/>
             </a:xfrm>
             <a:custGeom>
@@ -3219,7 +3219,7 @@
           </p:nvSpPr>
           <p:spPr>
             <a:xfrm>
-              <a:off x="2281577" y="6404511"/>
+              <a:off x="2396285" y="6404548"/>
               <a:ext cx="63202" cy="63202"/>
             </a:xfrm>
             <a:custGeom>
@@ -3262,7 +3262,7 @@
           </p:nvSpPr>
           <p:spPr>
             <a:xfrm>
-              <a:off x="2700253" y="6453213"/>
+              <a:off x="2748212" y="6453305"/>
               <a:ext cx="63202" cy="63202"/>
             </a:xfrm>
             <a:custGeom>
@@ -3305,7 +3305,7 @@
           </p:nvSpPr>
           <p:spPr>
             <a:xfrm>
-              <a:off x="1873056" y="3023564"/>
+              <a:off x="1590845" y="3023743"/>
               <a:ext cx="63202" cy="63202"/>
             </a:xfrm>
             <a:custGeom>
@@ -3348,7 +3348,7 @@
           </p:nvSpPr>
           <p:spPr>
             <a:xfrm>
-              <a:off x="1868519" y="3004497"/>
+              <a:off x="1800179" y="3004493"/>
               <a:ext cx="63202" cy="63202"/>
             </a:xfrm>
             <a:custGeom>
@@ -3391,7 +3391,7 @@
           </p:nvSpPr>
           <p:spPr>
             <a:xfrm>
-              <a:off x="1802961" y="2993704"/>
+              <a:off x="1923414" y="2993926"/>
               <a:ext cx="63202" cy="63202"/>
             </a:xfrm>
             <a:custGeom>
@@ -3434,7 +3434,7 @@
           </p:nvSpPr>
           <p:spPr>
             <a:xfrm>
-              <a:off x="1773101" y="4257048"/>
+              <a:off x="1588590" y="4257234"/>
               <a:ext cx="63202" cy="63202"/>
             </a:xfrm>
             <a:custGeom>
@@ -3533,7 +3533,7 @@
           </p:nvSpPr>
           <p:spPr>
             <a:xfrm>
-              <a:off x="3179228" y="6453732"/>
+              <a:off x="3179228" y="6453944"/>
               <a:ext cx="1650203" cy="0"/>
             </a:xfrm>
             <a:custGeom>
@@ -3576,7 +3576,7 @@
           </p:nvSpPr>
           <p:spPr>
             <a:xfrm>
-              <a:off x="3179228" y="5063131"/>
+              <a:off x="3179228" y="5063298"/>
               <a:ext cx="1650203" cy="0"/>
             </a:xfrm>
             <a:custGeom>
@@ -3619,7 +3619,7 @@
           </p:nvSpPr>
           <p:spPr>
             <a:xfrm>
-              <a:off x="3179228" y="3672531"/>
+              <a:off x="3179228" y="3672651"/>
               <a:ext cx="1650203" cy="0"/>
             </a:xfrm>
             <a:custGeom>
@@ -3662,7 +3662,7 @@
           </p:nvSpPr>
           <p:spPr>
             <a:xfrm>
-              <a:off x="3179228" y="2281931"/>
+              <a:off x="3179228" y="2282005"/>
               <a:ext cx="1650203" cy="0"/>
             </a:xfrm>
             <a:custGeom>
@@ -3705,7 +3705,7 @@
           </p:nvSpPr>
           <p:spPr>
             <a:xfrm>
-              <a:off x="3179228" y="5758432"/>
+              <a:off x="3179228" y="5758621"/>
               <a:ext cx="1650203" cy="0"/>
             </a:xfrm>
             <a:custGeom>
@@ -3748,7 +3748,7 @@
           </p:nvSpPr>
           <p:spPr>
             <a:xfrm>
-              <a:off x="3179228" y="4367831"/>
+              <a:off x="3179228" y="4367975"/>
               <a:ext cx="1650203" cy="0"/>
             </a:xfrm>
             <a:custGeom>
@@ -3791,7 +3791,7 @@
           </p:nvSpPr>
           <p:spPr>
             <a:xfrm>
-              <a:off x="3179228" y="2977231"/>
+              <a:off x="3179228" y="2977328"/>
               <a:ext cx="1650203" cy="0"/>
             </a:xfrm>
             <a:custGeom>
@@ -3834,7 +3834,7 @@
           </p:nvSpPr>
           <p:spPr>
             <a:xfrm>
-              <a:off x="3179228" y="1586630"/>
+              <a:off x="3179228" y="1586682"/>
               <a:ext cx="1650203" cy="0"/>
             </a:xfrm>
             <a:custGeom>
@@ -4006,7 +4006,7 @@
           </p:nvSpPr>
           <p:spPr>
             <a:xfrm>
-              <a:off x="3421986" y="3632200"/>
+              <a:off x="3254916" y="3632205"/>
               <a:ext cx="63202" cy="63202"/>
             </a:xfrm>
             <a:custGeom>
@@ -4049,7 +4049,7 @@
           </p:nvSpPr>
           <p:spPr>
             <a:xfrm>
-              <a:off x="3392195" y="3359252"/>
+              <a:off x="3571798" y="3359084"/>
               <a:ext cx="63202" cy="63202"/>
             </a:xfrm>
             <a:custGeom>
@@ -4092,7 +4092,7 @@
           </p:nvSpPr>
           <p:spPr>
             <a:xfrm>
-              <a:off x="3307024" y="3770791"/>
+              <a:off x="3265020" y="3770698"/>
               <a:ext cx="63202" cy="63202"/>
             </a:xfrm>
             <a:custGeom>
@@ -4135,7 +4135,7 @@
           </p:nvSpPr>
           <p:spPr>
             <a:xfrm>
-              <a:off x="3527505" y="3503256"/>
+              <a:off x="3266571" y="3503398"/>
               <a:ext cx="63202" cy="63202"/>
             </a:xfrm>
             <a:custGeom>
@@ -4178,7 +4178,7 @@
           </p:nvSpPr>
           <p:spPr>
             <a:xfrm>
-              <a:off x="3775982" y="5727375"/>
+              <a:off x="4062290" y="5727316"/>
               <a:ext cx="63202" cy="63202"/>
             </a:xfrm>
             <a:custGeom>
@@ -4221,7 +4221,7 @@
           </p:nvSpPr>
           <p:spPr>
             <a:xfrm>
-              <a:off x="3417865" y="4494255"/>
+              <a:off x="3433941" y="4494536"/>
               <a:ext cx="63202" cy="63202"/>
             </a:xfrm>
             <a:custGeom>
@@ -4264,7 +4264,7 @@
           </p:nvSpPr>
           <p:spPr>
             <a:xfrm>
-              <a:off x="3488314" y="3631155"/>
+              <a:off x="3445018" y="3631213"/>
               <a:ext cx="63202" cy="63202"/>
             </a:xfrm>
             <a:custGeom>
@@ -4307,7 +4307,7 @@
           </p:nvSpPr>
           <p:spPr>
             <a:xfrm>
-              <a:off x="3457691" y="3499482"/>
+              <a:off x="3438833" y="3499671"/>
               <a:ext cx="63202" cy="63202"/>
             </a:xfrm>
             <a:custGeom>
@@ -4350,7 +4350,7 @@
           </p:nvSpPr>
           <p:spPr>
             <a:xfrm>
-              <a:off x="3389454" y="3594718"/>
+              <a:off x="3451938" y="3594694"/>
               <a:ext cx="63202" cy="63202"/>
             </a:xfrm>
             <a:custGeom>
@@ -4393,7 +4393,7 @@
           </p:nvSpPr>
           <p:spPr>
             <a:xfrm>
-              <a:off x="3623170" y="4455200"/>
+              <a:off x="3496738" y="4455322"/>
               <a:ext cx="63202" cy="63202"/>
             </a:xfrm>
             <a:custGeom>
@@ -4436,7 +4436,7 @@
           </p:nvSpPr>
           <p:spPr>
             <a:xfrm>
-              <a:off x="3870854" y="6016533"/>
+              <a:off x="3931694" y="6016595"/>
               <a:ext cx="63202" cy="63202"/>
             </a:xfrm>
             <a:custGeom>
@@ -4479,7 +4479,7 @@
           </p:nvSpPr>
           <p:spPr>
             <a:xfrm>
-              <a:off x="3525790" y="4360342"/>
+              <a:off x="3467015" y="4360419"/>
               <a:ext cx="63202" cy="63202"/>
             </a:xfrm>
             <a:custGeom>
@@ -4522,7 +4522,7 @@
           </p:nvSpPr>
           <p:spPr>
             <a:xfrm>
-              <a:off x="3619462" y="4500928"/>
+              <a:off x="3600375" y="4501061"/>
               <a:ext cx="63202" cy="63202"/>
             </a:xfrm>
             <a:custGeom>
@@ -4565,7 +4565,7 @@
           </p:nvSpPr>
           <p:spPr>
             <a:xfrm>
-              <a:off x="3294108" y="4745245"/>
+              <a:off x="3620740" y="4745391"/>
               <a:ext cx="63202" cy="63202"/>
             </a:xfrm>
             <a:custGeom>
@@ -4608,7 +4608,7 @@
           </p:nvSpPr>
           <p:spPr>
             <a:xfrm>
-              <a:off x="3629657" y="4349201"/>
+              <a:off x="3422634" y="4349390"/>
               <a:ext cx="63202" cy="63202"/>
             </a:xfrm>
             <a:custGeom>
@@ -4651,7 +4651,7 @@
           </p:nvSpPr>
           <p:spPr>
             <a:xfrm>
-              <a:off x="3501964" y="3767029"/>
+              <a:off x="3396090" y="3766991"/>
               <a:ext cx="63202" cy="63202"/>
             </a:xfrm>
             <a:custGeom>
@@ -4694,7 +4694,7 @@
           </p:nvSpPr>
           <p:spPr>
             <a:xfrm>
-              <a:off x="4381100" y="6627335"/>
+              <a:off x="4458955" y="6627813"/>
               <a:ext cx="63202" cy="63202"/>
             </a:xfrm>
             <a:custGeom>
@@ -4737,7 +4737,7 @@
           </p:nvSpPr>
           <p:spPr>
             <a:xfrm>
-              <a:off x="3353204" y="4137887"/>
+              <a:off x="3405463" y="4138055"/>
               <a:ext cx="63202" cy="63202"/>
             </a:xfrm>
             <a:custGeom>
@@ -4780,7 +4780,7 @@
           </p:nvSpPr>
           <p:spPr>
             <a:xfrm>
-              <a:off x="3345423" y="3984805"/>
+              <a:off x="3356438" y="3984996"/>
               <a:ext cx="63202" cy="63202"/>
             </a:xfrm>
             <a:custGeom>
@@ -4823,7 +4823,7 @@
           </p:nvSpPr>
           <p:spPr>
             <a:xfrm>
-              <a:off x="3571622" y="3632300"/>
+              <a:off x="3332030" y="3632167"/>
               <a:ext cx="63202" cy="63202"/>
             </a:xfrm>
             <a:custGeom>
@@ -4866,7 +4866,7 @@
           </p:nvSpPr>
           <p:spPr>
             <a:xfrm>
-              <a:off x="3474158" y="5555943"/>
+              <a:off x="3492369" y="5555874"/>
               <a:ext cx="63202" cy="63202"/>
             </a:xfrm>
             <a:custGeom>
@@ -4909,7 +4909,7 @@
           </p:nvSpPr>
           <p:spPr>
             <a:xfrm>
-              <a:off x="3388768" y="4299638"/>
+              <a:off x="3507484" y="4299624"/>
               <a:ext cx="63202" cy="63202"/>
             </a:xfrm>
             <a:custGeom>
@@ -4952,7 +4952,7 @@
           </p:nvSpPr>
           <p:spPr>
             <a:xfrm>
-              <a:off x="3644883" y="4500622"/>
+              <a:off x="3319893" y="4500878"/>
               <a:ext cx="63202" cy="63202"/>
             </a:xfrm>
             <a:custGeom>
@@ -4995,7 +4995,7 @@
           </p:nvSpPr>
           <p:spPr>
             <a:xfrm>
-              <a:off x="3461196" y="5375187"/>
+              <a:off x="3541250" y="5375269"/>
               <a:ext cx="63202" cy="63202"/>
             </a:xfrm>
             <a:custGeom>
@@ -5038,7 +5038,7 @@
           </p:nvSpPr>
           <p:spPr>
             <a:xfrm>
-              <a:off x="3415374" y="3632020"/>
+              <a:off x="3464856" y="3632105"/>
               <a:ext cx="63202" cy="63202"/>
             </a:xfrm>
             <a:custGeom>
@@ -5081,7 +5081,7 @@
           </p:nvSpPr>
           <p:spPr>
             <a:xfrm>
-              <a:off x="3632160" y="4354180"/>
+              <a:off x="3519596" y="4354522"/>
               <a:ext cx="63202" cy="63202"/>
             </a:xfrm>
             <a:custGeom>
@@ -5124,7 +5124,7 @@
           </p:nvSpPr>
           <p:spPr>
             <a:xfrm>
-              <a:off x="3268217" y="4324317"/>
+              <a:off x="3624998" y="4324191"/>
               <a:ext cx="63202" cy="63202"/>
             </a:xfrm>
             <a:custGeom>
@@ -5167,7 +5167,7 @@
           </p:nvSpPr>
           <p:spPr>
             <a:xfrm>
-              <a:off x="3360174" y="5171229"/>
+              <a:off x="3637111" y="5171116"/>
               <a:ext cx="63202" cy="63202"/>
             </a:xfrm>
             <a:custGeom>
@@ -5210,7 +5210,7 @@
           </p:nvSpPr>
           <p:spPr>
             <a:xfrm>
-              <a:off x="3441085" y="3672906"/>
+              <a:off x="3590427" y="3673193"/>
               <a:ext cx="63202" cy="63202"/>
             </a:xfrm>
             <a:custGeom>
@@ -5253,7 +5253,7 @@
           </p:nvSpPr>
           <p:spPr>
             <a:xfrm>
-              <a:off x="3346732" y="3815336"/>
+              <a:off x="3427872" y="3815173"/>
               <a:ext cx="63202" cy="63202"/>
             </a:xfrm>
             <a:custGeom>
@@ -5296,7 +5296,7 @@
           </p:nvSpPr>
           <p:spPr>
             <a:xfrm>
-              <a:off x="3465717" y="3803461"/>
+              <a:off x="3252780" y="3803652"/>
               <a:ext cx="63202" cy="63202"/>
             </a:xfrm>
             <a:custGeom>
@@ -5339,7 +5339,7 @@
           </p:nvSpPr>
           <p:spPr>
             <a:xfrm>
-              <a:off x="3554361" y="3794361"/>
+              <a:off x="3578381" y="3794581"/>
               <a:ext cx="63202" cy="63202"/>
             </a:xfrm>
             <a:custGeom>
@@ -5382,7 +5382,7 @@
           </p:nvSpPr>
           <p:spPr>
             <a:xfrm>
-              <a:off x="3369593" y="3794888"/>
+              <a:off x="3316287" y="3794986"/>
               <a:ext cx="63202" cy="63202"/>
             </a:xfrm>
             <a:custGeom>
@@ -5425,7 +5425,7 @@
           </p:nvSpPr>
           <p:spPr>
             <a:xfrm>
-              <a:off x="3652174" y="3821129"/>
+              <a:off x="3550531" y="3821230"/>
               <a:ext cx="63202" cy="63202"/>
             </a:xfrm>
             <a:custGeom>
@@ -5468,7 +5468,7 @@
           </p:nvSpPr>
           <p:spPr>
             <a:xfrm>
-              <a:off x="3405999" y="3899577"/>
+              <a:off x="3398443" y="3899553"/>
               <a:ext cx="63202" cy="63202"/>
             </a:xfrm>
             <a:custGeom>
@@ -5511,7 +5511,7 @@
           </p:nvSpPr>
           <p:spPr>
             <a:xfrm>
-              <a:off x="3509919" y="4274020"/>
+              <a:off x="3553210" y="4274308"/>
               <a:ext cx="63202" cy="63202"/>
             </a:xfrm>
             <a:custGeom>
@@ -5554,7 +5554,7 @@
           </p:nvSpPr>
           <p:spPr>
             <a:xfrm>
-              <a:off x="3295079" y="4253176"/>
+              <a:off x="3384079" y="4253525"/>
               <a:ext cx="63202" cy="63202"/>
             </a:xfrm>
             <a:custGeom>
@@ -5597,7 +5597,7 @@
           </p:nvSpPr>
           <p:spPr>
             <a:xfrm>
-              <a:off x="3399871" y="3770614"/>
+              <a:off x="3567116" y="3770676"/>
               <a:ext cx="63202" cy="63202"/>
             </a:xfrm>
             <a:custGeom>
@@ -5640,7 +5640,7 @@
           </p:nvSpPr>
           <p:spPr>
             <a:xfrm>
-              <a:off x="3283545" y="4856227"/>
+              <a:off x="3390132" y="4856487"/>
               <a:ext cx="63202" cy="63202"/>
             </a:xfrm>
             <a:custGeom>
@@ -5683,7 +5683,7 @@
           </p:nvSpPr>
           <p:spPr>
             <a:xfrm>
-              <a:off x="3368522" y="4372512"/>
+              <a:off x="3577889" y="4372623"/>
               <a:ext cx="63202" cy="63202"/>
             </a:xfrm>
             <a:custGeom>
@@ -5726,7 +5726,7 @@
           </p:nvSpPr>
           <p:spPr>
             <a:xfrm>
-              <a:off x="3463112" y="3775286"/>
+              <a:off x="3348604" y="3775644"/>
               <a:ext cx="63202" cy="63202"/>
             </a:xfrm>
             <a:custGeom>
@@ -5769,7 +5769,7 @@
           </p:nvSpPr>
           <p:spPr>
             <a:xfrm>
-              <a:off x="3291905" y="3774927"/>
+              <a:off x="3457947" y="3774982"/>
               <a:ext cx="63202" cy="63202"/>
             </a:xfrm>
             <a:custGeom>
@@ -5812,7 +5812,7 @@
           </p:nvSpPr>
           <p:spPr>
             <a:xfrm>
-              <a:off x="3585245" y="3750039"/>
+              <a:off x="3595723" y="3749996"/>
               <a:ext cx="63202" cy="63202"/>
             </a:xfrm>
             <a:custGeom>
@@ -5855,7 +5855,7 @@
           </p:nvSpPr>
           <p:spPr>
             <a:xfrm>
-              <a:off x="3635673" y="3797529"/>
+              <a:off x="3455366" y="3797661"/>
               <a:ext cx="63202" cy="63202"/>
             </a:xfrm>
             <a:custGeom>
@@ -5898,7 +5898,7 @@
           </p:nvSpPr>
           <p:spPr>
             <a:xfrm>
-              <a:off x="3294944" y="3503335"/>
+              <a:off x="3321911" y="3503528"/>
               <a:ext cx="63202" cy="63202"/>
             </a:xfrm>
             <a:custGeom>
@@ -5997,7 +5997,7 @@
           </p:nvSpPr>
           <p:spPr>
             <a:xfrm>
-              <a:off x="4899021" y="6453732"/>
+              <a:off x="4899021" y="6453944"/>
               <a:ext cx="1650203" cy="0"/>
             </a:xfrm>
             <a:custGeom>
@@ -6040,7 +6040,7 @@
           </p:nvSpPr>
           <p:spPr>
             <a:xfrm>
-              <a:off x="4899021" y="5063131"/>
+              <a:off x="4899021" y="5063298"/>
               <a:ext cx="1650203" cy="0"/>
             </a:xfrm>
             <a:custGeom>
@@ -6083,7 +6083,7 @@
           </p:nvSpPr>
           <p:spPr>
             <a:xfrm>
-              <a:off x="4899021" y="3672531"/>
+              <a:off x="4899021" y="3672651"/>
               <a:ext cx="1650203" cy="0"/>
             </a:xfrm>
             <a:custGeom>
@@ -6126,7 +6126,7 @@
           </p:nvSpPr>
           <p:spPr>
             <a:xfrm>
-              <a:off x="4899021" y="2281931"/>
+              <a:off x="4899021" y="2282005"/>
               <a:ext cx="1650203" cy="0"/>
             </a:xfrm>
             <a:custGeom>
@@ -6169,7 +6169,7 @@
           </p:nvSpPr>
           <p:spPr>
             <a:xfrm>
-              <a:off x="4899021" y="5758432"/>
+              <a:off x="4899021" y="5758621"/>
               <a:ext cx="1650203" cy="0"/>
             </a:xfrm>
             <a:custGeom>
@@ -6212,7 +6212,7 @@
           </p:nvSpPr>
           <p:spPr>
             <a:xfrm>
-              <a:off x="4899021" y="4367831"/>
+              <a:off x="4899021" y="4367975"/>
               <a:ext cx="1650203" cy="0"/>
             </a:xfrm>
             <a:custGeom>
@@ -6255,7 +6255,7 @@
           </p:nvSpPr>
           <p:spPr>
             <a:xfrm>
-              <a:off x="4899021" y="2977231"/>
+              <a:off x="4899021" y="2977328"/>
               <a:ext cx="1650203" cy="0"/>
             </a:xfrm>
             <a:custGeom>
@@ -6298,7 +6298,7 @@
           </p:nvSpPr>
           <p:spPr>
             <a:xfrm>
-              <a:off x="4899021" y="1586630"/>
+              <a:off x="4899021" y="1586682"/>
               <a:ext cx="1650203" cy="0"/>
             </a:xfrm>
             <a:custGeom>
@@ -6470,7 +6470,7 @@
           </p:nvSpPr>
           <p:spPr>
             <a:xfrm>
-              <a:off x="5490572" y="5941861"/>
+              <a:off x="5677933" y="5942061"/>
               <a:ext cx="63202" cy="63202"/>
             </a:xfrm>
             <a:custGeom>
@@ -6513,7 +6513,7 @@
           </p:nvSpPr>
           <p:spPr>
             <a:xfrm>
-              <a:off x="5339227" y="1641734"/>
+              <a:off x="5101358" y="1641734"/>
               <a:ext cx="63202" cy="63202"/>
             </a:xfrm>
             <a:custGeom>
@@ -6556,7 +6556,7 @@
           </p:nvSpPr>
           <p:spPr>
             <a:xfrm>
-              <a:off x="4981357" y="2597448"/>
+              <a:off x="5175433" y="2597440"/>
               <a:ext cx="63202" cy="63202"/>
             </a:xfrm>
             <a:custGeom>
@@ -6599,7 +6599,7 @@
           </p:nvSpPr>
           <p:spPr>
             <a:xfrm>
-              <a:off x="5012727" y="2177020"/>
+              <a:off x="5170651" y="2177054"/>
               <a:ext cx="63202" cy="63202"/>
             </a:xfrm>
             <a:custGeom>
@@ -6642,7 +6642,7 @@
           </p:nvSpPr>
           <p:spPr>
             <a:xfrm>
-              <a:off x="5323180" y="2614113"/>
+              <a:off x="5002354" y="2614150"/>
               <a:ext cx="63202" cy="63202"/>
             </a:xfrm>
             <a:custGeom>
@@ -6685,7 +6685,7 @@
           </p:nvSpPr>
           <p:spPr>
             <a:xfrm>
-              <a:off x="5693969" y="6088754"/>
+              <a:off x="5870142" y="6088963"/>
               <a:ext cx="63202" cy="63202"/>
             </a:xfrm>
             <a:custGeom>
@@ -6728,7 +6728,7 @@
           </p:nvSpPr>
           <p:spPr>
             <a:xfrm>
-              <a:off x="6150971" y="6634049"/>
+              <a:off x="6377111" y="6634049"/>
               <a:ext cx="63202" cy="63202"/>
             </a:xfrm>
             <a:custGeom>
@@ -6771,7 +6771,7 @@
           </p:nvSpPr>
           <p:spPr>
             <a:xfrm>
-              <a:off x="5116044" y="5639268"/>
+              <a:off x="5160010" y="5639529"/>
               <a:ext cx="63202" cy="63202"/>
             </a:xfrm>
             <a:custGeom>
@@ -6814,7 +6814,7 @@
           </p:nvSpPr>
           <p:spPr>
             <a:xfrm>
-              <a:off x="5176783" y="4825128"/>
+              <a:off x="5170133" y="4825339"/>
               <a:ext cx="63202" cy="63202"/>
             </a:xfrm>
             <a:custGeom>
@@ -6857,7 +6857,7 @@
           </p:nvSpPr>
           <p:spPr>
             <a:xfrm>
-              <a:off x="5723400" y="6085562"/>
+              <a:off x="5518127" y="6085727"/>
               <a:ext cx="63202" cy="63202"/>
             </a:xfrm>
             <a:custGeom>
@@ -6900,7 +6900,7 @@
           </p:nvSpPr>
           <p:spPr>
             <a:xfrm>
-              <a:off x="5351707" y="3691290"/>
+              <a:off x="5203871" y="3691610"/>
               <a:ext cx="63202" cy="63202"/>
             </a:xfrm>
             <a:custGeom>
@@ -6943,7 +6943,7 @@
           </p:nvSpPr>
           <p:spPr>
             <a:xfrm>
-              <a:off x="4998261" y="3565207"/>
+              <a:off x="5354322" y="3565655"/>
               <a:ext cx="63202" cy="63202"/>
             </a:xfrm>
             <a:custGeom>
@@ -6986,7 +6986,7 @@
           </p:nvSpPr>
           <p:spPr>
             <a:xfrm>
-              <a:off x="6401738" y="6620405"/>
+              <a:off x="6190108" y="6620814"/>
               <a:ext cx="63202" cy="63202"/>
             </a:xfrm>
             <a:custGeom>
@@ -7029,7 +7029,7 @@
           </p:nvSpPr>
           <p:spPr>
             <a:xfrm>
-              <a:off x="5809536" y="6042426"/>
+              <a:off x="5777640" y="6042547"/>
               <a:ext cx="63202" cy="63202"/>
             </a:xfrm>
             <a:custGeom>
@@ -7072,7 +7072,7 @@
           </p:nvSpPr>
           <p:spPr>
             <a:xfrm>
-              <a:off x="5782974" y="5745518"/>
+              <a:off x="5526784" y="5745620"/>
               <a:ext cx="63202" cy="63202"/>
             </a:xfrm>
             <a:custGeom>
@@ -7171,7 +7171,7 @@
           </p:nvSpPr>
           <p:spPr>
             <a:xfrm>
-              <a:off x="6618814" y="6453732"/>
+              <a:off x="6618814" y="6453944"/>
               <a:ext cx="1650203" cy="0"/>
             </a:xfrm>
             <a:custGeom>
@@ -7214,7 +7214,7 @@
           </p:nvSpPr>
           <p:spPr>
             <a:xfrm>
-              <a:off x="6618814" y="5063131"/>
+              <a:off x="6618814" y="5063298"/>
               <a:ext cx="1650203" cy="0"/>
             </a:xfrm>
             <a:custGeom>
@@ -7257,7 +7257,7 @@
           </p:nvSpPr>
           <p:spPr>
             <a:xfrm>
-              <a:off x="6618814" y="3672531"/>
+              <a:off x="6618814" y="3672651"/>
               <a:ext cx="1650203" cy="0"/>
             </a:xfrm>
             <a:custGeom>
@@ -7300,7 +7300,7 @@
           </p:nvSpPr>
           <p:spPr>
             <a:xfrm>
-              <a:off x="6618814" y="2281931"/>
+              <a:off x="6618814" y="2282005"/>
               <a:ext cx="1650203" cy="0"/>
             </a:xfrm>
             <a:custGeom>
@@ -7343,7 +7343,7 @@
           </p:nvSpPr>
           <p:spPr>
             <a:xfrm>
-              <a:off x="6618814" y="5758432"/>
+              <a:off x="6618814" y="5758621"/>
               <a:ext cx="1650203" cy="0"/>
             </a:xfrm>
             <a:custGeom>
@@ -7386,7 +7386,7 @@
           </p:nvSpPr>
           <p:spPr>
             <a:xfrm>
-              <a:off x="6618814" y="4367831"/>
+              <a:off x="6618814" y="4367975"/>
               <a:ext cx="1650203" cy="0"/>
             </a:xfrm>
             <a:custGeom>
@@ -7429,7 +7429,7 @@
           </p:nvSpPr>
           <p:spPr>
             <a:xfrm>
-              <a:off x="6618814" y="2977231"/>
+              <a:off x="6618814" y="2977328"/>
               <a:ext cx="1650203" cy="0"/>
             </a:xfrm>
             <a:custGeom>
@@ -7472,7 +7472,7 @@
           </p:nvSpPr>
           <p:spPr>
             <a:xfrm>
-              <a:off x="6618814" y="1586630"/>
+              <a:off x="6618814" y="1586682"/>
               <a:ext cx="1650203" cy="0"/>
             </a:xfrm>
             <a:custGeom>
@@ -7644,7 +7644,7 @@
           </p:nvSpPr>
           <p:spPr>
             <a:xfrm>
-              <a:off x="7575097" y="5728966"/>
+              <a:off x="7506827" y="5729339"/>
               <a:ext cx="63202" cy="63202"/>
             </a:xfrm>
             <a:custGeom>
@@ -7687,7 +7687,7 @@
           </p:nvSpPr>
           <p:spPr>
             <a:xfrm>
-              <a:off x="7023626" y="5208078"/>
+              <a:off x="7054473" y="5208485"/>
               <a:ext cx="63202" cy="63202"/>
             </a:xfrm>
             <a:custGeom>
@@ -7730,7 +7730,7 @@
           </p:nvSpPr>
           <p:spPr>
             <a:xfrm>
-              <a:off x="6882832" y="5525070"/>
+              <a:off x="7020691" y="5525290"/>
               <a:ext cx="63202" cy="63202"/>
             </a:xfrm>
             <a:custGeom>
@@ -7773,7 +7773,7 @@
           </p:nvSpPr>
           <p:spPr>
             <a:xfrm>
-              <a:off x="7906920" y="6548727"/>
+              <a:off x="7841590" y="6548796"/>
               <a:ext cx="63202" cy="63202"/>
             </a:xfrm>
             <a:custGeom>
@@ -7872,7 +7872,7 @@
           </p:nvSpPr>
           <p:spPr>
             <a:xfrm>
-              <a:off x="8338607" y="6453732"/>
+              <a:off x="8338607" y="6453944"/>
               <a:ext cx="1650203" cy="0"/>
             </a:xfrm>
             <a:custGeom>
@@ -7915,7 +7915,7 @@
           </p:nvSpPr>
           <p:spPr>
             <a:xfrm>
-              <a:off x="8338607" y="5063131"/>
+              <a:off x="8338607" y="5063298"/>
               <a:ext cx="1650203" cy="0"/>
             </a:xfrm>
             <a:custGeom>
@@ -7958,7 +7958,7 @@
           </p:nvSpPr>
           <p:spPr>
             <a:xfrm>
-              <a:off x="8338607" y="3672531"/>
+              <a:off x="8338607" y="3672651"/>
               <a:ext cx="1650203" cy="0"/>
             </a:xfrm>
             <a:custGeom>
@@ -8001,7 +8001,7 @@
           </p:nvSpPr>
           <p:spPr>
             <a:xfrm>
-              <a:off x="8338607" y="2281931"/>
+              <a:off x="8338607" y="2282005"/>
               <a:ext cx="1650203" cy="0"/>
             </a:xfrm>
             <a:custGeom>
@@ -8044,7 +8044,7 @@
           </p:nvSpPr>
           <p:spPr>
             <a:xfrm>
-              <a:off x="8338607" y="5758432"/>
+              <a:off x="8338607" y="5758621"/>
               <a:ext cx="1650203" cy="0"/>
             </a:xfrm>
             <a:custGeom>
@@ -8087,7 +8087,7 @@
           </p:nvSpPr>
           <p:spPr>
             <a:xfrm>
-              <a:off x="8338607" y="4367831"/>
+              <a:off x="8338607" y="4367975"/>
               <a:ext cx="1650203" cy="0"/>
             </a:xfrm>
             <a:custGeom>
@@ -8130,7 +8130,7 @@
           </p:nvSpPr>
           <p:spPr>
             <a:xfrm>
-              <a:off x="8338607" y="2977231"/>
+              <a:off x="8338607" y="2977328"/>
               <a:ext cx="1650203" cy="0"/>
             </a:xfrm>
             <a:custGeom>
@@ -8173,7 +8173,7 @@
           </p:nvSpPr>
           <p:spPr>
             <a:xfrm>
-              <a:off x="8338607" y="1586630"/>
+              <a:off x="8338607" y="1586682"/>
               <a:ext cx="1650203" cy="0"/>
             </a:xfrm>
             <a:custGeom>
@@ -8345,7 +8345,7 @@
           </p:nvSpPr>
           <p:spPr>
             <a:xfrm>
-              <a:off x="8625665" y="2127153"/>
+              <a:off x="8746094" y="2127126"/>
               <a:ext cx="63202" cy="63202"/>
             </a:xfrm>
             <a:custGeom>
@@ -8388,7 +8388,7 @@
           </p:nvSpPr>
           <p:spPr>
             <a:xfrm>
-              <a:off x="8473628" y="2084075"/>
+              <a:off x="8779408" y="2084169"/>
               <a:ext cx="63202" cy="63202"/>
             </a:xfrm>
             <a:custGeom>
@@ -8431,7 +8431,7 @@
           </p:nvSpPr>
           <p:spPr>
             <a:xfrm>
-              <a:off x="8533182" y="2027220"/>
+              <a:off x="8781785" y="2027490"/>
               <a:ext cx="63202" cy="63202"/>
             </a:xfrm>
             <a:custGeom>
@@ -8474,7 +8474,7 @@
           </p:nvSpPr>
           <p:spPr>
             <a:xfrm>
-              <a:off x="8457477" y="5564438"/>
+              <a:off x="8619062" y="5564715"/>
               <a:ext cx="63202" cy="63202"/>
             </a:xfrm>
             <a:custGeom>
@@ -8517,7 +8517,7 @@
           </p:nvSpPr>
           <p:spPr>
             <a:xfrm>
-              <a:off x="8500932" y="4909564"/>
+              <a:off x="8724784" y="4909797"/>
               <a:ext cx="63202" cy="63202"/>
             </a:xfrm>
             <a:custGeom>
@@ -8560,7 +8560,7 @@
           </p:nvSpPr>
           <p:spPr>
             <a:xfrm>
-              <a:off x="9059511" y="6055762"/>
+              <a:off x="9302824" y="6056254"/>
               <a:ext cx="63202" cy="63202"/>
             </a:xfrm>
             <a:custGeom>
@@ -8603,7 +8603,7 @@
           </p:nvSpPr>
           <p:spPr>
             <a:xfrm>
-              <a:off x="9177130" y="6313248"/>
+              <a:off x="9130128" y="6313429"/>
               <a:ext cx="63202" cy="63202"/>
             </a:xfrm>
             <a:custGeom>
@@ -8646,7 +8646,7 @@
           </p:nvSpPr>
           <p:spPr>
             <a:xfrm>
-              <a:off x="8661542" y="4261163"/>
+              <a:off x="8780455" y="4261432"/>
               <a:ext cx="63202" cy="63202"/>
             </a:xfrm>
             <a:custGeom>
@@ -8689,7 +8689,7 @@
           </p:nvSpPr>
           <p:spPr>
             <a:xfrm>
-              <a:off x="8931033" y="6312444"/>
+              <a:off x="9084713" y="6312317"/>
               <a:ext cx="63202" cy="63202"/>
             </a:xfrm>
             <a:custGeom>
@@ -8732,7 +8732,7 @@
           </p:nvSpPr>
           <p:spPr>
             <a:xfrm>
-              <a:off x="8502843" y="4365783"/>
+              <a:off x="8721980" y="4365979"/>
               <a:ext cx="63202" cy="63202"/>
             </a:xfrm>
             <a:custGeom>
@@ -8775,7 +8775,7 @@
           </p:nvSpPr>
           <p:spPr>
             <a:xfrm>
-              <a:off x="8661257" y="4158552"/>
+              <a:off x="8675644" y="4158835"/>
               <a:ext cx="63202" cy="63202"/>
             </a:xfrm>
             <a:custGeom>
@@ -8818,7 +8818,7 @@
           </p:nvSpPr>
           <p:spPr>
             <a:xfrm>
-              <a:off x="8426578" y="5550760"/>
+              <a:off x="8426860" y="5551047"/>
               <a:ext cx="63202" cy="63202"/>
             </a:xfrm>
             <a:custGeom>
@@ -8861,7 +8861,7 @@
           </p:nvSpPr>
           <p:spPr>
             <a:xfrm>
-              <a:off x="8551008" y="4999659"/>
+              <a:off x="8624499" y="4999606"/>
               <a:ext cx="63202" cy="63202"/>
             </a:xfrm>
             <a:custGeom>
@@ -8904,7 +8904,7 @@
           </p:nvSpPr>
           <p:spPr>
             <a:xfrm>
-              <a:off x="8440404" y="4523875"/>
+              <a:off x="8783800" y="4524087"/>
               <a:ext cx="63202" cy="63202"/>
             </a:xfrm>
             <a:custGeom>
@@ -8947,7 +8947,7 @@
           </p:nvSpPr>
           <p:spPr>
             <a:xfrm>
-              <a:off x="9094590" y="6149537"/>
+              <a:off x="8978526" y="6149610"/>
               <a:ext cx="63202" cy="63202"/>
             </a:xfrm>
             <a:custGeom>
@@ -8990,7 +8990,7 @@
           </p:nvSpPr>
           <p:spPr>
             <a:xfrm>
-              <a:off x="9052320" y="6198593"/>
+              <a:off x="9277870" y="6199071"/>
               <a:ext cx="63202" cy="63202"/>
             </a:xfrm>
             <a:custGeom>
@@ -9033,7 +9033,7 @@
           </p:nvSpPr>
           <p:spPr>
             <a:xfrm>
-              <a:off x="8513522" y="4458223"/>
+              <a:off x="8461105" y="4458287"/>
               <a:ext cx="63202" cy="63202"/>
             </a:xfrm>
             <a:custGeom>
@@ -9076,7 +9076,7 @@
           </p:nvSpPr>
           <p:spPr>
             <a:xfrm>
-              <a:off x="9182993" y="6057332"/>
+              <a:off x="9106659" y="6057350"/>
               <a:ext cx="63202" cy="63202"/>
             </a:xfrm>
             <a:custGeom>
@@ -9119,7 +9119,7 @@
           </p:nvSpPr>
           <p:spPr>
             <a:xfrm>
-              <a:off x="8814931" y="2024751"/>
+              <a:off x="8506471" y="2024720"/>
               <a:ext cx="63202" cy="63202"/>
             </a:xfrm>
             <a:custGeom>
@@ -9162,7 +9162,7 @@
           </p:nvSpPr>
           <p:spPr>
             <a:xfrm>
-              <a:off x="8791270" y="5084662"/>
+              <a:off x="8482445" y="5085178"/>
               <a:ext cx="63202" cy="63202"/>
             </a:xfrm>
             <a:custGeom>
@@ -9205,7 +9205,7 @@
           </p:nvSpPr>
           <p:spPr>
             <a:xfrm>
-              <a:off x="8567281" y="4389668"/>
+              <a:off x="8505509" y="4389618"/>
               <a:ext cx="63202" cy="63202"/>
             </a:xfrm>
             <a:custGeom>
@@ -9248,7 +9248,7 @@
           </p:nvSpPr>
           <p:spPr>
             <a:xfrm>
-              <a:off x="9221408" y="6337393"/>
+              <a:off x="9097209" y="6337682"/>
               <a:ext cx="63202" cy="63202"/>
             </a:xfrm>
             <a:custGeom>
@@ -9291,7 +9291,7 @@
           </p:nvSpPr>
           <p:spPr>
             <a:xfrm>
-              <a:off x="8752559" y="5212804"/>
+              <a:off x="8739770" y="5212835"/>
               <a:ext cx="63202" cy="63202"/>
             </a:xfrm>
             <a:custGeom>
@@ -9334,7 +9334,7 @@
           </p:nvSpPr>
           <p:spPr>
             <a:xfrm>
-              <a:off x="8601133" y="5533625"/>
+              <a:off x="8611158" y="5533896"/>
               <a:ext cx="63202" cy="63202"/>
             </a:xfrm>
             <a:custGeom>
@@ -9377,7 +9377,7 @@
           </p:nvSpPr>
           <p:spPr>
             <a:xfrm>
-              <a:off x="8542438" y="3027768"/>
+              <a:off x="8712388" y="3027739"/>
               <a:ext cx="63202" cy="63202"/>
             </a:xfrm>
             <a:custGeom>
@@ -9420,7 +9420,7 @@
           </p:nvSpPr>
           <p:spPr>
             <a:xfrm>
-              <a:off x="8740537" y="5724967"/>
+              <a:off x="8466284" y="5725143"/>
               <a:ext cx="63202" cy="63202"/>
             </a:xfrm>
             <a:custGeom>
@@ -9463,7 +9463,7 @@
           </p:nvSpPr>
           <p:spPr>
             <a:xfrm>
-              <a:off x="8729288" y="1953518"/>
+              <a:off x="8746065" y="1953838"/>
               <a:ext cx="63202" cy="63202"/>
             </a:xfrm>
             <a:custGeom>
@@ -9506,7 +9506,7 @@
           </p:nvSpPr>
           <p:spPr>
             <a:xfrm>
-              <a:off x="8513282" y="1915967"/>
+              <a:off x="8435974" y="1916278"/>
               <a:ext cx="63202" cy="63202"/>
             </a:xfrm>
             <a:custGeom>
@@ -9549,7 +9549,7 @@
           </p:nvSpPr>
           <p:spPr>
             <a:xfrm>
-              <a:off x="8487927" y="4794232"/>
+              <a:off x="8603240" y="4794376"/>
               <a:ext cx="63202" cy="63202"/>
             </a:xfrm>
             <a:custGeom>
@@ -9592,7 +9592,7 @@
           </p:nvSpPr>
           <p:spPr>
             <a:xfrm>
-              <a:off x="8801924" y="4487219"/>
+              <a:off x="8750652" y="4487537"/>
               <a:ext cx="63202" cy="63202"/>
             </a:xfrm>
             <a:custGeom>
@@ -9635,7 +9635,7 @@
           </p:nvSpPr>
           <p:spPr>
             <a:xfrm>
-              <a:off x="8465533" y="1913274"/>
+              <a:off x="8430974" y="1913364"/>
               <a:ext cx="63202" cy="63202"/>
             </a:xfrm>
             <a:custGeom>
@@ -9678,7 +9678,7 @@
           </p:nvSpPr>
           <p:spPr>
             <a:xfrm>
-              <a:off x="9506478" y="6585478"/>
+              <a:off x="9681868" y="6585693"/>
               <a:ext cx="63202" cy="63202"/>
             </a:xfrm>
             <a:custGeom>
@@ -9721,7 +9721,7 @@
           </p:nvSpPr>
           <p:spPr>
             <a:xfrm>
-              <a:off x="8591755" y="4288634"/>
+              <a:off x="8820260" y="4288642"/>
               <a:ext cx="63202" cy="63202"/>
             </a:xfrm>
             <a:custGeom>
@@ -9764,7 +9764,7 @@
           </p:nvSpPr>
           <p:spPr>
             <a:xfrm>
-              <a:off x="8716518" y="3084389"/>
+              <a:off x="8448512" y="3084163"/>
               <a:ext cx="63202" cy="63202"/>
             </a:xfrm>
             <a:custGeom>
@@ -9807,7 +9807,7 @@
           </p:nvSpPr>
           <p:spPr>
             <a:xfrm>
-              <a:off x="8462656" y="3360451"/>
+              <a:off x="8793911" y="3360603"/>
               <a:ext cx="63202" cy="63202"/>
             </a:xfrm>
             <a:custGeom>
@@ -9850,7 +9850,7 @@
           </p:nvSpPr>
           <p:spPr>
             <a:xfrm>
-              <a:off x="8681137" y="2004106"/>
+              <a:off x="8628227" y="2004126"/>
               <a:ext cx="63202" cy="63202"/>
             </a:xfrm>
             <a:custGeom>
@@ -9893,7 +9893,7 @@
           </p:nvSpPr>
           <p:spPr>
             <a:xfrm>
-              <a:off x="8809600" y="1945946"/>
+              <a:off x="8669025" y="1945918"/>
               <a:ext cx="63202" cy="63202"/>
             </a:xfrm>
             <a:custGeom>
@@ -9936,7 +9936,7 @@
           </p:nvSpPr>
           <p:spPr>
             <a:xfrm>
-              <a:off x="8786275" y="2005151"/>
+              <a:off x="8490956" y="2005334"/>
               <a:ext cx="63202" cy="63202"/>
             </a:xfrm>
             <a:custGeom>
@@ -9979,7 +9979,7 @@
           </p:nvSpPr>
           <p:spPr>
             <a:xfrm>
-              <a:off x="8432476" y="2004008"/>
+              <a:off x="8448404" y="2004176"/>
               <a:ext cx="63202" cy="63202"/>
             </a:xfrm>
             <a:custGeom>
@@ -10022,7 +10022,7 @@
           </p:nvSpPr>
           <p:spPr>
             <a:xfrm>
-              <a:off x="8532190" y="1943376"/>
+              <a:off x="8724766" y="1943599"/>
               <a:ext cx="63202" cy="63202"/>
             </a:xfrm>
             <a:custGeom>
@@ -10065,7 +10065,7 @@
           </p:nvSpPr>
           <p:spPr>
             <a:xfrm>
-              <a:off x="8493051" y="3030812"/>
+              <a:off x="8709282" y="3030871"/>
               <a:ext cx="63202" cy="63202"/>
             </a:xfrm>
             <a:custGeom>
@@ -10108,7 +10108,7 @@
           </p:nvSpPr>
           <p:spPr>
             <a:xfrm>
-              <a:off x="8575704" y="3053938"/>
+              <a:off x="8605499" y="3054245"/>
               <a:ext cx="63202" cy="63202"/>
             </a:xfrm>
             <a:custGeom>
@@ -10151,7 +10151,7 @@
           </p:nvSpPr>
           <p:spPr>
             <a:xfrm>
-              <a:off x="8483651" y="5583063"/>
+              <a:off x="8539885" y="5583480"/>
               <a:ext cx="63202" cy="63202"/>
             </a:xfrm>
             <a:custGeom>
@@ -10194,7 +10194,7 @@
           </p:nvSpPr>
           <p:spPr>
             <a:xfrm>
-              <a:off x="8486685" y="2914655"/>
+              <a:off x="8656185" y="2914696"/>
               <a:ext cx="63202" cy="63202"/>
             </a:xfrm>
             <a:custGeom>
@@ -10237,7 +10237,7 @@
           </p:nvSpPr>
           <p:spPr>
             <a:xfrm>
-              <a:off x="8714585" y="2496529"/>
+              <a:off x="8421426" y="2496675"/>
               <a:ext cx="63202" cy="63202"/>
             </a:xfrm>
             <a:custGeom>
@@ -10280,7 +10280,7 @@
           </p:nvSpPr>
           <p:spPr>
             <a:xfrm>
-              <a:off x="8626427" y="2563707"/>
+              <a:off x="8689642" y="2563729"/>
               <a:ext cx="63202" cy="63202"/>
             </a:xfrm>
             <a:custGeom>
@@ -10323,7 +10323,7 @@
           </p:nvSpPr>
           <p:spPr>
             <a:xfrm>
-              <a:off x="8431211" y="5637900"/>
+              <a:off x="8775971" y="5637980"/>
               <a:ext cx="63202" cy="63202"/>
             </a:xfrm>
             <a:custGeom>
@@ -10366,7 +10366,7 @@
           </p:nvSpPr>
           <p:spPr>
             <a:xfrm>
-              <a:off x="8552611" y="2077362"/>
+              <a:off x="8426781" y="2077447"/>
               <a:ext cx="63202" cy="63202"/>
             </a:xfrm>
             <a:custGeom>
@@ -10409,7 +10409,7 @@
           </p:nvSpPr>
           <p:spPr>
             <a:xfrm>
-              <a:off x="8460037" y="2864453"/>
+              <a:off x="8421747" y="2864754"/>
               <a:ext cx="63202" cy="63202"/>
             </a:xfrm>
             <a:custGeom>
@@ -10452,7 +10452,7 @@
           </p:nvSpPr>
           <p:spPr>
             <a:xfrm>
-              <a:off x="8622637" y="2996504"/>
+              <a:off x="8656013" y="2996631"/>
               <a:ext cx="63202" cy="63202"/>
             </a:xfrm>
             <a:custGeom>
@@ -10495,7 +10495,7 @@
           </p:nvSpPr>
           <p:spPr>
             <a:xfrm>
-              <a:off x="8778449" y="1946785"/>
+              <a:off x="8771533" y="1946595"/>
               <a:ext cx="63202" cy="63202"/>
             </a:xfrm>
             <a:custGeom>
@@ -10538,7 +10538,7 @@
           </p:nvSpPr>
           <p:spPr>
             <a:xfrm>
-              <a:off x="8722930" y="1960149"/>
+              <a:off x="8510248" y="1960167"/>
               <a:ext cx="63202" cy="63202"/>
             </a:xfrm>
             <a:custGeom>
@@ -10581,7 +10581,7 @@
           </p:nvSpPr>
           <p:spPr>
             <a:xfrm>
-              <a:off x="8564936" y="2395904"/>
+              <a:off x="8696733" y="2395850"/>
               <a:ext cx="63202" cy="63202"/>
             </a:xfrm>
             <a:custGeom>
@@ -10624,7 +10624,7 @@
           </p:nvSpPr>
           <p:spPr>
             <a:xfrm>
-              <a:off x="8678996" y="2730890"/>
+              <a:off x="8606350" y="2731100"/>
               <a:ext cx="63202" cy="63202"/>
             </a:xfrm>
             <a:custGeom>
@@ -10667,7 +10667,7 @@
           </p:nvSpPr>
           <p:spPr>
             <a:xfrm>
-              <a:off x="8516758" y="2542297"/>
+              <a:off x="8632010" y="2542596"/>
               <a:ext cx="63202" cy="63202"/>
             </a:xfrm>
             <a:custGeom>
@@ -10710,7 +10710,7 @@
           </p:nvSpPr>
           <p:spPr>
             <a:xfrm>
-              <a:off x="8422877" y="1943587"/>
+              <a:off x="8476149" y="1943690"/>
               <a:ext cx="63202" cy="63202"/>
             </a:xfrm>
             <a:custGeom>
@@ -10753,7 +10753,7 @@
           </p:nvSpPr>
           <p:spPr>
             <a:xfrm>
-              <a:off x="8614349" y="1947045"/>
+              <a:off x="8784691" y="1947074"/>
               <a:ext cx="63202" cy="63202"/>
             </a:xfrm>
             <a:custGeom>
@@ -10796,7 +10796,7 @@
           </p:nvSpPr>
           <p:spPr>
             <a:xfrm>
-              <a:off x="8735246" y="3018405"/>
+              <a:off x="8623274" y="3018446"/>
               <a:ext cx="63202" cy="63202"/>
             </a:xfrm>
             <a:custGeom>
@@ -10839,7 +10839,7 @@
           </p:nvSpPr>
           <p:spPr>
             <a:xfrm>
-              <a:off x="8609851" y="1953806"/>
+              <a:off x="8506204" y="1953763"/>
               <a:ext cx="63202" cy="63202"/>
             </a:xfrm>
             <a:custGeom>
@@ -10882,7 +10882,7 @@
           </p:nvSpPr>
           <p:spPr>
             <a:xfrm>
-              <a:off x="8642600" y="1956745"/>
+              <a:off x="8819618" y="1957083"/>
               <a:ext cx="63202" cy="63202"/>
             </a:xfrm>
             <a:custGeom>
@@ -10925,7 +10925,7 @@
           </p:nvSpPr>
           <p:spPr>
             <a:xfrm>
-              <a:off x="8412160" y="1947750"/>
+              <a:off x="8580433" y="1947857"/>
               <a:ext cx="63202" cy="63202"/>
             </a:xfrm>
             <a:custGeom>
@@ -10968,7 +10968,7 @@
           </p:nvSpPr>
           <p:spPr>
             <a:xfrm>
-              <a:off x="8779494" y="1913180"/>
+              <a:off x="8677015" y="1913435"/>
               <a:ext cx="63202" cy="63202"/>
             </a:xfrm>
             <a:custGeom>
@@ -11011,7 +11011,7 @@
           </p:nvSpPr>
           <p:spPr>
             <a:xfrm>
-              <a:off x="8577956" y="1961876"/>
+              <a:off x="8475208" y="1962066"/>
               <a:ext cx="63202" cy="63202"/>
             </a:xfrm>
             <a:custGeom>
@@ -11054,7 +11054,7 @@
           </p:nvSpPr>
           <p:spPr>
             <a:xfrm>
-              <a:off x="8795250" y="3319334"/>
+              <a:off x="8628511" y="3319171"/>
               <a:ext cx="63202" cy="63202"/>
             </a:xfrm>
             <a:custGeom>
@@ -11097,7 +11097,7 @@
           </p:nvSpPr>
           <p:spPr>
             <a:xfrm>
-              <a:off x="8708954" y="1860422"/>
+              <a:off x="8640926" y="1860627"/>
               <a:ext cx="63202" cy="63202"/>
             </a:xfrm>
             <a:custGeom>
@@ -11140,7 +11140,7 @@
           </p:nvSpPr>
           <p:spPr>
             <a:xfrm>
-              <a:off x="8780256" y="2417159"/>
+              <a:off x="8451035" y="2417423"/>
               <a:ext cx="63202" cy="63202"/>
             </a:xfrm>
             <a:custGeom>
@@ -11183,7 +11183,7 @@
           </p:nvSpPr>
           <p:spPr>
             <a:xfrm>
-              <a:off x="8714865" y="4770131"/>
+              <a:off x="8575199" y="4770179"/>
               <a:ext cx="63202" cy="63202"/>
             </a:xfrm>
             <a:custGeom>
@@ -11226,7 +11226,7 @@
           </p:nvSpPr>
           <p:spPr>
             <a:xfrm>
-              <a:off x="8757695" y="4770142"/>
+              <a:off x="8496412" y="4770133"/>
               <a:ext cx="63202" cy="63202"/>
             </a:xfrm>
             <a:custGeom>
@@ -11269,7 +11269,7 @@
           </p:nvSpPr>
           <p:spPr>
             <a:xfrm>
-              <a:off x="8438728" y="2209386"/>
+              <a:off x="8646918" y="2209661"/>
               <a:ext cx="63202" cy="63202"/>
             </a:xfrm>
             <a:custGeom>
@@ -11312,7 +11312,7 @@
           </p:nvSpPr>
           <p:spPr>
             <a:xfrm>
-              <a:off x="8553129" y="2438435"/>
+              <a:off x="8543781" y="2438730"/>
               <a:ext cx="63202" cy="63202"/>
             </a:xfrm>
             <a:custGeom>
@@ -11355,7 +11355,7 @@
           </p:nvSpPr>
           <p:spPr>
             <a:xfrm>
-              <a:off x="8419422" y="4915311"/>
+              <a:off x="8539737" y="4915299"/>
               <a:ext cx="63202" cy="63202"/>
             </a:xfrm>
             <a:custGeom>
@@ -11398,7 +11398,7 @@
           </p:nvSpPr>
           <p:spPr>
             <a:xfrm>
-              <a:off x="8755090" y="4902103"/>
+              <a:off x="8480895" y="4902348"/>
               <a:ext cx="63202" cy="63202"/>
             </a:xfrm>
             <a:custGeom>
@@ -11441,7 +11441,7 @@
           </p:nvSpPr>
           <p:spPr>
             <a:xfrm>
-              <a:off x="8793051" y="4911559"/>
+              <a:off x="8506237" y="4911511"/>
               <a:ext cx="63202" cy="63202"/>
             </a:xfrm>
             <a:custGeom>
@@ -11484,7 +11484,7 @@
           </p:nvSpPr>
           <p:spPr>
             <a:xfrm>
-              <a:off x="8730972" y="4734548"/>
+              <a:off x="8694630" y="4734499"/>
               <a:ext cx="63202" cy="63202"/>
             </a:xfrm>
             <a:custGeom>
@@ -11527,7 +11527,7 @@
           </p:nvSpPr>
           <p:spPr>
             <a:xfrm>
-              <a:off x="8775370" y="1937031"/>
+              <a:off x="8668432" y="1936982"/>
               <a:ext cx="63202" cy="63202"/>
             </a:xfrm>
             <a:custGeom>
@@ -11570,7 +11570,7 @@
           </p:nvSpPr>
           <p:spPr>
             <a:xfrm>
-              <a:off x="8747223" y="5538164"/>
+              <a:off x="8582401" y="5538413"/>
               <a:ext cx="63202" cy="63202"/>
             </a:xfrm>
             <a:custGeom>
@@ -11613,7 +11613,7 @@
           </p:nvSpPr>
           <p:spPr>
             <a:xfrm>
-              <a:off x="8545622" y="5661326"/>
+              <a:off x="8450550" y="5661780"/>
               <a:ext cx="63202" cy="63202"/>
             </a:xfrm>
             <a:custGeom>
@@ -11656,7 +11656,7 @@
           </p:nvSpPr>
           <p:spPr>
             <a:xfrm>
-              <a:off x="8818716" y="5708473"/>
+              <a:off x="8744169" y="5708300"/>
               <a:ext cx="63202" cy="63202"/>
             </a:xfrm>
             <a:custGeom>
@@ -11699,7 +11699,7 @@
           </p:nvSpPr>
           <p:spPr>
             <a:xfrm>
-              <a:off x="8598161" y="5687012"/>
+              <a:off x="8436599" y="5687209"/>
               <a:ext cx="63202" cy="63202"/>
             </a:xfrm>
             <a:custGeom>
@@ -11742,7 +11742,7 @@
           </p:nvSpPr>
           <p:spPr>
             <a:xfrm>
-              <a:off x="8804290" y="5661602"/>
+              <a:off x="8805540" y="5661598"/>
               <a:ext cx="63202" cy="63202"/>
             </a:xfrm>
             <a:custGeom>
@@ -11785,7 +11785,7 @@
           </p:nvSpPr>
           <p:spPr>
             <a:xfrm>
-              <a:off x="8618872" y="2101011"/>
+              <a:off x="8614645" y="2101238"/>
               <a:ext cx="63202" cy="63202"/>
             </a:xfrm>
             <a:custGeom>
@@ -11828,7 +11828,7 @@
           </p:nvSpPr>
           <p:spPr>
             <a:xfrm>
-              <a:off x="8724184" y="4406087"/>
+              <a:off x="8523342" y="4406269"/>
               <a:ext cx="63202" cy="63202"/>
             </a:xfrm>
             <a:custGeom>
@@ -11871,7 +11871,7 @@
           </p:nvSpPr>
           <p:spPr>
             <a:xfrm>
-              <a:off x="8487513" y="2072839"/>
+              <a:off x="8791387" y="2072995"/>
               <a:ext cx="63202" cy="63202"/>
             </a:xfrm>
             <a:custGeom>
@@ -11914,7 +11914,7 @@
           </p:nvSpPr>
           <p:spPr>
             <a:xfrm>
-              <a:off x="8537607" y="2099114"/>
+              <a:off x="8433630" y="2099256"/>
               <a:ext cx="63202" cy="63202"/>
             </a:xfrm>
             <a:custGeom>
@@ -11957,7 +11957,7 @@
           </p:nvSpPr>
           <p:spPr>
             <a:xfrm>
-              <a:off x="8814903" y="2012843"/>
+              <a:off x="8638909" y="2013138"/>
               <a:ext cx="63202" cy="63202"/>
             </a:xfrm>
             <a:custGeom>
@@ -12000,7 +12000,7 @@
           </p:nvSpPr>
           <p:spPr>
             <a:xfrm>
-              <a:off x="8780460" y="2039735"/>
+              <a:off x="8691615" y="2039890"/>
               <a:ext cx="63202" cy="63202"/>
             </a:xfrm>
             <a:custGeom>
@@ -12043,7 +12043,7 @@
           </p:nvSpPr>
           <p:spPr>
             <a:xfrm>
-              <a:off x="8494551" y="2022149"/>
+              <a:off x="8510333" y="2022198"/>
               <a:ext cx="63202" cy="63202"/>
             </a:xfrm>
             <a:custGeom>
@@ -12086,7 +12086,7 @@
           </p:nvSpPr>
           <p:spPr>
             <a:xfrm>
-              <a:off x="8507495" y="3391675"/>
+              <a:off x="8419910" y="3391576"/>
               <a:ext cx="63202" cy="63202"/>
             </a:xfrm>
             <a:custGeom>
@@ -13854,7 +13854,7 @@
           </p:nvSpPr>
           <p:spPr>
             <a:xfrm>
-              <a:off x="1210339" y="5716685"/>
+              <a:off x="1210339" y="5716875"/>
               <a:ext cx="186466" cy="81746"/>
             </a:xfrm>
             <a:prstGeom prst="rect">
@@ -13900,7 +13900,7 @@
           </p:nvSpPr>
           <p:spPr>
             <a:xfrm>
-              <a:off x="1210339" y="4326139"/>
+              <a:off x="1210339" y="4326283"/>
               <a:ext cx="186466" cy="81691"/>
             </a:xfrm>
             <a:prstGeom prst="rect">
@@ -13946,7 +13946,7 @@
           </p:nvSpPr>
           <p:spPr>
             <a:xfrm>
-              <a:off x="1210339" y="2935539"/>
+              <a:off x="1210339" y="2935636"/>
               <a:ext cx="186466" cy="81691"/>
             </a:xfrm>
             <a:prstGeom prst="rect">
@@ -13992,7 +13992,7 @@
           </p:nvSpPr>
           <p:spPr>
             <a:xfrm>
-              <a:off x="1148183" y="1544939"/>
+              <a:off x="1148183" y="1544990"/>
               <a:ext cx="248622" cy="81691"/>
             </a:xfrm>
             <a:prstGeom prst="rect">
@@ -14038,7 +14038,7 @@
           </p:nvSpPr>
           <p:spPr>
             <a:xfrm>
-              <a:off x="1424641" y="5758432"/>
+              <a:off x="1424641" y="5758621"/>
               <a:ext cx="34794" cy="0"/>
             </a:xfrm>
             <a:custGeom>
@@ -14078,7 +14078,7 @@
           </p:nvSpPr>
           <p:spPr>
             <a:xfrm>
-              <a:off x="1424641" y="4367831"/>
+              <a:off x="1424641" y="4367975"/>
               <a:ext cx="34794" cy="0"/>
             </a:xfrm>
             <a:custGeom>
@@ -14118,7 +14118,7 @@
           </p:nvSpPr>
           <p:spPr>
             <a:xfrm>
-              <a:off x="1424641" y="2977231"/>
+              <a:off x="1424641" y="2977328"/>
               <a:ext cx="34794" cy="0"/>
             </a:xfrm>
             <a:custGeom>
@@ -14158,7 +14158,7 @@
           </p:nvSpPr>
           <p:spPr>
             <a:xfrm>
-              <a:off x="1424641" y="1586630"/>
+              <a:off x="1424641" y="1586682"/>
               <a:ext cx="34794" cy="0"/>
             </a:xfrm>
             <a:custGeom>

--- a/Images/Figures_PPT/Jitter_Plot_Rictor_Domain.pptx
+++ b/Images/Figures_PPT/Jitter_Plot_Rictor_Domain.pptx
@@ -2359,7 +2359,7 @@
           </p:nvSpPr>
           <p:spPr>
             <a:xfrm>
-              <a:off x="1459435" y="6453944"/>
+              <a:off x="1459435" y="6453852"/>
               <a:ext cx="1650203" cy="0"/>
             </a:xfrm>
             <a:custGeom>
@@ -2402,7 +2402,7 @@
           </p:nvSpPr>
           <p:spPr>
             <a:xfrm>
-              <a:off x="1459435" y="5063298"/>
+              <a:off x="1459435" y="5063201"/>
               <a:ext cx="1650203" cy="0"/>
             </a:xfrm>
             <a:custGeom>
@@ -2445,7 +2445,7 @@
           </p:nvSpPr>
           <p:spPr>
             <a:xfrm>
-              <a:off x="1459435" y="3672651"/>
+              <a:off x="1459435" y="3672550"/>
               <a:ext cx="1650203" cy="0"/>
             </a:xfrm>
             <a:custGeom>
@@ -2488,7 +2488,7 @@
           </p:nvSpPr>
           <p:spPr>
             <a:xfrm>
-              <a:off x="1459435" y="2282005"/>
+              <a:off x="1459435" y="2281898"/>
               <a:ext cx="1650203" cy="0"/>
             </a:xfrm>
             <a:custGeom>
@@ -2531,7 +2531,7 @@
           </p:nvSpPr>
           <p:spPr>
             <a:xfrm>
-              <a:off x="1459435" y="5758621"/>
+              <a:off x="1459435" y="5758527"/>
               <a:ext cx="1650203" cy="0"/>
             </a:xfrm>
             <a:custGeom>
@@ -2574,7 +2574,7 @@
           </p:nvSpPr>
           <p:spPr>
             <a:xfrm>
-              <a:off x="1459435" y="4367975"/>
+              <a:off x="1459435" y="4367875"/>
               <a:ext cx="1650203" cy="0"/>
             </a:xfrm>
             <a:custGeom>
@@ -2617,7 +2617,7 @@
           </p:nvSpPr>
           <p:spPr>
             <a:xfrm>
-              <a:off x="1459435" y="2977328"/>
+              <a:off x="1459435" y="2977224"/>
               <a:ext cx="1650203" cy="0"/>
             </a:xfrm>
             <a:custGeom>
@@ -2660,7 +2660,7 @@
           </p:nvSpPr>
           <p:spPr>
             <a:xfrm>
-              <a:off x="1459435" y="1586682"/>
+              <a:off x="1459435" y="1586572"/>
               <a:ext cx="1650203" cy="0"/>
             </a:xfrm>
             <a:custGeom>
@@ -2832,7 +2832,7 @@
           </p:nvSpPr>
           <p:spPr>
             <a:xfrm>
-              <a:off x="2767688" y="6513296"/>
+              <a:off x="2764463" y="6513002"/>
               <a:ext cx="63202" cy="63202"/>
             </a:xfrm>
             <a:custGeom>
@@ -2875,7 +2875,7 @@
           </p:nvSpPr>
           <p:spPr>
             <a:xfrm>
-              <a:off x="2201205" y="6043536"/>
+              <a:off x="2451900" y="6043466"/>
               <a:ext cx="63202" cy="63202"/>
             </a:xfrm>
             <a:custGeom>
@@ -2918,7 +2918,7 @@
           </p:nvSpPr>
           <p:spPr>
             <a:xfrm>
-              <a:off x="1617508" y="4159586"/>
+              <a:off x="1748107" y="4159514"/>
               <a:ext cx="63202" cy="63202"/>
             </a:xfrm>
             <a:custGeom>
@@ -2961,7 +2961,7 @@
           </p:nvSpPr>
           <p:spPr>
             <a:xfrm>
-              <a:off x="1668252" y="2962529"/>
+              <a:off x="1584865" y="2962171"/>
               <a:ext cx="63202" cy="63202"/>
             </a:xfrm>
             <a:custGeom>
@@ -3004,7 +3004,7 @@
           </p:nvSpPr>
           <p:spPr>
             <a:xfrm>
-              <a:off x="2671068" y="6610242"/>
+              <a:off x="2629641" y="6609859"/>
               <a:ext cx="63202" cy="63202"/>
             </a:xfrm>
             <a:custGeom>
@@ -3047,7 +3047,7 @@
           </p:nvSpPr>
           <p:spPr>
             <a:xfrm>
-              <a:off x="1703008" y="2962334"/>
+              <a:off x="1537298" y="2962297"/>
               <a:ext cx="63202" cy="63202"/>
             </a:xfrm>
             <a:custGeom>
@@ -3090,7 +3090,7 @@
           </p:nvSpPr>
           <p:spPr>
             <a:xfrm>
-              <a:off x="2133737" y="5826539"/>
+              <a:off x="2237093" y="5826412"/>
               <a:ext cx="63202" cy="63202"/>
             </a:xfrm>
             <a:custGeom>
@@ -3133,7 +3133,7 @@
           </p:nvSpPr>
           <p:spPr>
             <a:xfrm>
-              <a:off x="1773476" y="4899750"/>
+              <a:off x="1589114" y="4899406"/>
               <a:ext cx="63202" cy="63202"/>
             </a:xfrm>
             <a:custGeom>
@@ -3176,7 +3176,7 @@
           </p:nvSpPr>
           <p:spPr>
             <a:xfrm>
-              <a:off x="1730996" y="3991779"/>
+              <a:off x="1843382" y="3992033"/>
               <a:ext cx="63202" cy="63202"/>
             </a:xfrm>
             <a:custGeom>
@@ -3219,7 +3219,7 @@
           </p:nvSpPr>
           <p:spPr>
             <a:xfrm>
-              <a:off x="2396285" y="6404548"/>
+              <a:off x="2266190" y="6404599"/>
               <a:ext cx="63202" cy="63202"/>
             </a:xfrm>
             <a:custGeom>
@@ -3262,7 +3262,7 @@
           </p:nvSpPr>
           <p:spPr>
             <a:xfrm>
-              <a:off x="2748212" y="6453305"/>
+              <a:off x="2677360" y="6453206"/>
               <a:ext cx="63202" cy="63202"/>
             </a:xfrm>
             <a:custGeom>
@@ -3305,7 +3305,7 @@
           </p:nvSpPr>
           <p:spPr>
             <a:xfrm>
-              <a:off x="1590845" y="3023743"/>
+              <a:off x="1768164" y="3023365"/>
               <a:ext cx="63202" cy="63202"/>
             </a:xfrm>
             <a:custGeom>
@@ -3348,7 +3348,7 @@
           </p:nvSpPr>
           <p:spPr>
             <a:xfrm>
-              <a:off x="1800179" y="3004493"/>
+              <a:off x="1918775" y="3004609"/>
               <a:ext cx="63202" cy="63202"/>
             </a:xfrm>
             <a:custGeom>
@@ -3391,7 +3391,7 @@
           </p:nvSpPr>
           <p:spPr>
             <a:xfrm>
-              <a:off x="1923414" y="2993926"/>
+              <a:off x="1715818" y="2993791"/>
               <a:ext cx="63202" cy="63202"/>
             </a:xfrm>
             <a:custGeom>
@@ -3434,7 +3434,7 @@
           </p:nvSpPr>
           <p:spPr>
             <a:xfrm>
-              <a:off x="1588590" y="4257234"/>
+              <a:off x="1711721" y="4256983"/>
               <a:ext cx="63202" cy="63202"/>
             </a:xfrm>
             <a:custGeom>
@@ -3533,7 +3533,7 @@
           </p:nvSpPr>
           <p:spPr>
             <a:xfrm>
-              <a:off x="3179228" y="6453944"/>
+              <a:off x="3179228" y="6453852"/>
               <a:ext cx="1650203" cy="0"/>
             </a:xfrm>
             <a:custGeom>
@@ -3576,7 +3576,7 @@
           </p:nvSpPr>
           <p:spPr>
             <a:xfrm>
-              <a:off x="3179228" y="5063298"/>
+              <a:off x="3179228" y="5063201"/>
               <a:ext cx="1650203" cy="0"/>
             </a:xfrm>
             <a:custGeom>
@@ -3619,7 +3619,7 @@
           </p:nvSpPr>
           <p:spPr>
             <a:xfrm>
-              <a:off x="3179228" y="3672651"/>
+              <a:off x="3179228" y="3672550"/>
               <a:ext cx="1650203" cy="0"/>
             </a:xfrm>
             <a:custGeom>
@@ -3662,7 +3662,7 @@
           </p:nvSpPr>
           <p:spPr>
             <a:xfrm>
-              <a:off x="3179228" y="2282005"/>
+              <a:off x="3179228" y="2281898"/>
               <a:ext cx="1650203" cy="0"/>
             </a:xfrm>
             <a:custGeom>
@@ -3705,7 +3705,7 @@
           </p:nvSpPr>
           <p:spPr>
             <a:xfrm>
-              <a:off x="3179228" y="5758621"/>
+              <a:off x="3179228" y="5758527"/>
               <a:ext cx="1650203" cy="0"/>
             </a:xfrm>
             <a:custGeom>
@@ -3748,7 +3748,7 @@
           </p:nvSpPr>
           <p:spPr>
             <a:xfrm>
-              <a:off x="3179228" y="4367975"/>
+              <a:off x="3179228" y="4367875"/>
               <a:ext cx="1650203" cy="0"/>
             </a:xfrm>
             <a:custGeom>
@@ -3791,7 +3791,7 @@
           </p:nvSpPr>
           <p:spPr>
             <a:xfrm>
-              <a:off x="3179228" y="2977328"/>
+              <a:off x="3179228" y="2977224"/>
               <a:ext cx="1650203" cy="0"/>
             </a:xfrm>
             <a:custGeom>
@@ -3834,7 +3834,7 @@
           </p:nvSpPr>
           <p:spPr>
             <a:xfrm>
-              <a:off x="3179228" y="1586682"/>
+              <a:off x="3179228" y="1586572"/>
               <a:ext cx="1650203" cy="0"/>
             </a:xfrm>
             <a:custGeom>
@@ -4006,7 +4006,7 @@
           </p:nvSpPr>
           <p:spPr>
             <a:xfrm>
-              <a:off x="3254916" y="3632205"/>
+              <a:off x="3423714" y="3632235"/>
               <a:ext cx="63202" cy="63202"/>
             </a:xfrm>
             <a:custGeom>
@@ -4049,7 +4049,7 @@
           </p:nvSpPr>
           <p:spPr>
             <a:xfrm>
-              <a:off x="3571798" y="3359084"/>
+              <a:off x="3464585" y="3359176"/>
               <a:ext cx="63202" cy="63202"/>
             </a:xfrm>
             <a:custGeom>
@@ -4092,7 +4092,7 @@
           </p:nvSpPr>
           <p:spPr>
             <a:xfrm>
-              <a:off x="3265020" y="3770698"/>
+              <a:off x="3454513" y="3770566"/>
               <a:ext cx="63202" cy="63202"/>
             </a:xfrm>
             <a:custGeom>
@@ -4135,7 +4135,7 @@
           </p:nvSpPr>
           <p:spPr>
             <a:xfrm>
-              <a:off x="3266571" y="3503398"/>
+              <a:off x="3314572" y="3503207"/>
               <a:ext cx="63202" cy="63202"/>
             </a:xfrm>
             <a:custGeom>
@@ -4178,7 +4178,7 @@
           </p:nvSpPr>
           <p:spPr>
             <a:xfrm>
-              <a:off x="4062290" y="5727316"/>
+              <a:off x="3809586" y="5727523"/>
               <a:ext cx="63202" cy="63202"/>
             </a:xfrm>
             <a:custGeom>
@@ -4221,7 +4221,7 @@
           </p:nvSpPr>
           <p:spPr>
             <a:xfrm>
-              <a:off x="3433941" y="4494536"/>
+              <a:off x="3479732" y="4494519"/>
               <a:ext cx="63202" cy="63202"/>
             </a:xfrm>
             <a:custGeom>
@@ -4264,7 +4264,7 @@
           </p:nvSpPr>
           <p:spPr>
             <a:xfrm>
-              <a:off x="3445018" y="3631213"/>
+              <a:off x="3356802" y="3631271"/>
               <a:ext cx="63202" cy="63202"/>
             </a:xfrm>
             <a:custGeom>
@@ -4307,7 +4307,7 @@
           </p:nvSpPr>
           <p:spPr>
             <a:xfrm>
-              <a:off x="3438833" y="3499671"/>
+              <a:off x="3370259" y="3499658"/>
               <a:ext cx="63202" cy="63202"/>
             </a:xfrm>
             <a:custGeom>
@@ -4350,7 +4350,7 @@
           </p:nvSpPr>
           <p:spPr>
             <a:xfrm>
-              <a:off x="3451938" y="3594694"/>
+              <a:off x="3568094" y="3594469"/>
               <a:ext cx="63202" cy="63202"/>
             </a:xfrm>
             <a:custGeom>
@@ -4393,7 +4393,7 @@
           </p:nvSpPr>
           <p:spPr>
             <a:xfrm>
-              <a:off x="3496738" y="4455322"/>
+              <a:off x="3461389" y="4455380"/>
               <a:ext cx="63202" cy="63202"/>
             </a:xfrm>
             <a:custGeom>
@@ -4436,7 +4436,7 @@
           </p:nvSpPr>
           <p:spPr>
             <a:xfrm>
-              <a:off x="3931694" y="6016595"/>
+              <a:off x="3987761" y="6016485"/>
               <a:ext cx="63202" cy="63202"/>
             </a:xfrm>
             <a:custGeom>
@@ -4479,7 +4479,7 @@
           </p:nvSpPr>
           <p:spPr>
             <a:xfrm>
-              <a:off x="3467015" y="4360419"/>
+              <a:off x="3652032" y="4360430"/>
               <a:ext cx="63202" cy="63202"/>
             </a:xfrm>
             <a:custGeom>
@@ -4522,7 +4522,7 @@
           </p:nvSpPr>
           <p:spPr>
             <a:xfrm>
-              <a:off x="3600375" y="4501061"/>
+              <a:off x="3258609" y="4500851"/>
               <a:ext cx="63202" cy="63202"/>
             </a:xfrm>
             <a:custGeom>
@@ -4565,7 +4565,7 @@
           </p:nvSpPr>
           <p:spPr>
             <a:xfrm>
-              <a:off x="3620740" y="4745391"/>
+              <a:off x="3401966" y="4745309"/>
               <a:ext cx="63202" cy="63202"/>
             </a:xfrm>
             <a:custGeom>
@@ -4608,7 +4608,7 @@
           </p:nvSpPr>
           <p:spPr>
             <a:xfrm>
-              <a:off x="3422634" y="4349390"/>
+              <a:off x="3491702" y="4349160"/>
               <a:ext cx="63202" cy="63202"/>
             </a:xfrm>
             <a:custGeom>
@@ -4651,7 +4651,7 @@
           </p:nvSpPr>
           <p:spPr>
             <a:xfrm>
-              <a:off x="3396090" y="3766991"/>
+              <a:off x="3285627" y="3766985"/>
               <a:ext cx="63202" cy="63202"/>
             </a:xfrm>
             <a:custGeom>
@@ -4694,7 +4694,7 @@
           </p:nvSpPr>
           <p:spPr>
             <a:xfrm>
-              <a:off x="4458955" y="6627813"/>
+              <a:off x="4617422" y="6627628"/>
               <a:ext cx="63202" cy="63202"/>
             </a:xfrm>
             <a:custGeom>
@@ -4737,7 +4737,7 @@
           </p:nvSpPr>
           <p:spPr>
             <a:xfrm>
-              <a:off x="3405463" y="4138055"/>
+              <a:off x="3335874" y="4137989"/>
               <a:ext cx="63202" cy="63202"/>
             </a:xfrm>
             <a:custGeom>
@@ -4780,7 +4780,7 @@
           </p:nvSpPr>
           <p:spPr>
             <a:xfrm>
-              <a:off x="3356438" y="3984996"/>
+              <a:off x="3611265" y="3984923"/>
               <a:ext cx="63202" cy="63202"/>
             </a:xfrm>
             <a:custGeom>
@@ -4823,7 +4823,7 @@
           </p:nvSpPr>
           <p:spPr>
             <a:xfrm>
-              <a:off x="3332030" y="3632167"/>
+              <a:off x="3650432" y="3631959"/>
               <a:ext cx="63202" cy="63202"/>
             </a:xfrm>
             <a:custGeom>
@@ -4866,7 +4866,7 @@
           </p:nvSpPr>
           <p:spPr>
             <a:xfrm>
-              <a:off x="3492369" y="5555874"/>
+              <a:off x="3497448" y="5555906"/>
               <a:ext cx="63202" cy="63202"/>
             </a:xfrm>
             <a:custGeom>
@@ -4909,7 +4909,7 @@
           </p:nvSpPr>
           <p:spPr>
             <a:xfrm>
-              <a:off x="3507484" y="4299624"/>
+              <a:off x="3264416" y="4299813"/>
               <a:ext cx="63202" cy="63202"/>
             </a:xfrm>
             <a:custGeom>
@@ -4952,7 +4952,7 @@
           </p:nvSpPr>
           <p:spPr>
             <a:xfrm>
-              <a:off x="3319893" y="4500878"/>
+              <a:off x="3623105" y="4500881"/>
               <a:ext cx="63202" cy="63202"/>
             </a:xfrm>
             <a:custGeom>
@@ -4995,7 +4995,7 @@
           </p:nvSpPr>
           <p:spPr>
             <a:xfrm>
-              <a:off x="3541250" y="5375269"/>
+              <a:off x="3428103" y="5375242"/>
               <a:ext cx="63202" cy="63202"/>
             </a:xfrm>
             <a:custGeom>
@@ -5038,7 +5038,7 @@
           </p:nvSpPr>
           <p:spPr>
             <a:xfrm>
-              <a:off x="3464856" y="3632105"/>
+              <a:off x="3341596" y="3632281"/>
               <a:ext cx="63202" cy="63202"/>
             </a:xfrm>
             <a:custGeom>
@@ -5081,7 +5081,7 @@
           </p:nvSpPr>
           <p:spPr>
             <a:xfrm>
-              <a:off x="3519596" y="4354522"/>
+              <a:off x="3295954" y="4354331"/>
               <a:ext cx="63202" cy="63202"/>
             </a:xfrm>
             <a:custGeom>
@@ -5124,7 +5124,7 @@
           </p:nvSpPr>
           <p:spPr>
             <a:xfrm>
-              <a:off x="3624998" y="4324191"/>
+              <a:off x="3599243" y="4324228"/>
               <a:ext cx="63202" cy="63202"/>
             </a:xfrm>
             <a:custGeom>
@@ -5167,7 +5167,7 @@
           </p:nvSpPr>
           <p:spPr>
             <a:xfrm>
-              <a:off x="3637111" y="5171116"/>
+              <a:off x="3362655" y="5170947"/>
               <a:ext cx="63202" cy="63202"/>
             </a:xfrm>
             <a:custGeom>
@@ -5210,7 +5210,7 @@
           </p:nvSpPr>
           <p:spPr>
             <a:xfrm>
-              <a:off x="3590427" y="3673193"/>
+              <a:off x="3395458" y="3673095"/>
               <a:ext cx="63202" cy="63202"/>
             </a:xfrm>
             <a:custGeom>
@@ -5253,7 +5253,7 @@
           </p:nvSpPr>
           <p:spPr>
             <a:xfrm>
-              <a:off x="3427872" y="3815173"/>
+              <a:off x="3607020" y="3815106"/>
               <a:ext cx="63202" cy="63202"/>
             </a:xfrm>
             <a:custGeom>
@@ -5296,7 +5296,7 @@
           </p:nvSpPr>
           <p:spPr>
             <a:xfrm>
-              <a:off x="3252780" y="3803652"/>
+              <a:off x="3626109" y="3803492"/>
               <a:ext cx="63202" cy="63202"/>
             </a:xfrm>
             <a:custGeom>
@@ -5339,7 +5339,7 @@
           </p:nvSpPr>
           <p:spPr>
             <a:xfrm>
-              <a:off x="3578381" y="3794581"/>
+              <a:off x="3287128" y="3794520"/>
               <a:ext cx="63202" cy="63202"/>
             </a:xfrm>
             <a:custGeom>
@@ -5382,7 +5382,7 @@
           </p:nvSpPr>
           <p:spPr>
             <a:xfrm>
-              <a:off x="3316287" y="3794986"/>
+              <a:off x="3492067" y="3794844"/>
               <a:ext cx="63202" cy="63202"/>
             </a:xfrm>
             <a:custGeom>
@@ -5425,7 +5425,7 @@
           </p:nvSpPr>
           <p:spPr>
             <a:xfrm>
-              <a:off x="3550531" y="3821230"/>
+              <a:off x="3638873" y="3821102"/>
               <a:ext cx="63202" cy="63202"/>
             </a:xfrm>
             <a:custGeom>
@@ -5468,7 +5468,7 @@
           </p:nvSpPr>
           <p:spPr>
             <a:xfrm>
-              <a:off x="3398443" y="3899553"/>
+              <a:off x="3529686" y="3899652"/>
               <a:ext cx="63202" cy="63202"/>
             </a:xfrm>
             <a:custGeom>
@@ -5511,7 +5511,7 @@
           </p:nvSpPr>
           <p:spPr>
             <a:xfrm>
-              <a:off x="3553210" y="4274308"/>
+              <a:off x="3274252" y="4274278"/>
               <a:ext cx="63202" cy="63202"/>
             </a:xfrm>
             <a:custGeom>
@@ -5554,7 +5554,7 @@
           </p:nvSpPr>
           <p:spPr>
             <a:xfrm>
-              <a:off x="3384079" y="4253525"/>
+              <a:off x="3561539" y="4253284"/>
               <a:ext cx="63202" cy="63202"/>
             </a:xfrm>
             <a:custGeom>
@@ -5597,7 +5597,7 @@
           </p:nvSpPr>
           <p:spPr>
             <a:xfrm>
-              <a:off x="3567116" y="3770676"/>
+              <a:off x="3279154" y="3770571"/>
               <a:ext cx="63202" cy="63202"/>
             </a:xfrm>
             <a:custGeom>
@@ -5640,7 +5640,7 @@
           </p:nvSpPr>
           <p:spPr>
             <a:xfrm>
-              <a:off x="3390132" y="4856487"/>
+              <a:off x="3383315" y="4856470"/>
               <a:ext cx="63202" cy="63202"/>
             </a:xfrm>
             <a:custGeom>
@@ -5683,7 +5683,7 @@
           </p:nvSpPr>
           <p:spPr>
             <a:xfrm>
-              <a:off x="3577889" y="4372623"/>
+              <a:off x="3302223" y="4372386"/>
               <a:ext cx="63202" cy="63202"/>
             </a:xfrm>
             <a:custGeom>
@@ -5726,7 +5726,7 @@
           </p:nvSpPr>
           <p:spPr>
             <a:xfrm>
-              <a:off x="3348604" y="3775644"/>
+              <a:off x="3349240" y="3775542"/>
               <a:ext cx="63202" cy="63202"/>
             </a:xfrm>
             <a:custGeom>
@@ -5769,7 +5769,7 @@
           </p:nvSpPr>
           <p:spPr>
             <a:xfrm>
-              <a:off x="3457947" y="3774982"/>
+              <a:off x="3608055" y="3774737"/>
               <a:ext cx="63202" cy="63202"/>
             </a:xfrm>
             <a:custGeom>
@@ -5812,7 +5812,7 @@
           </p:nvSpPr>
           <p:spPr>
             <a:xfrm>
-              <a:off x="3595723" y="3749996"/>
+              <a:off x="3334984" y="3749978"/>
               <a:ext cx="63202" cy="63202"/>
             </a:xfrm>
             <a:custGeom>
@@ -5855,7 +5855,7 @@
           </p:nvSpPr>
           <p:spPr>
             <a:xfrm>
-              <a:off x="3455366" y="3797661"/>
+              <a:off x="3519172" y="3797692"/>
               <a:ext cx="63202" cy="63202"/>
             </a:xfrm>
             <a:custGeom>
@@ -5898,7 +5898,7 @@
           </p:nvSpPr>
           <p:spPr>
             <a:xfrm>
-              <a:off x="3321911" y="3503528"/>
+              <a:off x="3453797" y="3503447"/>
               <a:ext cx="63202" cy="63202"/>
             </a:xfrm>
             <a:custGeom>
@@ -5997,7 +5997,7 @@
           </p:nvSpPr>
           <p:spPr>
             <a:xfrm>
-              <a:off x="4899021" y="6453944"/>
+              <a:off x="4899021" y="6453852"/>
               <a:ext cx="1650203" cy="0"/>
             </a:xfrm>
             <a:custGeom>
@@ -6040,7 +6040,7 @@
           </p:nvSpPr>
           <p:spPr>
             <a:xfrm>
-              <a:off x="4899021" y="5063298"/>
+              <a:off x="4899021" y="5063201"/>
               <a:ext cx="1650203" cy="0"/>
             </a:xfrm>
             <a:custGeom>
@@ -6083,7 +6083,7 @@
           </p:nvSpPr>
           <p:spPr>
             <a:xfrm>
-              <a:off x="4899021" y="3672651"/>
+              <a:off x="4899021" y="3672550"/>
               <a:ext cx="1650203" cy="0"/>
             </a:xfrm>
             <a:custGeom>
@@ -6126,7 +6126,7 @@
           </p:nvSpPr>
           <p:spPr>
             <a:xfrm>
-              <a:off x="4899021" y="2282005"/>
+              <a:off x="4899021" y="2281898"/>
               <a:ext cx="1650203" cy="0"/>
             </a:xfrm>
             <a:custGeom>
@@ -6169,7 +6169,7 @@
           </p:nvSpPr>
           <p:spPr>
             <a:xfrm>
-              <a:off x="4899021" y="5758621"/>
+              <a:off x="4899021" y="5758527"/>
               <a:ext cx="1650203" cy="0"/>
             </a:xfrm>
             <a:custGeom>
@@ -6212,7 +6212,7 @@
           </p:nvSpPr>
           <p:spPr>
             <a:xfrm>
-              <a:off x="4899021" y="4367975"/>
+              <a:off x="4899021" y="4367875"/>
               <a:ext cx="1650203" cy="0"/>
             </a:xfrm>
             <a:custGeom>
@@ -6255,7 +6255,7 @@
           </p:nvSpPr>
           <p:spPr>
             <a:xfrm>
-              <a:off x="4899021" y="2977328"/>
+              <a:off x="4899021" y="2977224"/>
               <a:ext cx="1650203" cy="0"/>
             </a:xfrm>
             <a:custGeom>
@@ -6298,7 +6298,7 @@
           </p:nvSpPr>
           <p:spPr>
             <a:xfrm>
-              <a:off x="4899021" y="1586682"/>
+              <a:off x="4899021" y="1586572"/>
               <a:ext cx="1650203" cy="0"/>
             </a:xfrm>
             <a:custGeom>
@@ -6470,7 +6470,7 @@
           </p:nvSpPr>
           <p:spPr>
             <a:xfrm>
-              <a:off x="5677933" y="5942061"/>
+              <a:off x="5881339" y="5942111"/>
               <a:ext cx="63202" cy="63202"/>
             </a:xfrm>
             <a:custGeom>
@@ -6513,7 +6513,7 @@
           </p:nvSpPr>
           <p:spPr>
             <a:xfrm>
-              <a:off x="5101358" y="1641734"/>
+              <a:off x="5347667" y="1641734"/>
               <a:ext cx="63202" cy="63202"/>
             </a:xfrm>
             <a:custGeom>
@@ -6556,7 +6556,7 @@
           </p:nvSpPr>
           <p:spPr>
             <a:xfrm>
-              <a:off x="5175433" y="2597440"/>
+              <a:off x="5355866" y="2597397"/>
               <a:ext cx="63202" cy="63202"/>
             </a:xfrm>
             <a:custGeom>
@@ -6599,7 +6599,7 @@
           </p:nvSpPr>
           <p:spPr>
             <a:xfrm>
-              <a:off x="5170651" y="2177054"/>
+              <a:off x="5352271" y="2176998"/>
               <a:ext cx="63202" cy="63202"/>
             </a:xfrm>
             <a:custGeom>
@@ -6642,7 +6642,7 @@
           </p:nvSpPr>
           <p:spPr>
             <a:xfrm>
-              <a:off x="5002354" y="2614150"/>
+              <a:off x="5368788" y="2614020"/>
               <a:ext cx="63202" cy="63202"/>
             </a:xfrm>
             <a:custGeom>
@@ -6685,7 +6685,7 @@
           </p:nvSpPr>
           <p:spPr>
             <a:xfrm>
-              <a:off x="5870142" y="6088963"/>
+              <a:off x="5550007" y="6089044"/>
               <a:ext cx="63202" cy="63202"/>
             </a:xfrm>
             <a:custGeom>
@@ -6728,7 +6728,7 @@
           </p:nvSpPr>
           <p:spPr>
             <a:xfrm>
-              <a:off x="6377111" y="6634049"/>
+              <a:off x="6267802" y="6634049"/>
               <a:ext cx="63202" cy="63202"/>
             </a:xfrm>
             <a:custGeom>
@@ -6771,7 +6771,7 @@
           </p:nvSpPr>
           <p:spPr>
             <a:xfrm>
-              <a:off x="5160010" y="5639529"/>
+              <a:off x="5055047" y="5639377"/>
               <a:ext cx="63202" cy="63202"/>
             </a:xfrm>
             <a:custGeom>
@@ -6814,7 +6814,7 @@
           </p:nvSpPr>
           <p:spPr>
             <a:xfrm>
-              <a:off x="5170133" y="4825339"/>
+              <a:off x="5242696" y="4825420"/>
               <a:ext cx="63202" cy="63202"/>
             </a:xfrm>
             <a:custGeom>
@@ -6857,7 +6857,7 @@
           </p:nvSpPr>
           <p:spPr>
             <a:xfrm>
-              <a:off x="5518127" y="6085727"/>
+              <a:off x="5528722" y="6085709"/>
               <a:ext cx="63202" cy="63202"/>
             </a:xfrm>
             <a:custGeom>
@@ -6900,7 +6900,7 @@
           </p:nvSpPr>
           <p:spPr>
             <a:xfrm>
-              <a:off x="5203871" y="3691610"/>
+              <a:off x="5049169" y="3691476"/>
               <a:ext cx="63202" cy="63202"/>
             </a:xfrm>
             <a:custGeom>
@@ -6943,7 +6943,7 @@
           </p:nvSpPr>
           <p:spPr>
             <a:xfrm>
-              <a:off x="5354322" y="3565655"/>
+              <a:off x="5141872" y="3565299"/>
               <a:ext cx="63202" cy="63202"/>
             </a:xfrm>
             <a:custGeom>
@@ -6986,7 +6986,7 @@
           </p:nvSpPr>
           <p:spPr>
             <a:xfrm>
-              <a:off x="6190108" y="6620814"/>
+              <a:off x="6133369" y="6620813"/>
               <a:ext cx="63202" cy="63202"/>
             </a:xfrm>
             <a:custGeom>
@@ -7029,7 +7029,7 @@
           </p:nvSpPr>
           <p:spPr>
             <a:xfrm>
-              <a:off x="5777640" y="6042547"/>
+              <a:off x="5806412" y="6042675"/>
               <a:ext cx="63202" cy="63202"/>
             </a:xfrm>
             <a:custGeom>
@@ -7072,7 +7072,7 @@
           </p:nvSpPr>
           <p:spPr>
             <a:xfrm>
-              <a:off x="5526784" y="5745620"/>
+              <a:off x="5556952" y="5745412"/>
               <a:ext cx="63202" cy="63202"/>
             </a:xfrm>
             <a:custGeom>
@@ -7171,7 +7171,7 @@
           </p:nvSpPr>
           <p:spPr>
             <a:xfrm>
-              <a:off x="6618814" y="6453944"/>
+              <a:off x="6618814" y="6453852"/>
               <a:ext cx="1650203" cy="0"/>
             </a:xfrm>
             <a:custGeom>
@@ -7214,7 +7214,7 @@
           </p:nvSpPr>
           <p:spPr>
             <a:xfrm>
-              <a:off x="6618814" y="5063298"/>
+              <a:off x="6618814" y="5063201"/>
               <a:ext cx="1650203" cy="0"/>
             </a:xfrm>
             <a:custGeom>
@@ -7257,7 +7257,7 @@
           </p:nvSpPr>
           <p:spPr>
             <a:xfrm>
-              <a:off x="6618814" y="3672651"/>
+              <a:off x="6618814" y="3672550"/>
               <a:ext cx="1650203" cy="0"/>
             </a:xfrm>
             <a:custGeom>
@@ -7300,7 +7300,7 @@
           </p:nvSpPr>
           <p:spPr>
             <a:xfrm>
-              <a:off x="6618814" y="2282005"/>
+              <a:off x="6618814" y="2281898"/>
               <a:ext cx="1650203" cy="0"/>
             </a:xfrm>
             <a:custGeom>
@@ -7343,7 +7343,7 @@
           </p:nvSpPr>
           <p:spPr>
             <a:xfrm>
-              <a:off x="6618814" y="5758621"/>
+              <a:off x="6618814" y="5758527"/>
               <a:ext cx="1650203" cy="0"/>
             </a:xfrm>
             <a:custGeom>
@@ -7386,7 +7386,7 @@
           </p:nvSpPr>
           <p:spPr>
             <a:xfrm>
-              <a:off x="6618814" y="4367975"/>
+              <a:off x="6618814" y="4367875"/>
               <a:ext cx="1650203" cy="0"/>
             </a:xfrm>
             <a:custGeom>
@@ -7429,7 +7429,7 @@
           </p:nvSpPr>
           <p:spPr>
             <a:xfrm>
-              <a:off x="6618814" y="2977328"/>
+              <a:off x="6618814" y="2977224"/>
               <a:ext cx="1650203" cy="0"/>
             </a:xfrm>
             <a:custGeom>
@@ -7472,7 +7472,7 @@
           </p:nvSpPr>
           <p:spPr>
             <a:xfrm>
-              <a:off x="6618814" y="1586682"/>
+              <a:off x="6618814" y="1586572"/>
               <a:ext cx="1650203" cy="0"/>
             </a:xfrm>
             <a:custGeom>
@@ -7644,7 +7644,7 @@
           </p:nvSpPr>
           <p:spPr>
             <a:xfrm>
-              <a:off x="7506827" y="5729339"/>
+              <a:off x="7330106" y="5729225"/>
               <a:ext cx="63202" cy="63202"/>
             </a:xfrm>
             <a:custGeom>
@@ -7687,7 +7687,7 @@
           </p:nvSpPr>
           <p:spPr>
             <a:xfrm>
-              <a:off x="7054473" y="5208485"/>
+              <a:off x="7080372" y="5208259"/>
               <a:ext cx="63202" cy="63202"/>
             </a:xfrm>
             <a:custGeom>
@@ -7730,7 +7730,7 @@
           </p:nvSpPr>
           <p:spPr>
             <a:xfrm>
-              <a:off x="7020691" y="5525290"/>
+              <a:off x="6798775" y="5525417"/>
               <a:ext cx="63202" cy="63202"/>
             </a:xfrm>
             <a:custGeom>
@@ -7773,7 +7773,7 @@
           </p:nvSpPr>
           <p:spPr>
             <a:xfrm>
-              <a:off x="7841590" y="6548796"/>
+              <a:off x="7917815" y="6548953"/>
               <a:ext cx="63202" cy="63202"/>
             </a:xfrm>
             <a:custGeom>
@@ -7872,7 +7872,7 @@
           </p:nvSpPr>
           <p:spPr>
             <a:xfrm>
-              <a:off x="8338607" y="6453944"/>
+              <a:off x="8338607" y="6453852"/>
               <a:ext cx="1650203" cy="0"/>
             </a:xfrm>
             <a:custGeom>
@@ -7915,7 +7915,7 @@
           </p:nvSpPr>
           <p:spPr>
             <a:xfrm>
-              <a:off x="8338607" y="5063298"/>
+              <a:off x="8338607" y="5063201"/>
               <a:ext cx="1650203" cy="0"/>
             </a:xfrm>
             <a:custGeom>
@@ -7958,7 +7958,7 @@
           </p:nvSpPr>
           <p:spPr>
             <a:xfrm>
-              <a:off x="8338607" y="3672651"/>
+              <a:off x="8338607" y="3672550"/>
               <a:ext cx="1650203" cy="0"/>
             </a:xfrm>
             <a:custGeom>
@@ -8001,7 +8001,7 @@
           </p:nvSpPr>
           <p:spPr>
             <a:xfrm>
-              <a:off x="8338607" y="2282005"/>
+              <a:off x="8338607" y="2281898"/>
               <a:ext cx="1650203" cy="0"/>
             </a:xfrm>
             <a:custGeom>
@@ -8044,7 +8044,7 @@
           </p:nvSpPr>
           <p:spPr>
             <a:xfrm>
-              <a:off x="8338607" y="5758621"/>
+              <a:off x="8338607" y="5758527"/>
               <a:ext cx="1650203" cy="0"/>
             </a:xfrm>
             <a:custGeom>
@@ -8087,7 +8087,7 @@
           </p:nvSpPr>
           <p:spPr>
             <a:xfrm>
-              <a:off x="8338607" y="4367975"/>
+              <a:off x="8338607" y="4367875"/>
               <a:ext cx="1650203" cy="0"/>
             </a:xfrm>
             <a:custGeom>
@@ -8130,7 +8130,7 @@
           </p:nvSpPr>
           <p:spPr>
             <a:xfrm>
-              <a:off x="8338607" y="2977328"/>
+              <a:off x="8338607" y="2977224"/>
               <a:ext cx="1650203" cy="0"/>
             </a:xfrm>
             <a:custGeom>
@@ -8173,7 +8173,7 @@
           </p:nvSpPr>
           <p:spPr>
             <a:xfrm>
-              <a:off x="8338607" y="1586682"/>
+              <a:off x="8338607" y="1586572"/>
               <a:ext cx="1650203" cy="0"/>
             </a:xfrm>
             <a:custGeom>
@@ -8345,7 +8345,7 @@
           </p:nvSpPr>
           <p:spPr>
             <a:xfrm>
-              <a:off x="8746094" y="2127126"/>
+              <a:off x="8467229" y="2126978"/>
               <a:ext cx="63202" cy="63202"/>
             </a:xfrm>
             <a:custGeom>
@@ -8388,7 +8388,7 @@
           </p:nvSpPr>
           <p:spPr>
             <a:xfrm>
-              <a:off x="8779408" y="2084169"/>
+              <a:off x="8500036" y="2083712"/>
               <a:ext cx="63202" cy="63202"/>
             </a:xfrm>
             <a:custGeom>
@@ -8431,7 +8431,7 @@
           </p:nvSpPr>
           <p:spPr>
             <a:xfrm>
-              <a:off x="8781785" y="2027490"/>
+              <a:off x="8607152" y="2027370"/>
               <a:ext cx="63202" cy="63202"/>
             </a:xfrm>
             <a:custGeom>
@@ -8474,7 +8474,7 @@
           </p:nvSpPr>
           <p:spPr>
             <a:xfrm>
-              <a:off x="8619062" y="5564715"/>
+              <a:off x="8636154" y="5564721"/>
               <a:ext cx="63202" cy="63202"/>
             </a:xfrm>
             <a:custGeom>
@@ -8517,7 +8517,7 @@
           </p:nvSpPr>
           <p:spPr>
             <a:xfrm>
-              <a:off x="8724784" y="4909797"/>
+              <a:off x="8751689" y="4909776"/>
               <a:ext cx="63202" cy="63202"/>
             </a:xfrm>
             <a:custGeom>
@@ -8560,7 +8560,7 @@
           </p:nvSpPr>
           <p:spPr>
             <a:xfrm>
-              <a:off x="9302824" y="6056254"/>
+              <a:off x="9050721" y="6056207"/>
               <a:ext cx="63202" cy="63202"/>
             </a:xfrm>
             <a:custGeom>
@@ -8603,7 +8603,7 @@
           </p:nvSpPr>
           <p:spPr>
             <a:xfrm>
-              <a:off x="9130128" y="6313429"/>
+              <a:off x="9068377" y="6313229"/>
               <a:ext cx="63202" cy="63202"/>
             </a:xfrm>
             <a:custGeom>
@@ -8646,7 +8646,7 @@
           </p:nvSpPr>
           <p:spPr>
             <a:xfrm>
-              <a:off x="8780455" y="4261432"/>
+              <a:off x="8443953" y="4261275"/>
               <a:ext cx="63202" cy="63202"/>
             </a:xfrm>
             <a:custGeom>
@@ -8689,7 +8689,7 @@
           </p:nvSpPr>
           <p:spPr>
             <a:xfrm>
-              <a:off x="9084713" y="6312317"/>
+              <a:off x="8984889" y="6312397"/>
               <a:ext cx="63202" cy="63202"/>
             </a:xfrm>
             <a:custGeom>
@@ -8732,7 +8732,7 @@
           </p:nvSpPr>
           <p:spPr>
             <a:xfrm>
-              <a:off x="8721980" y="4365979"/>
+              <a:off x="8657163" y="4366069"/>
               <a:ext cx="63202" cy="63202"/>
             </a:xfrm>
             <a:custGeom>
@@ -8775,7 +8775,7 @@
           </p:nvSpPr>
           <p:spPr>
             <a:xfrm>
-              <a:off x="8675644" y="4158835"/>
+              <a:off x="8600471" y="4158763"/>
               <a:ext cx="63202" cy="63202"/>
             </a:xfrm>
             <a:custGeom>
@@ -8818,7 +8818,7 @@
           </p:nvSpPr>
           <p:spPr>
             <a:xfrm>
-              <a:off x="8426860" y="5551047"/>
+              <a:off x="8486907" y="5550901"/>
               <a:ext cx="63202" cy="63202"/>
             </a:xfrm>
             <a:custGeom>
@@ -8861,7 +8861,7 @@
           </p:nvSpPr>
           <p:spPr>
             <a:xfrm>
-              <a:off x="8624499" y="4999606"/>
+              <a:off x="8588374" y="4999740"/>
               <a:ext cx="63202" cy="63202"/>
             </a:xfrm>
             <a:custGeom>
@@ -8904,7 +8904,7 @@
           </p:nvSpPr>
           <p:spPr>
             <a:xfrm>
-              <a:off x="8783800" y="4524087"/>
+              <a:off x="8596907" y="4524116"/>
               <a:ext cx="63202" cy="63202"/>
             </a:xfrm>
             <a:custGeom>
@@ -8947,7 +8947,7 @@
           </p:nvSpPr>
           <p:spPr>
             <a:xfrm>
-              <a:off x="8978526" y="6149610"/>
+              <a:off x="9306999" y="6149516"/>
               <a:ext cx="63202" cy="63202"/>
             </a:xfrm>
             <a:custGeom>
@@ -8990,7 +8990,7 @@
           </p:nvSpPr>
           <p:spPr>
             <a:xfrm>
-              <a:off x="9277870" y="6199071"/>
+              <a:off x="9336882" y="6198958"/>
               <a:ext cx="63202" cy="63202"/>
             </a:xfrm>
             <a:custGeom>
@@ -9033,7 +9033,7 @@
           </p:nvSpPr>
           <p:spPr>
             <a:xfrm>
-              <a:off x="8461105" y="4458287"/>
+              <a:off x="8746216" y="4458319"/>
               <a:ext cx="63202" cy="63202"/>
             </a:xfrm>
             <a:custGeom>
@@ -9076,7 +9076,7 @@
           </p:nvSpPr>
           <p:spPr>
             <a:xfrm>
-              <a:off x="9106659" y="6057350"/>
+              <a:off x="9005740" y="6057596"/>
               <a:ext cx="63202" cy="63202"/>
             </a:xfrm>
             <a:custGeom>
@@ -9119,7 +9119,7 @@
           </p:nvSpPr>
           <p:spPr>
             <a:xfrm>
-              <a:off x="8506471" y="2024720"/>
+              <a:off x="8428834" y="2024529"/>
               <a:ext cx="63202" cy="63202"/>
             </a:xfrm>
             <a:custGeom>
@@ -9162,7 +9162,7 @@
           </p:nvSpPr>
           <p:spPr>
             <a:xfrm>
-              <a:off x="8482445" y="5085178"/>
+              <a:off x="8793773" y="5084760"/>
               <a:ext cx="63202" cy="63202"/>
             </a:xfrm>
             <a:custGeom>
@@ -9205,7 +9205,7 @@
           </p:nvSpPr>
           <p:spPr>
             <a:xfrm>
-              <a:off x="8505509" y="4389618"/>
+              <a:off x="8546927" y="4389753"/>
               <a:ext cx="63202" cy="63202"/>
             </a:xfrm>
             <a:custGeom>
@@ -9248,7 +9248,7 @@
           </p:nvSpPr>
           <p:spPr>
             <a:xfrm>
-              <a:off x="9097209" y="6337682"/>
+              <a:off x="9184533" y="6337294"/>
               <a:ext cx="63202" cy="63202"/>
             </a:xfrm>
             <a:custGeom>
@@ -9291,7 +9291,7 @@
           </p:nvSpPr>
           <p:spPr>
             <a:xfrm>
-              <a:off x="8739770" y="5212835"/>
+              <a:off x="8642394" y="5212820"/>
               <a:ext cx="63202" cy="63202"/>
             </a:xfrm>
             <a:custGeom>
@@ -9334,7 +9334,7 @@
           </p:nvSpPr>
           <p:spPr>
             <a:xfrm>
-              <a:off x="8611158" y="5533896"/>
+              <a:off x="8523433" y="5533658"/>
               <a:ext cx="63202" cy="63202"/>
             </a:xfrm>
             <a:custGeom>
@@ -9377,7 +9377,7 @@
           </p:nvSpPr>
           <p:spPr>
             <a:xfrm>
-              <a:off x="8712388" y="3027739"/>
+              <a:off x="8604988" y="3027605"/>
               <a:ext cx="63202" cy="63202"/>
             </a:xfrm>
             <a:custGeom>
@@ -9420,7 +9420,7 @@
           </p:nvSpPr>
           <p:spPr>
             <a:xfrm>
-              <a:off x="8466284" y="5725143"/>
+              <a:off x="8739902" y="5724939"/>
               <a:ext cx="63202" cy="63202"/>
             </a:xfrm>
             <a:custGeom>
@@ -9463,7 +9463,7 @@
           </p:nvSpPr>
           <p:spPr>
             <a:xfrm>
-              <a:off x="8746065" y="1953838"/>
+              <a:off x="8618867" y="1953537"/>
               <a:ext cx="63202" cy="63202"/>
             </a:xfrm>
             <a:custGeom>
@@ -9506,7 +9506,7 @@
           </p:nvSpPr>
           <p:spPr>
             <a:xfrm>
-              <a:off x="8435974" y="1916278"/>
+              <a:off x="8770328" y="1916235"/>
               <a:ext cx="63202" cy="63202"/>
             </a:xfrm>
             <a:custGeom>
@@ -9549,7 +9549,7 @@
           </p:nvSpPr>
           <p:spPr>
             <a:xfrm>
-              <a:off x="8603240" y="4794376"/>
+              <a:off x="8762781" y="4794363"/>
               <a:ext cx="63202" cy="63202"/>
             </a:xfrm>
             <a:custGeom>
@@ -9592,7 +9592,7 @@
           </p:nvSpPr>
           <p:spPr>
             <a:xfrm>
-              <a:off x="8750652" y="4487537"/>
+              <a:off x="8588461" y="4487356"/>
               <a:ext cx="63202" cy="63202"/>
             </a:xfrm>
             <a:custGeom>
@@ -9635,7 +9635,7 @@
           </p:nvSpPr>
           <p:spPr>
             <a:xfrm>
-              <a:off x="8430974" y="1913364"/>
+              <a:off x="8765699" y="1913419"/>
               <a:ext cx="63202" cy="63202"/>
             </a:xfrm>
             <a:custGeom>
@@ -9678,7 +9678,7 @@
           </p:nvSpPr>
           <p:spPr>
             <a:xfrm>
-              <a:off x="9681868" y="6585693"/>
+              <a:off x="9690359" y="6585256"/>
               <a:ext cx="63202" cy="63202"/>
             </a:xfrm>
             <a:custGeom>
@@ -9721,7 +9721,7 @@
           </p:nvSpPr>
           <p:spPr>
             <a:xfrm>
-              <a:off x="8820260" y="4288642"/>
+              <a:off x="8509604" y="4288374"/>
               <a:ext cx="63202" cy="63202"/>
             </a:xfrm>
             <a:custGeom>
@@ -9764,7 +9764,7 @@
           </p:nvSpPr>
           <p:spPr>
             <a:xfrm>
-              <a:off x="8448512" y="3084163"/>
+              <a:off x="8651313" y="3084329"/>
               <a:ext cx="63202" cy="63202"/>
             </a:xfrm>
             <a:custGeom>
@@ -9807,7 +9807,7 @@
           </p:nvSpPr>
           <p:spPr>
             <a:xfrm>
-              <a:off x="8793911" y="3360603"/>
+              <a:off x="8803028" y="3360494"/>
               <a:ext cx="63202" cy="63202"/>
             </a:xfrm>
             <a:custGeom>
@@ -9850,7 +9850,7 @@
           </p:nvSpPr>
           <p:spPr>
             <a:xfrm>
-              <a:off x="8628227" y="2004126"/>
+              <a:off x="8628396" y="2004123"/>
               <a:ext cx="63202" cy="63202"/>
             </a:xfrm>
             <a:custGeom>
@@ -9893,7 +9893,7 @@
           </p:nvSpPr>
           <p:spPr>
             <a:xfrm>
-              <a:off x="8669025" y="1945918"/>
+              <a:off x="8596042" y="1945637"/>
               <a:ext cx="63202" cy="63202"/>
             </a:xfrm>
             <a:custGeom>
@@ -9936,7 +9936,7 @@
           </p:nvSpPr>
           <p:spPr>
             <a:xfrm>
-              <a:off x="8490956" y="2005334"/>
+              <a:off x="8430861" y="2005018"/>
               <a:ext cx="63202" cy="63202"/>
             </a:xfrm>
             <a:custGeom>
@@ -9979,7 +9979,7 @@
           </p:nvSpPr>
           <p:spPr>
             <a:xfrm>
-              <a:off x="8448404" y="2004176"/>
+              <a:off x="8810142" y="2004119"/>
               <a:ext cx="63202" cy="63202"/>
             </a:xfrm>
             <a:custGeom>
@@ -10022,7 +10022,7 @@
           </p:nvSpPr>
           <p:spPr>
             <a:xfrm>
-              <a:off x="8724766" y="1943599"/>
+              <a:off x="8731720" y="1943553"/>
               <a:ext cx="63202" cy="63202"/>
             </a:xfrm>
             <a:custGeom>
@@ -10065,7 +10065,7 @@
           </p:nvSpPr>
           <p:spPr>
             <a:xfrm>
-              <a:off x="8709282" y="3030871"/>
+              <a:off x="8789119" y="3030807"/>
               <a:ext cx="63202" cy="63202"/>
             </a:xfrm>
             <a:custGeom>
@@ -10108,7 +10108,7 @@
           </p:nvSpPr>
           <p:spPr>
             <a:xfrm>
-              <a:off x="8605499" y="3054245"/>
+              <a:off x="8443023" y="3054227"/>
               <a:ext cx="63202" cy="63202"/>
             </a:xfrm>
             <a:custGeom>
@@ -10151,7 +10151,7 @@
           </p:nvSpPr>
           <p:spPr>
             <a:xfrm>
-              <a:off x="8539885" y="5583480"/>
+              <a:off x="8534622" y="5583196"/>
               <a:ext cx="63202" cy="63202"/>
             </a:xfrm>
             <a:custGeom>
@@ -10194,7 +10194,7 @@
           </p:nvSpPr>
           <p:spPr>
             <a:xfrm>
-              <a:off x="8656185" y="2914696"/>
+              <a:off x="8636640" y="2914560"/>
               <a:ext cx="63202" cy="63202"/>
             </a:xfrm>
             <a:custGeom>
@@ -10237,7 +10237,7 @@
           </p:nvSpPr>
           <p:spPr>
             <a:xfrm>
-              <a:off x="8421426" y="2496675"/>
+              <a:off x="8761361" y="2496558"/>
               <a:ext cx="63202" cy="63202"/>
             </a:xfrm>
             <a:custGeom>
@@ -10280,7 +10280,7 @@
           </p:nvSpPr>
           <p:spPr>
             <a:xfrm>
-              <a:off x="8689642" y="2563729"/>
+              <a:off x="8600195" y="2563836"/>
               <a:ext cx="63202" cy="63202"/>
             </a:xfrm>
             <a:custGeom>
@@ -10323,7 +10323,7 @@
           </p:nvSpPr>
           <p:spPr>
             <a:xfrm>
-              <a:off x="8775971" y="5637980"/>
+              <a:off x="8688851" y="5638068"/>
               <a:ext cx="63202" cy="63202"/>
             </a:xfrm>
             <a:custGeom>
@@ -10366,7 +10366,7 @@
           </p:nvSpPr>
           <p:spPr>
             <a:xfrm>
-              <a:off x="8426781" y="2077447"/>
+              <a:off x="8429039" y="2077473"/>
               <a:ext cx="63202" cy="63202"/>
             </a:xfrm>
             <a:custGeom>
@@ -10409,7 +10409,7 @@
           </p:nvSpPr>
           <p:spPr>
             <a:xfrm>
-              <a:off x="8421747" y="2864754"/>
+              <a:off x="8617703" y="2864430"/>
               <a:ext cx="63202" cy="63202"/>
             </a:xfrm>
             <a:custGeom>
@@ -10452,7 +10452,7 @@
           </p:nvSpPr>
           <p:spPr>
             <a:xfrm>
-              <a:off x="8656013" y="2996631"/>
+              <a:off x="8809955" y="2996490"/>
               <a:ext cx="63202" cy="63202"/>
             </a:xfrm>
             <a:custGeom>
@@ -10495,7 +10495,7 @@
           </p:nvSpPr>
           <p:spPr>
             <a:xfrm>
-              <a:off x="8771533" y="1946595"/>
+              <a:off x="8714304" y="1946786"/>
               <a:ext cx="63202" cy="63202"/>
             </a:xfrm>
             <a:custGeom>
@@ -10538,7 +10538,7 @@
           </p:nvSpPr>
           <p:spPr>
             <a:xfrm>
-              <a:off x="8510248" y="1960167"/>
+              <a:off x="8636966" y="1960020"/>
               <a:ext cx="63202" cy="63202"/>
             </a:xfrm>
             <a:custGeom>
@@ -10581,7 +10581,7 @@
           </p:nvSpPr>
           <p:spPr>
             <a:xfrm>
-              <a:off x="8696733" y="2395850"/>
+              <a:off x="8478376" y="2395942"/>
               <a:ext cx="63202" cy="63202"/>
             </a:xfrm>
             <a:custGeom>
@@ -10624,7 +10624,7 @@
           </p:nvSpPr>
           <p:spPr>
             <a:xfrm>
-              <a:off x="8606350" y="2731100"/>
+              <a:off x="8587794" y="2731034"/>
               <a:ext cx="63202" cy="63202"/>
             </a:xfrm>
             <a:custGeom>
@@ -10667,7 +10667,7 @@
           </p:nvSpPr>
           <p:spPr>
             <a:xfrm>
-              <a:off x="8632010" y="2542596"/>
+              <a:off x="8618031" y="2542341"/>
               <a:ext cx="63202" cy="63202"/>
             </a:xfrm>
             <a:custGeom>
@@ -10710,7 +10710,7 @@
           </p:nvSpPr>
           <p:spPr>
             <a:xfrm>
-              <a:off x="8476149" y="1943690"/>
+              <a:off x="8798340" y="1943518"/>
               <a:ext cx="63202" cy="63202"/>
             </a:xfrm>
             <a:custGeom>
@@ -10753,7 +10753,7 @@
           </p:nvSpPr>
           <p:spPr>
             <a:xfrm>
-              <a:off x="8784691" y="1947074"/>
+              <a:off x="8692816" y="1947276"/>
               <a:ext cx="63202" cy="63202"/>
             </a:xfrm>
             <a:custGeom>
@@ -10796,7 +10796,7 @@
           </p:nvSpPr>
           <p:spPr>
             <a:xfrm>
-              <a:off x="8623274" y="3018446"/>
+              <a:off x="8543668" y="3018582"/>
               <a:ext cx="63202" cy="63202"/>
             </a:xfrm>
             <a:custGeom>
@@ -10839,7 +10839,7 @@
           </p:nvSpPr>
           <p:spPr>
             <a:xfrm>
-              <a:off x="8506204" y="1953763"/>
+              <a:off x="8548106" y="1953726"/>
               <a:ext cx="63202" cy="63202"/>
             </a:xfrm>
             <a:custGeom>
@@ -10882,7 +10882,7 @@
           </p:nvSpPr>
           <p:spPr>
             <a:xfrm>
-              <a:off x="8819618" y="1957083"/>
+              <a:off x="8608693" y="1957044"/>
               <a:ext cx="63202" cy="63202"/>
             </a:xfrm>
             <a:custGeom>
@@ -10925,7 +10925,7 @@
           </p:nvSpPr>
           <p:spPr>
             <a:xfrm>
-              <a:off x="8580433" y="1947857"/>
+              <a:off x="8779709" y="1947572"/>
               <a:ext cx="63202" cy="63202"/>
             </a:xfrm>
             <a:custGeom>
@@ -10968,7 +10968,7 @@
           </p:nvSpPr>
           <p:spPr>
             <a:xfrm>
-              <a:off x="8677015" y="1913435"/>
+              <a:off x="8431914" y="1913434"/>
               <a:ext cx="63202" cy="63202"/>
             </a:xfrm>
             <a:custGeom>
@@ -11011,7 +11011,7 @@
           </p:nvSpPr>
           <p:spPr>
             <a:xfrm>
-              <a:off x="8475208" y="1962066"/>
+              <a:off x="8804233" y="1961876"/>
               <a:ext cx="63202" cy="63202"/>
             </a:xfrm>
             <a:custGeom>
@@ -11054,7 +11054,7 @@
           </p:nvSpPr>
           <p:spPr>
             <a:xfrm>
-              <a:off x="8628511" y="3319171"/>
+              <a:off x="8773915" y="3319176"/>
               <a:ext cx="63202" cy="63202"/>
             </a:xfrm>
             <a:custGeom>
@@ -11097,7 +11097,7 @@
           </p:nvSpPr>
           <p:spPr>
             <a:xfrm>
-              <a:off x="8640926" y="1860627"/>
+              <a:off x="8760862" y="1860481"/>
               <a:ext cx="63202" cy="63202"/>
             </a:xfrm>
             <a:custGeom>
@@ -11140,7 +11140,7 @@
           </p:nvSpPr>
           <p:spPr>
             <a:xfrm>
-              <a:off x="8451035" y="2417423"/>
+              <a:off x="8654347" y="2417145"/>
               <a:ext cx="63202" cy="63202"/>
             </a:xfrm>
             <a:custGeom>
@@ -11183,7 +11183,7 @@
           </p:nvSpPr>
           <p:spPr>
             <a:xfrm>
-              <a:off x="8575199" y="4770179"/>
+              <a:off x="8682445" y="4769998"/>
               <a:ext cx="63202" cy="63202"/>
             </a:xfrm>
             <a:custGeom>
@@ -11226,7 +11226,7 @@
           </p:nvSpPr>
           <p:spPr>
             <a:xfrm>
-              <a:off x="8496412" y="4770133"/>
+              <a:off x="8592457" y="4769987"/>
               <a:ext cx="63202" cy="63202"/>
             </a:xfrm>
             <a:custGeom>
@@ -11269,7 +11269,7 @@
           </p:nvSpPr>
           <p:spPr>
             <a:xfrm>
-              <a:off x="8646918" y="2209661"/>
+              <a:off x="8470785" y="2209382"/>
               <a:ext cx="63202" cy="63202"/>
             </a:xfrm>
             <a:custGeom>
@@ -11312,7 +11312,7 @@
           </p:nvSpPr>
           <p:spPr>
             <a:xfrm>
-              <a:off x="8543781" y="2438730"/>
+              <a:off x="8451461" y="2438627"/>
               <a:ext cx="63202" cy="63202"/>
             </a:xfrm>
             <a:custGeom>
@@ -11355,7 +11355,7 @@
           </p:nvSpPr>
           <p:spPr>
             <a:xfrm>
-              <a:off x="8539737" y="4915299"/>
+              <a:off x="8688899" y="4915287"/>
               <a:ext cx="63202" cy="63202"/>
             </a:xfrm>
             <a:custGeom>
@@ -11398,7 +11398,7 @@
           </p:nvSpPr>
           <p:spPr>
             <a:xfrm>
-              <a:off x="8480895" y="4902348"/>
+              <a:off x="8471303" y="4902247"/>
               <a:ext cx="63202" cy="63202"/>
             </a:xfrm>
             <a:custGeom>
@@ -11441,7 +11441,7 @@
           </p:nvSpPr>
           <p:spPr>
             <a:xfrm>
-              <a:off x="8506237" y="4911511"/>
+              <a:off x="8572739" y="4911480"/>
               <a:ext cx="63202" cy="63202"/>
             </a:xfrm>
             <a:custGeom>
@@ -11484,7 +11484,7 @@
           </p:nvSpPr>
           <p:spPr>
             <a:xfrm>
-              <a:off x="8694630" y="4734499"/>
+              <a:off x="8435782" y="4734516"/>
               <a:ext cx="63202" cy="63202"/>
             </a:xfrm>
             <a:custGeom>
@@ -11527,7 +11527,7 @@
           </p:nvSpPr>
           <p:spPr>
             <a:xfrm>
-              <a:off x="8668432" y="1936982"/>
+              <a:off x="8450229" y="1936793"/>
               <a:ext cx="63202" cy="63202"/>
             </a:xfrm>
             <a:custGeom>
@@ -11570,7 +11570,7 @@
           </p:nvSpPr>
           <p:spPr>
             <a:xfrm>
-              <a:off x="8582401" y="5538413"/>
+              <a:off x="8467120" y="5538101"/>
               <a:ext cx="63202" cy="63202"/>
             </a:xfrm>
             <a:custGeom>
@@ -11613,7 +11613,7 @@
           </p:nvSpPr>
           <p:spPr>
             <a:xfrm>
-              <a:off x="8450550" y="5661780"/>
+              <a:off x="8446476" y="5661481"/>
               <a:ext cx="63202" cy="63202"/>
             </a:xfrm>
             <a:custGeom>
@@ -11656,7 +11656,7 @@
           </p:nvSpPr>
           <p:spPr>
             <a:xfrm>
-              <a:off x="8744169" y="5708300"/>
+              <a:off x="8523794" y="5708306"/>
               <a:ext cx="63202" cy="63202"/>
             </a:xfrm>
             <a:custGeom>
@@ -11699,7 +11699,7 @@
           </p:nvSpPr>
           <p:spPr>
             <a:xfrm>
-              <a:off x="8436599" y="5687209"/>
+              <a:off x="8512425" y="5686899"/>
               <a:ext cx="63202" cy="63202"/>
             </a:xfrm>
             <a:custGeom>
@@ -11742,7 +11742,7 @@
           </p:nvSpPr>
           <p:spPr>
             <a:xfrm>
-              <a:off x="8805540" y="5661598"/>
+              <a:off x="8717032" y="5661647"/>
               <a:ext cx="63202" cy="63202"/>
             </a:xfrm>
             <a:custGeom>
@@ -11785,7 +11785,7 @@
           </p:nvSpPr>
           <p:spPr>
             <a:xfrm>
-              <a:off x="8614645" y="2101238"/>
+              <a:off x="8807050" y="2100941"/>
               <a:ext cx="63202" cy="63202"/>
             </a:xfrm>
             <a:custGeom>
@@ -11828,7 +11828,7 @@
           </p:nvSpPr>
           <p:spPr>
             <a:xfrm>
-              <a:off x="8523342" y="4406269"/>
+              <a:off x="8428213" y="4406418"/>
               <a:ext cx="63202" cy="63202"/>
             </a:xfrm>
             <a:custGeom>
@@ -11871,7 +11871,7 @@
           </p:nvSpPr>
           <p:spPr>
             <a:xfrm>
-              <a:off x="8791387" y="2072995"/>
+              <a:off x="8733436" y="2072895"/>
               <a:ext cx="63202" cy="63202"/>
             </a:xfrm>
             <a:custGeom>
@@ -11914,7 +11914,7 @@
           </p:nvSpPr>
           <p:spPr>
             <a:xfrm>
-              <a:off x="8433630" y="2099256"/>
+              <a:off x="8802631" y="2099273"/>
               <a:ext cx="63202" cy="63202"/>
             </a:xfrm>
             <a:custGeom>
@@ -11957,7 +11957,7 @@
           </p:nvSpPr>
           <p:spPr>
             <a:xfrm>
-              <a:off x="8638909" y="2013138"/>
+              <a:off x="8754404" y="2013021"/>
               <a:ext cx="63202" cy="63202"/>
             </a:xfrm>
             <a:custGeom>
@@ -12000,7 +12000,7 @@
           </p:nvSpPr>
           <p:spPr>
             <a:xfrm>
-              <a:off x="8691615" y="2039890"/>
+              <a:off x="8676919" y="2039799"/>
               <a:ext cx="63202" cy="63202"/>
             </a:xfrm>
             <a:custGeom>
@@ -12043,7 +12043,7 @@
           </p:nvSpPr>
           <p:spPr>
             <a:xfrm>
-              <a:off x="8510333" y="2022198"/>
+              <a:off x="8748658" y="2022261"/>
               <a:ext cx="63202" cy="63202"/>
             </a:xfrm>
             <a:custGeom>
@@ -12086,7 +12086,7 @@
           </p:nvSpPr>
           <p:spPr>
             <a:xfrm>
-              <a:off x="8419910" y="3391576"/>
+              <a:off x="8605195" y="3391439"/>
               <a:ext cx="63202" cy="63202"/>
             </a:xfrm>
             <a:custGeom>
@@ -13854,7 +13854,7 @@
           </p:nvSpPr>
           <p:spPr>
             <a:xfrm>
-              <a:off x="1210339" y="5716875"/>
+              <a:off x="1210339" y="5716780"/>
               <a:ext cx="186466" cy="81746"/>
             </a:xfrm>
             <a:prstGeom prst="rect">
@@ -13900,7 +13900,7 @@
           </p:nvSpPr>
           <p:spPr>
             <a:xfrm>
-              <a:off x="1210339" y="4326283"/>
+              <a:off x="1210339" y="4326184"/>
               <a:ext cx="186466" cy="81691"/>
             </a:xfrm>
             <a:prstGeom prst="rect">
@@ -13946,7 +13946,7 @@
           </p:nvSpPr>
           <p:spPr>
             <a:xfrm>
-              <a:off x="1210339" y="2935636"/>
+              <a:off x="1210339" y="2935532"/>
               <a:ext cx="186466" cy="81691"/>
             </a:xfrm>
             <a:prstGeom prst="rect">
@@ -13992,7 +13992,7 @@
           </p:nvSpPr>
           <p:spPr>
             <a:xfrm>
-              <a:off x="1148183" y="1544990"/>
+              <a:off x="1148183" y="1544881"/>
               <a:ext cx="248622" cy="81691"/>
             </a:xfrm>
             <a:prstGeom prst="rect">
@@ -14038,7 +14038,7 @@
           </p:nvSpPr>
           <p:spPr>
             <a:xfrm>
-              <a:off x="1424641" y="5758621"/>
+              <a:off x="1424641" y="5758527"/>
               <a:ext cx="34794" cy="0"/>
             </a:xfrm>
             <a:custGeom>
@@ -14078,7 +14078,7 @@
           </p:nvSpPr>
           <p:spPr>
             <a:xfrm>
-              <a:off x="1424641" y="4367975"/>
+              <a:off x="1424641" y="4367875"/>
               <a:ext cx="34794" cy="0"/>
             </a:xfrm>
             <a:custGeom>
@@ -14118,7 +14118,7 @@
           </p:nvSpPr>
           <p:spPr>
             <a:xfrm>
-              <a:off x="1424641" y="2977328"/>
+              <a:off x="1424641" y="2977224"/>
               <a:ext cx="34794" cy="0"/>
             </a:xfrm>
             <a:custGeom>
@@ -14158,7 +14158,7 @@
           </p:nvSpPr>
           <p:spPr>
             <a:xfrm>
-              <a:off x="1424641" y="1586682"/>
+              <a:off x="1424641" y="1586572"/>
               <a:ext cx="34794" cy="0"/>
             </a:xfrm>
             <a:custGeom>

--- a/Images/Figures_PPT/Jitter_Plot_Rictor_Domain.pptx
+++ b/Images/Figures_PPT/Jitter_Plot_Rictor_Domain.pptx
@@ -2359,7 +2359,7 @@
           </p:nvSpPr>
           <p:spPr>
             <a:xfrm>
-              <a:off x="1459435" y="6453852"/>
+              <a:off x="1459435" y="6453778"/>
               <a:ext cx="1650203" cy="0"/>
             </a:xfrm>
             <a:custGeom>
@@ -2402,7 +2402,7 @@
           </p:nvSpPr>
           <p:spPr>
             <a:xfrm>
-              <a:off x="1459435" y="5063201"/>
+              <a:off x="1459435" y="5063213"/>
               <a:ext cx="1650203" cy="0"/>
             </a:xfrm>
             <a:custGeom>
@@ -2445,7 +2445,7 @@
           </p:nvSpPr>
           <p:spPr>
             <a:xfrm>
-              <a:off x="1459435" y="3672550"/>
+              <a:off x="1459435" y="3672648"/>
               <a:ext cx="1650203" cy="0"/>
             </a:xfrm>
             <a:custGeom>
@@ -2488,7 +2488,7 @@
           </p:nvSpPr>
           <p:spPr>
             <a:xfrm>
-              <a:off x="1459435" y="2281898"/>
+              <a:off x="1459435" y="2282083"/>
               <a:ext cx="1650203" cy="0"/>
             </a:xfrm>
             <a:custGeom>
@@ -2531,7 +2531,7 @@
           </p:nvSpPr>
           <p:spPr>
             <a:xfrm>
-              <a:off x="1459435" y="5758527"/>
+              <a:off x="1459435" y="5758495"/>
               <a:ext cx="1650203" cy="0"/>
             </a:xfrm>
             <a:custGeom>
@@ -2574,7 +2574,7 @@
           </p:nvSpPr>
           <p:spPr>
             <a:xfrm>
-              <a:off x="1459435" y="4367875"/>
+              <a:off x="1459435" y="4367931"/>
               <a:ext cx="1650203" cy="0"/>
             </a:xfrm>
             <a:custGeom>
@@ -2617,7 +2617,7 @@
           </p:nvSpPr>
           <p:spPr>
             <a:xfrm>
-              <a:off x="1459435" y="2977224"/>
+              <a:off x="1459435" y="2977366"/>
               <a:ext cx="1650203" cy="0"/>
             </a:xfrm>
             <a:custGeom>
@@ -2660,7 +2660,7 @@
           </p:nvSpPr>
           <p:spPr>
             <a:xfrm>
-              <a:off x="1459435" y="1586572"/>
+              <a:off x="1459435" y="1586801"/>
               <a:ext cx="1650203" cy="0"/>
             </a:xfrm>
             <a:custGeom>
@@ -2832,7 +2832,7 @@
           </p:nvSpPr>
           <p:spPr>
             <a:xfrm>
-              <a:off x="2764463" y="6513002"/>
+              <a:off x="2734873" y="6512935"/>
               <a:ext cx="63202" cy="63202"/>
             </a:xfrm>
             <a:custGeom>
@@ -2875,7 +2875,7 @@
           </p:nvSpPr>
           <p:spPr>
             <a:xfrm>
-              <a:off x="2451900" y="6043466"/>
+              <a:off x="2164531" y="6043432"/>
               <a:ext cx="63202" cy="63202"/>
             </a:xfrm>
             <a:custGeom>
@@ -2918,7 +2918,7 @@
           </p:nvSpPr>
           <p:spPr>
             <a:xfrm>
-              <a:off x="1748107" y="4159514"/>
+              <a:off x="1598915" y="4159547"/>
               <a:ext cx="63202" cy="63202"/>
             </a:xfrm>
             <a:custGeom>
@@ -2961,7 +2961,7 @@
           </p:nvSpPr>
           <p:spPr>
             <a:xfrm>
-              <a:off x="1584865" y="2962171"/>
+              <a:off x="1647201" y="2962294"/>
               <a:ext cx="63202" cy="63202"/>
             </a:xfrm>
             <a:custGeom>
@@ -3004,7 +3004,7 @@
           </p:nvSpPr>
           <p:spPr>
             <a:xfrm>
-              <a:off x="2629641" y="6609859"/>
+              <a:off x="2964220" y="6609972"/>
               <a:ext cx="63202" cy="63202"/>
             </a:xfrm>
             <a:custGeom>
@@ -3047,7 +3047,7 @@
           </p:nvSpPr>
           <p:spPr>
             <a:xfrm>
-              <a:off x="1537298" y="2962297"/>
+              <a:off x="1814730" y="2962286"/>
               <a:ext cx="63202" cy="63202"/>
             </a:xfrm>
             <a:custGeom>
@@ -3090,7 +3090,7 @@
           </p:nvSpPr>
           <p:spPr>
             <a:xfrm>
-              <a:off x="2237093" y="5826412"/>
+              <a:off x="2230352" y="5826539"/>
               <a:ext cx="63202" cy="63202"/>
             </a:xfrm>
             <a:custGeom>
@@ -3133,7 +3133,7 @@
           </p:nvSpPr>
           <p:spPr>
             <a:xfrm>
-              <a:off x="1589114" y="4899406"/>
+              <a:off x="1716115" y="4899408"/>
               <a:ext cx="63202" cy="63202"/>
             </a:xfrm>
             <a:custGeom>
@@ -3176,7 +3176,7 @@
           </p:nvSpPr>
           <p:spPr>
             <a:xfrm>
-              <a:off x="1843382" y="3992033"/>
+              <a:off x="1660186" y="3991853"/>
               <a:ext cx="63202" cy="63202"/>
             </a:xfrm>
             <a:custGeom>
@@ -3219,7 +3219,7 @@
           </p:nvSpPr>
           <p:spPr>
             <a:xfrm>
-              <a:off x="2266190" y="6404599"/>
+              <a:off x="2148509" y="6404605"/>
               <a:ext cx="63202" cy="63202"/>
             </a:xfrm>
             <a:custGeom>
@@ -3262,7 +3262,7 @@
           </p:nvSpPr>
           <p:spPr>
             <a:xfrm>
-              <a:off x="2677360" y="6453206"/>
+              <a:off x="2636570" y="6453357"/>
               <a:ext cx="63202" cy="63202"/>
             </a:xfrm>
             <a:custGeom>
@@ -3305,7 +3305,7 @@
           </p:nvSpPr>
           <p:spPr>
             <a:xfrm>
-              <a:off x="1768164" y="3023365"/>
+              <a:off x="1923840" y="3023747"/>
               <a:ext cx="63202" cy="63202"/>
             </a:xfrm>
             <a:custGeom>
@@ -3348,7 +3348,7 @@
           </p:nvSpPr>
           <p:spPr>
             <a:xfrm>
-              <a:off x="1918775" y="3004609"/>
+              <a:off x="1779600" y="3004624"/>
               <a:ext cx="63202" cy="63202"/>
             </a:xfrm>
             <a:custGeom>
@@ -3391,7 +3391,7 @@
           </p:nvSpPr>
           <p:spPr>
             <a:xfrm>
-              <a:off x="1715818" y="2993791"/>
+              <a:off x="1563599" y="2994107"/>
               <a:ext cx="63202" cy="63202"/>
             </a:xfrm>
             <a:custGeom>
@@ -3434,7 +3434,7 @@
           </p:nvSpPr>
           <p:spPr>
             <a:xfrm>
-              <a:off x="1711721" y="4256983"/>
+              <a:off x="1909455" y="4257000"/>
               <a:ext cx="63202" cy="63202"/>
             </a:xfrm>
             <a:custGeom>
@@ -3533,7 +3533,7 @@
           </p:nvSpPr>
           <p:spPr>
             <a:xfrm>
-              <a:off x="3179228" y="6453852"/>
+              <a:off x="3179228" y="6453778"/>
               <a:ext cx="1650203" cy="0"/>
             </a:xfrm>
             <a:custGeom>
@@ -3576,7 +3576,7 @@
           </p:nvSpPr>
           <p:spPr>
             <a:xfrm>
-              <a:off x="3179228" y="5063201"/>
+              <a:off x="3179228" y="5063213"/>
               <a:ext cx="1650203" cy="0"/>
             </a:xfrm>
             <a:custGeom>
@@ -3619,7 +3619,7 @@
           </p:nvSpPr>
           <p:spPr>
             <a:xfrm>
-              <a:off x="3179228" y="3672550"/>
+              <a:off x="3179228" y="3672648"/>
               <a:ext cx="1650203" cy="0"/>
             </a:xfrm>
             <a:custGeom>
@@ -3662,7 +3662,7 @@
           </p:nvSpPr>
           <p:spPr>
             <a:xfrm>
-              <a:off x="3179228" y="2281898"/>
+              <a:off x="3179228" y="2282083"/>
               <a:ext cx="1650203" cy="0"/>
             </a:xfrm>
             <a:custGeom>
@@ -3705,7 +3705,7 @@
           </p:nvSpPr>
           <p:spPr>
             <a:xfrm>
-              <a:off x="3179228" y="5758527"/>
+              <a:off x="3179228" y="5758495"/>
               <a:ext cx="1650203" cy="0"/>
             </a:xfrm>
             <a:custGeom>
@@ -3748,7 +3748,7 @@
           </p:nvSpPr>
           <p:spPr>
             <a:xfrm>
-              <a:off x="3179228" y="4367875"/>
+              <a:off x="3179228" y="4367931"/>
               <a:ext cx="1650203" cy="0"/>
             </a:xfrm>
             <a:custGeom>
@@ -3791,7 +3791,7 @@
           </p:nvSpPr>
           <p:spPr>
             <a:xfrm>
-              <a:off x="3179228" y="2977224"/>
+              <a:off x="3179228" y="2977366"/>
               <a:ext cx="1650203" cy="0"/>
             </a:xfrm>
             <a:custGeom>
@@ -3834,7 +3834,7 @@
           </p:nvSpPr>
           <p:spPr>
             <a:xfrm>
-              <a:off x="3179228" y="1586572"/>
+              <a:off x="3179228" y="1586801"/>
               <a:ext cx="1650203" cy="0"/>
             </a:xfrm>
             <a:custGeom>
@@ -4006,7 +4006,7 @@
           </p:nvSpPr>
           <p:spPr>
             <a:xfrm>
-              <a:off x="3423714" y="3632235"/>
+              <a:off x="3373288" y="3632058"/>
               <a:ext cx="63202" cy="63202"/>
             </a:xfrm>
             <a:custGeom>
@@ -4049,7 +4049,7 @@
           </p:nvSpPr>
           <p:spPr>
             <a:xfrm>
-              <a:off x="3464585" y="3359176"/>
+              <a:off x="3400824" y="3359260"/>
               <a:ext cx="63202" cy="63202"/>
             </a:xfrm>
             <a:custGeom>
@@ -4092,7 +4092,7 @@
           </p:nvSpPr>
           <p:spPr>
             <a:xfrm>
-              <a:off x="3454513" y="3770566"/>
+              <a:off x="3299062" y="3771017"/>
               <a:ext cx="63202" cy="63202"/>
             </a:xfrm>
             <a:custGeom>
@@ -4135,7 +4135,7 @@
           </p:nvSpPr>
           <p:spPr>
             <a:xfrm>
-              <a:off x="3314572" y="3503207"/>
+              <a:off x="3643712" y="3503391"/>
               <a:ext cx="63202" cy="63202"/>
             </a:xfrm>
             <a:custGeom>
@@ -4178,7 +4178,7 @@
           </p:nvSpPr>
           <p:spPr>
             <a:xfrm>
-              <a:off x="3809586" y="5727523"/>
+              <a:off x="4131826" y="5727208"/>
               <a:ext cx="63202" cy="63202"/>
             </a:xfrm>
             <a:custGeom>
@@ -4221,7 +4221,7 @@
           </p:nvSpPr>
           <p:spPr>
             <a:xfrm>
-              <a:off x="3479732" y="4494519"/>
+              <a:off x="3507207" y="4494530"/>
               <a:ext cx="63202" cy="63202"/>
             </a:xfrm>
             <a:custGeom>
@@ -4264,7 +4264,7 @@
           </p:nvSpPr>
           <p:spPr>
             <a:xfrm>
-              <a:off x="3356802" y="3631271"/>
+              <a:off x="3610173" y="3631402"/>
               <a:ext cx="63202" cy="63202"/>
             </a:xfrm>
             <a:custGeom>
@@ -4307,7 +4307,7 @@
           </p:nvSpPr>
           <p:spPr>
             <a:xfrm>
-              <a:off x="3370259" y="3499658"/>
+              <a:off x="3568285" y="3499843"/>
               <a:ext cx="63202" cy="63202"/>
             </a:xfrm>
             <a:custGeom>
@@ -4350,7 +4350,7 @@
           </p:nvSpPr>
           <p:spPr>
             <a:xfrm>
-              <a:off x="3568094" y="3594469"/>
+              <a:off x="3252139" y="3594642"/>
               <a:ext cx="63202" cy="63202"/>
             </a:xfrm>
             <a:custGeom>
@@ -4393,7 +4393,7 @@
           </p:nvSpPr>
           <p:spPr>
             <a:xfrm>
-              <a:off x="3461389" y="4455380"/>
+              <a:off x="3531994" y="4455555"/>
               <a:ext cx="63202" cy="63202"/>
             </a:xfrm>
             <a:custGeom>
@@ -4436,7 +4436,7 @@
           </p:nvSpPr>
           <p:spPr>
             <a:xfrm>
-              <a:off x="3987761" y="6016485"/>
+              <a:off x="3902316" y="6016640"/>
               <a:ext cx="63202" cy="63202"/>
             </a:xfrm>
             <a:custGeom>
@@ -4479,7 +4479,7 @@
           </p:nvSpPr>
           <p:spPr>
             <a:xfrm>
-              <a:off x="3652032" y="4360430"/>
+              <a:off x="3524338" y="4360480"/>
               <a:ext cx="63202" cy="63202"/>
             </a:xfrm>
             <a:custGeom>
@@ -4522,7 +4522,7 @@
           </p:nvSpPr>
           <p:spPr>
             <a:xfrm>
-              <a:off x="3258609" y="4500851"/>
+              <a:off x="3417338" y="4500966"/>
               <a:ext cx="63202" cy="63202"/>
             </a:xfrm>
             <a:custGeom>
@@ -4565,7 +4565,7 @@
           </p:nvSpPr>
           <p:spPr>
             <a:xfrm>
-              <a:off x="3401966" y="4745309"/>
+              <a:off x="3660493" y="4745129"/>
               <a:ext cx="63202" cy="63202"/>
             </a:xfrm>
             <a:custGeom>
@@ -4608,7 +4608,7 @@
           </p:nvSpPr>
           <p:spPr>
             <a:xfrm>
-              <a:off x="3491702" y="4349160"/>
+              <a:off x="3429519" y="4349354"/>
               <a:ext cx="63202" cy="63202"/>
             </a:xfrm>
             <a:custGeom>
@@ -4651,7 +4651,7 @@
           </p:nvSpPr>
           <p:spPr>
             <a:xfrm>
-              <a:off x="3285627" y="3766985"/>
+              <a:off x="3384634" y="3767006"/>
               <a:ext cx="63202" cy="63202"/>
             </a:xfrm>
             <a:custGeom>
@@ -4694,7 +4694,7 @@
           </p:nvSpPr>
           <p:spPr>
             <a:xfrm>
-              <a:off x="4617422" y="6627628"/>
+              <a:off x="4450011" y="6627342"/>
               <a:ext cx="63202" cy="63202"/>
             </a:xfrm>
             <a:custGeom>
@@ -4737,7 +4737,7 @@
           </p:nvSpPr>
           <p:spPr>
             <a:xfrm>
-              <a:off x="3335874" y="4137989"/>
+              <a:off x="3255786" y="4137888"/>
               <a:ext cx="63202" cy="63202"/>
             </a:xfrm>
             <a:custGeom>
@@ -4780,7 +4780,7 @@
           </p:nvSpPr>
           <p:spPr>
             <a:xfrm>
-              <a:off x="3611265" y="3984923"/>
+              <a:off x="3380305" y="3985020"/>
               <a:ext cx="63202" cy="63202"/>
             </a:xfrm>
             <a:custGeom>
@@ -4823,7 +4823,7 @@
           </p:nvSpPr>
           <p:spPr>
             <a:xfrm>
-              <a:off x="3650432" y="3631959"/>
+              <a:off x="3626959" y="3632242"/>
               <a:ext cx="63202" cy="63202"/>
             </a:xfrm>
             <a:custGeom>
@@ -4866,7 +4866,7 @@
           </p:nvSpPr>
           <p:spPr>
             <a:xfrm>
-              <a:off x="3497448" y="5555906"/>
+              <a:off x="3444969" y="5555721"/>
               <a:ext cx="63202" cy="63202"/>
             </a:xfrm>
             <a:custGeom>
@@ -4909,7 +4909,7 @@
           </p:nvSpPr>
           <p:spPr>
             <a:xfrm>
-              <a:off x="3264416" y="4299813"/>
+              <a:off x="3583939" y="4299778"/>
               <a:ext cx="63202" cy="63202"/>
             </a:xfrm>
             <a:custGeom>
@@ -4952,7 +4952,7 @@
           </p:nvSpPr>
           <p:spPr>
             <a:xfrm>
-              <a:off x="3623105" y="4500881"/>
+              <a:off x="3644569" y="4500888"/>
               <a:ext cx="63202" cy="63202"/>
             </a:xfrm>
             <a:custGeom>
@@ -4995,7 +4995,7 @@
           </p:nvSpPr>
           <p:spPr>
             <a:xfrm>
-              <a:off x="3428103" y="5375242"/>
+              <a:off x="3588609" y="5375167"/>
               <a:ext cx="63202" cy="63202"/>
             </a:xfrm>
             <a:custGeom>
@@ -5038,7 +5038,7 @@
           </p:nvSpPr>
           <p:spPr>
             <a:xfrm>
-              <a:off x="3341596" y="3632281"/>
+              <a:off x="3424215" y="3632128"/>
               <a:ext cx="63202" cy="63202"/>
             </a:xfrm>
             <a:custGeom>
@@ -5081,7 +5081,7 @@
           </p:nvSpPr>
           <p:spPr>
             <a:xfrm>
-              <a:off x="3295954" y="4354331"/>
+              <a:off x="3490147" y="4354451"/>
               <a:ext cx="63202" cy="63202"/>
             </a:xfrm>
             <a:custGeom>
@@ -5124,7 +5124,7 @@
           </p:nvSpPr>
           <p:spPr>
             <a:xfrm>
-              <a:off x="3599243" y="4324228"/>
+              <a:off x="3605424" y="4324357"/>
               <a:ext cx="63202" cy="63202"/>
             </a:xfrm>
             <a:custGeom>
@@ -5167,7 +5167,7 @@
           </p:nvSpPr>
           <p:spPr>
             <a:xfrm>
-              <a:off x="3362655" y="5170947"/>
+              <a:off x="3279329" y="5171233"/>
               <a:ext cx="63202" cy="63202"/>
             </a:xfrm>
             <a:custGeom>
@@ -5210,7 +5210,7 @@
           </p:nvSpPr>
           <p:spPr>
             <a:xfrm>
-              <a:off x="3395458" y="3673095"/>
+              <a:off x="3357599" y="3673101"/>
               <a:ext cx="63202" cy="63202"/>
             </a:xfrm>
             <a:custGeom>
@@ -5253,7 +5253,7 @@
           </p:nvSpPr>
           <p:spPr>
             <a:xfrm>
-              <a:off x="3607020" y="3815106"/>
+              <a:off x="3598154" y="3815304"/>
               <a:ext cx="63202" cy="63202"/>
             </a:xfrm>
             <a:custGeom>
@@ -5296,7 +5296,7 @@
           </p:nvSpPr>
           <p:spPr>
             <a:xfrm>
-              <a:off x="3626109" y="3803492"/>
+              <a:off x="3266185" y="3803808"/>
               <a:ext cx="63202" cy="63202"/>
             </a:xfrm>
             <a:custGeom>
@@ -5339,7 +5339,7 @@
           </p:nvSpPr>
           <p:spPr>
             <a:xfrm>
-              <a:off x="3287128" y="3794520"/>
+              <a:off x="3507493" y="3794326"/>
               <a:ext cx="63202" cy="63202"/>
             </a:xfrm>
             <a:custGeom>
@@ -5382,7 +5382,7 @@
           </p:nvSpPr>
           <p:spPr>
             <a:xfrm>
-              <a:off x="3492067" y="3794844"/>
+              <a:off x="3539858" y="3795074"/>
               <a:ext cx="63202" cy="63202"/>
             </a:xfrm>
             <a:custGeom>
@@ -5425,7 +5425,7 @@
           </p:nvSpPr>
           <p:spPr>
             <a:xfrm>
-              <a:off x="3638873" y="3821102"/>
+              <a:off x="3645029" y="3821181"/>
               <a:ext cx="63202" cy="63202"/>
             </a:xfrm>
             <a:custGeom>
@@ -5468,7 +5468,7 @@
           </p:nvSpPr>
           <p:spPr>
             <a:xfrm>
-              <a:off x="3529686" y="3899652"/>
+              <a:off x="3616095" y="3899717"/>
               <a:ext cx="63202" cy="63202"/>
             </a:xfrm>
             <a:custGeom>
@@ -5511,7 +5511,7 @@
           </p:nvSpPr>
           <p:spPr>
             <a:xfrm>
-              <a:off x="3274252" y="4274278"/>
+              <a:off x="3326518" y="4274148"/>
               <a:ext cx="63202" cy="63202"/>
             </a:xfrm>
             <a:custGeom>
@@ -5554,7 +5554,7 @@
           </p:nvSpPr>
           <p:spPr>
             <a:xfrm>
-              <a:off x="3561539" y="4253284"/>
+              <a:off x="3562656" y="4253279"/>
               <a:ext cx="63202" cy="63202"/>
             </a:xfrm>
             <a:custGeom>
@@ -5597,7 +5597,7 @@
           </p:nvSpPr>
           <p:spPr>
             <a:xfrm>
-              <a:off x="3279154" y="3770571"/>
+              <a:off x="3606116" y="3770654"/>
               <a:ext cx="63202" cy="63202"/>
             </a:xfrm>
             <a:custGeom>
@@ -5640,7 +5640,7 @@
           </p:nvSpPr>
           <p:spPr>
             <a:xfrm>
-              <a:off x="3383315" y="4856470"/>
+              <a:off x="3379210" y="4856571"/>
               <a:ext cx="63202" cy="63202"/>
             </a:xfrm>
             <a:custGeom>
@@ -5683,7 +5683,7 @@
           </p:nvSpPr>
           <p:spPr>
             <a:xfrm>
-              <a:off x="3302223" y="4372386"/>
+              <a:off x="3348805" y="4372598"/>
               <a:ext cx="63202" cy="63202"/>
             </a:xfrm>
             <a:custGeom>
@@ -5726,7 +5726,7 @@
           </p:nvSpPr>
           <p:spPr>
             <a:xfrm>
-              <a:off x="3349240" y="3775542"/>
+              <a:off x="3327418" y="3775411"/>
               <a:ext cx="63202" cy="63202"/>
             </a:xfrm>
             <a:custGeom>
@@ -5769,7 +5769,7 @@
           </p:nvSpPr>
           <p:spPr>
             <a:xfrm>
-              <a:off x="3608055" y="3774737"/>
+              <a:off x="3640939" y="3775074"/>
               <a:ext cx="63202" cy="63202"/>
             </a:xfrm>
             <a:custGeom>
@@ -5812,7 +5812,7 @@
           </p:nvSpPr>
           <p:spPr>
             <a:xfrm>
-              <a:off x="3334984" y="3749978"/>
+              <a:off x="3548715" y="3749954"/>
               <a:ext cx="63202" cy="63202"/>
             </a:xfrm>
             <a:custGeom>
@@ -5855,7 +5855,7 @@
           </p:nvSpPr>
           <p:spPr>
             <a:xfrm>
-              <a:off x="3519172" y="3797692"/>
+              <a:off x="3591814" y="3797674"/>
               <a:ext cx="63202" cy="63202"/>
             </a:xfrm>
             <a:custGeom>
@@ -5898,7 +5898,7 @@
           </p:nvSpPr>
           <p:spPr>
             <a:xfrm>
-              <a:off x="3453797" y="3503447"/>
+              <a:off x="3493923" y="3503231"/>
               <a:ext cx="63202" cy="63202"/>
             </a:xfrm>
             <a:custGeom>
@@ -5997,7 +5997,7 @@
           </p:nvSpPr>
           <p:spPr>
             <a:xfrm>
-              <a:off x="4899021" y="6453852"/>
+              <a:off x="4899021" y="6453778"/>
               <a:ext cx="1650203" cy="0"/>
             </a:xfrm>
             <a:custGeom>
@@ -6040,7 +6040,7 @@
           </p:nvSpPr>
           <p:spPr>
             <a:xfrm>
-              <a:off x="4899021" y="5063201"/>
+              <a:off x="4899021" y="5063213"/>
               <a:ext cx="1650203" cy="0"/>
             </a:xfrm>
             <a:custGeom>
@@ -6083,7 +6083,7 @@
           </p:nvSpPr>
           <p:spPr>
             <a:xfrm>
-              <a:off x="4899021" y="3672550"/>
+              <a:off x="4899021" y="3672648"/>
               <a:ext cx="1650203" cy="0"/>
             </a:xfrm>
             <a:custGeom>
@@ -6126,7 +6126,7 @@
           </p:nvSpPr>
           <p:spPr>
             <a:xfrm>
-              <a:off x="4899021" y="2281898"/>
+              <a:off x="4899021" y="2282083"/>
               <a:ext cx="1650203" cy="0"/>
             </a:xfrm>
             <a:custGeom>
@@ -6169,7 +6169,7 @@
           </p:nvSpPr>
           <p:spPr>
             <a:xfrm>
-              <a:off x="4899021" y="5758527"/>
+              <a:off x="4899021" y="5758495"/>
               <a:ext cx="1650203" cy="0"/>
             </a:xfrm>
             <a:custGeom>
@@ -6212,7 +6212,7 @@
           </p:nvSpPr>
           <p:spPr>
             <a:xfrm>
-              <a:off x="4899021" y="4367875"/>
+              <a:off x="4899021" y="4367931"/>
               <a:ext cx="1650203" cy="0"/>
             </a:xfrm>
             <a:custGeom>
@@ -6255,7 +6255,7 @@
           </p:nvSpPr>
           <p:spPr>
             <a:xfrm>
-              <a:off x="4899021" y="2977224"/>
+              <a:off x="4899021" y="2977366"/>
               <a:ext cx="1650203" cy="0"/>
             </a:xfrm>
             <a:custGeom>
@@ -6298,7 +6298,7 @@
           </p:nvSpPr>
           <p:spPr>
             <a:xfrm>
-              <a:off x="4899021" y="1586572"/>
+              <a:off x="4899021" y="1586801"/>
               <a:ext cx="1650203" cy="0"/>
             </a:xfrm>
             <a:custGeom>
@@ -6470,7 +6470,7 @@
           </p:nvSpPr>
           <p:spPr>
             <a:xfrm>
-              <a:off x="5881339" y="5942111"/>
+              <a:off x="5530593" y="5942051"/>
               <a:ext cx="63202" cy="63202"/>
             </a:xfrm>
             <a:custGeom>
@@ -6513,7 +6513,7 @@
           </p:nvSpPr>
           <p:spPr>
             <a:xfrm>
-              <a:off x="5347667" y="1641734"/>
+              <a:off x="5022826" y="1641734"/>
               <a:ext cx="63202" cy="63202"/>
             </a:xfrm>
             <a:custGeom>
@@ -6556,7 +6556,7 @@
           </p:nvSpPr>
           <p:spPr>
             <a:xfrm>
-              <a:off x="5355866" y="2597397"/>
+              <a:off x="5125155" y="2597549"/>
               <a:ext cx="63202" cy="63202"/>
             </a:xfrm>
             <a:custGeom>
@@ -6599,7 +6599,7 @@
           </p:nvSpPr>
           <p:spPr>
             <a:xfrm>
-              <a:off x="5352271" y="2176998"/>
+              <a:off x="5189169" y="2177159"/>
               <a:ext cx="63202" cy="63202"/>
             </a:xfrm>
             <a:custGeom>
@@ -6642,7 +6642,7 @@
           </p:nvSpPr>
           <p:spPr>
             <a:xfrm>
-              <a:off x="5368788" y="2614020"/>
+              <a:off x="5042791" y="2614222"/>
               <a:ext cx="63202" cy="63202"/>
             </a:xfrm>
             <a:custGeom>
@@ -6685,7 +6685,7 @@
           </p:nvSpPr>
           <p:spPr>
             <a:xfrm>
-              <a:off x="5550007" y="6089044"/>
+              <a:off x="5860704" y="6088919"/>
               <a:ext cx="63202" cy="63202"/>
             </a:xfrm>
             <a:custGeom>
@@ -6728,7 +6728,7 @@
           </p:nvSpPr>
           <p:spPr>
             <a:xfrm>
-              <a:off x="6267802" y="6634049"/>
+              <a:off x="6029532" y="6634049"/>
               <a:ext cx="63202" cy="63202"/>
             </a:xfrm>
             <a:custGeom>
@@ -6771,7 +6771,7 @@
           </p:nvSpPr>
           <p:spPr>
             <a:xfrm>
-              <a:off x="5055047" y="5639377"/>
+              <a:off x="5125189" y="5639312"/>
               <a:ext cx="63202" cy="63202"/>
             </a:xfrm>
             <a:custGeom>
@@ -6814,7 +6814,7 @@
           </p:nvSpPr>
           <p:spPr>
             <a:xfrm>
-              <a:off x="5242696" y="4825420"/>
+              <a:off x="5321306" y="4825372"/>
               <a:ext cx="63202" cy="63202"/>
             </a:xfrm>
             <a:custGeom>
@@ -6857,7 +6857,7 @@
           </p:nvSpPr>
           <p:spPr>
             <a:xfrm>
-              <a:off x="5528722" y="6085709"/>
+              <a:off x="5811418" y="6085755"/>
               <a:ext cx="63202" cy="63202"/>
             </a:xfrm>
             <a:custGeom>
@@ -6900,7 +6900,7 @@
           </p:nvSpPr>
           <p:spPr>
             <a:xfrm>
-              <a:off x="5049169" y="3691476"/>
+              <a:off x="5102364" y="3691491"/>
               <a:ext cx="63202" cy="63202"/>
             </a:xfrm>
             <a:custGeom>
@@ -6943,7 +6943,7 @@
           </p:nvSpPr>
           <p:spPr>
             <a:xfrm>
-              <a:off x="5141872" y="3565299"/>
+              <a:off x="5008477" y="3565339"/>
               <a:ext cx="63202" cy="63202"/>
             </a:xfrm>
             <a:custGeom>
@@ -6986,7 +6986,7 @@
           </p:nvSpPr>
           <p:spPr>
             <a:xfrm>
-              <a:off x="6133369" y="6620813"/>
+              <a:off x="6152154" y="6620659"/>
               <a:ext cx="63202" cy="63202"/>
             </a:xfrm>
             <a:custGeom>
@@ -7029,7 +7029,7 @@
           </p:nvSpPr>
           <p:spPr>
             <a:xfrm>
-              <a:off x="5806412" y="6042675"/>
+              <a:off x="5883547" y="6042492"/>
               <a:ext cx="63202" cy="63202"/>
             </a:xfrm>
             <a:custGeom>
@@ -7072,7 +7072,7 @@
           </p:nvSpPr>
           <p:spPr>
             <a:xfrm>
-              <a:off x="5556952" y="5745412"/>
+              <a:off x="5645410" y="5745423"/>
               <a:ext cx="63202" cy="63202"/>
             </a:xfrm>
             <a:custGeom>
@@ -7171,7 +7171,7 @@
           </p:nvSpPr>
           <p:spPr>
             <a:xfrm>
-              <a:off x="6618814" y="6453852"/>
+              <a:off x="6618814" y="6453778"/>
               <a:ext cx="1650203" cy="0"/>
             </a:xfrm>
             <a:custGeom>
@@ -7214,7 +7214,7 @@
           </p:nvSpPr>
           <p:spPr>
             <a:xfrm>
-              <a:off x="6618814" y="5063201"/>
+              <a:off x="6618814" y="5063213"/>
               <a:ext cx="1650203" cy="0"/>
             </a:xfrm>
             <a:custGeom>
@@ -7257,7 +7257,7 @@
           </p:nvSpPr>
           <p:spPr>
             <a:xfrm>
-              <a:off x="6618814" y="3672550"/>
+              <a:off x="6618814" y="3672648"/>
               <a:ext cx="1650203" cy="0"/>
             </a:xfrm>
             <a:custGeom>
@@ -7300,7 +7300,7 @@
           </p:nvSpPr>
           <p:spPr>
             <a:xfrm>
-              <a:off x="6618814" y="2281898"/>
+              <a:off x="6618814" y="2282083"/>
               <a:ext cx="1650203" cy="0"/>
             </a:xfrm>
             <a:custGeom>
@@ -7343,7 +7343,7 @@
           </p:nvSpPr>
           <p:spPr>
             <a:xfrm>
-              <a:off x="6618814" y="5758527"/>
+              <a:off x="6618814" y="5758495"/>
               <a:ext cx="1650203" cy="0"/>
             </a:xfrm>
             <a:custGeom>
@@ -7386,7 +7386,7 @@
           </p:nvSpPr>
           <p:spPr>
             <a:xfrm>
-              <a:off x="6618814" y="4367875"/>
+              <a:off x="6618814" y="4367931"/>
               <a:ext cx="1650203" cy="0"/>
             </a:xfrm>
             <a:custGeom>
@@ -7429,7 +7429,7 @@
           </p:nvSpPr>
           <p:spPr>
             <a:xfrm>
-              <a:off x="6618814" y="2977224"/>
+              <a:off x="6618814" y="2977366"/>
               <a:ext cx="1650203" cy="0"/>
             </a:xfrm>
             <a:custGeom>
@@ -7472,7 +7472,7 @@
           </p:nvSpPr>
           <p:spPr>
             <a:xfrm>
-              <a:off x="6618814" y="1586572"/>
+              <a:off x="6618814" y="1586801"/>
               <a:ext cx="1650203" cy="0"/>
             </a:xfrm>
             <a:custGeom>
@@ -7644,7 +7644,7 @@
           </p:nvSpPr>
           <p:spPr>
             <a:xfrm>
-              <a:off x="7330106" y="5729225"/>
+              <a:off x="7459617" y="5729107"/>
               <a:ext cx="63202" cy="63202"/>
             </a:xfrm>
             <a:custGeom>
@@ -7687,7 +7687,7 @@
           </p:nvSpPr>
           <p:spPr>
             <a:xfrm>
-              <a:off x="7080372" y="5208259"/>
+              <a:off x="6840814" y="5208157"/>
               <a:ext cx="63202" cy="63202"/>
             </a:xfrm>
             <a:custGeom>
@@ -7730,7 +7730,7 @@
           </p:nvSpPr>
           <p:spPr>
             <a:xfrm>
-              <a:off x="6798775" y="5525417"/>
+              <a:off x="6703244" y="5525091"/>
               <a:ext cx="63202" cy="63202"/>
             </a:xfrm>
             <a:custGeom>
@@ -7773,7 +7773,7 @@
           </p:nvSpPr>
           <p:spPr>
             <a:xfrm>
-              <a:off x="7917815" y="6548953"/>
+              <a:off x="8096980" y="6548558"/>
               <a:ext cx="63202" cy="63202"/>
             </a:xfrm>
             <a:custGeom>
@@ -7872,7 +7872,7 @@
           </p:nvSpPr>
           <p:spPr>
             <a:xfrm>
-              <a:off x="8338607" y="6453852"/>
+              <a:off x="8338607" y="6453778"/>
               <a:ext cx="1650203" cy="0"/>
             </a:xfrm>
             <a:custGeom>
@@ -7915,7 +7915,7 @@
           </p:nvSpPr>
           <p:spPr>
             <a:xfrm>
-              <a:off x="8338607" y="5063201"/>
+              <a:off x="8338607" y="5063213"/>
               <a:ext cx="1650203" cy="0"/>
             </a:xfrm>
             <a:custGeom>
@@ -7958,7 +7958,7 @@
           </p:nvSpPr>
           <p:spPr>
             <a:xfrm>
-              <a:off x="8338607" y="3672550"/>
+              <a:off x="8338607" y="3672648"/>
               <a:ext cx="1650203" cy="0"/>
             </a:xfrm>
             <a:custGeom>
@@ -8001,7 +8001,7 @@
           </p:nvSpPr>
           <p:spPr>
             <a:xfrm>
-              <a:off x="8338607" y="2281898"/>
+              <a:off x="8338607" y="2282083"/>
               <a:ext cx="1650203" cy="0"/>
             </a:xfrm>
             <a:custGeom>
@@ -8044,7 +8044,7 @@
           </p:nvSpPr>
           <p:spPr>
             <a:xfrm>
-              <a:off x="8338607" y="5758527"/>
+              <a:off x="8338607" y="5758495"/>
               <a:ext cx="1650203" cy="0"/>
             </a:xfrm>
             <a:custGeom>
@@ -8087,7 +8087,7 @@
           </p:nvSpPr>
           <p:spPr>
             <a:xfrm>
-              <a:off x="8338607" y="4367875"/>
+              <a:off x="8338607" y="4367931"/>
               <a:ext cx="1650203" cy="0"/>
             </a:xfrm>
             <a:custGeom>
@@ -8130,7 +8130,7 @@
           </p:nvSpPr>
           <p:spPr>
             <a:xfrm>
-              <a:off x="8338607" y="2977224"/>
+              <a:off x="8338607" y="2977366"/>
               <a:ext cx="1650203" cy="0"/>
             </a:xfrm>
             <a:custGeom>
@@ -8173,7 +8173,7 @@
           </p:nvSpPr>
           <p:spPr>
             <a:xfrm>
-              <a:off x="8338607" y="1586572"/>
+              <a:off x="8338607" y="1586801"/>
               <a:ext cx="1650203" cy="0"/>
             </a:xfrm>
             <a:custGeom>
@@ -8345,7 +8345,7 @@
           </p:nvSpPr>
           <p:spPr>
             <a:xfrm>
-              <a:off x="8467229" y="2126978"/>
+              <a:off x="8761156" y="2127037"/>
               <a:ext cx="63202" cy="63202"/>
             </a:xfrm>
             <a:custGeom>
@@ -8388,7 +8388,7 @@
           </p:nvSpPr>
           <p:spPr>
             <a:xfrm>
-              <a:off x="8500036" y="2083712"/>
+              <a:off x="8603074" y="2083908"/>
               <a:ext cx="63202" cy="63202"/>
             </a:xfrm>
             <a:custGeom>
@@ -8431,7 +8431,7 @@
           </p:nvSpPr>
           <p:spPr>
             <a:xfrm>
-              <a:off x="8607152" y="2027370"/>
+              <a:off x="8415799" y="2027531"/>
               <a:ext cx="63202" cy="63202"/>
             </a:xfrm>
             <a:custGeom>
@@ -8474,7 +8474,7 @@
           </p:nvSpPr>
           <p:spPr>
             <a:xfrm>
-              <a:off x="8636154" y="5564721"/>
+              <a:off x="8696480" y="5564565"/>
               <a:ext cx="63202" cy="63202"/>
             </a:xfrm>
             <a:custGeom>
@@ -8517,7 +8517,7 @@
           </p:nvSpPr>
           <p:spPr>
             <a:xfrm>
-              <a:off x="8751689" y="4909776"/>
+              <a:off x="8715386" y="4909595"/>
               <a:ext cx="63202" cy="63202"/>
             </a:xfrm>
             <a:custGeom>
@@ -8560,7 +8560,7 @@
           </p:nvSpPr>
           <p:spPr>
             <a:xfrm>
-              <a:off x="9050721" y="6056207"/>
+              <a:off x="9088973" y="6056109"/>
               <a:ext cx="63202" cy="63202"/>
             </a:xfrm>
             <a:custGeom>
@@ -8603,7 +8603,7 @@
           </p:nvSpPr>
           <p:spPr>
             <a:xfrm>
-              <a:off x="9068377" y="6313229"/>
+              <a:off x="9256234" y="6313225"/>
               <a:ext cx="63202" cy="63202"/>
             </a:xfrm>
             <a:custGeom>
@@ -8646,7 +8646,7 @@
           </p:nvSpPr>
           <p:spPr>
             <a:xfrm>
-              <a:off x="8443953" y="4261275"/>
+              <a:off x="8778482" y="4261225"/>
               <a:ext cx="63202" cy="63202"/>
             </a:xfrm>
             <a:custGeom>
@@ -8689,7 +8689,7 @@
           </p:nvSpPr>
           <p:spPr>
             <a:xfrm>
-              <a:off x="8984889" y="6312397"/>
+              <a:off x="8939204" y="6312160"/>
               <a:ext cx="63202" cy="63202"/>
             </a:xfrm>
             <a:custGeom>
@@ -8732,7 +8732,7 @@
           </p:nvSpPr>
           <p:spPr>
             <a:xfrm>
-              <a:off x="8657163" y="4366069"/>
+              <a:off x="8470617" y="4366048"/>
               <a:ext cx="63202" cy="63202"/>
             </a:xfrm>
             <a:custGeom>
@@ -8775,7 +8775,7 @@
           </p:nvSpPr>
           <p:spPr>
             <a:xfrm>
-              <a:off x="8600471" y="4158763"/>
+              <a:off x="8502662" y="4158757"/>
               <a:ext cx="63202" cy="63202"/>
             </a:xfrm>
             <a:custGeom>
@@ -8818,7 +8818,7 @@
           </p:nvSpPr>
           <p:spPr>
             <a:xfrm>
-              <a:off x="8486907" y="5550901"/>
+              <a:off x="8534287" y="5550826"/>
               <a:ext cx="63202" cy="63202"/>
             </a:xfrm>
             <a:custGeom>
@@ -8861,7 +8861,7 @@
           </p:nvSpPr>
           <p:spPr>
             <a:xfrm>
-              <a:off x="8588374" y="4999740"/>
+              <a:off x="8787402" y="4999680"/>
               <a:ext cx="63202" cy="63202"/>
             </a:xfrm>
             <a:custGeom>
@@ -8904,7 +8904,7 @@
           </p:nvSpPr>
           <p:spPr>
             <a:xfrm>
-              <a:off x="8596907" y="4524116"/>
+              <a:off x="8686537" y="4523979"/>
               <a:ext cx="63202" cy="63202"/>
             </a:xfrm>
             <a:custGeom>
@@ -8947,7 +8947,7 @@
           </p:nvSpPr>
           <p:spPr>
             <a:xfrm>
-              <a:off x="9306999" y="6149516"/>
+              <a:off x="9287690" y="6149535"/>
               <a:ext cx="63202" cy="63202"/>
             </a:xfrm>
             <a:custGeom>
@@ -8990,7 +8990,7 @@
           </p:nvSpPr>
           <p:spPr>
             <a:xfrm>
-              <a:off x="9336882" y="6198958"/>
+              <a:off x="9191206" y="6198910"/>
               <a:ext cx="63202" cy="63202"/>
             </a:xfrm>
             <a:custGeom>
@@ -9033,7 +9033,7 @@
           </p:nvSpPr>
           <p:spPr>
             <a:xfrm>
-              <a:off x="8746216" y="4458319"/>
+              <a:off x="8494425" y="4458415"/>
               <a:ext cx="63202" cy="63202"/>
             </a:xfrm>
             <a:custGeom>
@@ -9076,7 +9076,7 @@
           </p:nvSpPr>
           <p:spPr>
             <a:xfrm>
-              <a:off x="9005740" y="6057596"/>
+              <a:off x="9220063" y="6057280"/>
               <a:ext cx="63202" cy="63202"/>
             </a:xfrm>
             <a:custGeom>
@@ -9119,7 +9119,7 @@
           </p:nvSpPr>
           <p:spPr>
             <a:xfrm>
-              <a:off x="8428834" y="2024529"/>
+              <a:off x="8786217" y="2024925"/>
               <a:ext cx="63202" cy="63202"/>
             </a:xfrm>
             <a:custGeom>
@@ -9162,7 +9162,7 @@
           </p:nvSpPr>
           <p:spPr>
             <a:xfrm>
-              <a:off x="8793773" y="5084760"/>
+              <a:off x="8728758" y="5084996"/>
               <a:ext cx="63202" cy="63202"/>
             </a:xfrm>
             <a:custGeom>
@@ -9205,7 +9205,7 @@
           </p:nvSpPr>
           <p:spPr>
             <a:xfrm>
-              <a:off x="8546927" y="4389753"/>
+              <a:off x="8681503" y="4389596"/>
               <a:ext cx="63202" cy="63202"/>
             </a:xfrm>
             <a:custGeom>
@@ -9248,7 +9248,7 @@
           </p:nvSpPr>
           <p:spPr>
             <a:xfrm>
-              <a:off x="9184533" y="6337294"/>
+              <a:off x="8973732" y="6337333"/>
               <a:ext cx="63202" cy="63202"/>
             </a:xfrm>
             <a:custGeom>
@@ -9291,7 +9291,7 @@
           </p:nvSpPr>
           <p:spPr>
             <a:xfrm>
-              <a:off x="8642394" y="5212820"/>
+              <a:off x="8664328" y="5212829"/>
               <a:ext cx="63202" cy="63202"/>
             </a:xfrm>
             <a:custGeom>
@@ -9334,7 +9334,7 @@
           </p:nvSpPr>
           <p:spPr>
             <a:xfrm>
-              <a:off x="8523433" y="5533658"/>
+              <a:off x="8711118" y="5533494"/>
               <a:ext cx="63202" cy="63202"/>
             </a:xfrm>
             <a:custGeom>
@@ -9377,7 +9377,7 @@
           </p:nvSpPr>
           <p:spPr>
             <a:xfrm>
-              <a:off x="8604988" y="3027605"/>
+              <a:off x="8625490" y="3027875"/>
               <a:ext cx="63202" cy="63202"/>
             </a:xfrm>
             <a:custGeom>
@@ -9420,7 +9420,7 @@
           </p:nvSpPr>
           <p:spPr>
             <a:xfrm>
-              <a:off x="8739902" y="5724939"/>
+              <a:off x="8621417" y="5724944"/>
               <a:ext cx="63202" cy="63202"/>
             </a:xfrm>
             <a:custGeom>
@@ -9463,7 +9463,7 @@
           </p:nvSpPr>
           <p:spPr>
             <a:xfrm>
-              <a:off x="8618867" y="1953537"/>
+              <a:off x="8449235" y="1953879"/>
               <a:ext cx="63202" cy="63202"/>
             </a:xfrm>
             <a:custGeom>
@@ -9506,7 +9506,7 @@
           </p:nvSpPr>
           <p:spPr>
             <a:xfrm>
-              <a:off x="8770328" y="1916235"/>
+              <a:off x="8421018" y="1916249"/>
               <a:ext cx="63202" cy="63202"/>
             </a:xfrm>
             <a:custGeom>
@@ -9549,7 +9549,7 @@
           </p:nvSpPr>
           <p:spPr>
             <a:xfrm>
-              <a:off x="8762781" y="4794363"/>
+              <a:off x="8565144" y="4794121"/>
               <a:ext cx="63202" cy="63202"/>
             </a:xfrm>
             <a:custGeom>
@@ -9592,7 +9592,7 @@
           </p:nvSpPr>
           <p:spPr>
             <a:xfrm>
-              <a:off x="8588461" y="4487356"/>
+              <a:off x="8711335" y="4487370"/>
               <a:ext cx="63202" cy="63202"/>
             </a:xfrm>
             <a:custGeom>
@@ -9635,7 +9635,7 @@
           </p:nvSpPr>
           <p:spPr>
             <a:xfrm>
-              <a:off x="8765699" y="1913419"/>
+              <a:off x="8722806" y="1913318"/>
               <a:ext cx="63202" cy="63202"/>
             </a:xfrm>
             <a:custGeom>
@@ -9678,7 +9678,7 @@
           </p:nvSpPr>
           <p:spPr>
             <a:xfrm>
-              <a:off x="9690359" y="6585256"/>
+              <a:off x="9661714" y="6585321"/>
               <a:ext cx="63202" cy="63202"/>
             </a:xfrm>
             <a:custGeom>
@@ -9721,7 +9721,7 @@
           </p:nvSpPr>
           <p:spPr>
             <a:xfrm>
-              <a:off x="8509604" y="4288374"/>
+              <a:off x="8820030" y="4288703"/>
               <a:ext cx="63202" cy="63202"/>
             </a:xfrm>
             <a:custGeom>
@@ -9764,7 +9764,7 @@
           </p:nvSpPr>
           <p:spPr>
             <a:xfrm>
-              <a:off x="8651313" y="3084329"/>
+              <a:off x="8807355" y="3084235"/>
               <a:ext cx="63202" cy="63202"/>
             </a:xfrm>
             <a:custGeom>
@@ -9807,7 +9807,7 @@
           </p:nvSpPr>
           <p:spPr>
             <a:xfrm>
-              <a:off x="8803028" y="3360494"/>
+              <a:off x="8469135" y="3360453"/>
               <a:ext cx="63202" cy="63202"/>
             </a:xfrm>
             <a:custGeom>
@@ -9850,7 +9850,7 @@
           </p:nvSpPr>
           <p:spPr>
             <a:xfrm>
-              <a:off x="8628396" y="2004123"/>
+              <a:off x="8676074" y="2004522"/>
               <a:ext cx="63202" cy="63202"/>
             </a:xfrm>
             <a:custGeom>
@@ -9893,7 +9893,7 @@
           </p:nvSpPr>
           <p:spPr>
             <a:xfrm>
-              <a:off x="8596042" y="1945637"/>
+              <a:off x="8429907" y="1945928"/>
               <a:ext cx="63202" cy="63202"/>
             </a:xfrm>
             <a:custGeom>
@@ -9936,7 +9936,7 @@
           </p:nvSpPr>
           <p:spPr>
             <a:xfrm>
-              <a:off x="8430861" y="2005018"/>
+              <a:off x="8589907" y="2005324"/>
               <a:ext cx="63202" cy="63202"/>
             </a:xfrm>
             <a:custGeom>
@@ -9979,7 +9979,7 @@
           </p:nvSpPr>
           <p:spPr>
             <a:xfrm>
-              <a:off x="8810142" y="2004119"/>
+              <a:off x="8637174" y="2004422"/>
               <a:ext cx="63202" cy="63202"/>
             </a:xfrm>
             <a:custGeom>
@@ -10022,7 +10022,7 @@
           </p:nvSpPr>
           <p:spPr>
             <a:xfrm>
-              <a:off x="8731720" y="1943553"/>
+              <a:off x="8608291" y="1943677"/>
               <a:ext cx="63202" cy="63202"/>
             </a:xfrm>
             <a:custGeom>
@@ -10065,7 +10065,7 @@
           </p:nvSpPr>
           <p:spPr>
             <a:xfrm>
-              <a:off x="8789119" y="3030807"/>
+              <a:off x="8455402" y="3030931"/>
               <a:ext cx="63202" cy="63202"/>
             </a:xfrm>
             <a:custGeom>
@@ -10108,7 +10108,7 @@
           </p:nvSpPr>
           <p:spPr>
             <a:xfrm>
-              <a:off x="8443023" y="3054227"/>
+              <a:off x="8635098" y="3054165"/>
               <a:ext cx="63202" cy="63202"/>
             </a:xfrm>
             <a:custGeom>
@@ -10151,7 +10151,7 @@
           </p:nvSpPr>
           <p:spPr>
             <a:xfrm>
-              <a:off x="8534622" y="5583196"/>
+              <a:off x="8692432" y="5583259"/>
               <a:ext cx="63202" cy="63202"/>
             </a:xfrm>
             <a:custGeom>
@@ -10194,7 +10194,7 @@
           </p:nvSpPr>
           <p:spPr>
             <a:xfrm>
-              <a:off x="8636640" y="2914560"/>
+              <a:off x="8576891" y="2914630"/>
               <a:ext cx="63202" cy="63202"/>
             </a:xfrm>
             <a:custGeom>
@@ -10237,7 +10237,7 @@
           </p:nvSpPr>
           <p:spPr>
             <a:xfrm>
-              <a:off x="8761361" y="2496558"/>
+              <a:off x="8441303" y="2496768"/>
               <a:ext cx="63202" cy="63202"/>
             </a:xfrm>
             <a:custGeom>
@@ -10280,7 +10280,7 @@
           </p:nvSpPr>
           <p:spPr>
             <a:xfrm>
-              <a:off x="8600195" y="2563836"/>
+              <a:off x="8602722" y="2563955"/>
               <a:ext cx="63202" cy="63202"/>
             </a:xfrm>
             <a:custGeom>
@@ -10323,7 +10323,7 @@
           </p:nvSpPr>
           <p:spPr>
             <a:xfrm>
-              <a:off x="8688851" y="5638068"/>
+              <a:off x="8614745" y="5637921"/>
               <a:ext cx="63202" cy="63202"/>
             </a:xfrm>
             <a:custGeom>
@@ -10366,7 +10366,7 @@
           </p:nvSpPr>
           <p:spPr>
             <a:xfrm>
-              <a:off x="8429039" y="2077473"/>
+              <a:off x="8504099" y="2077533"/>
               <a:ext cx="63202" cy="63202"/>
             </a:xfrm>
             <a:custGeom>
@@ -10409,7 +10409,7 @@
           </p:nvSpPr>
           <p:spPr>
             <a:xfrm>
-              <a:off x="8617703" y="2864430"/>
+              <a:off x="8454316" y="2864598"/>
               <a:ext cx="63202" cy="63202"/>
             </a:xfrm>
             <a:custGeom>
@@ -10452,7 +10452,7 @@
           </p:nvSpPr>
           <p:spPr>
             <a:xfrm>
-              <a:off x="8809955" y="2996490"/>
+              <a:off x="8621562" y="2996865"/>
               <a:ext cx="63202" cy="63202"/>
             </a:xfrm>
             <a:custGeom>
@@ -10495,7 +10495,7 @@
           </p:nvSpPr>
           <p:spPr>
             <a:xfrm>
-              <a:off x="8714304" y="1946786"/>
+              <a:off x="8709921" y="1946872"/>
               <a:ext cx="63202" cy="63202"/>
             </a:xfrm>
             <a:custGeom>
@@ -10538,7 +10538,7 @@
           </p:nvSpPr>
           <p:spPr>
             <a:xfrm>
-              <a:off x="8636966" y="1960020"/>
+              <a:off x="8664916" y="1960488"/>
               <a:ext cx="63202" cy="63202"/>
             </a:xfrm>
             <a:custGeom>
@@ -10581,7 +10581,7 @@
           </p:nvSpPr>
           <p:spPr>
             <a:xfrm>
-              <a:off x="8478376" y="2395942"/>
+              <a:off x="8682365" y="2395844"/>
               <a:ext cx="63202" cy="63202"/>
             </a:xfrm>
             <a:custGeom>
@@ -10624,7 +10624,7 @@
           </p:nvSpPr>
           <p:spPr>
             <a:xfrm>
-              <a:off x="8587794" y="2731034"/>
+              <a:off x="8440099" y="2731232"/>
               <a:ext cx="63202" cy="63202"/>
             </a:xfrm>
             <a:custGeom>
@@ -10667,7 +10667,7 @@
           </p:nvSpPr>
           <p:spPr>
             <a:xfrm>
-              <a:off x="8618031" y="2542341"/>
+              <a:off x="8570379" y="2542365"/>
               <a:ext cx="63202" cy="63202"/>
             </a:xfrm>
             <a:custGeom>
@@ -10710,7 +10710,7 @@
           </p:nvSpPr>
           <p:spPr>
             <a:xfrm>
-              <a:off x="8798340" y="1943518"/>
+              <a:off x="8523803" y="1943536"/>
               <a:ext cx="63202" cy="63202"/>
             </a:xfrm>
             <a:custGeom>
@@ -10753,7 +10753,7 @@
           </p:nvSpPr>
           <p:spPr>
             <a:xfrm>
-              <a:off x="8692816" y="1947276"/>
+              <a:off x="8558370" y="1947219"/>
               <a:ext cx="63202" cy="63202"/>
             </a:xfrm>
             <a:custGeom>
@@ -10796,7 +10796,7 @@
           </p:nvSpPr>
           <p:spPr>
             <a:xfrm>
-              <a:off x="8543668" y="3018582"/>
+              <a:off x="8679829" y="3018406"/>
               <a:ext cx="63202" cy="63202"/>
             </a:xfrm>
             <a:custGeom>
@@ -10839,7 +10839,7 @@
           </p:nvSpPr>
           <p:spPr>
             <a:xfrm>
-              <a:off x="8548106" y="1953726"/>
+              <a:off x="8526376" y="1953832"/>
               <a:ext cx="63202" cy="63202"/>
             </a:xfrm>
             <a:custGeom>
@@ -10882,7 +10882,7 @@
           </p:nvSpPr>
           <p:spPr>
             <a:xfrm>
-              <a:off x="8608693" y="1957044"/>
+              <a:off x="8719039" y="1957082"/>
               <a:ext cx="63202" cy="63202"/>
             </a:xfrm>
             <a:custGeom>
@@ -10925,7 +10925,7 @@
           </p:nvSpPr>
           <p:spPr>
             <a:xfrm>
-              <a:off x="8779709" y="1947572"/>
+              <a:off x="8723849" y="1947868"/>
               <a:ext cx="63202" cy="63202"/>
             </a:xfrm>
             <a:custGeom>
@@ -10968,7 +10968,7 @@
           </p:nvSpPr>
           <p:spPr>
             <a:xfrm>
-              <a:off x="8431914" y="1913434"/>
+              <a:off x="8573329" y="1913358"/>
               <a:ext cx="63202" cy="63202"/>
             </a:xfrm>
             <a:custGeom>
@@ -11011,7 +11011,7 @@
           </p:nvSpPr>
           <p:spPr>
             <a:xfrm>
-              <a:off x="8804233" y="1961876"/>
+              <a:off x="8522652" y="1962320"/>
               <a:ext cx="63202" cy="63202"/>
             </a:xfrm>
             <a:custGeom>
@@ -11054,7 +11054,7 @@
           </p:nvSpPr>
           <p:spPr>
             <a:xfrm>
-              <a:off x="8773915" y="3319176"/>
+              <a:off x="8659826" y="3319179"/>
               <a:ext cx="63202" cy="63202"/>
             </a:xfrm>
             <a:custGeom>
@@ -11097,7 +11097,7 @@
           </p:nvSpPr>
           <p:spPr>
             <a:xfrm>
-              <a:off x="8760862" y="1860481"/>
+              <a:off x="8806850" y="1860794"/>
               <a:ext cx="63202" cy="63202"/>
             </a:xfrm>
             <a:custGeom>
@@ -11140,7 +11140,7 @@
           </p:nvSpPr>
           <p:spPr>
             <a:xfrm>
-              <a:off x="8654347" y="2417145"/>
+              <a:off x="8653769" y="2417470"/>
               <a:ext cx="63202" cy="63202"/>
             </a:xfrm>
             <a:custGeom>
@@ -11183,7 +11183,7 @@
           </p:nvSpPr>
           <p:spPr>
             <a:xfrm>
-              <a:off x="8682445" y="4769998"/>
+              <a:off x="8483640" y="4770246"/>
               <a:ext cx="63202" cy="63202"/>
             </a:xfrm>
             <a:custGeom>
@@ -11226,7 +11226,7 @@
           </p:nvSpPr>
           <p:spPr>
             <a:xfrm>
-              <a:off x="8592457" y="4769987"/>
+              <a:off x="8817642" y="4770266"/>
               <a:ext cx="63202" cy="63202"/>
             </a:xfrm>
             <a:custGeom>
@@ -11269,7 +11269,7 @@
           </p:nvSpPr>
           <p:spPr>
             <a:xfrm>
-              <a:off x="8470785" y="2209382"/>
+              <a:off x="8548069" y="2209779"/>
               <a:ext cx="63202" cy="63202"/>
             </a:xfrm>
             <a:custGeom>
@@ -11312,7 +11312,7 @@
           </p:nvSpPr>
           <p:spPr>
             <a:xfrm>
-              <a:off x="8451461" y="2438627"/>
+              <a:off x="8429935" y="2438803"/>
               <a:ext cx="63202" cy="63202"/>
             </a:xfrm>
             <a:custGeom>
@@ -11355,7 +11355,7 @@
           </p:nvSpPr>
           <p:spPr>
             <a:xfrm>
-              <a:off x="8688899" y="4915287"/>
+              <a:off x="8589148" y="4915325"/>
               <a:ext cx="63202" cy="63202"/>
             </a:xfrm>
             <a:custGeom>
@@ -11398,7 +11398,7 @@
           </p:nvSpPr>
           <p:spPr>
             <a:xfrm>
-              <a:off x="8471303" y="4902247"/>
+              <a:off x="8575242" y="4902385"/>
               <a:ext cx="63202" cy="63202"/>
             </a:xfrm>
             <a:custGeom>
@@ -11441,7 +11441,7 @@
           </p:nvSpPr>
           <p:spPr>
             <a:xfrm>
-              <a:off x="8572739" y="4911480"/>
+              <a:off x="8736041" y="4911573"/>
               <a:ext cx="63202" cy="63202"/>
             </a:xfrm>
             <a:custGeom>
@@ -11484,7 +11484,7 @@
           </p:nvSpPr>
           <p:spPr>
             <a:xfrm>
-              <a:off x="8435782" y="4734516"/>
+              <a:off x="8459103" y="4734640"/>
               <a:ext cx="63202" cy="63202"/>
             </a:xfrm>
             <a:custGeom>
@@ -11527,7 +11527,7 @@
           </p:nvSpPr>
           <p:spPr>
             <a:xfrm>
-              <a:off x="8450229" y="1936793"/>
+              <a:off x="8617949" y="1937207"/>
               <a:ext cx="63202" cy="63202"/>
             </a:xfrm>
             <a:custGeom>
@@ -11570,7 +11570,7 @@
           </p:nvSpPr>
           <p:spPr>
             <a:xfrm>
-              <a:off x="8467120" y="5538101"/>
+              <a:off x="8636219" y="5538076"/>
               <a:ext cx="63202" cy="63202"/>
             </a:xfrm>
             <a:custGeom>
@@ -11613,7 +11613,7 @@
           </p:nvSpPr>
           <p:spPr>
             <a:xfrm>
-              <a:off x="8446476" y="5661481"/>
+              <a:off x="8576291" y="5661513"/>
               <a:ext cx="63202" cy="63202"/>
             </a:xfrm>
             <a:custGeom>
@@ -11656,7 +11656,7 @@
           </p:nvSpPr>
           <p:spPr>
             <a:xfrm>
-              <a:off x="8523794" y="5708306"/>
+              <a:off x="8425361" y="5708259"/>
               <a:ext cx="63202" cy="63202"/>
             </a:xfrm>
             <a:custGeom>
@@ -11699,7 +11699,7 @@
           </p:nvSpPr>
           <p:spPr>
             <a:xfrm>
-              <a:off x="8512425" y="5686899"/>
+              <a:off x="8415450" y="5686957"/>
               <a:ext cx="63202" cy="63202"/>
             </a:xfrm>
             <a:custGeom>
@@ -11742,7 +11742,7 @@
           </p:nvSpPr>
           <p:spPr>
             <a:xfrm>
-              <a:off x="8717032" y="5661647"/>
+              <a:off x="8441299" y="5661577"/>
               <a:ext cx="63202" cy="63202"/>
             </a:xfrm>
             <a:custGeom>
@@ -11785,7 +11785,7 @@
           </p:nvSpPr>
           <p:spPr>
             <a:xfrm>
-              <a:off x="8807050" y="2100941"/>
+              <a:off x="8557261" y="2101301"/>
               <a:ext cx="63202" cy="63202"/>
             </a:xfrm>
             <a:custGeom>
@@ -11828,7 +11828,7 @@
           </p:nvSpPr>
           <p:spPr>
             <a:xfrm>
-              <a:off x="8428213" y="4406418"/>
+              <a:off x="8787352" y="4406495"/>
               <a:ext cx="63202" cy="63202"/>
             </a:xfrm>
             <a:custGeom>
@@ -11871,7 +11871,7 @@
           </p:nvSpPr>
           <p:spPr>
             <a:xfrm>
-              <a:off x="8733436" y="2072895"/>
+              <a:off x="8530895" y="2072782"/>
               <a:ext cx="63202" cy="63202"/>
             </a:xfrm>
             <a:custGeom>
@@ -11914,7 +11914,7 @@
           </p:nvSpPr>
           <p:spPr>
             <a:xfrm>
-              <a:off x="8802631" y="2099273"/>
+              <a:off x="8480407" y="2099537"/>
               <a:ext cx="63202" cy="63202"/>
             </a:xfrm>
             <a:custGeom>
@@ -11957,7 +11957,7 @@
           </p:nvSpPr>
           <p:spPr>
             <a:xfrm>
-              <a:off x="8754404" y="2013021"/>
+              <a:off x="8673753" y="2013004"/>
               <a:ext cx="63202" cy="63202"/>
             </a:xfrm>
             <a:custGeom>
@@ -12000,7 +12000,7 @@
           </p:nvSpPr>
           <p:spPr>
             <a:xfrm>
-              <a:off x="8676919" y="2039799"/>
+              <a:off x="8606080" y="2040037"/>
               <a:ext cx="63202" cy="63202"/>
             </a:xfrm>
             <a:custGeom>
@@ -12043,7 +12043,7 @@
           </p:nvSpPr>
           <p:spPr>
             <a:xfrm>
-              <a:off x="8748658" y="2022261"/>
+              <a:off x="8463926" y="2022521"/>
               <a:ext cx="63202" cy="63202"/>
             </a:xfrm>
             <a:custGeom>
@@ -12086,7 +12086,7 @@
           </p:nvSpPr>
           <p:spPr>
             <a:xfrm>
-              <a:off x="8605195" y="3391439"/>
+              <a:off x="8773581" y="3391518"/>
               <a:ext cx="63202" cy="63202"/>
             </a:xfrm>
             <a:custGeom>
@@ -13854,7 +13854,7 @@
           </p:nvSpPr>
           <p:spPr>
             <a:xfrm>
-              <a:off x="1210339" y="5716780"/>
+              <a:off x="1210339" y="5716749"/>
               <a:ext cx="186466" cy="81746"/>
             </a:xfrm>
             <a:prstGeom prst="rect">
@@ -13900,7 +13900,7 @@
           </p:nvSpPr>
           <p:spPr>
             <a:xfrm>
-              <a:off x="1210339" y="4326184"/>
+              <a:off x="1210339" y="4326239"/>
               <a:ext cx="186466" cy="81691"/>
             </a:xfrm>
             <a:prstGeom prst="rect">
@@ -13946,7 +13946,7 @@
           </p:nvSpPr>
           <p:spPr>
             <a:xfrm>
-              <a:off x="1210339" y="2935532"/>
+              <a:off x="1210339" y="2935674"/>
               <a:ext cx="186466" cy="81691"/>
             </a:xfrm>
             <a:prstGeom prst="rect">
@@ -13992,7 +13992,7 @@
           </p:nvSpPr>
           <p:spPr>
             <a:xfrm>
-              <a:off x="1148183" y="1544881"/>
+              <a:off x="1148183" y="1545109"/>
               <a:ext cx="248622" cy="81691"/>
             </a:xfrm>
             <a:prstGeom prst="rect">
@@ -14038,7 +14038,7 @@
           </p:nvSpPr>
           <p:spPr>
             <a:xfrm>
-              <a:off x="1424641" y="5758527"/>
+              <a:off x="1424641" y="5758495"/>
               <a:ext cx="34794" cy="0"/>
             </a:xfrm>
             <a:custGeom>
@@ -14078,7 +14078,7 @@
           </p:nvSpPr>
           <p:spPr>
             <a:xfrm>
-              <a:off x="1424641" y="4367875"/>
+              <a:off x="1424641" y="4367931"/>
               <a:ext cx="34794" cy="0"/>
             </a:xfrm>
             <a:custGeom>
@@ -14118,7 +14118,7 @@
           </p:nvSpPr>
           <p:spPr>
             <a:xfrm>
-              <a:off x="1424641" y="2977224"/>
+              <a:off x="1424641" y="2977366"/>
               <a:ext cx="34794" cy="0"/>
             </a:xfrm>
             <a:custGeom>
@@ -14158,7 +14158,7 @@
           </p:nvSpPr>
           <p:spPr>
             <a:xfrm>
-              <a:off x="1424641" y="1586572"/>
+              <a:off x="1424641" y="1586801"/>
               <a:ext cx="34794" cy="0"/>
             </a:xfrm>
             <a:custGeom>

--- a/Images/Figures_PPT/Jitter_Plot_Rictor_Domain.pptx
+++ b/Images/Figures_PPT/Jitter_Plot_Rictor_Domain.pptx
@@ -2359,7 +2359,7 @@
           </p:nvSpPr>
           <p:spPr>
             <a:xfrm>
-              <a:off x="1459435" y="6453778"/>
+              <a:off x="1459435" y="6453766"/>
               <a:ext cx="1650203" cy="0"/>
             </a:xfrm>
             <a:custGeom>
@@ -2402,7 +2402,7 @@
           </p:nvSpPr>
           <p:spPr>
             <a:xfrm>
-              <a:off x="1459435" y="5063213"/>
+              <a:off x="1459435" y="5063187"/>
               <a:ext cx="1650203" cy="0"/>
             </a:xfrm>
             <a:custGeom>
@@ -2445,7 +2445,7 @@
           </p:nvSpPr>
           <p:spPr>
             <a:xfrm>
-              <a:off x="1459435" y="3672648"/>
+              <a:off x="1459435" y="3672608"/>
               <a:ext cx="1650203" cy="0"/>
             </a:xfrm>
             <a:custGeom>
@@ -2488,7 +2488,7 @@
           </p:nvSpPr>
           <p:spPr>
             <a:xfrm>
-              <a:off x="1459435" y="2282083"/>
+              <a:off x="1459435" y="2282029"/>
               <a:ext cx="1650203" cy="0"/>
             </a:xfrm>
             <a:custGeom>
@@ -2531,7 +2531,7 @@
           </p:nvSpPr>
           <p:spPr>
             <a:xfrm>
-              <a:off x="1459435" y="5758495"/>
+              <a:off x="1459435" y="5758477"/>
               <a:ext cx="1650203" cy="0"/>
             </a:xfrm>
             <a:custGeom>
@@ -2574,7 +2574,7 @@
           </p:nvSpPr>
           <p:spPr>
             <a:xfrm>
-              <a:off x="1459435" y="4367931"/>
+              <a:off x="1459435" y="4367898"/>
               <a:ext cx="1650203" cy="0"/>
             </a:xfrm>
             <a:custGeom>
@@ -2617,7 +2617,7 @@
           </p:nvSpPr>
           <p:spPr>
             <a:xfrm>
-              <a:off x="1459435" y="2977366"/>
+              <a:off x="1459435" y="2977319"/>
               <a:ext cx="1650203" cy="0"/>
             </a:xfrm>
             <a:custGeom>
@@ -2660,7 +2660,7 @@
           </p:nvSpPr>
           <p:spPr>
             <a:xfrm>
-              <a:off x="1459435" y="1586801"/>
+              <a:off x="1459435" y="1586740"/>
               <a:ext cx="1650203" cy="0"/>
             </a:xfrm>
             <a:custGeom>
@@ -2832,7 +2832,7 @@
           </p:nvSpPr>
           <p:spPr>
             <a:xfrm>
-              <a:off x="2734873" y="6512935"/>
+              <a:off x="2955758" y="6512955"/>
               <a:ext cx="63202" cy="63202"/>
             </a:xfrm>
             <a:custGeom>
@@ -2875,7 +2875,7 @@
           </p:nvSpPr>
           <p:spPr>
             <a:xfrm>
-              <a:off x="2164531" y="6043432"/>
+              <a:off x="2322471" y="6043510"/>
               <a:ext cx="63202" cy="63202"/>
             </a:xfrm>
             <a:custGeom>
@@ -2918,7 +2918,7 @@
           </p:nvSpPr>
           <p:spPr>
             <a:xfrm>
-              <a:off x="1598915" y="4159547"/>
+              <a:off x="1936783" y="4159677"/>
               <a:ext cx="63202" cy="63202"/>
             </a:xfrm>
             <a:custGeom>
@@ -2961,7 +2961,7 @@
           </p:nvSpPr>
           <p:spPr>
             <a:xfrm>
-              <a:off x="1647201" y="2962294"/>
+              <a:off x="1812361" y="2962540"/>
               <a:ext cx="63202" cy="63202"/>
             </a:xfrm>
             <a:custGeom>
@@ -3004,7 +3004,7 @@
           </p:nvSpPr>
           <p:spPr>
             <a:xfrm>
-              <a:off x="2964220" y="6609972"/>
+              <a:off x="2805620" y="6609748"/>
               <a:ext cx="63202" cy="63202"/>
             </a:xfrm>
             <a:custGeom>
@@ -3047,7 +3047,7 @@
           </p:nvSpPr>
           <p:spPr>
             <a:xfrm>
-              <a:off x="1814730" y="2962286"/>
+              <a:off x="1837413" y="2962280"/>
               <a:ext cx="63202" cy="63202"/>
             </a:xfrm>
             <a:custGeom>
@@ -3090,7 +3090,7 @@
           </p:nvSpPr>
           <p:spPr>
             <a:xfrm>
-              <a:off x="2230352" y="5826539"/>
+              <a:off x="2108446" y="5826544"/>
               <a:ext cx="63202" cy="63202"/>
             </a:xfrm>
             <a:custGeom>
@@ -3133,7 +3133,7 @@
           </p:nvSpPr>
           <p:spPr>
             <a:xfrm>
-              <a:off x="1716115" y="4899408"/>
+              <a:off x="1564935" y="4899516"/>
               <a:ext cx="63202" cy="63202"/>
             </a:xfrm>
             <a:custGeom>
@@ -3176,7 +3176,7 @@
           </p:nvSpPr>
           <p:spPr>
             <a:xfrm>
-              <a:off x="1660186" y="3991853"/>
+              <a:off x="1896079" y="3991802"/>
               <a:ext cx="63202" cy="63202"/>
             </a:xfrm>
             <a:custGeom>
@@ -3219,7 +3219,7 @@
           </p:nvSpPr>
           <p:spPr>
             <a:xfrm>
-              <a:off x="2148509" y="6404605"/>
+              <a:off x="2171409" y="6404404"/>
               <a:ext cx="63202" cy="63202"/>
             </a:xfrm>
             <a:custGeom>
@@ -3262,7 +3262,7 @@
           </p:nvSpPr>
           <p:spPr>
             <a:xfrm>
-              <a:off x="2636570" y="6453357"/>
+              <a:off x="2641232" y="6453092"/>
               <a:ext cx="63202" cy="63202"/>
             </a:xfrm>
             <a:custGeom>
@@ -3305,7 +3305,7 @@
           </p:nvSpPr>
           <p:spPr>
             <a:xfrm>
-              <a:off x="1923840" y="3023747"/>
+              <a:off x="1620774" y="3023747"/>
               <a:ext cx="63202" cy="63202"/>
             </a:xfrm>
             <a:custGeom>
@@ -3348,7 +3348,7 @@
           </p:nvSpPr>
           <p:spPr>
             <a:xfrm>
-              <a:off x="1779600" y="3004624"/>
+              <a:off x="1914515" y="3004502"/>
               <a:ext cx="63202" cy="63202"/>
             </a:xfrm>
             <a:custGeom>
@@ -3391,7 +3391,7 @@
           </p:nvSpPr>
           <p:spPr>
             <a:xfrm>
-              <a:off x="1563599" y="2994107"/>
+              <a:off x="1722343" y="2993869"/>
               <a:ext cx="63202" cy="63202"/>
             </a:xfrm>
             <a:custGeom>
@@ -3434,7 +3434,7 @@
           </p:nvSpPr>
           <p:spPr>
             <a:xfrm>
-              <a:off x="1909455" y="4257000"/>
+              <a:off x="1821791" y="4257033"/>
               <a:ext cx="63202" cy="63202"/>
             </a:xfrm>
             <a:custGeom>
@@ -3533,7 +3533,7 @@
           </p:nvSpPr>
           <p:spPr>
             <a:xfrm>
-              <a:off x="3179228" y="6453778"/>
+              <a:off x="3179228" y="6453766"/>
               <a:ext cx="1650203" cy="0"/>
             </a:xfrm>
             <a:custGeom>
@@ -3576,7 +3576,7 @@
           </p:nvSpPr>
           <p:spPr>
             <a:xfrm>
-              <a:off x="3179228" y="5063213"/>
+              <a:off x="3179228" y="5063187"/>
               <a:ext cx="1650203" cy="0"/>
             </a:xfrm>
             <a:custGeom>
@@ -3619,7 +3619,7 @@
           </p:nvSpPr>
           <p:spPr>
             <a:xfrm>
-              <a:off x="3179228" y="3672648"/>
+              <a:off x="3179228" y="3672608"/>
               <a:ext cx="1650203" cy="0"/>
             </a:xfrm>
             <a:custGeom>
@@ -3662,7 +3662,7 @@
           </p:nvSpPr>
           <p:spPr>
             <a:xfrm>
-              <a:off x="3179228" y="2282083"/>
+              <a:off x="3179228" y="2282029"/>
               <a:ext cx="1650203" cy="0"/>
             </a:xfrm>
             <a:custGeom>
@@ -3705,7 +3705,7 @@
           </p:nvSpPr>
           <p:spPr>
             <a:xfrm>
-              <a:off x="3179228" y="5758495"/>
+              <a:off x="3179228" y="5758477"/>
               <a:ext cx="1650203" cy="0"/>
             </a:xfrm>
             <a:custGeom>
@@ -3748,7 +3748,7 @@
           </p:nvSpPr>
           <p:spPr>
             <a:xfrm>
-              <a:off x="3179228" y="4367931"/>
+              <a:off x="3179228" y="4367898"/>
               <a:ext cx="1650203" cy="0"/>
             </a:xfrm>
             <a:custGeom>
@@ -3791,7 +3791,7 @@
           </p:nvSpPr>
           <p:spPr>
             <a:xfrm>
-              <a:off x="3179228" y="2977366"/>
+              <a:off x="3179228" y="2977319"/>
               <a:ext cx="1650203" cy="0"/>
             </a:xfrm>
             <a:custGeom>
@@ -3834,7 +3834,7 @@
           </p:nvSpPr>
           <p:spPr>
             <a:xfrm>
-              <a:off x="3179228" y="1586801"/>
+              <a:off x="3179228" y="1586740"/>
               <a:ext cx="1650203" cy="0"/>
             </a:xfrm>
             <a:custGeom>
@@ -4006,7 +4006,7 @@
           </p:nvSpPr>
           <p:spPr>
             <a:xfrm>
-              <a:off x="3373288" y="3632058"/>
+              <a:off x="3631473" y="3632157"/>
               <a:ext cx="63202" cy="63202"/>
             </a:xfrm>
             <a:custGeom>
@@ -4049,7 +4049,7 @@
           </p:nvSpPr>
           <p:spPr>
             <a:xfrm>
-              <a:off x="3400824" y="3359260"/>
+              <a:off x="3278768" y="3359088"/>
               <a:ext cx="63202" cy="63202"/>
             </a:xfrm>
             <a:custGeom>
@@ -4092,7 +4092,7 @@
           </p:nvSpPr>
           <p:spPr>
             <a:xfrm>
-              <a:off x="3299062" y="3771017"/>
+              <a:off x="3286654" y="3770850"/>
               <a:ext cx="63202" cy="63202"/>
             </a:xfrm>
             <a:custGeom>
@@ -4135,7 +4135,7 @@
           </p:nvSpPr>
           <p:spPr>
             <a:xfrm>
-              <a:off x="3643712" y="3503391"/>
+              <a:off x="3427004" y="3503480"/>
               <a:ext cx="63202" cy="63202"/>
             </a:xfrm>
             <a:custGeom>
@@ -4178,7 +4178,7 @@
           </p:nvSpPr>
           <p:spPr>
             <a:xfrm>
-              <a:off x="4131826" y="5727208"/>
+              <a:off x="3840533" y="5727484"/>
               <a:ext cx="63202" cy="63202"/>
             </a:xfrm>
             <a:custGeom>
@@ -4221,7 +4221,7 @@
           </p:nvSpPr>
           <p:spPr>
             <a:xfrm>
-              <a:off x="3507207" y="4494530"/>
+              <a:off x="3562442" y="4494353"/>
               <a:ext cx="63202" cy="63202"/>
             </a:xfrm>
             <a:custGeom>
@@ -4264,7 +4264,7 @@
           </p:nvSpPr>
           <p:spPr>
             <a:xfrm>
-              <a:off x="3610173" y="3631402"/>
+              <a:off x="3279896" y="3631402"/>
               <a:ext cx="63202" cy="63202"/>
             </a:xfrm>
             <a:custGeom>
@@ -4307,7 +4307,7 @@
           </p:nvSpPr>
           <p:spPr>
             <a:xfrm>
-              <a:off x="3568285" y="3499843"/>
+              <a:off x="3410597" y="3499495"/>
               <a:ext cx="63202" cy="63202"/>
             </a:xfrm>
             <a:custGeom>
@@ -4350,7 +4350,7 @@
           </p:nvSpPr>
           <p:spPr>
             <a:xfrm>
-              <a:off x="3252139" y="3594642"/>
+              <a:off x="3371004" y="3594478"/>
               <a:ext cx="63202" cy="63202"/>
             </a:xfrm>
             <a:custGeom>
@@ -4393,7 +4393,7 @@
           </p:nvSpPr>
           <p:spPr>
             <a:xfrm>
-              <a:off x="3531994" y="4455555"/>
+              <a:off x="3631664" y="4455409"/>
               <a:ext cx="63202" cy="63202"/>
             </a:xfrm>
             <a:custGeom>
@@ -4436,7 +4436,7 @@
           </p:nvSpPr>
           <p:spPr>
             <a:xfrm>
-              <a:off x="3902316" y="6016640"/>
+              <a:off x="3791645" y="6016413"/>
               <a:ext cx="63202" cy="63202"/>
             </a:xfrm>
             <a:custGeom>
@@ -4479,7 +4479,7 @@
           </p:nvSpPr>
           <p:spPr>
             <a:xfrm>
-              <a:off x="3524338" y="4360480"/>
+              <a:off x="3439581" y="4360563"/>
               <a:ext cx="63202" cy="63202"/>
             </a:xfrm>
             <a:custGeom>
@@ -4522,7 +4522,7 @@
           </p:nvSpPr>
           <p:spPr>
             <a:xfrm>
-              <a:off x="3417338" y="4500966"/>
+              <a:off x="3552903" y="4500743"/>
               <a:ext cx="63202" cy="63202"/>
             </a:xfrm>
             <a:custGeom>
@@ -4565,7 +4565,7 @@
           </p:nvSpPr>
           <p:spPr>
             <a:xfrm>
-              <a:off x="3660493" y="4745129"/>
+              <a:off x="3252539" y="4745016"/>
               <a:ext cx="63202" cy="63202"/>
             </a:xfrm>
             <a:custGeom>
@@ -4608,7 +4608,7 @@
           </p:nvSpPr>
           <p:spPr>
             <a:xfrm>
-              <a:off x="3429519" y="4349354"/>
+              <a:off x="3299864" y="4349133"/>
               <a:ext cx="63202" cy="63202"/>
             </a:xfrm>
             <a:custGeom>
@@ -4651,7 +4651,7 @@
           </p:nvSpPr>
           <p:spPr>
             <a:xfrm>
-              <a:off x="3384634" y="3767006"/>
+              <a:off x="3277790" y="3767139"/>
               <a:ext cx="63202" cy="63202"/>
             </a:xfrm>
             <a:custGeom>
@@ -4694,7 +4694,7 @@
           </p:nvSpPr>
           <p:spPr>
             <a:xfrm>
-              <a:off x="4450011" y="6627342"/>
+              <a:off x="4443641" y="6627478"/>
               <a:ext cx="63202" cy="63202"/>
             </a:xfrm>
             <a:custGeom>
@@ -4737,7 +4737,7 @@
           </p:nvSpPr>
           <p:spPr>
             <a:xfrm>
-              <a:off x="3255786" y="4137888"/>
+              <a:off x="3345364" y="4137966"/>
               <a:ext cx="63202" cy="63202"/>
             </a:xfrm>
             <a:custGeom>
@@ -4780,7 +4780,7 @@
           </p:nvSpPr>
           <p:spPr>
             <a:xfrm>
-              <a:off x="3380305" y="3985020"/>
+              <a:off x="3391565" y="3984968"/>
               <a:ext cx="63202" cy="63202"/>
             </a:xfrm>
             <a:custGeom>
@@ -4823,7 +4823,7 @@
           </p:nvSpPr>
           <p:spPr>
             <a:xfrm>
-              <a:off x="3626959" y="3632242"/>
+              <a:off x="3642750" y="3632031"/>
               <a:ext cx="63202" cy="63202"/>
             </a:xfrm>
             <a:custGeom>
@@ -4866,7 +4866,7 @@
           </p:nvSpPr>
           <p:spPr>
             <a:xfrm>
-              <a:off x="3444969" y="5555721"/>
+              <a:off x="3500320" y="5555727"/>
               <a:ext cx="63202" cy="63202"/>
             </a:xfrm>
             <a:custGeom>
@@ -4909,7 +4909,7 @@
           </p:nvSpPr>
           <p:spPr>
             <a:xfrm>
-              <a:off x="3583939" y="4299778"/>
+              <a:off x="3265703" y="4299764"/>
               <a:ext cx="63202" cy="63202"/>
             </a:xfrm>
             <a:custGeom>
@@ -4952,7 +4952,7 @@
           </p:nvSpPr>
           <p:spPr>
             <a:xfrm>
-              <a:off x="3644569" y="4500888"/>
+              <a:off x="3312199" y="4500688"/>
               <a:ext cx="63202" cy="63202"/>
             </a:xfrm>
             <a:custGeom>
@@ -4995,7 +4995,7 @@
           </p:nvSpPr>
           <p:spPr>
             <a:xfrm>
-              <a:off x="3588609" y="5375167"/>
+              <a:off x="3566003" y="5375004"/>
               <a:ext cx="63202" cy="63202"/>
             </a:xfrm>
             <a:custGeom>
@@ -5038,7 +5038,7 @@
           </p:nvSpPr>
           <p:spPr>
             <a:xfrm>
-              <a:off x="3424215" y="3632128"/>
+              <a:off x="3606746" y="3632298"/>
               <a:ext cx="63202" cy="63202"/>
             </a:xfrm>
             <a:custGeom>
@@ -5081,7 +5081,7 @@
           </p:nvSpPr>
           <p:spPr>
             <a:xfrm>
-              <a:off x="3490147" y="4354451"/>
+              <a:off x="3467612" y="4354543"/>
               <a:ext cx="63202" cy="63202"/>
             </a:xfrm>
             <a:custGeom>
@@ -5124,7 +5124,7 @@
           </p:nvSpPr>
           <p:spPr>
             <a:xfrm>
-              <a:off x="3605424" y="4324357"/>
+              <a:off x="3323517" y="4324074"/>
               <a:ext cx="63202" cy="63202"/>
             </a:xfrm>
             <a:custGeom>
@@ -5167,7 +5167,7 @@
           </p:nvSpPr>
           <p:spPr>
             <a:xfrm>
-              <a:off x="3279329" y="5171233"/>
+              <a:off x="3455245" y="5171076"/>
               <a:ext cx="63202" cy="63202"/>
             </a:xfrm>
             <a:custGeom>
@@ -5210,7 +5210,7 @@
           </p:nvSpPr>
           <p:spPr>
             <a:xfrm>
-              <a:off x="3357599" y="3673101"/>
+              <a:off x="3536294" y="3672947"/>
               <a:ext cx="63202" cy="63202"/>
             </a:xfrm>
             <a:custGeom>
@@ -5253,7 +5253,7 @@
           </p:nvSpPr>
           <p:spPr>
             <a:xfrm>
-              <a:off x="3598154" y="3815304"/>
+              <a:off x="3649169" y="3815428"/>
               <a:ext cx="63202" cy="63202"/>
             </a:xfrm>
             <a:custGeom>
@@ -5296,7 +5296,7 @@
           </p:nvSpPr>
           <p:spPr>
             <a:xfrm>
-              <a:off x="3266185" y="3803808"/>
+              <a:off x="3414945" y="3803717"/>
               <a:ext cx="63202" cy="63202"/>
             </a:xfrm>
             <a:custGeom>
@@ -5339,7 +5339,7 @@
           </p:nvSpPr>
           <p:spPr>
             <a:xfrm>
-              <a:off x="3507493" y="3794326"/>
+              <a:off x="3322588" y="3794412"/>
               <a:ext cx="63202" cy="63202"/>
             </a:xfrm>
             <a:custGeom>
@@ -5382,7 +5382,7 @@
           </p:nvSpPr>
           <p:spPr>
             <a:xfrm>
-              <a:off x="3539858" y="3795074"/>
+              <a:off x="3445116" y="3794879"/>
               <a:ext cx="63202" cy="63202"/>
             </a:xfrm>
             <a:custGeom>
@@ -5425,7 +5425,7 @@
           </p:nvSpPr>
           <p:spPr>
             <a:xfrm>
-              <a:off x="3645029" y="3821181"/>
+              <a:off x="3637346" y="3821306"/>
               <a:ext cx="63202" cy="63202"/>
             </a:xfrm>
             <a:custGeom>
@@ -5468,7 +5468,7 @@
           </p:nvSpPr>
           <p:spPr>
             <a:xfrm>
-              <a:off x="3616095" y="3899717"/>
+              <a:off x="3475158" y="3899650"/>
               <a:ext cx="63202" cy="63202"/>
             </a:xfrm>
             <a:custGeom>
@@ -5511,7 +5511,7 @@
           </p:nvSpPr>
           <p:spPr>
             <a:xfrm>
-              <a:off x="3326518" y="4274148"/>
+              <a:off x="3252877" y="4274036"/>
               <a:ext cx="63202" cy="63202"/>
             </a:xfrm>
             <a:custGeom>
@@ -5554,7 +5554,7 @@
           </p:nvSpPr>
           <p:spPr>
             <a:xfrm>
-              <a:off x="3562656" y="4253279"/>
+              <a:off x="3349673" y="4253494"/>
               <a:ext cx="63202" cy="63202"/>
             </a:xfrm>
             <a:custGeom>
@@ -5597,7 +5597,7 @@
           </p:nvSpPr>
           <p:spPr>
             <a:xfrm>
-              <a:off x="3606116" y="3770654"/>
+              <a:off x="3520940" y="3770873"/>
               <a:ext cx="63202" cy="63202"/>
             </a:xfrm>
             <a:custGeom>
@@ -5640,7 +5640,7 @@
           </p:nvSpPr>
           <p:spPr>
             <a:xfrm>
-              <a:off x="3379210" y="4856571"/>
+              <a:off x="3469752" y="4856212"/>
               <a:ext cx="63202" cy="63202"/>
             </a:xfrm>
             <a:custGeom>
@@ -5683,7 +5683,7 @@
           </p:nvSpPr>
           <p:spPr>
             <a:xfrm>
-              <a:off x="3348805" y="4372598"/>
+              <a:off x="3587787" y="4372590"/>
               <a:ext cx="63202" cy="63202"/>
             </a:xfrm>
             <a:custGeom>
@@ -5726,7 +5726,7 @@
           </p:nvSpPr>
           <p:spPr>
             <a:xfrm>
-              <a:off x="3327418" y="3775411"/>
+              <a:off x="3577027" y="3775493"/>
               <a:ext cx="63202" cy="63202"/>
             </a:xfrm>
             <a:custGeom>
@@ -5769,7 +5769,7 @@
           </p:nvSpPr>
           <p:spPr>
             <a:xfrm>
-              <a:off x="3640939" y="3775074"/>
+              <a:off x="3605049" y="3774906"/>
               <a:ext cx="63202" cy="63202"/>
             </a:xfrm>
             <a:custGeom>
@@ -5812,7 +5812,7 @@
           </p:nvSpPr>
           <p:spPr>
             <a:xfrm>
-              <a:off x="3548715" y="3749954"/>
+              <a:off x="3628278" y="3749885"/>
               <a:ext cx="63202" cy="63202"/>
             </a:xfrm>
             <a:custGeom>
@@ -5855,7 +5855,7 @@
           </p:nvSpPr>
           <p:spPr>
             <a:xfrm>
-              <a:off x="3591814" y="3797674"/>
+              <a:off x="3563952" y="3797786"/>
               <a:ext cx="63202" cy="63202"/>
             </a:xfrm>
             <a:custGeom>
@@ -5898,7 +5898,7 @@
           </p:nvSpPr>
           <p:spPr>
             <a:xfrm>
-              <a:off x="3493923" y="3503231"/>
+              <a:off x="3393216" y="3503177"/>
               <a:ext cx="63202" cy="63202"/>
             </a:xfrm>
             <a:custGeom>
@@ -5997,7 +5997,7 @@
           </p:nvSpPr>
           <p:spPr>
             <a:xfrm>
-              <a:off x="4899021" y="6453778"/>
+              <a:off x="4899021" y="6453766"/>
               <a:ext cx="1650203" cy="0"/>
             </a:xfrm>
             <a:custGeom>
@@ -6040,7 +6040,7 @@
           </p:nvSpPr>
           <p:spPr>
             <a:xfrm>
-              <a:off x="4899021" y="5063213"/>
+              <a:off x="4899021" y="5063187"/>
               <a:ext cx="1650203" cy="0"/>
             </a:xfrm>
             <a:custGeom>
@@ -6083,7 +6083,7 @@
           </p:nvSpPr>
           <p:spPr>
             <a:xfrm>
-              <a:off x="4899021" y="3672648"/>
+              <a:off x="4899021" y="3672608"/>
               <a:ext cx="1650203" cy="0"/>
             </a:xfrm>
             <a:custGeom>
@@ -6126,7 +6126,7 @@
           </p:nvSpPr>
           <p:spPr>
             <a:xfrm>
-              <a:off x="4899021" y="2282083"/>
+              <a:off x="4899021" y="2282029"/>
               <a:ext cx="1650203" cy="0"/>
             </a:xfrm>
             <a:custGeom>
@@ -6169,7 +6169,7 @@
           </p:nvSpPr>
           <p:spPr>
             <a:xfrm>
-              <a:off x="4899021" y="5758495"/>
+              <a:off x="4899021" y="5758477"/>
               <a:ext cx="1650203" cy="0"/>
             </a:xfrm>
             <a:custGeom>
@@ -6212,7 +6212,7 @@
           </p:nvSpPr>
           <p:spPr>
             <a:xfrm>
-              <a:off x="4899021" y="4367931"/>
+              <a:off x="4899021" y="4367898"/>
               <a:ext cx="1650203" cy="0"/>
             </a:xfrm>
             <a:custGeom>
@@ -6255,7 +6255,7 @@
           </p:nvSpPr>
           <p:spPr>
             <a:xfrm>
-              <a:off x="4899021" y="2977366"/>
+              <a:off x="4899021" y="2977319"/>
               <a:ext cx="1650203" cy="0"/>
             </a:xfrm>
             <a:custGeom>
@@ -6298,7 +6298,7 @@
           </p:nvSpPr>
           <p:spPr>
             <a:xfrm>
-              <a:off x="4899021" y="1586801"/>
+              <a:off x="4899021" y="1586740"/>
               <a:ext cx="1650203" cy="0"/>
             </a:xfrm>
             <a:custGeom>
@@ -6470,7 +6470,7 @@
           </p:nvSpPr>
           <p:spPr>
             <a:xfrm>
-              <a:off x="5530593" y="5942051"/>
+              <a:off x="5817104" y="5941983"/>
               <a:ext cx="63202" cy="63202"/>
             </a:xfrm>
             <a:custGeom>
@@ -6513,7 +6513,7 @@
           </p:nvSpPr>
           <p:spPr>
             <a:xfrm>
-              <a:off x="5022826" y="1641734"/>
+              <a:off x="5321906" y="1641734"/>
               <a:ext cx="63202" cy="63202"/>
             </a:xfrm>
             <a:custGeom>
@@ -6556,7 +6556,7 @@
           </p:nvSpPr>
           <p:spPr>
             <a:xfrm>
-              <a:off x="5125155" y="2597549"/>
+              <a:off x="5167015" y="2597501"/>
               <a:ext cx="63202" cy="63202"/>
             </a:xfrm>
             <a:custGeom>
@@ -6599,7 +6599,7 @@
           </p:nvSpPr>
           <p:spPr>
             <a:xfrm>
-              <a:off x="5189169" y="2177159"/>
+              <a:off x="5040225" y="2177103"/>
               <a:ext cx="63202" cy="63202"/>
             </a:xfrm>
             <a:custGeom>
@@ -6642,7 +6642,7 @@
           </p:nvSpPr>
           <p:spPr>
             <a:xfrm>
-              <a:off x="5042791" y="2614222"/>
+              <a:off x="4973293" y="2614116"/>
               <a:ext cx="63202" cy="63202"/>
             </a:xfrm>
             <a:custGeom>
@@ -6685,7 +6685,7 @@
           </p:nvSpPr>
           <p:spPr>
             <a:xfrm>
-              <a:off x="5860704" y="6088919"/>
+              <a:off x="5600102" y="6088710"/>
               <a:ext cx="63202" cy="63202"/>
             </a:xfrm>
             <a:custGeom>
@@ -6728,7 +6728,7 @@
           </p:nvSpPr>
           <p:spPr>
             <a:xfrm>
-              <a:off x="6029532" y="6634049"/>
+              <a:off x="6137675" y="6634049"/>
               <a:ext cx="63202" cy="63202"/>
             </a:xfrm>
             <a:custGeom>
@@ -6771,7 +6771,7 @@
           </p:nvSpPr>
           <p:spPr>
             <a:xfrm>
-              <a:off x="5125189" y="5639312"/>
+              <a:off x="4987340" y="5639223"/>
               <a:ext cx="63202" cy="63202"/>
             </a:xfrm>
             <a:custGeom>
@@ -6814,7 +6814,7 @@
           </p:nvSpPr>
           <p:spPr>
             <a:xfrm>
-              <a:off x="5321306" y="4825372"/>
+              <a:off x="5295595" y="4825235"/>
               <a:ext cx="63202" cy="63202"/>
             </a:xfrm>
             <a:custGeom>
@@ -6857,7 +6857,7 @@
           </p:nvSpPr>
           <p:spPr>
             <a:xfrm>
-              <a:off x="5811418" y="6085755"/>
+              <a:off x="5604133" y="6085742"/>
               <a:ext cx="63202" cy="63202"/>
             </a:xfrm>
             <a:custGeom>
@@ -6900,7 +6900,7 @@
           </p:nvSpPr>
           <p:spPr>
             <a:xfrm>
-              <a:off x="5102364" y="3691491"/>
+              <a:off x="5189668" y="3691556"/>
               <a:ext cx="63202" cy="63202"/>
             </a:xfrm>
             <a:custGeom>
@@ -6943,7 +6943,7 @@
           </p:nvSpPr>
           <p:spPr>
             <a:xfrm>
-              <a:off x="5008477" y="3565339"/>
+              <a:off x="5176495" y="3565637"/>
               <a:ext cx="63202" cy="63202"/>
             </a:xfrm>
             <a:custGeom>
@@ -6986,7 +6986,7 @@
           </p:nvSpPr>
           <p:spPr>
             <a:xfrm>
-              <a:off x="6152154" y="6620659"/>
+              <a:off x="6309016" y="6620593"/>
               <a:ext cx="63202" cy="63202"/>
             </a:xfrm>
             <a:custGeom>
@@ -7029,7 +7029,7 @@
           </p:nvSpPr>
           <p:spPr>
             <a:xfrm>
-              <a:off x="5883547" y="6042492"/>
+              <a:off x="5589585" y="6042422"/>
               <a:ext cx="63202" cy="63202"/>
             </a:xfrm>
             <a:custGeom>
@@ -7072,7 +7072,7 @@
           </p:nvSpPr>
           <p:spPr>
             <a:xfrm>
-              <a:off x="5645410" y="5745423"/>
+              <a:off x="5874673" y="5745439"/>
               <a:ext cx="63202" cy="63202"/>
             </a:xfrm>
             <a:custGeom>
@@ -7171,7 +7171,7 @@
           </p:nvSpPr>
           <p:spPr>
             <a:xfrm>
-              <a:off x="6618814" y="6453778"/>
+              <a:off x="6618814" y="6453766"/>
               <a:ext cx="1650203" cy="0"/>
             </a:xfrm>
             <a:custGeom>
@@ -7214,7 +7214,7 @@
           </p:nvSpPr>
           <p:spPr>
             <a:xfrm>
-              <a:off x="6618814" y="5063213"/>
+              <a:off x="6618814" y="5063187"/>
               <a:ext cx="1650203" cy="0"/>
             </a:xfrm>
             <a:custGeom>
@@ -7257,7 +7257,7 @@
           </p:nvSpPr>
           <p:spPr>
             <a:xfrm>
-              <a:off x="6618814" y="3672648"/>
+              <a:off x="6618814" y="3672608"/>
               <a:ext cx="1650203" cy="0"/>
             </a:xfrm>
             <a:custGeom>
@@ -7300,7 +7300,7 @@
           </p:nvSpPr>
           <p:spPr>
             <a:xfrm>
-              <a:off x="6618814" y="2282083"/>
+              <a:off x="6618814" y="2282029"/>
               <a:ext cx="1650203" cy="0"/>
             </a:xfrm>
             <a:custGeom>
@@ -7343,7 +7343,7 @@
           </p:nvSpPr>
           <p:spPr>
             <a:xfrm>
-              <a:off x="6618814" y="5758495"/>
+              <a:off x="6618814" y="5758477"/>
               <a:ext cx="1650203" cy="0"/>
             </a:xfrm>
             <a:custGeom>
@@ -7386,7 +7386,7 @@
           </p:nvSpPr>
           <p:spPr>
             <a:xfrm>
-              <a:off x="6618814" y="4367931"/>
+              <a:off x="6618814" y="4367898"/>
               <a:ext cx="1650203" cy="0"/>
             </a:xfrm>
             <a:custGeom>
@@ -7429,7 +7429,7 @@
           </p:nvSpPr>
           <p:spPr>
             <a:xfrm>
-              <a:off x="6618814" y="2977366"/>
+              <a:off x="6618814" y="2977319"/>
               <a:ext cx="1650203" cy="0"/>
             </a:xfrm>
             <a:custGeom>
@@ -7472,7 +7472,7 @@
           </p:nvSpPr>
           <p:spPr>
             <a:xfrm>
-              <a:off x="6618814" y="1586801"/>
+              <a:off x="6618814" y="1586740"/>
               <a:ext cx="1650203" cy="0"/>
             </a:xfrm>
             <a:custGeom>
@@ -7644,7 +7644,7 @@
           </p:nvSpPr>
           <p:spPr>
             <a:xfrm>
-              <a:off x="7459617" y="5729107"/>
+              <a:off x="7454230" y="5729343"/>
               <a:ext cx="63202" cy="63202"/>
             </a:xfrm>
             <a:custGeom>
@@ -7687,7 +7687,7 @@
           </p:nvSpPr>
           <p:spPr>
             <a:xfrm>
-              <a:off x="6840814" y="5208157"/>
+              <a:off x="7054569" y="5208047"/>
               <a:ext cx="63202" cy="63202"/>
             </a:xfrm>
             <a:custGeom>
@@ -7730,7 +7730,7 @@
           </p:nvSpPr>
           <p:spPr>
             <a:xfrm>
-              <a:off x="6703244" y="5525091"/>
+              <a:off x="6973387" y="5525384"/>
               <a:ext cx="63202" cy="63202"/>
             </a:xfrm>
             <a:custGeom>
@@ -7773,7 +7773,7 @@
           </p:nvSpPr>
           <p:spPr>
             <a:xfrm>
-              <a:off x="8096980" y="6548558"/>
+              <a:off x="7985490" y="6548671"/>
               <a:ext cx="63202" cy="63202"/>
             </a:xfrm>
             <a:custGeom>
@@ -7872,7 +7872,7 @@
           </p:nvSpPr>
           <p:spPr>
             <a:xfrm>
-              <a:off x="8338607" y="6453778"/>
+              <a:off x="8338607" y="6453766"/>
               <a:ext cx="1650203" cy="0"/>
             </a:xfrm>
             <a:custGeom>
@@ -7915,7 +7915,7 @@
           </p:nvSpPr>
           <p:spPr>
             <a:xfrm>
-              <a:off x="8338607" y="5063213"/>
+              <a:off x="8338607" y="5063187"/>
               <a:ext cx="1650203" cy="0"/>
             </a:xfrm>
             <a:custGeom>
@@ -7958,7 +7958,7 @@
           </p:nvSpPr>
           <p:spPr>
             <a:xfrm>
-              <a:off x="8338607" y="3672648"/>
+              <a:off x="8338607" y="3672608"/>
               <a:ext cx="1650203" cy="0"/>
             </a:xfrm>
             <a:custGeom>
@@ -8001,7 +8001,7 @@
           </p:nvSpPr>
           <p:spPr>
             <a:xfrm>
-              <a:off x="8338607" y="2282083"/>
+              <a:off x="8338607" y="2282029"/>
               <a:ext cx="1650203" cy="0"/>
             </a:xfrm>
             <a:custGeom>
@@ -8044,7 +8044,7 @@
           </p:nvSpPr>
           <p:spPr>
             <a:xfrm>
-              <a:off x="8338607" y="5758495"/>
+              <a:off x="8338607" y="5758477"/>
               <a:ext cx="1650203" cy="0"/>
             </a:xfrm>
             <a:custGeom>
@@ -8087,7 +8087,7 @@
           </p:nvSpPr>
           <p:spPr>
             <a:xfrm>
-              <a:off x="8338607" y="4367931"/>
+              <a:off x="8338607" y="4367898"/>
               <a:ext cx="1650203" cy="0"/>
             </a:xfrm>
             <a:custGeom>
@@ -8130,7 +8130,7 @@
           </p:nvSpPr>
           <p:spPr>
             <a:xfrm>
-              <a:off x="8338607" y="2977366"/>
+              <a:off x="8338607" y="2977319"/>
               <a:ext cx="1650203" cy="0"/>
             </a:xfrm>
             <a:custGeom>
@@ -8173,7 +8173,7 @@
           </p:nvSpPr>
           <p:spPr>
             <a:xfrm>
-              <a:off x="8338607" y="1586801"/>
+              <a:off x="8338607" y="1586740"/>
               <a:ext cx="1650203" cy="0"/>
             </a:xfrm>
             <a:custGeom>
@@ -8345,7 +8345,7 @@
           </p:nvSpPr>
           <p:spPr>
             <a:xfrm>
-              <a:off x="8761156" y="2127037"/>
+              <a:off x="8636412" y="2127238"/>
               <a:ext cx="63202" cy="63202"/>
             </a:xfrm>
             <a:custGeom>
@@ -8388,7 +8388,7 @@
           </p:nvSpPr>
           <p:spPr>
             <a:xfrm>
-              <a:off x="8603074" y="2083908"/>
+              <a:off x="8531827" y="2084201"/>
               <a:ext cx="63202" cy="63202"/>
             </a:xfrm>
             <a:custGeom>
@@ -8431,7 +8431,7 @@
           </p:nvSpPr>
           <p:spPr>
             <a:xfrm>
-              <a:off x="8415799" y="2027531"/>
+              <a:off x="8567285" y="2027371"/>
               <a:ext cx="63202" cy="63202"/>
             </a:xfrm>
             <a:custGeom>
@@ -8474,7 +8474,7 @@
           </p:nvSpPr>
           <p:spPr>
             <a:xfrm>
-              <a:off x="8696480" y="5564565"/>
+              <a:off x="8791046" y="5564533"/>
               <a:ext cx="63202" cy="63202"/>
             </a:xfrm>
             <a:custGeom>
@@ -8517,7 +8517,7 @@
           </p:nvSpPr>
           <p:spPr>
             <a:xfrm>
-              <a:off x="8715386" y="4909595"/>
+              <a:off x="8492248" y="4909733"/>
               <a:ext cx="63202" cy="63202"/>
             </a:xfrm>
             <a:custGeom>
@@ -8560,7 +8560,7 @@
           </p:nvSpPr>
           <p:spPr>
             <a:xfrm>
-              <a:off x="9088973" y="6056109"/>
+              <a:off x="9199991" y="6055978"/>
               <a:ext cx="63202" cy="63202"/>
             </a:xfrm>
             <a:custGeom>
@@ -8603,7 +8603,7 @@
           </p:nvSpPr>
           <p:spPr>
             <a:xfrm>
-              <a:off x="9256234" y="6313225"/>
+              <a:off x="9136745" y="6313403"/>
               <a:ext cx="63202" cy="63202"/>
             </a:xfrm>
             <a:custGeom>
@@ -8646,7 +8646,7 @@
           </p:nvSpPr>
           <p:spPr>
             <a:xfrm>
-              <a:off x="8778482" y="4261225"/>
+              <a:off x="8519903" y="4261141"/>
               <a:ext cx="63202" cy="63202"/>
             </a:xfrm>
             <a:custGeom>
@@ -8689,7 +8689,7 @@
           </p:nvSpPr>
           <p:spPr>
             <a:xfrm>
-              <a:off x="8939204" y="6312160"/>
+              <a:off x="9228746" y="6312358"/>
               <a:ext cx="63202" cy="63202"/>
             </a:xfrm>
             <a:custGeom>
@@ -8732,7 +8732,7 @@
           </p:nvSpPr>
           <p:spPr>
             <a:xfrm>
-              <a:off x="8470617" y="4366048"/>
+              <a:off x="8546761" y="4365850"/>
               <a:ext cx="63202" cy="63202"/>
             </a:xfrm>
             <a:custGeom>
@@ -8775,7 +8775,7 @@
           </p:nvSpPr>
           <p:spPr>
             <a:xfrm>
-              <a:off x="8502662" y="4158757"/>
+              <a:off x="8717995" y="4158584"/>
               <a:ext cx="63202" cy="63202"/>
             </a:xfrm>
             <a:custGeom>
@@ -8818,7 +8818,7 @@
           </p:nvSpPr>
           <p:spPr>
             <a:xfrm>
-              <a:off x="8534287" y="5550826"/>
+              <a:off x="8444413" y="5550553"/>
               <a:ext cx="63202" cy="63202"/>
             </a:xfrm>
             <a:custGeom>
@@ -8861,7 +8861,7 @@
           </p:nvSpPr>
           <p:spPr>
             <a:xfrm>
-              <a:off x="8787402" y="4999680"/>
+              <a:off x="8512211" y="4999767"/>
               <a:ext cx="63202" cy="63202"/>
             </a:xfrm>
             <a:custGeom>
@@ -8904,7 +8904,7 @@
           </p:nvSpPr>
           <p:spPr>
             <a:xfrm>
-              <a:off x="8686537" y="4523979"/>
+              <a:off x="8413410" y="4523898"/>
               <a:ext cx="63202" cy="63202"/>
             </a:xfrm>
             <a:custGeom>
@@ -8947,7 +8947,7 @@
           </p:nvSpPr>
           <p:spPr>
             <a:xfrm>
-              <a:off x="9287690" y="6149535"/>
+              <a:off x="8947439" y="6149427"/>
               <a:ext cx="63202" cy="63202"/>
             </a:xfrm>
             <a:custGeom>
@@ -8990,7 +8990,7 @@
           </p:nvSpPr>
           <p:spPr>
             <a:xfrm>
-              <a:off x="9191206" y="6198910"/>
+              <a:off x="9008747" y="6198906"/>
               <a:ext cx="63202" cy="63202"/>
             </a:xfrm>
             <a:custGeom>
@@ -9033,7 +9033,7 @@
           </p:nvSpPr>
           <p:spPr>
             <a:xfrm>
-              <a:off x="8494425" y="4458415"/>
+              <a:off x="8718245" y="4458179"/>
               <a:ext cx="63202" cy="63202"/>
             </a:xfrm>
             <a:custGeom>
@@ -9076,7 +9076,7 @@
           </p:nvSpPr>
           <p:spPr>
             <a:xfrm>
-              <a:off x="9220063" y="6057280"/>
+              <a:off x="9071613" y="6057459"/>
               <a:ext cx="63202" cy="63202"/>
             </a:xfrm>
             <a:custGeom>
@@ -9119,7 +9119,7 @@
           </p:nvSpPr>
           <p:spPr>
             <a:xfrm>
-              <a:off x="8786217" y="2024925"/>
+              <a:off x="8525123" y="2024765"/>
               <a:ext cx="63202" cy="63202"/>
             </a:xfrm>
             <a:custGeom>
@@ -9162,7 +9162,7 @@
           </p:nvSpPr>
           <p:spPr>
             <a:xfrm>
-              <a:off x="8728758" y="5084996"/>
+              <a:off x="8659591" y="5084744"/>
               <a:ext cx="63202" cy="63202"/>
             </a:xfrm>
             <a:custGeom>
@@ -9205,7 +9205,7 @@
           </p:nvSpPr>
           <p:spPr>
             <a:xfrm>
-              <a:off x="8681503" y="4389596"/>
+              <a:off x="8717573" y="4389437"/>
               <a:ext cx="63202" cy="63202"/>
             </a:xfrm>
             <a:custGeom>
@@ -9248,7 +9248,7 @@
           </p:nvSpPr>
           <p:spPr>
             <a:xfrm>
-              <a:off x="8973732" y="6337333"/>
+              <a:off x="9219459" y="6337233"/>
               <a:ext cx="63202" cy="63202"/>
             </a:xfrm>
             <a:custGeom>
@@ -9291,7 +9291,7 @@
           </p:nvSpPr>
           <p:spPr>
             <a:xfrm>
-              <a:off x="8664328" y="5212829"/>
+              <a:off x="8666513" y="5212933"/>
               <a:ext cx="63202" cy="63202"/>
             </a:xfrm>
             <a:custGeom>
@@ -9334,7 +9334,7 @@
           </p:nvSpPr>
           <p:spPr>
             <a:xfrm>
-              <a:off x="8711118" y="5533494"/>
+              <a:off x="8440176" y="5533628"/>
               <a:ext cx="63202" cy="63202"/>
             </a:xfrm>
             <a:custGeom>
@@ -9377,7 +9377,7 @@
           </p:nvSpPr>
           <p:spPr>
             <a:xfrm>
-              <a:off x="8625490" y="3027875"/>
+              <a:off x="8653646" y="3027877"/>
               <a:ext cx="63202" cy="63202"/>
             </a:xfrm>
             <a:custGeom>
@@ -9420,7 +9420,7 @@
           </p:nvSpPr>
           <p:spPr>
             <a:xfrm>
-              <a:off x="8621417" y="5724944"/>
+              <a:off x="8774241" y="5725118"/>
               <a:ext cx="63202" cy="63202"/>
             </a:xfrm>
             <a:custGeom>
@@ -9463,7 +9463,7 @@
           </p:nvSpPr>
           <p:spPr>
             <a:xfrm>
-              <a:off x="8449235" y="1953879"/>
+              <a:off x="8761152" y="1953868"/>
               <a:ext cx="63202" cy="63202"/>
             </a:xfrm>
             <a:custGeom>
@@ -9506,7 +9506,7 @@
           </p:nvSpPr>
           <p:spPr>
             <a:xfrm>
-              <a:off x="8421018" y="1916249"/>
+              <a:off x="8803005" y="1916281"/>
               <a:ext cx="63202" cy="63202"/>
             </a:xfrm>
             <a:custGeom>
@@ -9549,7 +9549,7 @@
           </p:nvSpPr>
           <p:spPr>
             <a:xfrm>
-              <a:off x="8565144" y="4794121"/>
+              <a:off x="8662990" y="4794192"/>
               <a:ext cx="63202" cy="63202"/>
             </a:xfrm>
             <a:custGeom>
@@ -9592,7 +9592,7 @@
           </p:nvSpPr>
           <p:spPr>
             <a:xfrm>
-              <a:off x="8711335" y="4487370"/>
+              <a:off x="8751254" y="4487381"/>
               <a:ext cx="63202" cy="63202"/>
             </a:xfrm>
             <a:custGeom>
@@ -9635,7 +9635,7 @@
           </p:nvSpPr>
           <p:spPr>
             <a:xfrm>
-              <a:off x="8722806" y="1913318"/>
+              <a:off x="8482854" y="1913412"/>
               <a:ext cx="63202" cy="63202"/>
             </a:xfrm>
             <a:custGeom>
@@ -9678,7 +9678,7 @@
           </p:nvSpPr>
           <p:spPr>
             <a:xfrm>
-              <a:off x="9661714" y="6585321"/>
+              <a:off x="9667174" y="6585149"/>
               <a:ext cx="63202" cy="63202"/>
             </a:xfrm>
             <a:custGeom>
@@ -9721,7 +9721,7 @@
           </p:nvSpPr>
           <p:spPr>
             <a:xfrm>
-              <a:off x="8820030" y="4288703"/>
+              <a:off x="8449617" y="4288547"/>
               <a:ext cx="63202" cy="63202"/>
             </a:xfrm>
             <a:custGeom>
@@ -9764,7 +9764,7 @@
           </p:nvSpPr>
           <p:spPr>
             <a:xfrm>
-              <a:off x="8807355" y="3084235"/>
+              <a:off x="8524196" y="3084266"/>
               <a:ext cx="63202" cy="63202"/>
             </a:xfrm>
             <a:custGeom>
@@ -9807,7 +9807,7 @@
           </p:nvSpPr>
           <p:spPr>
             <a:xfrm>
-              <a:off x="8469135" y="3360453"/>
+              <a:off x="8701061" y="3360443"/>
               <a:ext cx="63202" cy="63202"/>
             </a:xfrm>
             <a:custGeom>
@@ -9850,7 +9850,7 @@
           </p:nvSpPr>
           <p:spPr>
             <a:xfrm>
-              <a:off x="8676074" y="2004522"/>
+              <a:off x="8628353" y="2004433"/>
               <a:ext cx="63202" cy="63202"/>
             </a:xfrm>
             <a:custGeom>
@@ -9893,7 +9893,7 @@
           </p:nvSpPr>
           <p:spPr>
             <a:xfrm>
-              <a:off x="8429907" y="1945928"/>
+              <a:off x="8609688" y="1945859"/>
               <a:ext cx="63202" cy="63202"/>
             </a:xfrm>
             <a:custGeom>
@@ -9936,7 +9936,7 @@
           </p:nvSpPr>
           <p:spPr>
             <a:xfrm>
-              <a:off x="8589907" y="2005324"/>
+              <a:off x="8769375" y="2005282"/>
               <a:ext cx="63202" cy="63202"/>
             </a:xfrm>
             <a:custGeom>
@@ -9979,7 +9979,7 @@
           </p:nvSpPr>
           <p:spPr>
             <a:xfrm>
-              <a:off x="8637174" y="2004422"/>
+              <a:off x="8438354" y="2004190"/>
               <a:ext cx="63202" cy="63202"/>
             </a:xfrm>
             <a:custGeom>
@@ -10022,7 +10022,7 @@
           </p:nvSpPr>
           <p:spPr>
             <a:xfrm>
-              <a:off x="8608291" y="1943677"/>
+              <a:off x="8495749" y="1943604"/>
               <a:ext cx="63202" cy="63202"/>
             </a:xfrm>
             <a:custGeom>
@@ -10065,7 +10065,7 @@
           </p:nvSpPr>
           <p:spPr>
             <a:xfrm>
-              <a:off x="8455402" y="3030931"/>
+              <a:off x="8750974" y="3031078"/>
               <a:ext cx="63202" cy="63202"/>
             </a:xfrm>
             <a:custGeom>
@@ -10108,7 +10108,7 @@
           </p:nvSpPr>
           <p:spPr>
             <a:xfrm>
-              <a:off x="8635098" y="3054165"/>
+              <a:off x="8647292" y="3054105"/>
               <a:ext cx="63202" cy="63202"/>
             </a:xfrm>
             <a:custGeom>
@@ -10151,7 +10151,7 @@
           </p:nvSpPr>
           <p:spPr>
             <a:xfrm>
-              <a:off x="8692432" y="5583259"/>
+              <a:off x="8818481" y="5583087"/>
               <a:ext cx="63202" cy="63202"/>
             </a:xfrm>
             <a:custGeom>
@@ -10194,7 +10194,7 @@
           </p:nvSpPr>
           <p:spPr>
             <a:xfrm>
-              <a:off x="8576891" y="2914630"/>
+              <a:off x="8491215" y="2914754"/>
               <a:ext cx="63202" cy="63202"/>
             </a:xfrm>
             <a:custGeom>
@@ -10237,7 +10237,7 @@
           </p:nvSpPr>
           <p:spPr>
             <a:xfrm>
-              <a:off x="8441303" y="2496768"/>
+              <a:off x="8556921" y="2496719"/>
               <a:ext cx="63202" cy="63202"/>
             </a:xfrm>
             <a:custGeom>
@@ -10280,7 +10280,7 @@
           </p:nvSpPr>
           <p:spPr>
             <a:xfrm>
-              <a:off x="8602722" y="2563955"/>
+              <a:off x="8799243" y="2563655"/>
               <a:ext cx="63202" cy="63202"/>
             </a:xfrm>
             <a:custGeom>
@@ -10323,7 +10323,7 @@
           </p:nvSpPr>
           <p:spPr>
             <a:xfrm>
-              <a:off x="8614745" y="5637921"/>
+              <a:off x="8549363" y="5637917"/>
               <a:ext cx="63202" cy="63202"/>
             </a:xfrm>
             <a:custGeom>
@@ -10366,7 +10366,7 @@
           </p:nvSpPr>
           <p:spPr>
             <a:xfrm>
-              <a:off x="8504099" y="2077533"/>
+              <a:off x="8793947" y="2077674"/>
               <a:ext cx="63202" cy="63202"/>
             </a:xfrm>
             <a:custGeom>
@@ -10409,7 +10409,7 @@
           </p:nvSpPr>
           <p:spPr>
             <a:xfrm>
-              <a:off x="8454316" y="2864598"/>
+              <a:off x="8442824" y="2864746"/>
               <a:ext cx="63202" cy="63202"/>
             </a:xfrm>
             <a:custGeom>
@@ -10452,7 +10452,7 @@
           </p:nvSpPr>
           <p:spPr>
             <a:xfrm>
-              <a:off x="8621562" y="2996865"/>
+              <a:off x="8625112" y="2996582"/>
               <a:ext cx="63202" cy="63202"/>
             </a:xfrm>
             <a:custGeom>
@@ -10495,7 +10495,7 @@
           </p:nvSpPr>
           <p:spPr>
             <a:xfrm>
-              <a:off x="8709921" y="1946872"/>
+              <a:off x="8804276" y="1946676"/>
               <a:ext cx="63202" cy="63202"/>
             </a:xfrm>
             <a:custGeom>
@@ -10538,7 +10538,7 @@
           </p:nvSpPr>
           <p:spPr>
             <a:xfrm>
-              <a:off x="8664916" y="1960488"/>
+              <a:off x="8638710" y="1960365"/>
               <a:ext cx="63202" cy="63202"/>
             </a:xfrm>
             <a:custGeom>
@@ -10581,7 +10581,7 @@
           </p:nvSpPr>
           <p:spPr>
             <a:xfrm>
-              <a:off x="8682365" y="2395844"/>
+              <a:off x="8821077" y="2396030"/>
               <a:ext cx="63202" cy="63202"/>
             </a:xfrm>
             <a:custGeom>
@@ -10624,7 +10624,7 @@
           </p:nvSpPr>
           <p:spPr>
             <a:xfrm>
-              <a:off x="8440099" y="2731232"/>
+              <a:off x="8494266" y="2731219"/>
               <a:ext cx="63202" cy="63202"/>
             </a:xfrm>
             <a:custGeom>
@@ -10667,7 +10667,7 @@
           </p:nvSpPr>
           <p:spPr>
             <a:xfrm>
-              <a:off x="8570379" y="2542365"/>
+              <a:off x="8641274" y="2542367"/>
               <a:ext cx="63202" cy="63202"/>
             </a:xfrm>
             <a:custGeom>
@@ -10710,7 +10710,7 @@
           </p:nvSpPr>
           <p:spPr>
             <a:xfrm>
-              <a:off x="8523803" y="1943536"/>
+              <a:off x="8714749" y="1943734"/>
               <a:ext cx="63202" cy="63202"/>
             </a:xfrm>
             <a:custGeom>
@@ -10753,7 +10753,7 @@
           </p:nvSpPr>
           <p:spPr>
             <a:xfrm>
-              <a:off x="8558370" y="1947219"/>
+              <a:off x="8649259" y="1947238"/>
               <a:ext cx="63202" cy="63202"/>
             </a:xfrm>
             <a:custGeom>
@@ -10796,7 +10796,7 @@
           </p:nvSpPr>
           <p:spPr>
             <a:xfrm>
-              <a:off x="8679829" y="3018406"/>
+              <a:off x="8707785" y="3018492"/>
               <a:ext cx="63202" cy="63202"/>
             </a:xfrm>
             <a:custGeom>
@@ -10839,7 +10839,7 @@
           </p:nvSpPr>
           <p:spPr>
             <a:xfrm>
-              <a:off x="8526376" y="1953832"/>
+              <a:off x="8647219" y="1953952"/>
               <a:ext cx="63202" cy="63202"/>
             </a:xfrm>
             <a:custGeom>
@@ -10882,7 +10882,7 @@
           </p:nvSpPr>
           <p:spPr>
             <a:xfrm>
-              <a:off x="8719039" y="1957082"/>
+              <a:off x="8520818" y="1957183"/>
               <a:ext cx="63202" cy="63202"/>
             </a:xfrm>
             <a:custGeom>
@@ -10925,7 +10925,7 @@
           </p:nvSpPr>
           <p:spPr>
             <a:xfrm>
-              <a:off x="8723849" y="1947868"/>
+              <a:off x="8771612" y="1947610"/>
               <a:ext cx="63202" cy="63202"/>
             </a:xfrm>
             <a:custGeom>
@@ -10968,7 +10968,7 @@
           </p:nvSpPr>
           <p:spPr>
             <a:xfrm>
-              <a:off x="8573329" y="1913358"/>
+              <a:off x="8552641" y="1913468"/>
               <a:ext cx="63202" cy="63202"/>
             </a:xfrm>
             <a:custGeom>
@@ -11011,7 +11011,7 @@
           </p:nvSpPr>
           <p:spPr>
             <a:xfrm>
-              <a:off x="8522652" y="1962320"/>
+              <a:off x="8665123" y="1962156"/>
               <a:ext cx="63202" cy="63202"/>
             </a:xfrm>
             <a:custGeom>
@@ -11054,7 +11054,7 @@
           </p:nvSpPr>
           <p:spPr>
             <a:xfrm>
-              <a:off x="8659826" y="3319179"/>
+              <a:off x="8783371" y="3319348"/>
               <a:ext cx="63202" cy="63202"/>
             </a:xfrm>
             <a:custGeom>
@@ -11097,7 +11097,7 @@
           </p:nvSpPr>
           <p:spPr>
             <a:xfrm>
-              <a:off x="8806850" y="1860794"/>
+              <a:off x="8709643" y="1860712"/>
               <a:ext cx="63202" cy="63202"/>
             </a:xfrm>
             <a:custGeom>
@@ -11140,7 +11140,7 @@
           </p:nvSpPr>
           <p:spPr>
             <a:xfrm>
-              <a:off x="8653769" y="2417470"/>
+              <a:off x="8520797" y="2417249"/>
               <a:ext cx="63202" cy="63202"/>
             </a:xfrm>
             <a:custGeom>
@@ -11183,7 +11183,7 @@
           </p:nvSpPr>
           <p:spPr>
             <a:xfrm>
-              <a:off x="8483640" y="4770246"/>
+              <a:off x="8485239" y="4770167"/>
               <a:ext cx="63202" cy="63202"/>
             </a:xfrm>
             <a:custGeom>
@@ -11226,7 +11226,7 @@
           </p:nvSpPr>
           <p:spPr>
             <a:xfrm>
-              <a:off x="8817642" y="4770266"/>
+              <a:off x="8682391" y="4770060"/>
               <a:ext cx="63202" cy="63202"/>
             </a:xfrm>
             <a:custGeom>
@@ -11269,7 +11269,7 @@
           </p:nvSpPr>
           <p:spPr>
             <a:xfrm>
-              <a:off x="8548069" y="2209779"/>
+              <a:off x="8715141" y="2209823"/>
               <a:ext cx="63202" cy="63202"/>
             </a:xfrm>
             <a:custGeom>
@@ -11312,7 +11312,7 @@
           </p:nvSpPr>
           <p:spPr>
             <a:xfrm>
-              <a:off x="8429935" y="2438803"/>
+              <a:off x="8759444" y="2438734"/>
               <a:ext cx="63202" cy="63202"/>
             </a:xfrm>
             <a:custGeom>
@@ -11355,7 +11355,7 @@
           </p:nvSpPr>
           <p:spPr>
             <a:xfrm>
-              <a:off x="8589148" y="4915325"/>
+              <a:off x="8519703" y="4915203"/>
               <a:ext cx="63202" cy="63202"/>
             </a:xfrm>
             <a:custGeom>
@@ -11398,7 +11398,7 @@
           </p:nvSpPr>
           <p:spPr>
             <a:xfrm>
-              <a:off x="8575242" y="4902385"/>
+              <a:off x="8798131" y="4902153"/>
               <a:ext cx="63202" cy="63202"/>
             </a:xfrm>
             <a:custGeom>
@@ -11441,7 +11441,7 @@
           </p:nvSpPr>
           <p:spPr>
             <a:xfrm>
-              <a:off x="8736041" y="4911573"/>
+              <a:off x="8425325" y="4911408"/>
               <a:ext cx="63202" cy="63202"/>
             </a:xfrm>
             <a:custGeom>
@@ -11484,7 +11484,7 @@
           </p:nvSpPr>
           <p:spPr>
             <a:xfrm>
-              <a:off x="8459103" y="4734640"/>
+              <a:off x="8498747" y="4734443"/>
               <a:ext cx="63202" cy="63202"/>
             </a:xfrm>
             <a:custGeom>
@@ -11527,7 +11527,7 @@
           </p:nvSpPr>
           <p:spPr>
             <a:xfrm>
-              <a:off x="8617949" y="1937207"/>
+              <a:off x="8475882" y="1937084"/>
               <a:ext cx="63202" cy="63202"/>
             </a:xfrm>
             <a:custGeom>
@@ -11570,7 +11570,7 @@
           </p:nvSpPr>
           <p:spPr>
             <a:xfrm>
-              <a:off x="8636219" y="5538076"/>
+              <a:off x="8796098" y="5538284"/>
               <a:ext cx="63202" cy="63202"/>
             </a:xfrm>
             <a:custGeom>
@@ -11613,7 +11613,7 @@
           </p:nvSpPr>
           <p:spPr>
             <a:xfrm>
-              <a:off x="8576291" y="5661513"/>
+              <a:off x="8724985" y="5661551"/>
               <a:ext cx="63202" cy="63202"/>
             </a:xfrm>
             <a:custGeom>
@@ -11656,7 +11656,7 @@
           </p:nvSpPr>
           <p:spPr>
             <a:xfrm>
-              <a:off x="8425361" y="5708259"/>
+              <a:off x="8740455" y="5708425"/>
               <a:ext cx="63202" cy="63202"/>
             </a:xfrm>
             <a:custGeom>
@@ -11699,7 +11699,7 @@
           </p:nvSpPr>
           <p:spPr>
             <a:xfrm>
-              <a:off x="8415450" y="5686957"/>
+              <a:off x="8532108" y="5686928"/>
               <a:ext cx="63202" cy="63202"/>
             </a:xfrm>
             <a:custGeom>
@@ -11742,7 +11742,7 @@
           </p:nvSpPr>
           <p:spPr>
             <a:xfrm>
-              <a:off x="8441299" y="5661577"/>
+              <a:off x="8624694" y="5661434"/>
               <a:ext cx="63202" cy="63202"/>
             </a:xfrm>
             <a:custGeom>
@@ -11785,7 +11785,7 @@
           </p:nvSpPr>
           <p:spPr>
             <a:xfrm>
-              <a:off x="8557261" y="2101301"/>
+              <a:off x="8787906" y="2101301"/>
               <a:ext cx="63202" cy="63202"/>
             </a:xfrm>
             <a:custGeom>
@@ -11828,7 +11828,7 @@
           </p:nvSpPr>
           <p:spPr>
             <a:xfrm>
-              <a:off x="8787352" y="4406495"/>
+              <a:off x="8419088" y="4406395"/>
               <a:ext cx="63202" cy="63202"/>
             </a:xfrm>
             <a:custGeom>
@@ -11871,7 +11871,7 @@
           </p:nvSpPr>
           <p:spPr>
             <a:xfrm>
-              <a:off x="8530895" y="2072782"/>
+              <a:off x="8463812" y="2072945"/>
               <a:ext cx="63202" cy="63202"/>
             </a:xfrm>
             <a:custGeom>
@@ -11914,7 +11914,7 @@
           </p:nvSpPr>
           <p:spPr>
             <a:xfrm>
-              <a:off x="8480407" y="2099537"/>
+              <a:off x="8490711" y="2099234"/>
               <a:ext cx="63202" cy="63202"/>
             </a:xfrm>
             <a:custGeom>
@@ -11957,7 +11957,7 @@
           </p:nvSpPr>
           <p:spPr>
             <a:xfrm>
-              <a:off x="8673753" y="2013004"/>
+              <a:off x="8476001" y="2013206"/>
               <a:ext cx="63202" cy="63202"/>
             </a:xfrm>
             <a:custGeom>
@@ -12000,7 +12000,7 @@
           </p:nvSpPr>
           <p:spPr>
             <a:xfrm>
-              <a:off x="8606080" y="2040037"/>
+              <a:off x="8538793" y="2040010"/>
               <a:ext cx="63202" cy="63202"/>
             </a:xfrm>
             <a:custGeom>
@@ -12043,7 +12043,7 @@
           </p:nvSpPr>
           <p:spPr>
             <a:xfrm>
-              <a:off x="8463926" y="2022521"/>
+              <a:off x="8505086" y="2022525"/>
               <a:ext cx="63202" cy="63202"/>
             </a:xfrm>
             <a:custGeom>
@@ -12086,7 +12086,7 @@
           </p:nvSpPr>
           <p:spPr>
             <a:xfrm>
-              <a:off x="8773581" y="3391518"/>
+              <a:off x="8551600" y="3391719"/>
               <a:ext cx="63202" cy="63202"/>
             </a:xfrm>
             <a:custGeom>
@@ -13854,7 +13854,7 @@
           </p:nvSpPr>
           <p:spPr>
             <a:xfrm>
-              <a:off x="1210339" y="5716749"/>
+              <a:off x="1210339" y="5716730"/>
               <a:ext cx="186466" cy="81746"/>
             </a:xfrm>
             <a:prstGeom prst="rect">
@@ -13900,7 +13900,7 @@
           </p:nvSpPr>
           <p:spPr>
             <a:xfrm>
-              <a:off x="1210339" y="4326239"/>
+              <a:off x="1210339" y="4326206"/>
               <a:ext cx="186466" cy="81691"/>
             </a:xfrm>
             <a:prstGeom prst="rect">
@@ -13946,7 +13946,7 @@
           </p:nvSpPr>
           <p:spPr>
             <a:xfrm>
-              <a:off x="1210339" y="2935674"/>
+              <a:off x="1210339" y="2935627"/>
               <a:ext cx="186466" cy="81691"/>
             </a:xfrm>
             <a:prstGeom prst="rect">
@@ -13992,7 +13992,7 @@
           </p:nvSpPr>
           <p:spPr>
             <a:xfrm>
-              <a:off x="1148183" y="1545109"/>
+              <a:off x="1148183" y="1545048"/>
               <a:ext cx="248622" cy="81691"/>
             </a:xfrm>
             <a:prstGeom prst="rect">
@@ -14038,7 +14038,7 @@
           </p:nvSpPr>
           <p:spPr>
             <a:xfrm>
-              <a:off x="1424641" y="5758495"/>
+              <a:off x="1424641" y="5758477"/>
               <a:ext cx="34794" cy="0"/>
             </a:xfrm>
             <a:custGeom>
@@ -14078,7 +14078,7 @@
           </p:nvSpPr>
           <p:spPr>
             <a:xfrm>
-              <a:off x="1424641" y="4367931"/>
+              <a:off x="1424641" y="4367898"/>
               <a:ext cx="34794" cy="0"/>
             </a:xfrm>
             <a:custGeom>
@@ -14118,7 +14118,7 @@
           </p:nvSpPr>
           <p:spPr>
             <a:xfrm>
-              <a:off x="1424641" y="2977366"/>
+              <a:off x="1424641" y="2977319"/>
               <a:ext cx="34794" cy="0"/>
             </a:xfrm>
             <a:custGeom>
@@ -14158,7 +14158,7 @@
           </p:nvSpPr>
           <p:spPr>
             <a:xfrm>
-              <a:off x="1424641" y="1586801"/>
+              <a:off x="1424641" y="1586740"/>
               <a:ext cx="34794" cy="0"/>
             </a:xfrm>
             <a:custGeom>

--- a/Images/Figures_PPT/Jitter_Plot_Rictor_Domain.pptx
+++ b/Images/Figures_PPT/Jitter_Plot_Rictor_Domain.pptx
@@ -2359,7 +2359,7 @@
           </p:nvSpPr>
           <p:spPr>
             <a:xfrm>
-              <a:off x="1459435" y="6453865"/>
+              <a:off x="1459435" y="6453847"/>
               <a:ext cx="1650203" cy="0"/>
             </a:xfrm>
             <a:custGeom>
@@ -2402,7 +2402,7 @@
           </p:nvSpPr>
           <p:spPr>
             <a:xfrm>
-              <a:off x="1459435" y="5063191"/>
+              <a:off x="1459435" y="5063269"/>
               <a:ext cx="1650203" cy="0"/>
             </a:xfrm>
             <a:custGeom>
@@ -2445,7 +2445,7 @@
           </p:nvSpPr>
           <p:spPr>
             <a:xfrm>
-              <a:off x="1459435" y="3672517"/>
+              <a:off x="1459435" y="3672690"/>
               <a:ext cx="1650203" cy="0"/>
             </a:xfrm>
             <a:custGeom>
@@ -2488,7 +2488,7 @@
           </p:nvSpPr>
           <p:spPr>
             <a:xfrm>
-              <a:off x="1459435" y="2281843"/>
+              <a:off x="1459435" y="2282111"/>
               <a:ext cx="1650203" cy="0"/>
             </a:xfrm>
             <a:custGeom>
@@ -2531,7 +2531,7 @@
           </p:nvSpPr>
           <p:spPr>
             <a:xfrm>
-              <a:off x="1459435" y="5758528"/>
+              <a:off x="1459435" y="5758558"/>
               <a:ext cx="1650203" cy="0"/>
             </a:xfrm>
             <a:custGeom>
@@ -2574,7 +2574,7 @@
           </p:nvSpPr>
           <p:spPr>
             <a:xfrm>
-              <a:off x="1459435" y="4367854"/>
+              <a:off x="1459435" y="4367979"/>
               <a:ext cx="1650203" cy="0"/>
             </a:xfrm>
             <a:custGeom>
@@ -2617,7 +2617,7 @@
           </p:nvSpPr>
           <p:spPr>
             <a:xfrm>
-              <a:off x="1459435" y="2977180"/>
+              <a:off x="1459435" y="2977401"/>
               <a:ext cx="1650203" cy="0"/>
             </a:xfrm>
             <a:custGeom>
@@ -2660,7 +2660,7 @@
           </p:nvSpPr>
           <p:spPr>
             <a:xfrm>
-              <a:off x="1459435" y="1586506"/>
+              <a:off x="1459435" y="1586822"/>
               <a:ext cx="1650203" cy="0"/>
             </a:xfrm>
             <a:custGeom>
@@ -2832,7 +2832,7 @@
           </p:nvSpPr>
           <p:spPr>
             <a:xfrm>
-              <a:off x="2784335" y="6513097"/>
+              <a:off x="2642068" y="6513181"/>
               <a:ext cx="63202" cy="63202"/>
             </a:xfrm>
             <a:custGeom>
@@ -2875,7 +2875,7 @@
           </p:nvSpPr>
           <p:spPr>
             <a:xfrm>
-              <a:off x="2213025" y="6043722"/>
+              <a:off x="2421007" y="6043415"/>
               <a:ext cx="63202" cy="63202"/>
             </a:xfrm>
             <a:custGeom>
@@ -2918,7 +2918,7 @@
           </p:nvSpPr>
           <p:spPr>
             <a:xfrm>
-              <a:off x="1828436" y="4159540"/>
+              <a:off x="1549354" y="4159606"/>
               <a:ext cx="63202" cy="63202"/>
             </a:xfrm>
             <a:custGeom>
@@ -2961,7 +2961,7 @@
           </p:nvSpPr>
           <p:spPr>
             <a:xfrm>
-              <a:off x="1825247" y="2962323"/>
+              <a:off x="1579596" y="2962324"/>
               <a:ext cx="63202" cy="63202"/>
             </a:xfrm>
             <a:custGeom>
@@ -3004,7 +3004,7 @@
           </p:nvSpPr>
           <p:spPr>
             <a:xfrm>
-              <a:off x="2594746" y="6610067"/>
+              <a:off x="2959493" y="6609832"/>
               <a:ext cx="63202" cy="63202"/>
             </a:xfrm>
             <a:custGeom>
@@ -3047,7 +3047,7 @@
           </p:nvSpPr>
           <p:spPr>
             <a:xfrm>
-              <a:off x="1563193" y="2962348"/>
+              <a:off x="1630152" y="2962554"/>
               <a:ext cx="63202" cy="63202"/>
             </a:xfrm>
             <a:custGeom>
@@ -3090,7 +3090,7 @@
           </p:nvSpPr>
           <p:spPr>
             <a:xfrm>
-              <a:off x="2426288" y="5826520"/>
+              <a:off x="2345936" y="5826614"/>
               <a:ext cx="63202" cy="63202"/>
             </a:xfrm>
             <a:custGeom>
@@ -3133,7 +3133,7 @@
           </p:nvSpPr>
           <p:spPr>
             <a:xfrm>
-              <a:off x="1712095" y="4899505"/>
+              <a:off x="1926768" y="4899387"/>
               <a:ext cx="63202" cy="63202"/>
             </a:xfrm>
             <a:custGeom>
@@ -3176,7 +3176,7 @@
           </p:nvSpPr>
           <p:spPr>
             <a:xfrm>
-              <a:off x="1843471" y="3991664"/>
+              <a:off x="1702123" y="3992127"/>
               <a:ext cx="63202" cy="63202"/>
             </a:xfrm>
             <a:custGeom>
@@ -3219,7 +3219,7 @@
           </p:nvSpPr>
           <p:spPr>
             <a:xfrm>
-              <a:off x="2163969" y="6404466"/>
+              <a:off x="2209106" y="6404704"/>
               <a:ext cx="63202" cy="63202"/>
             </a:xfrm>
             <a:custGeom>
@@ -3262,7 +3262,7 @@
           </p:nvSpPr>
           <p:spPr>
             <a:xfrm>
-              <a:off x="2806210" y="6453438"/>
+              <a:off x="2601429" y="6453175"/>
               <a:ext cx="63202" cy="63202"/>
             </a:xfrm>
             <a:custGeom>
@@ -3305,7 +3305,7 @@
           </p:nvSpPr>
           <p:spPr>
             <a:xfrm>
-              <a:off x="1940197" y="3023336"/>
+              <a:off x="1565382" y="3023844"/>
               <a:ext cx="63202" cy="63202"/>
             </a:xfrm>
             <a:custGeom>
@@ -3348,7 +3348,7 @@
           </p:nvSpPr>
           <p:spPr>
             <a:xfrm>
-              <a:off x="1831709" y="3004417"/>
+              <a:off x="1655798" y="3004517"/>
               <a:ext cx="63202" cy="63202"/>
             </a:xfrm>
             <a:custGeom>
@@ -3391,7 +3391,7 @@
           </p:nvSpPr>
           <p:spPr>
             <a:xfrm>
-              <a:off x="1698168" y="2993727"/>
+              <a:off x="1942817" y="2993826"/>
               <a:ext cx="63202" cy="63202"/>
             </a:xfrm>
             <a:custGeom>
@@ -3434,7 +3434,7 @@
           </p:nvSpPr>
           <p:spPr>
             <a:xfrm>
-              <a:off x="1730758" y="4256946"/>
+              <a:off x="1887421" y="4257109"/>
               <a:ext cx="63202" cy="63202"/>
             </a:xfrm>
             <a:custGeom>
@@ -4269,7 +4269,7 @@
           </p:nvSpPr>
           <p:spPr>
             <a:xfrm>
-              <a:off x="3179228" y="6453865"/>
+              <a:off x="3179228" y="6453847"/>
               <a:ext cx="1650203" cy="0"/>
             </a:xfrm>
             <a:custGeom>
@@ -4312,7 +4312,7 @@
           </p:nvSpPr>
           <p:spPr>
             <a:xfrm>
-              <a:off x="3179228" y="5063191"/>
+              <a:off x="3179228" y="5063269"/>
               <a:ext cx="1650203" cy="0"/>
             </a:xfrm>
             <a:custGeom>
@@ -4355,7 +4355,7 @@
           </p:nvSpPr>
           <p:spPr>
             <a:xfrm>
-              <a:off x="3179228" y="3672517"/>
+              <a:off x="3179228" y="3672690"/>
               <a:ext cx="1650203" cy="0"/>
             </a:xfrm>
             <a:custGeom>
@@ -4398,7 +4398,7 @@
           </p:nvSpPr>
           <p:spPr>
             <a:xfrm>
-              <a:off x="3179228" y="2281843"/>
+              <a:off x="3179228" y="2282111"/>
               <a:ext cx="1650203" cy="0"/>
             </a:xfrm>
             <a:custGeom>
@@ -4441,7 +4441,7 @@
           </p:nvSpPr>
           <p:spPr>
             <a:xfrm>
-              <a:off x="3179228" y="5758528"/>
+              <a:off x="3179228" y="5758558"/>
               <a:ext cx="1650203" cy="0"/>
             </a:xfrm>
             <a:custGeom>
@@ -4484,7 +4484,7 @@
           </p:nvSpPr>
           <p:spPr>
             <a:xfrm>
-              <a:off x="3179228" y="4367854"/>
+              <a:off x="3179228" y="4367979"/>
               <a:ext cx="1650203" cy="0"/>
             </a:xfrm>
             <a:custGeom>
@@ -4527,7 +4527,7 @@
           </p:nvSpPr>
           <p:spPr>
             <a:xfrm>
-              <a:off x="3179228" y="2977180"/>
+              <a:off x="3179228" y="2977401"/>
               <a:ext cx="1650203" cy="0"/>
             </a:xfrm>
             <a:custGeom>
@@ -4570,7 +4570,7 @@
           </p:nvSpPr>
           <p:spPr>
             <a:xfrm>
-              <a:off x="3179228" y="1586506"/>
+              <a:off x="3179228" y="1586822"/>
               <a:ext cx="1650203" cy="0"/>
             </a:xfrm>
             <a:custGeom>
@@ -4742,7 +4742,7 @@
           </p:nvSpPr>
           <p:spPr>
             <a:xfrm>
-              <a:off x="3544787" y="3632292"/>
+              <a:off x="3281718" y="3632323"/>
               <a:ext cx="63202" cy="63202"/>
             </a:xfrm>
             <a:custGeom>
@@ -4785,7 +4785,7 @@
           </p:nvSpPr>
           <p:spPr>
             <a:xfrm>
-              <a:off x="3315252" y="3359047"/>
+              <a:off x="3517899" y="3359193"/>
               <a:ext cx="63202" cy="63202"/>
             </a:xfrm>
             <a:custGeom>
@@ -4828,7 +4828,7 @@
           </p:nvSpPr>
           <p:spPr>
             <a:xfrm>
-              <a:off x="3427682" y="3770847"/>
+              <a:off x="3578474" y="3771033"/>
               <a:ext cx="63202" cy="63202"/>
             </a:xfrm>
             <a:custGeom>
@@ -4871,7 +4871,7 @@
           </p:nvSpPr>
           <p:spPr>
             <a:xfrm>
-              <a:off x="3325122" y="3503128"/>
+              <a:off x="3302205" y="3503532"/>
               <a:ext cx="63202" cy="63202"/>
             </a:xfrm>
             <a:custGeom>
@@ -4914,7 +4914,7 @@
           </p:nvSpPr>
           <p:spPr>
             <a:xfrm>
-              <a:off x="3798767" y="5727551"/>
+              <a:off x="3853318" y="5727520"/>
               <a:ext cx="63202" cy="63202"/>
             </a:xfrm>
             <a:custGeom>
@@ -4957,7 +4957,7 @@
           </p:nvSpPr>
           <p:spPr>
             <a:xfrm>
-              <a:off x="3502771" y="4494292"/>
+              <a:off x="3287143" y="4494464"/>
               <a:ext cx="63202" cy="63202"/>
             </a:xfrm>
             <a:custGeom>
@@ -5000,7 +5000,7 @@
           </p:nvSpPr>
           <p:spPr>
             <a:xfrm>
-              <a:off x="3607550" y="3631266"/>
+              <a:off x="3543987" y="3631538"/>
               <a:ext cx="63202" cy="63202"/>
             </a:xfrm>
             <a:custGeom>
@@ -5043,7 +5043,7 @@
           </p:nvSpPr>
           <p:spPr>
             <a:xfrm>
-              <a:off x="3323791" y="3499600"/>
+              <a:off x="3551760" y="3499853"/>
               <a:ext cx="63202" cy="63202"/>
             </a:xfrm>
             <a:custGeom>
@@ -5086,7 +5086,7 @@
           </p:nvSpPr>
           <p:spPr>
             <a:xfrm>
-              <a:off x="3275316" y="3594713"/>
+              <a:off x="3580662" y="3594585"/>
               <a:ext cx="63202" cy="63202"/>
             </a:xfrm>
             <a:custGeom>
@@ -5129,7 +5129,7 @@
           </p:nvSpPr>
           <p:spPr>
             <a:xfrm>
-              <a:off x="3599325" y="4455572"/>
+              <a:off x="3358261" y="4455520"/>
               <a:ext cx="63202" cy="63202"/>
             </a:xfrm>
             <a:custGeom>
@@ -5172,7 +5172,7 @@
           </p:nvSpPr>
           <p:spPr>
             <a:xfrm>
-              <a:off x="3900909" y="6016596"/>
+              <a:off x="3777483" y="6016570"/>
               <a:ext cx="63202" cy="63202"/>
             </a:xfrm>
             <a:custGeom>
@@ -5215,7 +5215,7 @@
           </p:nvSpPr>
           <p:spPr>
             <a:xfrm>
-              <a:off x="3558343" y="4360466"/>
+              <a:off x="3361703" y="4360445"/>
               <a:ext cx="63202" cy="63202"/>
             </a:xfrm>
             <a:custGeom>
@@ -5258,7 +5258,7 @@
           </p:nvSpPr>
           <p:spPr>
             <a:xfrm>
-              <a:off x="3649697" y="4500672"/>
+              <a:off x="3574568" y="4500871"/>
               <a:ext cx="63202" cy="63202"/>
             </a:xfrm>
             <a:custGeom>
@@ -5301,7 +5301,7 @@
           </p:nvSpPr>
           <p:spPr>
             <a:xfrm>
-              <a:off x="3466698" y="4745139"/>
+              <a:off x="3555057" y="4745274"/>
               <a:ext cx="63202" cy="63202"/>
             </a:xfrm>
             <a:custGeom>
@@ -5344,7 +5344,7 @@
           </p:nvSpPr>
           <p:spPr>
             <a:xfrm>
-              <a:off x="3425455" y="4349216"/>
+              <a:off x="3306898" y="4349351"/>
               <a:ext cx="63202" cy="63202"/>
             </a:xfrm>
             <a:custGeom>
@@ -5387,7 +5387,7 @@
           </p:nvSpPr>
           <p:spPr>
             <a:xfrm>
-              <a:off x="3636383" y="3767110"/>
+              <a:off x="3276254" y="3766993"/>
               <a:ext cx="63202" cy="63202"/>
             </a:xfrm>
             <a:custGeom>
@@ -5430,7 +5430,7 @@
           </p:nvSpPr>
           <p:spPr>
             <a:xfrm>
-              <a:off x="4456294" y="6627699"/>
+              <a:off x="4427098" y="6627576"/>
               <a:ext cx="63202" cy="63202"/>
             </a:xfrm>
             <a:custGeom>
@@ -5473,7 +5473,7 @@
           </p:nvSpPr>
           <p:spPr>
             <a:xfrm>
-              <a:off x="3287569" y="4137970"/>
+              <a:off x="3411672" y="4138014"/>
               <a:ext cx="63202" cy="63202"/>
             </a:xfrm>
             <a:custGeom>
@@ -5516,7 +5516,7 @@
           </p:nvSpPr>
           <p:spPr>
             <a:xfrm>
-              <a:off x="3393962" y="3984828"/>
+              <a:off x="3596647" y="3984919"/>
               <a:ext cx="63202" cy="63202"/>
             </a:xfrm>
             <a:custGeom>
@@ -5559,7 +5559,7 @@
           </p:nvSpPr>
           <p:spPr>
             <a:xfrm>
-              <a:off x="3629457" y="3632267"/>
+              <a:off x="3511304" y="3632143"/>
               <a:ext cx="63202" cy="63202"/>
             </a:xfrm>
             <a:custGeom>
@@ -5602,7 +5602,7 @@
           </p:nvSpPr>
           <p:spPr>
             <a:xfrm>
-              <a:off x="3500325" y="5555895"/>
+              <a:off x="3422783" y="5555761"/>
               <a:ext cx="63202" cy="63202"/>
             </a:xfrm>
             <a:custGeom>
@@ -5645,7 +5645,7 @@
           </p:nvSpPr>
           <p:spPr>
             <a:xfrm>
-              <a:off x="3422348" y="4299564"/>
+              <a:off x="3545321" y="4299921"/>
               <a:ext cx="63202" cy="63202"/>
             </a:xfrm>
             <a:custGeom>
@@ -5688,7 +5688,7 @@
           </p:nvSpPr>
           <p:spPr>
             <a:xfrm>
-              <a:off x="3450077" y="4500878"/>
+              <a:off x="3590244" y="4500972"/>
               <a:ext cx="63202" cy="63202"/>
             </a:xfrm>
             <a:custGeom>
@@ -5731,7 +5731,7 @@
           </p:nvSpPr>
           <p:spPr>
             <a:xfrm>
-              <a:off x="3309659" y="5374982"/>
+              <a:off x="3318103" y="5374956"/>
               <a:ext cx="63202" cy="63202"/>
             </a:xfrm>
             <a:custGeom>
@@ -5774,7 +5774,7 @@
           </p:nvSpPr>
           <p:spPr>
             <a:xfrm>
-              <a:off x="3300682" y="3632073"/>
+              <a:off x="3540134" y="3632121"/>
               <a:ext cx="63202" cy="63202"/>
             </a:xfrm>
             <a:custGeom>
@@ -5817,7 +5817,7 @@
           </p:nvSpPr>
           <p:spPr>
             <a:xfrm>
-              <a:off x="3446197" y="4354332"/>
+              <a:off x="3583141" y="4354367"/>
               <a:ext cx="63202" cy="63202"/>
             </a:xfrm>
             <a:custGeom>
@@ -5860,7 +5860,7 @@
           </p:nvSpPr>
           <p:spPr>
             <a:xfrm>
-              <a:off x="3341738" y="4324319"/>
+              <a:off x="3515529" y="4324305"/>
               <a:ext cx="63202" cy="63202"/>
             </a:xfrm>
             <a:custGeom>
@@ -5903,7 +5903,7 @@
           </p:nvSpPr>
           <p:spPr>
             <a:xfrm>
-              <a:off x="3466118" y="5171148"/>
+              <a:off x="3315532" y="5171092"/>
               <a:ext cx="63202" cy="63202"/>
             </a:xfrm>
             <a:custGeom>
@@ -5946,7 +5946,7 @@
           </p:nvSpPr>
           <p:spPr>
             <a:xfrm>
-              <a:off x="3445159" y="3672795"/>
+              <a:off x="3534011" y="3672998"/>
               <a:ext cx="63202" cy="63202"/>
             </a:xfrm>
             <a:custGeom>
@@ -5989,7 +5989,7 @@
           </p:nvSpPr>
           <p:spPr>
             <a:xfrm>
-              <a:off x="3561304" y="3815255"/>
+              <a:off x="3543998" y="3815362"/>
               <a:ext cx="63202" cy="63202"/>
             </a:xfrm>
             <a:custGeom>
@@ -6032,7 +6032,7 @@
           </p:nvSpPr>
           <p:spPr>
             <a:xfrm>
-              <a:off x="3493160" y="3803551"/>
+              <a:off x="3356861" y="3803680"/>
               <a:ext cx="63202" cy="63202"/>
             </a:xfrm>
             <a:custGeom>
@@ -6075,7 +6075,7 @@
           </p:nvSpPr>
           <p:spPr>
             <a:xfrm>
-              <a:off x="3274452" y="3794229"/>
+              <a:off x="3387839" y="3794459"/>
               <a:ext cx="63202" cy="63202"/>
             </a:xfrm>
             <a:custGeom>
@@ -6118,7 +6118,7 @@
           </p:nvSpPr>
           <p:spPr>
             <a:xfrm>
-              <a:off x="3523283" y="3794718"/>
+              <a:off x="3650685" y="3795099"/>
               <a:ext cx="63202" cy="63202"/>
             </a:xfrm>
             <a:custGeom>
@@ -6161,7 +6161,7 @@
           </p:nvSpPr>
           <p:spPr>
             <a:xfrm>
-              <a:off x="3625584" y="3821396"/>
+              <a:off x="3538141" y="3821584"/>
               <a:ext cx="63202" cy="63202"/>
             </a:xfrm>
             <a:custGeom>
@@ -6204,7 +6204,7 @@
           </p:nvSpPr>
           <p:spPr>
             <a:xfrm>
-              <a:off x="3488195" y="3899558"/>
+              <a:off x="3325422" y="3899832"/>
               <a:ext cx="63202" cy="63202"/>
             </a:xfrm>
             <a:custGeom>
@@ -6247,7 +6247,7 @@
           </p:nvSpPr>
           <p:spPr>
             <a:xfrm>
-              <a:off x="3264327" y="4274164"/>
+              <a:off x="3591096" y="4274271"/>
               <a:ext cx="63202" cy="63202"/>
             </a:xfrm>
             <a:custGeom>
@@ -6290,7 +6290,7 @@
           </p:nvSpPr>
           <p:spPr>
             <a:xfrm>
-              <a:off x="3355984" y="4253335"/>
+              <a:off x="3346443" y="4253531"/>
               <a:ext cx="63202" cy="63202"/>
             </a:xfrm>
             <a:custGeom>
@@ -6333,7 +6333,7 @@
           </p:nvSpPr>
           <p:spPr>
             <a:xfrm>
-              <a:off x="3464742" y="3770792"/>
+              <a:off x="3618852" y="3770749"/>
               <a:ext cx="63202" cy="63202"/>
             </a:xfrm>
             <a:custGeom>
@@ -6376,7 +6376,7 @@
           </p:nvSpPr>
           <p:spPr>
             <a:xfrm>
-              <a:off x="3430760" y="4856242"/>
+              <a:off x="3554323" y="4856629"/>
               <a:ext cx="63202" cy="63202"/>
             </a:xfrm>
             <a:custGeom>
@@ -6419,7 +6419,7 @@
           </p:nvSpPr>
           <p:spPr>
             <a:xfrm>
-              <a:off x="3537602" y="4372421"/>
+              <a:off x="3288315" y="4372638"/>
               <a:ext cx="63202" cy="63202"/>
             </a:xfrm>
             <a:custGeom>
@@ -6462,7 +6462,7 @@
           </p:nvSpPr>
           <p:spPr>
             <a:xfrm>
-              <a:off x="3270858" y="3775175"/>
+              <a:off x="3458707" y="3775368"/>
               <a:ext cx="63202" cy="63202"/>
             </a:xfrm>
             <a:custGeom>
@@ -6505,7 +6505,7 @@
           </p:nvSpPr>
           <p:spPr>
             <a:xfrm>
-              <a:off x="3403612" y="3775043"/>
+              <a:off x="3598212" y="3774892"/>
               <a:ext cx="63202" cy="63202"/>
             </a:xfrm>
             <a:custGeom>
@@ -6548,7 +6548,7 @@
           </p:nvSpPr>
           <p:spPr>
             <a:xfrm>
-              <a:off x="3593106" y="3749832"/>
+              <a:off x="3653123" y="3750064"/>
               <a:ext cx="63202" cy="63202"/>
             </a:xfrm>
             <a:custGeom>
@@ -6591,7 +6591,7 @@
           </p:nvSpPr>
           <p:spPr>
             <a:xfrm>
-              <a:off x="3487999" y="3797423"/>
+              <a:off x="3647775" y="3797836"/>
               <a:ext cx="63202" cy="63202"/>
             </a:xfrm>
             <a:custGeom>
@@ -6634,7 +6634,7 @@
           </p:nvSpPr>
           <p:spPr>
             <a:xfrm>
-              <a:off x="3254426" y="3503179"/>
+              <a:off x="3605706" y="3503595"/>
               <a:ext cx="63202" cy="63202"/>
             </a:xfrm>
             <a:custGeom>
@@ -8803,7 +8803,7 @@
           </p:nvSpPr>
           <p:spPr>
             <a:xfrm>
-              <a:off x="4899021" y="6453865"/>
+              <a:off x="4899021" y="6453847"/>
               <a:ext cx="1650203" cy="0"/>
             </a:xfrm>
             <a:custGeom>
@@ -8846,7 +8846,7 @@
           </p:nvSpPr>
           <p:spPr>
             <a:xfrm>
-              <a:off x="4899021" y="5063191"/>
+              <a:off x="4899021" y="5063269"/>
               <a:ext cx="1650203" cy="0"/>
             </a:xfrm>
             <a:custGeom>
@@ -8889,7 +8889,7 @@
           </p:nvSpPr>
           <p:spPr>
             <a:xfrm>
-              <a:off x="4899021" y="3672517"/>
+              <a:off x="4899021" y="3672690"/>
               <a:ext cx="1650203" cy="0"/>
             </a:xfrm>
             <a:custGeom>
@@ -8932,7 +8932,7 @@
           </p:nvSpPr>
           <p:spPr>
             <a:xfrm>
-              <a:off x="4899021" y="2281843"/>
+              <a:off x="4899021" y="2282111"/>
               <a:ext cx="1650203" cy="0"/>
             </a:xfrm>
             <a:custGeom>
@@ -8975,7 +8975,7 @@
           </p:nvSpPr>
           <p:spPr>
             <a:xfrm>
-              <a:off x="4899021" y="5758528"/>
+              <a:off x="4899021" y="5758558"/>
               <a:ext cx="1650203" cy="0"/>
             </a:xfrm>
             <a:custGeom>
@@ -9018,7 +9018,7 @@
           </p:nvSpPr>
           <p:spPr>
             <a:xfrm>
-              <a:off x="4899021" y="4367854"/>
+              <a:off x="4899021" y="4367979"/>
               <a:ext cx="1650203" cy="0"/>
             </a:xfrm>
             <a:custGeom>
@@ -9061,7 +9061,7 @@
           </p:nvSpPr>
           <p:spPr>
             <a:xfrm>
-              <a:off x="4899021" y="2977180"/>
+              <a:off x="4899021" y="2977401"/>
               <a:ext cx="1650203" cy="0"/>
             </a:xfrm>
             <a:custGeom>
@@ -9104,7 +9104,7 @@
           </p:nvSpPr>
           <p:spPr>
             <a:xfrm>
-              <a:off x="4899021" y="1586506"/>
+              <a:off x="4899021" y="1586822"/>
               <a:ext cx="1650203" cy="0"/>
             </a:xfrm>
             <a:custGeom>
@@ -9276,7 +9276,7 @@
           </p:nvSpPr>
           <p:spPr>
             <a:xfrm>
-              <a:off x="5609870" y="5941962"/>
+              <a:off x="5628181" y="5941938"/>
               <a:ext cx="63202" cy="63202"/>
             </a:xfrm>
             <a:custGeom>
@@ -9319,7 +9319,7 @@
           </p:nvSpPr>
           <p:spPr>
             <a:xfrm>
-              <a:off x="5381816" y="1641734"/>
+              <a:off x="5348192" y="1641734"/>
               <a:ext cx="63202" cy="63202"/>
             </a:xfrm>
             <a:custGeom>
@@ -9362,7 +9362,7 @@
           </p:nvSpPr>
           <p:spPr>
             <a:xfrm>
-              <a:off x="5182868" y="2597271"/>
+              <a:off x="5218557" y="2597822"/>
               <a:ext cx="63202" cy="63202"/>
             </a:xfrm>
             <a:custGeom>
@@ -9405,7 +9405,7 @@
           </p:nvSpPr>
           <p:spPr>
             <a:xfrm>
-              <a:off x="5328703" y="2176968"/>
+              <a:off x="5376085" y="2177190"/>
               <a:ext cx="63202" cy="63202"/>
             </a:xfrm>
             <a:custGeom>
@@ -9448,7 +9448,7 @@
           </p:nvSpPr>
           <p:spPr>
             <a:xfrm>
-              <a:off x="5169047" y="2614036"/>
+              <a:off x="5318226" y="2614493"/>
               <a:ext cx="63202" cy="63202"/>
             </a:xfrm>
             <a:custGeom>
@@ -9491,7 +9491,7 @@
           </p:nvSpPr>
           <p:spPr>
             <a:xfrm>
-              <a:off x="5519482" y="6088843"/>
+              <a:off x="5553383" y="6088858"/>
               <a:ext cx="63202" cy="63202"/>
             </a:xfrm>
             <a:custGeom>
@@ -9534,7 +9534,7 @@
           </p:nvSpPr>
           <p:spPr>
             <a:xfrm>
-              <a:off x="6158067" y="6634049"/>
+              <a:off x="6024985" y="6634049"/>
               <a:ext cx="63202" cy="63202"/>
             </a:xfrm>
             <a:custGeom>
@@ -9577,7 +9577,7 @@
           </p:nvSpPr>
           <p:spPr>
             <a:xfrm>
-              <a:off x="4976140" y="5639476"/>
+              <a:off x="5116840" y="5639367"/>
               <a:ext cx="63202" cy="63202"/>
             </a:xfrm>
             <a:custGeom>
@@ -9620,7 +9620,7 @@
           </p:nvSpPr>
           <p:spPr>
             <a:xfrm>
-              <a:off x="5037616" y="4825238"/>
+              <a:off x="5079590" y="4825218"/>
               <a:ext cx="63202" cy="63202"/>
             </a:xfrm>
             <a:custGeom>
@@ -9663,7 +9663,7 @@
           </p:nvSpPr>
           <p:spPr>
             <a:xfrm>
-              <a:off x="5609995" y="6085743"/>
+              <a:off x="5809815" y="6085785"/>
               <a:ext cx="63202" cy="63202"/>
             </a:xfrm>
             <a:custGeom>
@@ -9706,7 +9706,7 @@
           </p:nvSpPr>
           <p:spPr>
             <a:xfrm>
-              <a:off x="5075396" y="3691415"/>
+              <a:off x="5314862" y="3691688"/>
               <a:ext cx="63202" cy="63202"/>
             </a:xfrm>
             <a:custGeom>
@@ -9749,7 +9749,7 @@
           </p:nvSpPr>
           <p:spPr>
             <a:xfrm>
-              <a:off x="5217707" y="3565193"/>
+              <a:off x="5027226" y="3565675"/>
               <a:ext cx="63202" cy="63202"/>
             </a:xfrm>
             <a:custGeom>
@@ -9792,7 +9792,7 @@
           </p:nvSpPr>
           <p:spPr>
             <a:xfrm>
-              <a:off x="6251195" y="6620822"/>
+              <a:off x="6404424" y="6620476"/>
               <a:ext cx="63202" cy="63202"/>
             </a:xfrm>
             <a:custGeom>
@@ -9835,7 +9835,7 @@
           </p:nvSpPr>
           <p:spPr>
             <a:xfrm>
-              <a:off x="5805299" y="6042754"/>
+              <a:off x="5698664" y="6042538"/>
               <a:ext cx="63202" cy="63202"/>
             </a:xfrm>
             <a:custGeom>
@@ -9878,7 +9878,7 @@
           </p:nvSpPr>
           <p:spPr>
             <a:xfrm>
-              <a:off x="5785398" y="5745397"/>
+              <a:off x="5767716" y="5745340"/>
               <a:ext cx="63202" cy="63202"/>
             </a:xfrm>
             <a:custGeom>
@@ -10667,7 +10667,7 @@
           </p:nvSpPr>
           <p:spPr>
             <a:xfrm>
-              <a:off x="6618814" y="6453865"/>
+              <a:off x="6618814" y="6453847"/>
               <a:ext cx="1650203" cy="0"/>
             </a:xfrm>
             <a:custGeom>
@@ -10710,7 +10710,7 @@
           </p:nvSpPr>
           <p:spPr>
             <a:xfrm>
-              <a:off x="6618814" y="5063191"/>
+              <a:off x="6618814" y="5063269"/>
               <a:ext cx="1650203" cy="0"/>
             </a:xfrm>
             <a:custGeom>
@@ -10753,7 +10753,7 @@
           </p:nvSpPr>
           <p:spPr>
             <a:xfrm>
-              <a:off x="6618814" y="3672517"/>
+              <a:off x="6618814" y="3672690"/>
               <a:ext cx="1650203" cy="0"/>
             </a:xfrm>
             <a:custGeom>
@@ -10796,7 +10796,7 @@
           </p:nvSpPr>
           <p:spPr>
             <a:xfrm>
-              <a:off x="6618814" y="2281843"/>
+              <a:off x="6618814" y="2282111"/>
               <a:ext cx="1650203" cy="0"/>
             </a:xfrm>
             <a:custGeom>
@@ -10839,7 +10839,7 @@
           </p:nvSpPr>
           <p:spPr>
             <a:xfrm>
-              <a:off x="6618814" y="5758528"/>
+              <a:off x="6618814" y="5758558"/>
               <a:ext cx="1650203" cy="0"/>
             </a:xfrm>
             <a:custGeom>
@@ -10882,7 +10882,7 @@
           </p:nvSpPr>
           <p:spPr>
             <a:xfrm>
-              <a:off x="6618814" y="4367854"/>
+              <a:off x="6618814" y="4367979"/>
               <a:ext cx="1650203" cy="0"/>
             </a:xfrm>
             <a:custGeom>
@@ -10925,7 +10925,7 @@
           </p:nvSpPr>
           <p:spPr>
             <a:xfrm>
-              <a:off x="6618814" y="2977180"/>
+              <a:off x="6618814" y="2977401"/>
               <a:ext cx="1650203" cy="0"/>
             </a:xfrm>
             <a:custGeom>
@@ -10968,7 +10968,7 @@
           </p:nvSpPr>
           <p:spPr>
             <a:xfrm>
-              <a:off x="6618814" y="1586506"/>
+              <a:off x="6618814" y="1586822"/>
               <a:ext cx="1650203" cy="0"/>
             </a:xfrm>
             <a:custGeom>
@@ -11140,7 +11140,7 @@
           </p:nvSpPr>
           <p:spPr>
             <a:xfrm>
-              <a:off x="7410184" y="5729245"/>
+              <a:off x="7528747" y="5729305"/>
               <a:ext cx="63202" cy="63202"/>
             </a:xfrm>
             <a:custGeom>
@@ -11183,7 +11183,7 @@
           </p:nvSpPr>
           <p:spPr>
             <a:xfrm>
-              <a:off x="6745199" y="5208351"/>
+              <a:off x="6845631" y="5208415"/>
               <a:ext cx="63202" cy="63202"/>
             </a:xfrm>
             <a:custGeom>
@@ -11226,7 +11226,7 @@
           </p:nvSpPr>
           <p:spPr>
             <a:xfrm>
-              <a:off x="7084075" y="5525160"/>
+              <a:off x="6998352" y="5525456"/>
               <a:ext cx="63202" cy="63202"/>
             </a:xfrm>
             <a:custGeom>
@@ -11269,7 +11269,7 @@
           </p:nvSpPr>
           <p:spPr>
             <a:xfrm>
-              <a:off x="7852475" y="6548943"/>
+              <a:off x="7773570" y="6548657"/>
               <a:ext cx="63202" cy="63202"/>
             </a:xfrm>
             <a:custGeom>
@@ -11598,7 +11598,7 @@
           </p:nvSpPr>
           <p:spPr>
             <a:xfrm>
-              <a:off x="8338607" y="6453865"/>
+              <a:off x="8338607" y="6453847"/>
               <a:ext cx="1650203" cy="0"/>
             </a:xfrm>
             <a:custGeom>
@@ -11641,7 +11641,7 @@
           </p:nvSpPr>
           <p:spPr>
             <a:xfrm>
-              <a:off x="8338607" y="5063191"/>
+              <a:off x="8338607" y="5063269"/>
               <a:ext cx="1650203" cy="0"/>
             </a:xfrm>
             <a:custGeom>
@@ -11684,7 +11684,7 @@
           </p:nvSpPr>
           <p:spPr>
             <a:xfrm>
-              <a:off x="8338607" y="3672517"/>
+              <a:off x="8338607" y="3672690"/>
               <a:ext cx="1650203" cy="0"/>
             </a:xfrm>
             <a:custGeom>
@@ -11727,7 +11727,7 @@
           </p:nvSpPr>
           <p:spPr>
             <a:xfrm>
-              <a:off x="8338607" y="2281843"/>
+              <a:off x="8338607" y="2282111"/>
               <a:ext cx="1650203" cy="0"/>
             </a:xfrm>
             <a:custGeom>
@@ -11770,7 +11770,7 @@
           </p:nvSpPr>
           <p:spPr>
             <a:xfrm>
-              <a:off x="8338607" y="5758528"/>
+              <a:off x="8338607" y="5758558"/>
               <a:ext cx="1650203" cy="0"/>
             </a:xfrm>
             <a:custGeom>
@@ -11813,7 +11813,7 @@
           </p:nvSpPr>
           <p:spPr>
             <a:xfrm>
-              <a:off x="8338607" y="4367854"/>
+              <a:off x="8338607" y="4367979"/>
               <a:ext cx="1650203" cy="0"/>
             </a:xfrm>
             <a:custGeom>
@@ -11856,7 +11856,7 @@
           </p:nvSpPr>
           <p:spPr>
             <a:xfrm>
-              <a:off x="8338607" y="2977180"/>
+              <a:off x="8338607" y="2977401"/>
               <a:ext cx="1650203" cy="0"/>
             </a:xfrm>
             <a:custGeom>
@@ -11899,7 +11899,7 @@
           </p:nvSpPr>
           <p:spPr>
             <a:xfrm>
-              <a:off x="8338607" y="1586506"/>
+              <a:off x="8338607" y="1586822"/>
               <a:ext cx="1650203" cy="0"/>
             </a:xfrm>
             <a:custGeom>
@@ -12071,7 +12071,7 @@
           </p:nvSpPr>
           <p:spPr>
             <a:xfrm>
-              <a:off x="8638790" y="2126759"/>
+              <a:off x="8540555" y="2127323"/>
               <a:ext cx="63202" cy="63202"/>
             </a:xfrm>
             <a:custGeom>
@@ -12114,7 +12114,7 @@
           </p:nvSpPr>
           <p:spPr>
             <a:xfrm>
-              <a:off x="8632071" y="2083955"/>
+              <a:off x="8683402" y="2084190"/>
               <a:ext cx="63202" cy="63202"/>
             </a:xfrm>
             <a:custGeom>
@@ -12157,7 +12157,7 @@
           </p:nvSpPr>
           <p:spPr>
             <a:xfrm>
-              <a:off x="8573281" y="2027215"/>
+              <a:off x="8483708" y="2027677"/>
               <a:ext cx="63202" cy="63202"/>
             </a:xfrm>
             <a:custGeom>
@@ -12200,7 +12200,7 @@
           </p:nvSpPr>
           <p:spPr>
             <a:xfrm>
-              <a:off x="8598930" y="5564557"/>
+              <a:off x="8818954" y="5564792"/>
               <a:ext cx="63202" cy="63202"/>
             </a:xfrm>
             <a:custGeom>
@@ -12243,7 +12243,7 @@
           </p:nvSpPr>
           <p:spPr>
             <a:xfrm>
-              <a:off x="8481623" y="4909564"/>
+              <a:off x="8772030" y="4909719"/>
               <a:ext cx="63202" cy="63202"/>
             </a:xfrm>
             <a:custGeom>
@@ -12286,7 +12286,7 @@
           </p:nvSpPr>
           <p:spPr>
             <a:xfrm>
-              <a:off x="9005860" y="6056104"/>
+              <a:off x="9169613" y="6056150"/>
               <a:ext cx="63202" cy="63202"/>
             </a:xfrm>
             <a:custGeom>
@@ -12329,7 +12329,7 @@
           </p:nvSpPr>
           <p:spPr>
             <a:xfrm>
-              <a:off x="9189078" y="6313203"/>
+              <a:off x="9227752" y="6313362"/>
               <a:ext cx="63202" cy="63202"/>
             </a:xfrm>
             <a:custGeom>
@@ -12372,7 +12372,7 @@
           </p:nvSpPr>
           <p:spPr>
             <a:xfrm>
-              <a:off x="8665408" y="4261147"/>
+              <a:off x="8552596" y="4261175"/>
               <a:ext cx="63202" cy="63202"/>
             </a:xfrm>
             <a:custGeom>
@@ -12415,7 +12415,7 @@
           </p:nvSpPr>
           <p:spPr>
             <a:xfrm>
-              <a:off x="9132046" y="6312376"/>
+              <a:off x="9325434" y="6312332"/>
               <a:ext cx="63202" cy="63202"/>
             </a:xfrm>
             <a:custGeom>
@@ -12458,7 +12458,7 @@
           </p:nvSpPr>
           <p:spPr>
             <a:xfrm>
-              <a:off x="8609500" y="4365842"/>
+              <a:off x="8742427" y="4366096"/>
               <a:ext cx="63202" cy="63202"/>
             </a:xfrm>
             <a:custGeom>
@@ -12501,7 +12501,7 @@
           </p:nvSpPr>
           <p:spPr>
             <a:xfrm>
-              <a:off x="8536567" y="4158532"/>
+              <a:off x="8766044" y="4158759"/>
               <a:ext cx="63202" cy="63202"/>
             </a:xfrm>
             <a:custGeom>
@@ -12544,7 +12544,7 @@
           </p:nvSpPr>
           <p:spPr>
             <a:xfrm>
-              <a:off x="8422969" y="5550944"/>
+              <a:off x="8583951" y="5550951"/>
               <a:ext cx="63202" cy="63202"/>
             </a:xfrm>
             <a:custGeom>
@@ -12587,7 +12587,7 @@
           </p:nvSpPr>
           <p:spPr>
             <a:xfrm>
-              <a:off x="8662483" y="4999649"/>
+              <a:off x="8567026" y="4999652"/>
               <a:ext cx="63202" cy="63202"/>
             </a:xfrm>
             <a:custGeom>
@@ -12630,7 +12630,7 @@
           </p:nvSpPr>
           <p:spPr>
             <a:xfrm>
-              <a:off x="8491218" y="4524104"/>
+              <a:off x="8758862" y="4524122"/>
               <a:ext cx="63202" cy="63202"/>
             </a:xfrm>
             <a:custGeom>
@@ -12673,7 +12673,7 @@
           </p:nvSpPr>
           <p:spPr>
             <a:xfrm>
-              <a:off x="9031546" y="6149845"/>
+              <a:off x="9312114" y="6149667"/>
               <a:ext cx="63202" cy="63202"/>
             </a:xfrm>
             <a:custGeom>
@@ -12716,7 +12716,7 @@
           </p:nvSpPr>
           <p:spPr>
             <a:xfrm>
-              <a:off x="9286921" y="6198970"/>
+              <a:off x="9256304" y="6198809"/>
               <a:ext cx="63202" cy="63202"/>
             </a:xfrm>
             <a:custGeom>
@@ -12759,7 +12759,7 @@
           </p:nvSpPr>
           <p:spPr>
             <a:xfrm>
-              <a:off x="8411863" y="4458111"/>
+              <a:off x="8531892" y="4458260"/>
               <a:ext cx="63202" cy="63202"/>
             </a:xfrm>
             <a:custGeom>
@@ -12802,7 +12802,7 @@
           </p:nvSpPr>
           <p:spPr>
             <a:xfrm>
-              <a:off x="9028933" y="6057393"/>
+              <a:off x="8979907" y="6057542"/>
               <a:ext cx="63202" cy="63202"/>
             </a:xfrm>
             <a:custGeom>
@@ -12845,7 +12845,7 @@
           </p:nvSpPr>
           <p:spPr>
             <a:xfrm>
-              <a:off x="8723563" y="2024621"/>
+              <a:off x="8686612" y="2024950"/>
               <a:ext cx="63202" cy="63202"/>
             </a:xfrm>
             <a:custGeom>
@@ -12888,7 +12888,7 @@
           </p:nvSpPr>
           <p:spPr>
             <a:xfrm>
-              <a:off x="8544980" y="5085069"/>
+              <a:off x="8728129" y="5085046"/>
               <a:ext cx="63202" cy="63202"/>
             </a:xfrm>
             <a:custGeom>
@@ -12931,7 +12931,7 @@
           </p:nvSpPr>
           <p:spPr>
             <a:xfrm>
-              <a:off x="8469809" y="4389560"/>
+              <a:off x="8569218" y="4389540"/>
               <a:ext cx="63202" cy="63202"/>
             </a:xfrm>
             <a:custGeom>
@@ -12974,7 +12974,7 @@
           </p:nvSpPr>
           <p:spPr>
             <a:xfrm>
-              <a:off x="9303614" y="6337297"/>
+              <a:off x="9333201" y="6337380"/>
               <a:ext cx="63202" cy="63202"/>
             </a:xfrm>
             <a:custGeom>
@@ -13017,7 +13017,7 @@
           </p:nvSpPr>
           <p:spPr>
             <a:xfrm>
-              <a:off x="8445218" y="5212841"/>
+              <a:off x="8671501" y="5212994"/>
               <a:ext cx="63202" cy="63202"/>
             </a:xfrm>
             <a:custGeom>
@@ -13060,7 +13060,7 @@
           </p:nvSpPr>
           <p:spPr>
             <a:xfrm>
-              <a:off x="8557441" y="5533637"/>
+              <a:off x="8414929" y="5533663"/>
               <a:ext cx="63202" cy="63202"/>
             </a:xfrm>
             <a:custGeom>
@@ -13103,7 +13103,7 @@
           </p:nvSpPr>
           <p:spPr>
             <a:xfrm>
-              <a:off x="8633128" y="3027646"/>
+              <a:off x="8695667" y="3027703"/>
               <a:ext cx="63202" cy="63202"/>
             </a:xfrm>
             <a:custGeom>
@@ -13146,7 +13146,7 @@
           </p:nvSpPr>
           <p:spPr>
             <a:xfrm>
-              <a:off x="8695681" y="5725067"/>
+              <a:off x="8608460" y="5724993"/>
               <a:ext cx="63202" cy="63202"/>
             </a:xfrm>
             <a:custGeom>
@@ -13189,7 +13189,7 @@
           </p:nvSpPr>
           <p:spPr>
             <a:xfrm>
-              <a:off x="8603618" y="1953644"/>
+              <a:off x="8700843" y="1953801"/>
               <a:ext cx="63202" cy="63202"/>
             </a:xfrm>
             <a:custGeom>
@@ -13232,7 +13232,7 @@
           </p:nvSpPr>
           <p:spPr>
             <a:xfrm>
-              <a:off x="8537563" y="1916152"/>
+              <a:off x="8596288" y="1916378"/>
               <a:ext cx="63202" cy="63202"/>
             </a:xfrm>
             <a:custGeom>
@@ -13275,7 +13275,7 @@
           </p:nvSpPr>
           <p:spPr>
             <a:xfrm>
-              <a:off x="8589634" y="4794072"/>
+              <a:off x="8614875" y="4794164"/>
               <a:ext cx="63202" cy="63202"/>
             </a:xfrm>
             <a:custGeom>
@@ -13318,7 +13318,7 @@
           </p:nvSpPr>
           <p:spPr>
             <a:xfrm>
-              <a:off x="8567367" y="4487191"/>
+              <a:off x="8795406" y="4487424"/>
               <a:ext cx="63202" cy="63202"/>
             </a:xfrm>
             <a:custGeom>
@@ -13361,7 +13361,7 @@
           </p:nvSpPr>
           <p:spPr>
             <a:xfrm>
-              <a:off x="8495460" y="1913222"/>
+              <a:off x="8710724" y="1913562"/>
               <a:ext cx="63202" cy="63202"/>
             </a:xfrm>
             <a:custGeom>
@@ -13404,7 +13404,7 @@
           </p:nvSpPr>
           <p:spPr>
             <a:xfrm>
-              <a:off x="9758787" y="6585431"/>
+              <a:off x="9504891" y="6585443"/>
               <a:ext cx="63202" cy="63202"/>
             </a:xfrm>
             <a:custGeom>
@@ -13447,7 +13447,7 @@
           </p:nvSpPr>
           <p:spPr>
             <a:xfrm>
-              <a:off x="8581660" y="4288665"/>
+              <a:off x="8410370" y="4288684"/>
               <a:ext cx="63202" cy="63202"/>
             </a:xfrm>
             <a:custGeom>
@@ -13490,7 +13490,7 @@
           </p:nvSpPr>
           <p:spPr>
             <a:xfrm>
-              <a:off x="8820672" y="3084214"/>
+              <a:off x="8520821" y="3084245"/>
               <a:ext cx="63202" cy="63202"/>
             </a:xfrm>
             <a:custGeom>
@@ -13533,7 +13533,7 @@
           </p:nvSpPr>
           <p:spPr>
             <a:xfrm>
-              <a:off x="8547918" y="3360515"/>
+              <a:off x="8713083" y="3360555"/>
               <a:ext cx="63202" cy="63202"/>
             </a:xfrm>
             <a:custGeom>
@@ -13576,7 +13576,7 @@
           </p:nvSpPr>
           <p:spPr>
             <a:xfrm>
-              <a:off x="8821662" y="2004014"/>
+              <a:off x="8678800" y="2004246"/>
               <a:ext cx="63202" cy="63202"/>
             </a:xfrm>
             <a:custGeom>
@@ -13619,7 +13619,7 @@
           </p:nvSpPr>
           <p:spPr>
             <a:xfrm>
-              <a:off x="8796573" y="1945793"/>
+              <a:off x="8616687" y="1946158"/>
               <a:ext cx="63202" cy="63202"/>
             </a:xfrm>
             <a:custGeom>
@@ -13662,7 +13662,7 @@
           </p:nvSpPr>
           <p:spPr>
             <a:xfrm>
-              <a:off x="8556728" y="2005079"/>
+              <a:off x="8709819" y="2005290"/>
               <a:ext cx="63202" cy="63202"/>
             </a:xfrm>
             <a:custGeom>
@@ -13705,7 +13705,7 @@
           </p:nvSpPr>
           <p:spPr>
             <a:xfrm>
-              <a:off x="8721282" y="2004127"/>
+              <a:off x="8770445" y="2004361"/>
               <a:ext cx="63202" cy="63202"/>
             </a:xfrm>
             <a:custGeom>
@@ -13748,7 +13748,7 @@
           </p:nvSpPr>
           <p:spPr>
             <a:xfrm>
-              <a:off x="8424489" y="1943406"/>
+              <a:off x="8711470" y="1943495"/>
               <a:ext cx="63202" cy="63202"/>
             </a:xfrm>
             <a:custGeom>
@@ -13791,7 +13791,7 @@
           </p:nvSpPr>
           <p:spPr>
             <a:xfrm>
-              <a:off x="8591321" y="3030916"/>
+              <a:off x="8496088" y="3031193"/>
               <a:ext cx="63202" cy="63202"/>
             </a:xfrm>
             <a:custGeom>
@@ -13834,7 +13834,7 @@
           </p:nvSpPr>
           <p:spPr>
             <a:xfrm>
-              <a:off x="8817706" y="3053924"/>
+              <a:off x="8702479" y="3054190"/>
               <a:ext cx="63202" cy="63202"/>
             </a:xfrm>
             <a:custGeom>
@@ -13877,7 +13877,7 @@
           </p:nvSpPr>
           <p:spPr>
             <a:xfrm>
-              <a:off x="8456280" y="5583402"/>
+              <a:off x="8495298" y="5583283"/>
               <a:ext cx="63202" cy="63202"/>
             </a:xfrm>
             <a:custGeom>
@@ -13920,7 +13920,7 @@
           </p:nvSpPr>
           <p:spPr>
             <a:xfrm>
-              <a:off x="8572882" y="2914338"/>
+              <a:off x="8517301" y="2914857"/>
               <a:ext cx="63202" cy="63202"/>
             </a:xfrm>
             <a:custGeom>
@@ -13963,7 +13963,7 @@
           </p:nvSpPr>
           <p:spPr>
             <a:xfrm>
-              <a:off x="8814304" y="2496377"/>
+              <a:off x="8535823" y="2496689"/>
               <a:ext cx="63202" cy="63202"/>
             </a:xfrm>
             <a:custGeom>
@@ -14006,7 +14006,7 @@
           </p:nvSpPr>
           <p:spPr>
             <a:xfrm>
-              <a:off x="8753989" y="2563427"/>
+              <a:off x="8805568" y="2563857"/>
               <a:ext cx="63202" cy="63202"/>
             </a:xfrm>
             <a:custGeom>
@@ -14049,7 +14049,7 @@
           </p:nvSpPr>
           <p:spPr>
             <a:xfrm>
-              <a:off x="8650608" y="5637790"/>
+              <a:off x="8800875" y="5637907"/>
               <a:ext cx="63202" cy="63202"/>
             </a:xfrm>
             <a:custGeom>
@@ -14092,7 +14092,7 @@
           </p:nvSpPr>
           <p:spPr>
             <a:xfrm>
-              <a:off x="8492192" y="2077478"/>
+              <a:off x="8440826" y="2077620"/>
               <a:ext cx="63202" cy="63202"/>
             </a:xfrm>
             <a:custGeom>
@@ -14135,7 +14135,7 @@
           </p:nvSpPr>
           <p:spPr>
             <a:xfrm>
-              <a:off x="8642913" y="2864396"/>
+              <a:off x="8590007" y="2864688"/>
               <a:ext cx="63202" cy="63202"/>
             </a:xfrm>
             <a:custGeom>
@@ -14178,7 +14178,7 @@
           </p:nvSpPr>
           <p:spPr>
             <a:xfrm>
-              <a:off x="8794022" y="2996523"/>
+              <a:off x="8605103" y="2996940"/>
               <a:ext cx="63202" cy="63202"/>
             </a:xfrm>
             <a:custGeom>
@@ -14221,7 +14221,7 @@
           </p:nvSpPr>
           <p:spPr>
             <a:xfrm>
-              <a:off x="8496435" y="1946572"/>
+              <a:off x="8464257" y="1946992"/>
               <a:ext cx="63202" cy="63202"/>
             </a:xfrm>
             <a:custGeom>
@@ -14264,7 +14264,7 @@
           </p:nvSpPr>
           <p:spPr>
             <a:xfrm>
-              <a:off x="8658702" y="1959950"/>
+              <a:off x="8714014" y="1960279"/>
               <a:ext cx="63202" cy="63202"/>
             </a:xfrm>
             <a:custGeom>
@@ -14307,7 +14307,7 @@
           </p:nvSpPr>
           <p:spPr>
             <a:xfrm>
-              <a:off x="8558662" y="2395892"/>
+              <a:off x="8541166" y="2396077"/>
               <a:ext cx="63202" cy="63202"/>
             </a:xfrm>
             <a:custGeom>
@@ -14350,7 +14350,7 @@
           </p:nvSpPr>
           <p:spPr>
             <a:xfrm>
-              <a:off x="8628497" y="2731043"/>
+              <a:off x="8554627" y="2731307"/>
               <a:ext cx="63202" cy="63202"/>
             </a:xfrm>
             <a:custGeom>
@@ -14393,7 +14393,7 @@
           </p:nvSpPr>
           <p:spPr>
             <a:xfrm>
-              <a:off x="8801861" y="2542138"/>
+              <a:off x="8801922" y="2542509"/>
               <a:ext cx="63202" cy="63202"/>
             </a:xfrm>
             <a:custGeom>
@@ -14436,7 +14436,7 @@
           </p:nvSpPr>
           <p:spPr>
             <a:xfrm>
-              <a:off x="8724922" y="1943537"/>
+              <a:off x="8781703" y="1943638"/>
               <a:ext cx="63202" cy="63202"/>
             </a:xfrm>
             <a:custGeom>
@@ -14479,7 +14479,7 @@
           </p:nvSpPr>
           <p:spPr>
             <a:xfrm>
-              <a:off x="8695236" y="1946984"/>
+              <a:off x="8503772" y="1947301"/>
               <a:ext cx="63202" cy="63202"/>
             </a:xfrm>
             <a:custGeom>
@@ -14522,7 +14522,7 @@
           </p:nvSpPr>
           <p:spPr>
             <a:xfrm>
-              <a:off x="8792318" y="3018470"/>
+              <a:off x="8457776" y="3018660"/>
               <a:ext cx="63202" cy="63202"/>
             </a:xfrm>
             <a:custGeom>
@@ -14565,7 +14565,7 @@
           </p:nvSpPr>
           <p:spPr>
             <a:xfrm>
-              <a:off x="8816198" y="1953492"/>
+              <a:off x="8442539" y="1953968"/>
               <a:ext cx="63202" cy="63202"/>
             </a:xfrm>
             <a:custGeom>
@@ -14608,7 +14608,7 @@
           </p:nvSpPr>
           <p:spPr>
             <a:xfrm>
-              <a:off x="8773849" y="1956701"/>
+              <a:off x="8621655" y="1957068"/>
               <a:ext cx="63202" cy="63202"/>
             </a:xfrm>
             <a:custGeom>
@@ -14651,7 +14651,7 @@
           </p:nvSpPr>
           <p:spPr>
             <a:xfrm>
-              <a:off x="8415219" y="1947565"/>
+              <a:off x="8569001" y="1947949"/>
               <a:ext cx="63202" cy="63202"/>
             </a:xfrm>
             <a:custGeom>
@@ -14694,7 +14694,7 @@
           </p:nvSpPr>
           <p:spPr>
             <a:xfrm>
-              <a:off x="8493786" y="1913070"/>
+              <a:off x="8531052" y="1913696"/>
               <a:ext cx="63202" cy="63202"/>
             </a:xfrm>
             <a:custGeom>
@@ -14737,7 +14737,7 @@
           </p:nvSpPr>
           <p:spPr>
             <a:xfrm>
-              <a:off x="8666549" y="1962005"/>
+              <a:off x="8616380" y="1962341"/>
               <a:ext cx="63202" cy="63202"/>
             </a:xfrm>
             <a:custGeom>
@@ -14780,7 +14780,7 @@
           </p:nvSpPr>
           <p:spPr>
             <a:xfrm>
-              <a:off x="8605403" y="3319063"/>
+              <a:off x="8662998" y="3319579"/>
               <a:ext cx="63202" cy="63202"/>
             </a:xfrm>
             <a:custGeom>
@@ -14823,7 +14823,7 @@
           </p:nvSpPr>
           <p:spPr>
             <a:xfrm>
-              <a:off x="8548107" y="1860292"/>
+              <a:off x="8589108" y="1860555"/>
               <a:ext cx="63202" cy="63202"/>
             </a:xfrm>
             <a:custGeom>
@@ -14866,7 +14866,7 @@
           </p:nvSpPr>
           <p:spPr>
             <a:xfrm>
-              <a:off x="8612700" y="2417215"/>
+              <a:off x="8652987" y="2417237"/>
               <a:ext cx="63202" cy="63202"/>
             </a:xfrm>
             <a:custGeom>
@@ -14909,7 +14909,7 @@
           </p:nvSpPr>
           <p:spPr>
             <a:xfrm>
-              <a:off x="8644502" y="4770292"/>
+              <a:off x="8703158" y="4770385"/>
               <a:ext cx="63202" cy="63202"/>
             </a:xfrm>
             <a:custGeom>
@@ -14952,7 +14952,7 @@
           </p:nvSpPr>
           <p:spPr>
             <a:xfrm>
-              <a:off x="8665145" y="4770087"/>
+              <a:off x="8558067" y="4770371"/>
               <a:ext cx="63202" cy="63202"/>
             </a:xfrm>
             <a:custGeom>
@@ -14995,7 +14995,7 @@
           </p:nvSpPr>
           <p:spPr>
             <a:xfrm>
-              <a:off x="8757072" y="2209518"/>
+              <a:off x="8469947" y="2209580"/>
               <a:ext cx="63202" cy="63202"/>
             </a:xfrm>
             <a:custGeom>
@@ -15038,7 +15038,7 @@
           </p:nvSpPr>
           <p:spPr>
             <a:xfrm>
-              <a:off x="8796425" y="2438442"/>
+              <a:off x="8807881" y="2438587"/>
               <a:ext cx="63202" cy="63202"/>
             </a:xfrm>
             <a:custGeom>
@@ -15081,7 +15081,7 @@
           </p:nvSpPr>
           <p:spPr>
             <a:xfrm>
-              <a:off x="8764583" y="4915223"/>
+              <a:off x="8704580" y="4915286"/>
               <a:ext cx="63202" cy="63202"/>
             </a:xfrm>
             <a:custGeom>
@@ -15124,7 +15124,7 @@
           </p:nvSpPr>
           <p:spPr>
             <a:xfrm>
-              <a:off x="8771872" y="4902116"/>
+              <a:off x="8710567" y="4902400"/>
               <a:ext cx="63202" cy="63202"/>
             </a:xfrm>
             <a:custGeom>
@@ -15167,7 +15167,7 @@
           </p:nvSpPr>
           <p:spPr>
             <a:xfrm>
-              <a:off x="8570291" y="4911433"/>
+              <a:off x="8727190" y="4911462"/>
               <a:ext cx="63202" cy="63202"/>
             </a:xfrm>
             <a:custGeom>
@@ -15210,7 +15210,7 @@
           </p:nvSpPr>
           <p:spPr>
             <a:xfrm>
-              <a:off x="8600347" y="4734360"/>
+              <a:off x="8520505" y="4734526"/>
               <a:ext cx="63202" cy="63202"/>
             </a:xfrm>
             <a:custGeom>
@@ -15253,7 +15253,7 @@
           </p:nvSpPr>
           <p:spPr>
             <a:xfrm>
-              <a:off x="8660411" y="1937058"/>
+              <a:off x="8629356" y="1937151"/>
               <a:ext cx="63202" cy="63202"/>
             </a:xfrm>
             <a:custGeom>
@@ -15296,7 +15296,7 @@
           </p:nvSpPr>
           <p:spPr>
             <a:xfrm>
-              <a:off x="8686073" y="5538221"/>
+              <a:off x="8441870" y="5538393"/>
               <a:ext cx="63202" cy="63202"/>
             </a:xfrm>
             <a:custGeom>
@@ -15339,7 +15339,7 @@
           </p:nvSpPr>
           <p:spPr>
             <a:xfrm>
-              <a:off x="8742180" y="5661535"/>
+              <a:off x="8736994" y="5661589"/>
               <a:ext cx="63202" cy="63202"/>
             </a:xfrm>
             <a:custGeom>
@@ -15382,7 +15382,7 @@
           </p:nvSpPr>
           <p:spPr>
             <a:xfrm>
-              <a:off x="8438510" y="5708427"/>
+              <a:off x="8536697" y="5708366"/>
               <a:ext cx="63202" cy="63202"/>
             </a:xfrm>
             <a:custGeom>
@@ -15425,7 +15425,7 @@
           </p:nvSpPr>
           <p:spPr>
             <a:xfrm>
-              <a:off x="8634916" y="5687198"/>
+              <a:off x="8567774" y="5687211"/>
               <a:ext cx="63202" cy="63202"/>
             </a:xfrm>
             <a:custGeom>
@@ -15468,7 +15468,7 @@
           </p:nvSpPr>
           <p:spPr>
             <a:xfrm>
-              <a:off x="8583700" y="5661470"/>
+              <a:off x="8791455" y="5661721"/>
               <a:ext cx="63202" cy="63202"/>
             </a:xfrm>
             <a:custGeom>
@@ -15511,7 +15511,7 @@
           </p:nvSpPr>
           <p:spPr>
             <a:xfrm>
-              <a:off x="8725663" y="2101010"/>
+              <a:off x="8805907" y="2101320"/>
               <a:ext cx="63202" cy="63202"/>
             </a:xfrm>
             <a:custGeom>
@@ -15554,7 +15554,7 @@
           </p:nvSpPr>
           <p:spPr>
             <a:xfrm>
-              <a:off x="8672031" y="4406129"/>
+              <a:off x="8602125" y="4406375"/>
               <a:ext cx="63202" cy="63202"/>
             </a:xfrm>
             <a:custGeom>
@@ -15597,7 +15597,7 @@
           </p:nvSpPr>
           <p:spPr>
             <a:xfrm>
-              <a:off x="8735513" y="2072547"/>
+              <a:off x="8732903" y="2072874"/>
               <a:ext cx="63202" cy="63202"/>
             </a:xfrm>
             <a:custGeom>
@@ -15640,7 +15640,7 @@
           </p:nvSpPr>
           <p:spPr>
             <a:xfrm>
-              <a:off x="8683156" y="2099023"/>
+              <a:off x="8429824" y="2099299"/>
               <a:ext cx="63202" cy="63202"/>
             </a:xfrm>
             <a:custGeom>
@@ -15683,7 +15683,7 @@
           </p:nvSpPr>
           <p:spPr>
             <a:xfrm>
-              <a:off x="8701760" y="2013003"/>
+              <a:off x="8810058" y="2013010"/>
               <a:ext cx="63202" cy="63202"/>
             </a:xfrm>
             <a:custGeom>
@@ -15726,7 +15726,7 @@
           </p:nvSpPr>
           <p:spPr>
             <a:xfrm>
-              <a:off x="8643219" y="2039757"/>
+              <a:off x="8721687" y="2039967"/>
               <a:ext cx="63202" cy="63202"/>
             </a:xfrm>
             <a:custGeom>
@@ -15769,7 +15769,7 @@
           </p:nvSpPr>
           <p:spPr>
             <a:xfrm>
-              <a:off x="8495027" y="2022351"/>
+              <a:off x="8710381" y="2022585"/>
               <a:ext cx="63202" cy="63202"/>
             </a:xfrm>
             <a:custGeom>
@@ -15812,7 +15812,7 @@
           </p:nvSpPr>
           <p:spPr>
             <a:xfrm>
-              <a:off x="8621928" y="3391423"/>
+              <a:off x="8436368" y="3391711"/>
               <a:ext cx="63202" cy="63202"/>
             </a:xfrm>
             <a:custGeom>
@@ -21628,7 +21628,7 @@
           </p:nvSpPr>
           <p:spPr>
             <a:xfrm>
-              <a:off x="1210339" y="5716782"/>
+              <a:off x="1210339" y="5716812"/>
               <a:ext cx="186466" cy="81746"/>
             </a:xfrm>
             <a:prstGeom prst="rect">
@@ -21674,7 +21674,7 @@
           </p:nvSpPr>
           <p:spPr>
             <a:xfrm>
-              <a:off x="1210339" y="4326162"/>
+              <a:off x="1210339" y="4326287"/>
               <a:ext cx="186466" cy="81691"/>
             </a:xfrm>
             <a:prstGeom prst="rect">
@@ -21720,7 +21720,7 @@
           </p:nvSpPr>
           <p:spPr>
             <a:xfrm>
-              <a:off x="1210339" y="2935488"/>
+              <a:off x="1210339" y="2935709"/>
               <a:ext cx="186466" cy="81691"/>
             </a:xfrm>
             <a:prstGeom prst="rect">
@@ -21766,7 +21766,7 @@
           </p:nvSpPr>
           <p:spPr>
             <a:xfrm>
-              <a:off x="1148183" y="1544814"/>
+              <a:off x="1148183" y="1545130"/>
               <a:ext cx="248622" cy="81691"/>
             </a:xfrm>
             <a:prstGeom prst="rect">
@@ -21812,7 +21812,7 @@
           </p:nvSpPr>
           <p:spPr>
             <a:xfrm>
-              <a:off x="1424641" y="5758528"/>
+              <a:off x="1424641" y="5758558"/>
               <a:ext cx="34794" cy="0"/>
             </a:xfrm>
             <a:custGeom>
@@ -21852,7 +21852,7 @@
           </p:nvSpPr>
           <p:spPr>
             <a:xfrm>
-              <a:off x="1424641" y="4367854"/>
+              <a:off x="1424641" y="4367979"/>
               <a:ext cx="34794" cy="0"/>
             </a:xfrm>
             <a:custGeom>
@@ -21892,7 +21892,7 @@
           </p:nvSpPr>
           <p:spPr>
             <a:xfrm>
-              <a:off x="1424641" y="2977180"/>
+              <a:off x="1424641" y="2977401"/>
               <a:ext cx="34794" cy="0"/>
             </a:xfrm>
             <a:custGeom>
@@ -21932,7 +21932,7 @@
           </p:nvSpPr>
           <p:spPr>
             <a:xfrm>
-              <a:off x="1424641" y="1586506"/>
+              <a:off x="1424641" y="1586822"/>
               <a:ext cx="34794" cy="0"/>
             </a:xfrm>
             <a:custGeom>

--- a/Images/Figures_PPT/Jitter_Plot_Rictor_Domain.pptx
+++ b/Images/Figures_PPT/Jitter_Plot_Rictor_Domain.pptx
@@ -2359,7 +2359,7 @@
           </p:nvSpPr>
           <p:spPr>
             <a:xfrm>
-              <a:off x="1459435" y="6453847"/>
+              <a:off x="1459435" y="6453815"/>
               <a:ext cx="1650203" cy="0"/>
             </a:xfrm>
             <a:custGeom>
@@ -2402,7 +2402,7 @@
           </p:nvSpPr>
           <p:spPr>
             <a:xfrm>
-              <a:off x="1459435" y="5063269"/>
+              <a:off x="1459435" y="5063146"/>
               <a:ext cx="1650203" cy="0"/>
             </a:xfrm>
             <a:custGeom>
@@ -2445,7 +2445,7 @@
           </p:nvSpPr>
           <p:spPr>
             <a:xfrm>
-              <a:off x="1459435" y="3672690"/>
+              <a:off x="1459435" y="3672478"/>
               <a:ext cx="1650203" cy="0"/>
             </a:xfrm>
             <a:custGeom>
@@ -2488,7 +2488,7 @@
           </p:nvSpPr>
           <p:spPr>
             <a:xfrm>
-              <a:off x="1459435" y="2282111"/>
+              <a:off x="1459435" y="2281810"/>
               <a:ext cx="1650203" cy="0"/>
             </a:xfrm>
             <a:custGeom>
@@ -2531,7 +2531,7 @@
           </p:nvSpPr>
           <p:spPr>
             <a:xfrm>
-              <a:off x="1459435" y="5758558"/>
+              <a:off x="1459435" y="5758481"/>
               <a:ext cx="1650203" cy="0"/>
             </a:xfrm>
             <a:custGeom>
@@ -2574,7 +2574,7 @@
           </p:nvSpPr>
           <p:spPr>
             <a:xfrm>
-              <a:off x="1459435" y="4367979"/>
+              <a:off x="1459435" y="4367812"/>
               <a:ext cx="1650203" cy="0"/>
             </a:xfrm>
             <a:custGeom>
@@ -2617,7 +2617,7 @@
           </p:nvSpPr>
           <p:spPr>
             <a:xfrm>
-              <a:off x="1459435" y="2977401"/>
+              <a:off x="1459435" y="2977144"/>
               <a:ext cx="1650203" cy="0"/>
             </a:xfrm>
             <a:custGeom>
@@ -2660,7 +2660,7 @@
           </p:nvSpPr>
           <p:spPr>
             <a:xfrm>
-              <a:off x="1459435" y="1586822"/>
+              <a:off x="1459435" y="1586475"/>
               <a:ext cx="1650203" cy="0"/>
             </a:xfrm>
             <a:custGeom>
@@ -2832,7 +2832,7 @@
           </p:nvSpPr>
           <p:spPr>
             <a:xfrm>
-              <a:off x="2642068" y="6513181"/>
+              <a:off x="2692342" y="6513023"/>
               <a:ext cx="63202" cy="63202"/>
             </a:xfrm>
             <a:custGeom>
@@ -2875,7 +2875,7 @@
           </p:nvSpPr>
           <p:spPr>
             <a:xfrm>
-              <a:off x="2421007" y="6043415"/>
+              <a:off x="2116031" y="6043571"/>
               <a:ext cx="63202" cy="63202"/>
             </a:xfrm>
             <a:custGeom>
@@ -2918,7 +2918,7 @@
           </p:nvSpPr>
           <p:spPr>
             <a:xfrm>
-              <a:off x="1549354" y="4159606"/>
+              <a:off x="1878882" y="4159578"/>
               <a:ext cx="63202" cy="63202"/>
             </a:xfrm>
             <a:custGeom>
@@ -2961,7 +2961,7 @@
           </p:nvSpPr>
           <p:spPr>
             <a:xfrm>
-              <a:off x="1579596" y="2962324"/>
+              <a:off x="1633822" y="2962396"/>
               <a:ext cx="63202" cy="63202"/>
             </a:xfrm>
             <a:custGeom>
@@ -3004,7 +3004,7 @@
           </p:nvSpPr>
           <p:spPr>
             <a:xfrm>
-              <a:off x="2959493" y="6609832"/>
+              <a:off x="2684332" y="6609957"/>
               <a:ext cx="63202" cy="63202"/>
             </a:xfrm>
             <a:custGeom>
@@ -3047,7 +3047,7 @@
           </p:nvSpPr>
           <p:spPr>
             <a:xfrm>
-              <a:off x="1630152" y="2962554"/>
+              <a:off x="1566864" y="2962364"/>
               <a:ext cx="63202" cy="63202"/>
             </a:xfrm>
             <a:custGeom>
@@ -3090,7 +3090,7 @@
           </p:nvSpPr>
           <p:spPr>
             <a:xfrm>
-              <a:off x="2345936" y="5826614"/>
+              <a:off x="2321360" y="5826490"/>
               <a:ext cx="63202" cy="63202"/>
             </a:xfrm>
             <a:custGeom>
@@ -3133,7 +3133,7 @@
           </p:nvSpPr>
           <p:spPr>
             <a:xfrm>
-              <a:off x="1926768" y="4899387"/>
+              <a:off x="1632433" y="4899591"/>
               <a:ext cx="63202" cy="63202"/>
             </a:xfrm>
             <a:custGeom>
@@ -3176,7 +3176,7 @@
           </p:nvSpPr>
           <p:spPr>
             <a:xfrm>
-              <a:off x="1702123" y="3992127"/>
+              <a:off x="1690695" y="3991622"/>
               <a:ext cx="63202" cy="63202"/>
             </a:xfrm>
             <a:custGeom>
@@ -3219,7 +3219,7 @@
           </p:nvSpPr>
           <p:spPr>
             <a:xfrm>
-              <a:off x="2209106" y="6404704"/>
+              <a:off x="2095698" y="6404773"/>
               <a:ext cx="63202" cy="63202"/>
             </a:xfrm>
             <a:custGeom>
@@ -3262,7 +3262,7 @@
           </p:nvSpPr>
           <p:spPr>
             <a:xfrm>
-              <a:off x="2601429" y="6453175"/>
+              <a:off x="2736281" y="6453420"/>
               <a:ext cx="63202" cy="63202"/>
             </a:xfrm>
             <a:custGeom>
@@ -3305,7 +3305,7 @@
           </p:nvSpPr>
           <p:spPr>
             <a:xfrm>
-              <a:off x="1565382" y="3023844"/>
+              <a:off x="1770118" y="3023538"/>
               <a:ext cx="63202" cy="63202"/>
             </a:xfrm>
             <a:custGeom>
@@ -3348,7 +3348,7 @@
           </p:nvSpPr>
           <p:spPr>
             <a:xfrm>
-              <a:off x="1655798" y="3004517"/>
+              <a:off x="1829810" y="3004541"/>
               <a:ext cx="63202" cy="63202"/>
             </a:xfrm>
             <a:custGeom>
@@ -3391,7 +3391,7 @@
           </p:nvSpPr>
           <p:spPr>
             <a:xfrm>
-              <a:off x="1942817" y="2993826"/>
+              <a:off x="1534034" y="2993753"/>
               <a:ext cx="63202" cy="63202"/>
             </a:xfrm>
             <a:custGeom>
@@ -3434,7 +3434,7 @@
           </p:nvSpPr>
           <p:spPr>
             <a:xfrm>
-              <a:off x="1887421" y="4257109"/>
+              <a:off x="1621442" y="4257122"/>
               <a:ext cx="63202" cy="63202"/>
             </a:xfrm>
             <a:custGeom>
@@ -4269,7 +4269,7 @@
           </p:nvSpPr>
           <p:spPr>
             <a:xfrm>
-              <a:off x="3179228" y="6453847"/>
+              <a:off x="3179228" y="6453815"/>
               <a:ext cx="1650203" cy="0"/>
             </a:xfrm>
             <a:custGeom>
@@ -4312,7 +4312,7 @@
           </p:nvSpPr>
           <p:spPr>
             <a:xfrm>
-              <a:off x="3179228" y="5063269"/>
+              <a:off x="3179228" y="5063146"/>
               <a:ext cx="1650203" cy="0"/>
             </a:xfrm>
             <a:custGeom>
@@ -4355,7 +4355,7 @@
           </p:nvSpPr>
           <p:spPr>
             <a:xfrm>
-              <a:off x="3179228" y="3672690"/>
+              <a:off x="3179228" y="3672478"/>
               <a:ext cx="1650203" cy="0"/>
             </a:xfrm>
             <a:custGeom>
@@ -4398,7 +4398,7 @@
           </p:nvSpPr>
           <p:spPr>
             <a:xfrm>
-              <a:off x="3179228" y="2282111"/>
+              <a:off x="3179228" y="2281810"/>
               <a:ext cx="1650203" cy="0"/>
             </a:xfrm>
             <a:custGeom>
@@ -4441,7 +4441,7 @@
           </p:nvSpPr>
           <p:spPr>
             <a:xfrm>
-              <a:off x="3179228" y="5758558"/>
+              <a:off x="3179228" y="5758481"/>
               <a:ext cx="1650203" cy="0"/>
             </a:xfrm>
             <a:custGeom>
@@ -4484,7 +4484,7 @@
           </p:nvSpPr>
           <p:spPr>
             <a:xfrm>
-              <a:off x="3179228" y="4367979"/>
+              <a:off x="3179228" y="4367812"/>
               <a:ext cx="1650203" cy="0"/>
             </a:xfrm>
             <a:custGeom>
@@ -4527,7 +4527,7 @@
           </p:nvSpPr>
           <p:spPr>
             <a:xfrm>
-              <a:off x="3179228" y="2977401"/>
+              <a:off x="3179228" y="2977144"/>
               <a:ext cx="1650203" cy="0"/>
             </a:xfrm>
             <a:custGeom>
@@ -4570,7 +4570,7 @@
           </p:nvSpPr>
           <p:spPr>
             <a:xfrm>
-              <a:off x="3179228" y="1586822"/>
+              <a:off x="3179228" y="1586475"/>
               <a:ext cx="1650203" cy="0"/>
             </a:xfrm>
             <a:custGeom>
@@ -4742,7 +4742,7 @@
           </p:nvSpPr>
           <p:spPr>
             <a:xfrm>
-              <a:off x="3281718" y="3632323"/>
+              <a:off x="3622833" y="3632096"/>
               <a:ext cx="63202" cy="63202"/>
             </a:xfrm>
             <a:custGeom>
@@ -4785,7 +4785,7 @@
           </p:nvSpPr>
           <p:spPr>
             <a:xfrm>
-              <a:off x="3517899" y="3359193"/>
+              <a:off x="3535523" y="3359000"/>
               <a:ext cx="63202" cy="63202"/>
             </a:xfrm>
             <a:custGeom>
@@ -4828,7 +4828,7 @@
           </p:nvSpPr>
           <p:spPr>
             <a:xfrm>
-              <a:off x="3578474" y="3771033"/>
+              <a:off x="3273964" y="3770533"/>
               <a:ext cx="63202" cy="63202"/>
             </a:xfrm>
             <a:custGeom>
@@ -4871,7 +4871,7 @@
           </p:nvSpPr>
           <p:spPr>
             <a:xfrm>
-              <a:off x="3302205" y="3503532"/>
+              <a:off x="3650401" y="3503153"/>
               <a:ext cx="63202" cy="63202"/>
             </a:xfrm>
             <a:custGeom>
@@ -4914,7 +4914,7 @@
           </p:nvSpPr>
           <p:spPr>
             <a:xfrm>
-              <a:off x="3853318" y="5727520"/>
+              <a:off x="3911472" y="5727420"/>
               <a:ext cx="63202" cy="63202"/>
             </a:xfrm>
             <a:custGeom>
@@ -4957,7 +4957,7 @@
           </p:nvSpPr>
           <p:spPr>
             <a:xfrm>
-              <a:off x="3287143" y="4494464"/>
+              <a:off x="3367006" y="4494245"/>
               <a:ext cx="63202" cy="63202"/>
             </a:xfrm>
             <a:custGeom>
@@ -5000,7 +5000,7 @@
           </p:nvSpPr>
           <p:spPr>
             <a:xfrm>
-              <a:off x="3543987" y="3631538"/>
+              <a:off x="3349351" y="3631094"/>
               <a:ext cx="63202" cy="63202"/>
             </a:xfrm>
             <a:custGeom>
@@ -5043,7 +5043,7 @@
           </p:nvSpPr>
           <p:spPr>
             <a:xfrm>
-              <a:off x="3551760" y="3499853"/>
+              <a:off x="3402557" y="3499656"/>
               <a:ext cx="63202" cy="63202"/>
             </a:xfrm>
             <a:custGeom>
@@ -5086,7 +5086,7 @@
           </p:nvSpPr>
           <p:spPr>
             <a:xfrm>
-              <a:off x="3580662" y="3594585"/>
+              <a:off x="3499220" y="3594541"/>
               <a:ext cx="63202" cy="63202"/>
             </a:xfrm>
             <a:custGeom>
@@ -5129,7 +5129,7 @@
           </p:nvSpPr>
           <p:spPr>
             <a:xfrm>
-              <a:off x="3358261" y="4455520"/>
+              <a:off x="3649541" y="4455421"/>
               <a:ext cx="63202" cy="63202"/>
             </a:xfrm>
             <a:custGeom>
@@ -5172,7 +5172,7 @@
           </p:nvSpPr>
           <p:spPr>
             <a:xfrm>
-              <a:off x="3777483" y="6016570"/>
+              <a:off x="3877533" y="6016432"/>
               <a:ext cx="63202" cy="63202"/>
             </a:xfrm>
             <a:custGeom>
@@ -5215,7 +5215,7 @@
           </p:nvSpPr>
           <p:spPr>
             <a:xfrm>
-              <a:off x="3361703" y="4360445"/>
+              <a:off x="3653854" y="4360306"/>
               <a:ext cx="63202" cy="63202"/>
             </a:xfrm>
             <a:custGeom>
@@ -5258,7 +5258,7 @@
           </p:nvSpPr>
           <p:spPr>
             <a:xfrm>
-              <a:off x="3574568" y="4500871"/>
+              <a:off x="3653345" y="4500648"/>
               <a:ext cx="63202" cy="63202"/>
             </a:xfrm>
             <a:custGeom>
@@ -5301,7 +5301,7 @@
           </p:nvSpPr>
           <p:spPr>
             <a:xfrm>
-              <a:off x="3555057" y="4745274"/>
+              <a:off x="3453517" y="4745164"/>
               <a:ext cx="63202" cy="63202"/>
             </a:xfrm>
             <a:custGeom>
@@ -5344,7 +5344,7 @@
           </p:nvSpPr>
           <p:spPr>
             <a:xfrm>
-              <a:off x="3306898" y="4349351"/>
+              <a:off x="3278686" y="4349131"/>
               <a:ext cx="63202" cy="63202"/>
             </a:xfrm>
             <a:custGeom>
@@ -5387,7 +5387,7 @@
           </p:nvSpPr>
           <p:spPr>
             <a:xfrm>
-              <a:off x="3276254" y="3766993"/>
+              <a:off x="3537329" y="3766784"/>
               <a:ext cx="63202" cy="63202"/>
             </a:xfrm>
             <a:custGeom>
@@ -5430,7 +5430,7 @@
           </p:nvSpPr>
           <p:spPr>
             <a:xfrm>
-              <a:off x="4427098" y="6627576"/>
+              <a:off x="4533350" y="6627565"/>
               <a:ext cx="63202" cy="63202"/>
             </a:xfrm>
             <a:custGeom>
@@ -5473,7 +5473,7 @@
           </p:nvSpPr>
           <p:spPr>
             <a:xfrm>
-              <a:off x="3411672" y="4138014"/>
+              <a:off x="3472273" y="4137700"/>
               <a:ext cx="63202" cy="63202"/>
             </a:xfrm>
             <a:custGeom>
@@ -5516,7 +5516,7 @@
           </p:nvSpPr>
           <p:spPr>
             <a:xfrm>
-              <a:off x="3596647" y="3984919"/>
+              <a:off x="3366097" y="3984703"/>
               <a:ext cx="63202" cy="63202"/>
             </a:xfrm>
             <a:custGeom>
@@ -5559,7 +5559,7 @@
           </p:nvSpPr>
           <p:spPr>
             <a:xfrm>
-              <a:off x="3511304" y="3632143"/>
+              <a:off x="3658066" y="3632224"/>
               <a:ext cx="63202" cy="63202"/>
             </a:xfrm>
             <a:custGeom>
@@ -5602,7 +5602,7 @@
           </p:nvSpPr>
           <p:spPr>
             <a:xfrm>
-              <a:off x="3422783" y="5555761"/>
+              <a:off x="3536756" y="5555731"/>
               <a:ext cx="63202" cy="63202"/>
             </a:xfrm>
             <a:custGeom>
@@ -5645,7 +5645,7 @@
           </p:nvSpPr>
           <p:spPr>
             <a:xfrm>
-              <a:off x="3545321" y="4299921"/>
+              <a:off x="3497327" y="4299742"/>
               <a:ext cx="63202" cy="63202"/>
             </a:xfrm>
             <a:custGeom>
@@ -5688,7 +5688,7 @@
           </p:nvSpPr>
           <p:spPr>
             <a:xfrm>
-              <a:off x="3590244" y="4500972"/>
+              <a:off x="3387397" y="4500614"/>
               <a:ext cx="63202" cy="63202"/>
             </a:xfrm>
             <a:custGeom>
@@ -5731,7 +5731,7 @@
           </p:nvSpPr>
           <p:spPr>
             <a:xfrm>
-              <a:off x="3318103" y="5374956"/>
+              <a:off x="3609757" y="5374932"/>
               <a:ext cx="63202" cy="63202"/>
             </a:xfrm>
             <a:custGeom>
@@ -5774,7 +5774,7 @@
           </p:nvSpPr>
           <p:spPr>
             <a:xfrm>
-              <a:off x="3540134" y="3632121"/>
+              <a:off x="3613484" y="3631948"/>
               <a:ext cx="63202" cy="63202"/>
             </a:xfrm>
             <a:custGeom>
@@ -5817,7 +5817,7 @@
           </p:nvSpPr>
           <p:spPr>
             <a:xfrm>
-              <a:off x="3583141" y="4354367"/>
+              <a:off x="3468843" y="4354445"/>
               <a:ext cx="63202" cy="63202"/>
             </a:xfrm>
             <a:custGeom>
@@ -5860,7 +5860,7 @@
           </p:nvSpPr>
           <p:spPr>
             <a:xfrm>
-              <a:off x="3515529" y="4324305"/>
+              <a:off x="3555925" y="4324033"/>
               <a:ext cx="63202" cy="63202"/>
             </a:xfrm>
             <a:custGeom>
@@ -5903,7 +5903,7 @@
           </p:nvSpPr>
           <p:spPr>
             <a:xfrm>
-              <a:off x="3315532" y="5171092"/>
+              <a:off x="3630206" y="5170953"/>
               <a:ext cx="63202" cy="63202"/>
             </a:xfrm>
             <a:custGeom>
@@ -5946,7 +5946,7 @@
           </p:nvSpPr>
           <p:spPr>
             <a:xfrm>
-              <a:off x="3534011" y="3672998"/>
+              <a:off x="3543275" y="3672916"/>
               <a:ext cx="63202" cy="63202"/>
             </a:xfrm>
             <a:custGeom>
@@ -5989,7 +5989,7 @@
           </p:nvSpPr>
           <p:spPr>
             <a:xfrm>
-              <a:off x="3543998" y="3815362"/>
+              <a:off x="3552780" y="3815082"/>
               <a:ext cx="63202" cy="63202"/>
             </a:xfrm>
             <a:custGeom>
@@ -6032,7 +6032,7 @@
           </p:nvSpPr>
           <p:spPr>
             <a:xfrm>
-              <a:off x="3356861" y="3803680"/>
+              <a:off x="3536463" y="3803672"/>
               <a:ext cx="63202" cy="63202"/>
             </a:xfrm>
             <a:custGeom>
@@ -6075,7 +6075,7 @@
           </p:nvSpPr>
           <p:spPr>
             <a:xfrm>
-              <a:off x="3387839" y="3794459"/>
+              <a:off x="3295906" y="3794150"/>
               <a:ext cx="63202" cy="63202"/>
             </a:xfrm>
             <a:custGeom>
@@ -6118,7 +6118,7 @@
           </p:nvSpPr>
           <p:spPr>
             <a:xfrm>
-              <a:off x="3650685" y="3795099"/>
+              <a:off x="3533303" y="3794864"/>
               <a:ext cx="63202" cy="63202"/>
             </a:xfrm>
             <a:custGeom>
@@ -6161,7 +6161,7 @@
           </p:nvSpPr>
           <p:spPr>
             <a:xfrm>
-              <a:off x="3538141" y="3821584"/>
+              <a:off x="3592899" y="3821045"/>
               <a:ext cx="63202" cy="63202"/>
             </a:xfrm>
             <a:custGeom>
@@ -6204,7 +6204,7 @@
           </p:nvSpPr>
           <p:spPr>
             <a:xfrm>
-              <a:off x="3325422" y="3899832"/>
+              <a:off x="3487382" y="3899359"/>
               <a:ext cx="63202" cy="63202"/>
             </a:xfrm>
             <a:custGeom>
@@ -6247,7 +6247,7 @@
           </p:nvSpPr>
           <p:spPr>
             <a:xfrm>
-              <a:off x="3591096" y="4274271"/>
+              <a:off x="3381944" y="4273911"/>
               <a:ext cx="63202" cy="63202"/>
             </a:xfrm>
             <a:custGeom>
@@ -6290,7 +6290,7 @@
           </p:nvSpPr>
           <p:spPr>
             <a:xfrm>
-              <a:off x="3346443" y="4253531"/>
+              <a:off x="3291046" y="4253259"/>
               <a:ext cx="63202" cy="63202"/>
             </a:xfrm>
             <a:custGeom>
@@ -6333,7 +6333,7 @@
           </p:nvSpPr>
           <p:spPr>
             <a:xfrm>
-              <a:off x="3618852" y="3770749"/>
+              <a:off x="3420737" y="3770504"/>
               <a:ext cx="63202" cy="63202"/>
             </a:xfrm>
             <a:custGeom>
@@ -6376,7 +6376,7 @@
           </p:nvSpPr>
           <p:spPr>
             <a:xfrm>
-              <a:off x="3554323" y="4856629"/>
+              <a:off x="3408667" y="4856297"/>
               <a:ext cx="63202" cy="63202"/>
             </a:xfrm>
             <a:custGeom>
@@ -6419,7 +6419,7 @@
           </p:nvSpPr>
           <p:spPr>
             <a:xfrm>
-              <a:off x="3288315" y="4372638"/>
+              <a:off x="3404673" y="4372350"/>
               <a:ext cx="63202" cy="63202"/>
             </a:xfrm>
             <a:custGeom>
@@ -6462,7 +6462,7 @@
           </p:nvSpPr>
           <p:spPr>
             <a:xfrm>
-              <a:off x="3458707" y="3775368"/>
+              <a:off x="3552104" y="3775229"/>
               <a:ext cx="63202" cy="63202"/>
             </a:xfrm>
             <a:custGeom>
@@ -6505,7 +6505,7 @@
           </p:nvSpPr>
           <p:spPr>
             <a:xfrm>
-              <a:off x="3598212" y="3774892"/>
+              <a:off x="3505538" y="3774763"/>
               <a:ext cx="63202" cy="63202"/>
             </a:xfrm>
             <a:custGeom>
@@ -6548,7 +6548,7 @@
           </p:nvSpPr>
           <p:spPr>
             <a:xfrm>
-              <a:off x="3653123" y="3750064"/>
+              <a:off x="3401331" y="3749735"/>
               <a:ext cx="63202" cy="63202"/>
             </a:xfrm>
             <a:custGeom>
@@ -6591,7 +6591,7 @@
           </p:nvSpPr>
           <p:spPr>
             <a:xfrm>
-              <a:off x="3647775" y="3797836"/>
+              <a:off x="3331103" y="3797497"/>
               <a:ext cx="63202" cy="63202"/>
             </a:xfrm>
             <a:custGeom>
@@ -6634,7 +6634,7 @@
           </p:nvSpPr>
           <p:spPr>
             <a:xfrm>
-              <a:off x="3605706" y="3503595"/>
+              <a:off x="3390837" y="3503230"/>
               <a:ext cx="63202" cy="63202"/>
             </a:xfrm>
             <a:custGeom>
@@ -8803,7 +8803,7 @@
           </p:nvSpPr>
           <p:spPr>
             <a:xfrm>
-              <a:off x="4899021" y="6453847"/>
+              <a:off x="4899021" y="6453815"/>
               <a:ext cx="1650203" cy="0"/>
             </a:xfrm>
             <a:custGeom>
@@ -8846,7 +8846,7 @@
           </p:nvSpPr>
           <p:spPr>
             <a:xfrm>
-              <a:off x="4899021" y="5063269"/>
+              <a:off x="4899021" y="5063146"/>
               <a:ext cx="1650203" cy="0"/>
             </a:xfrm>
             <a:custGeom>
@@ -8889,7 +8889,7 @@
           </p:nvSpPr>
           <p:spPr>
             <a:xfrm>
-              <a:off x="4899021" y="3672690"/>
+              <a:off x="4899021" y="3672478"/>
               <a:ext cx="1650203" cy="0"/>
             </a:xfrm>
             <a:custGeom>
@@ -8932,7 +8932,7 @@
           </p:nvSpPr>
           <p:spPr>
             <a:xfrm>
-              <a:off x="4899021" y="2282111"/>
+              <a:off x="4899021" y="2281810"/>
               <a:ext cx="1650203" cy="0"/>
             </a:xfrm>
             <a:custGeom>
@@ -8975,7 +8975,7 @@
           </p:nvSpPr>
           <p:spPr>
             <a:xfrm>
-              <a:off x="4899021" y="5758558"/>
+              <a:off x="4899021" y="5758481"/>
               <a:ext cx="1650203" cy="0"/>
             </a:xfrm>
             <a:custGeom>
@@ -9018,7 +9018,7 @@
           </p:nvSpPr>
           <p:spPr>
             <a:xfrm>
-              <a:off x="4899021" y="4367979"/>
+              <a:off x="4899021" y="4367812"/>
               <a:ext cx="1650203" cy="0"/>
             </a:xfrm>
             <a:custGeom>
@@ -9061,7 +9061,7 @@
           </p:nvSpPr>
           <p:spPr>
             <a:xfrm>
-              <a:off x="4899021" y="2977401"/>
+              <a:off x="4899021" y="2977144"/>
               <a:ext cx="1650203" cy="0"/>
             </a:xfrm>
             <a:custGeom>
@@ -9104,7 +9104,7 @@
           </p:nvSpPr>
           <p:spPr>
             <a:xfrm>
-              <a:off x="4899021" y="1586822"/>
+              <a:off x="4899021" y="1586475"/>
               <a:ext cx="1650203" cy="0"/>
             </a:xfrm>
             <a:custGeom>
@@ -9276,7 +9276,7 @@
           </p:nvSpPr>
           <p:spPr>
             <a:xfrm>
-              <a:off x="5628181" y="5941938"/>
+              <a:off x="5689538" y="5942081"/>
               <a:ext cx="63202" cy="63202"/>
             </a:xfrm>
             <a:custGeom>
@@ -9319,7 +9319,7 @@
           </p:nvSpPr>
           <p:spPr>
             <a:xfrm>
-              <a:off x="5348192" y="1641734"/>
+              <a:off x="5274340" y="1641734"/>
               <a:ext cx="63202" cy="63202"/>
             </a:xfrm>
             <a:custGeom>
@@ -9362,7 +9362,7 @@
           </p:nvSpPr>
           <p:spPr>
             <a:xfrm>
-              <a:off x="5218557" y="2597822"/>
+              <a:off x="4998402" y="2597565"/>
               <a:ext cx="63202" cy="63202"/>
             </a:xfrm>
             <a:custGeom>
@@ -9405,7 +9405,7 @@
           </p:nvSpPr>
           <p:spPr>
             <a:xfrm>
-              <a:off x="5376085" y="2177190"/>
+              <a:off x="4998754" y="2177109"/>
               <a:ext cx="63202" cy="63202"/>
             </a:xfrm>
             <a:custGeom>
@@ -9448,7 +9448,7 @@
           </p:nvSpPr>
           <p:spPr>
             <a:xfrm>
-              <a:off x="5318226" y="2614493"/>
+              <a:off x="5123553" y="2614267"/>
               <a:ext cx="63202" cy="63202"/>
             </a:xfrm>
             <a:custGeom>
@@ -9491,7 +9491,7 @@
           </p:nvSpPr>
           <p:spPr>
             <a:xfrm>
-              <a:off x="5553383" y="6088858"/>
+              <a:off x="5600690" y="6088874"/>
               <a:ext cx="63202" cy="63202"/>
             </a:xfrm>
             <a:custGeom>
@@ -9534,7 +9534,7 @@
           </p:nvSpPr>
           <p:spPr>
             <a:xfrm>
-              <a:off x="6024985" y="6634049"/>
+              <a:off x="6159394" y="6634049"/>
               <a:ext cx="63202" cy="63202"/>
             </a:xfrm>
             <a:custGeom>
@@ -9577,7 +9577,7 @@
           </p:nvSpPr>
           <p:spPr>
             <a:xfrm>
-              <a:off x="5116840" y="5639367"/>
+              <a:off x="5079963" y="5639204"/>
               <a:ext cx="63202" cy="63202"/>
             </a:xfrm>
             <a:custGeom>
@@ -9620,7 +9620,7 @@
           </p:nvSpPr>
           <p:spPr>
             <a:xfrm>
-              <a:off x="5079590" y="4825218"/>
+              <a:off x="5005975" y="4825155"/>
               <a:ext cx="63202" cy="63202"/>
             </a:xfrm>
             <a:custGeom>
@@ -9663,7 +9663,7 @@
           </p:nvSpPr>
           <p:spPr>
             <a:xfrm>
-              <a:off x="5809815" y="6085785"/>
+              <a:off x="5869621" y="6085754"/>
               <a:ext cx="63202" cy="63202"/>
             </a:xfrm>
             <a:custGeom>
@@ -9706,7 +9706,7 @@
           </p:nvSpPr>
           <p:spPr>
             <a:xfrm>
-              <a:off x="5314862" y="3691688"/>
+              <a:off x="5229471" y="3691285"/>
               <a:ext cx="63202" cy="63202"/>
             </a:xfrm>
             <a:custGeom>
@@ -9749,7 +9749,7 @@
           </p:nvSpPr>
           <p:spPr>
             <a:xfrm>
-              <a:off x="5027226" y="3565675"/>
+              <a:off x="5062633" y="3565490"/>
               <a:ext cx="63202" cy="63202"/>
             </a:xfrm>
             <a:custGeom>
@@ -9792,7 +9792,7 @@
           </p:nvSpPr>
           <p:spPr>
             <a:xfrm>
-              <a:off x="6404424" y="6620476"/>
+              <a:off x="6213279" y="6620711"/>
               <a:ext cx="63202" cy="63202"/>
             </a:xfrm>
             <a:custGeom>
@@ -9835,7 +9835,7 @@
           </p:nvSpPr>
           <p:spPr>
             <a:xfrm>
-              <a:off x="5698664" y="6042538"/>
+              <a:off x="5784040" y="6042555"/>
               <a:ext cx="63202" cy="63202"/>
             </a:xfrm>
             <a:custGeom>
@@ -9878,7 +9878,7 @@
           </p:nvSpPr>
           <p:spPr>
             <a:xfrm>
-              <a:off x="5767716" y="5745340"/>
+              <a:off x="5595797" y="5745559"/>
               <a:ext cx="63202" cy="63202"/>
             </a:xfrm>
             <a:custGeom>
@@ -10667,7 +10667,7 @@
           </p:nvSpPr>
           <p:spPr>
             <a:xfrm>
-              <a:off x="6618814" y="6453847"/>
+              <a:off x="6618814" y="6453815"/>
               <a:ext cx="1650203" cy="0"/>
             </a:xfrm>
             <a:custGeom>
@@ -10710,7 +10710,7 @@
           </p:nvSpPr>
           <p:spPr>
             <a:xfrm>
-              <a:off x="6618814" y="5063269"/>
+              <a:off x="6618814" y="5063146"/>
               <a:ext cx="1650203" cy="0"/>
             </a:xfrm>
             <a:custGeom>
@@ -10753,7 +10753,7 @@
           </p:nvSpPr>
           <p:spPr>
             <a:xfrm>
-              <a:off x="6618814" y="3672690"/>
+              <a:off x="6618814" y="3672478"/>
               <a:ext cx="1650203" cy="0"/>
             </a:xfrm>
             <a:custGeom>
@@ -10796,7 +10796,7 @@
           </p:nvSpPr>
           <p:spPr>
             <a:xfrm>
-              <a:off x="6618814" y="2282111"/>
+              <a:off x="6618814" y="2281810"/>
               <a:ext cx="1650203" cy="0"/>
             </a:xfrm>
             <a:custGeom>
@@ -10839,7 +10839,7 @@
           </p:nvSpPr>
           <p:spPr>
             <a:xfrm>
-              <a:off x="6618814" y="5758558"/>
+              <a:off x="6618814" y="5758481"/>
               <a:ext cx="1650203" cy="0"/>
             </a:xfrm>
             <a:custGeom>
@@ -10882,7 +10882,7 @@
           </p:nvSpPr>
           <p:spPr>
             <a:xfrm>
-              <a:off x="6618814" y="4367979"/>
+              <a:off x="6618814" y="4367812"/>
               <a:ext cx="1650203" cy="0"/>
             </a:xfrm>
             <a:custGeom>
@@ -10925,7 +10925,7 @@
           </p:nvSpPr>
           <p:spPr>
             <a:xfrm>
-              <a:off x="6618814" y="2977401"/>
+              <a:off x="6618814" y="2977144"/>
               <a:ext cx="1650203" cy="0"/>
             </a:xfrm>
             <a:custGeom>
@@ -10968,7 +10968,7 @@
           </p:nvSpPr>
           <p:spPr>
             <a:xfrm>
-              <a:off x="6618814" y="1586822"/>
+              <a:off x="6618814" y="1586475"/>
               <a:ext cx="1650203" cy="0"/>
             </a:xfrm>
             <a:custGeom>
@@ -11140,7 +11140,7 @@
           </p:nvSpPr>
           <p:spPr>
             <a:xfrm>
-              <a:off x="7528747" y="5729305"/>
+              <a:off x="7490892" y="5729348"/>
               <a:ext cx="63202" cy="63202"/>
             </a:xfrm>
             <a:custGeom>
@@ -11183,7 +11183,7 @@
           </p:nvSpPr>
           <p:spPr>
             <a:xfrm>
-              <a:off x="6845631" y="5208415"/>
+              <a:off x="6703323" y="5208198"/>
               <a:ext cx="63202" cy="63202"/>
             </a:xfrm>
             <a:custGeom>
@@ -11226,7 +11226,7 @@
           </p:nvSpPr>
           <p:spPr>
             <a:xfrm>
-              <a:off x="6998352" y="5525456"/>
+              <a:off x="6971966" y="5525262"/>
               <a:ext cx="63202" cy="63202"/>
             </a:xfrm>
             <a:custGeom>
@@ -11269,7 +11269,7 @@
           </p:nvSpPr>
           <p:spPr>
             <a:xfrm>
-              <a:off x="7773570" y="6548657"/>
+              <a:off x="7734151" y="6548778"/>
               <a:ext cx="63202" cy="63202"/>
             </a:xfrm>
             <a:custGeom>
@@ -11598,7 +11598,7 @@
           </p:nvSpPr>
           <p:spPr>
             <a:xfrm>
-              <a:off x="8338607" y="6453847"/>
+              <a:off x="8338607" y="6453815"/>
               <a:ext cx="1650203" cy="0"/>
             </a:xfrm>
             <a:custGeom>
@@ -11641,7 +11641,7 @@
           </p:nvSpPr>
           <p:spPr>
             <a:xfrm>
-              <a:off x="8338607" y="5063269"/>
+              <a:off x="8338607" y="5063146"/>
               <a:ext cx="1650203" cy="0"/>
             </a:xfrm>
             <a:custGeom>
@@ -11684,7 +11684,7 @@
           </p:nvSpPr>
           <p:spPr>
             <a:xfrm>
-              <a:off x="8338607" y="3672690"/>
+              <a:off x="8338607" y="3672478"/>
               <a:ext cx="1650203" cy="0"/>
             </a:xfrm>
             <a:custGeom>
@@ -11727,7 +11727,7 @@
           </p:nvSpPr>
           <p:spPr>
             <a:xfrm>
-              <a:off x="8338607" y="2282111"/>
+              <a:off x="8338607" y="2281810"/>
               <a:ext cx="1650203" cy="0"/>
             </a:xfrm>
             <a:custGeom>
@@ -11770,7 +11770,7 @@
           </p:nvSpPr>
           <p:spPr>
             <a:xfrm>
-              <a:off x="8338607" y="5758558"/>
+              <a:off x="8338607" y="5758481"/>
               <a:ext cx="1650203" cy="0"/>
             </a:xfrm>
             <a:custGeom>
@@ -11813,7 +11813,7 @@
           </p:nvSpPr>
           <p:spPr>
             <a:xfrm>
-              <a:off x="8338607" y="4367979"/>
+              <a:off x="8338607" y="4367812"/>
               <a:ext cx="1650203" cy="0"/>
             </a:xfrm>
             <a:custGeom>
@@ -11856,7 +11856,7 @@
           </p:nvSpPr>
           <p:spPr>
             <a:xfrm>
-              <a:off x="8338607" y="2977401"/>
+              <a:off x="8338607" y="2977144"/>
               <a:ext cx="1650203" cy="0"/>
             </a:xfrm>
             <a:custGeom>
@@ -11899,7 +11899,7 @@
           </p:nvSpPr>
           <p:spPr>
             <a:xfrm>
-              <a:off x="8338607" y="1586822"/>
+              <a:off x="8338607" y="1586475"/>
               <a:ext cx="1650203" cy="0"/>
             </a:xfrm>
             <a:custGeom>
@@ -12071,7 +12071,7 @@
           </p:nvSpPr>
           <p:spPr>
             <a:xfrm>
-              <a:off x="8540555" y="2127323"/>
+              <a:off x="8467161" y="2126945"/>
               <a:ext cx="63202" cy="63202"/>
             </a:xfrm>
             <a:custGeom>
@@ -12114,7 +12114,7 @@
           </p:nvSpPr>
           <p:spPr>
             <a:xfrm>
-              <a:off x="8683402" y="2084190"/>
+              <a:off x="8565011" y="2083818"/>
               <a:ext cx="63202" cy="63202"/>
             </a:xfrm>
             <a:custGeom>
@@ -12157,7 +12157,7 @@
           </p:nvSpPr>
           <p:spPr>
             <a:xfrm>
-              <a:off x="8483708" y="2027677"/>
+              <a:off x="8572861" y="2027419"/>
               <a:ext cx="63202" cy="63202"/>
             </a:xfrm>
             <a:custGeom>
@@ -12200,7 +12200,7 @@
           </p:nvSpPr>
           <p:spPr>
             <a:xfrm>
-              <a:off x="8818954" y="5564792"/>
+              <a:off x="8539676" y="5564533"/>
               <a:ext cx="63202" cy="63202"/>
             </a:xfrm>
             <a:custGeom>
@@ -12243,7 +12243,7 @@
           </p:nvSpPr>
           <p:spPr>
             <a:xfrm>
-              <a:off x="8772030" y="4909719"/>
+              <a:off x="8422102" y="4909703"/>
               <a:ext cx="63202" cy="63202"/>
             </a:xfrm>
             <a:custGeom>
@@ -12286,7 +12286,7 @@
           </p:nvSpPr>
           <p:spPr>
             <a:xfrm>
-              <a:off x="9169613" y="6056150"/>
+              <a:off x="8997940" y="6056091"/>
               <a:ext cx="63202" cy="63202"/>
             </a:xfrm>
             <a:custGeom>
@@ -12329,7 +12329,7 @@
           </p:nvSpPr>
           <p:spPr>
             <a:xfrm>
-              <a:off x="9227752" y="6313362"/>
+              <a:off x="9111288" y="6313137"/>
               <a:ext cx="63202" cy="63202"/>
             </a:xfrm>
             <a:custGeom>
@@ -12372,7 +12372,7 @@
           </p:nvSpPr>
           <p:spPr>
             <a:xfrm>
-              <a:off x="8552596" y="4261175"/>
+              <a:off x="8532760" y="4261257"/>
               <a:ext cx="63202" cy="63202"/>
             </a:xfrm>
             <a:custGeom>
@@ -12415,7 +12415,7 @@
           </p:nvSpPr>
           <p:spPr>
             <a:xfrm>
-              <a:off x="9325434" y="6312332"/>
+              <a:off x="9225549" y="6312422"/>
               <a:ext cx="63202" cy="63202"/>
             </a:xfrm>
             <a:custGeom>
@@ -12458,7 +12458,7 @@
           </p:nvSpPr>
           <p:spPr>
             <a:xfrm>
-              <a:off x="8742427" y="4366096"/>
+              <a:off x="8737319" y="4365971"/>
               <a:ext cx="63202" cy="63202"/>
             </a:xfrm>
             <a:custGeom>
@@ -12501,7 +12501,7 @@
           </p:nvSpPr>
           <p:spPr>
             <a:xfrm>
-              <a:off x="8766044" y="4158759"/>
+              <a:off x="8683820" y="4158819"/>
               <a:ext cx="63202" cy="63202"/>
             </a:xfrm>
             <a:custGeom>
@@ -12544,7 +12544,7 @@
           </p:nvSpPr>
           <p:spPr>
             <a:xfrm>
-              <a:off x="8583951" y="5550951"/>
+              <a:off x="8742157" y="5550638"/>
               <a:ext cx="63202" cy="63202"/>
             </a:xfrm>
             <a:custGeom>
@@ -12587,7 +12587,7 @@
           </p:nvSpPr>
           <p:spPr>
             <a:xfrm>
-              <a:off x="8567026" y="4999652"/>
+              <a:off x="8625263" y="4999622"/>
               <a:ext cx="63202" cy="63202"/>
             </a:xfrm>
             <a:custGeom>
@@ -12630,7 +12630,7 @@
           </p:nvSpPr>
           <p:spPr>
             <a:xfrm>
-              <a:off x="8758862" y="4524122"/>
+              <a:off x="8527450" y="4523832"/>
               <a:ext cx="63202" cy="63202"/>
             </a:xfrm>
             <a:custGeom>
@@ -12673,7 +12673,7 @@
           </p:nvSpPr>
           <p:spPr>
             <a:xfrm>
-              <a:off x="9312114" y="6149667"/>
+              <a:off x="9328484" y="6149627"/>
               <a:ext cx="63202" cy="63202"/>
             </a:xfrm>
             <a:custGeom>
@@ -12716,7 +12716,7 @@
           </p:nvSpPr>
           <p:spPr>
             <a:xfrm>
-              <a:off x="9256304" y="6198809"/>
+              <a:off x="9090897" y="6198959"/>
               <a:ext cx="63202" cy="63202"/>
             </a:xfrm>
             <a:custGeom>
@@ -12759,7 +12759,7 @@
           </p:nvSpPr>
           <p:spPr>
             <a:xfrm>
-              <a:off x="8531892" y="4458260"/>
+              <a:off x="8461910" y="4458226"/>
               <a:ext cx="63202" cy="63202"/>
             </a:xfrm>
             <a:custGeom>
@@ -12802,7 +12802,7 @@
           </p:nvSpPr>
           <p:spPr>
             <a:xfrm>
-              <a:off x="8979907" y="6057542"/>
+              <a:off x="9129548" y="6057236"/>
               <a:ext cx="63202" cy="63202"/>
             </a:xfrm>
             <a:custGeom>
@@ -12845,7 +12845,7 @@
           </p:nvSpPr>
           <p:spPr>
             <a:xfrm>
-              <a:off x="8686612" y="2024950"/>
+              <a:off x="8433114" y="2024455"/>
               <a:ext cx="63202" cy="63202"/>
             </a:xfrm>
             <a:custGeom>
@@ -12888,7 +12888,7 @@
           </p:nvSpPr>
           <p:spPr>
             <a:xfrm>
-              <a:off x="8728129" y="5085046"/>
+              <a:off x="8612733" y="5085038"/>
               <a:ext cx="63202" cy="63202"/>
             </a:xfrm>
             <a:custGeom>
@@ -12931,7 +12931,7 @@
           </p:nvSpPr>
           <p:spPr>
             <a:xfrm>
-              <a:off x="8569218" y="4389540"/>
+              <a:off x="8793185" y="4389554"/>
               <a:ext cx="63202" cy="63202"/>
             </a:xfrm>
             <a:custGeom>
@@ -12974,7 +12974,7 @@
           </p:nvSpPr>
           <p:spPr>
             <a:xfrm>
-              <a:off x="9333201" y="6337380"/>
+              <a:off x="8983287" y="6337282"/>
               <a:ext cx="63202" cy="63202"/>
             </a:xfrm>
             <a:custGeom>
@@ -13017,7 +13017,7 @@
           </p:nvSpPr>
           <p:spPr>
             <a:xfrm>
-              <a:off x="8671501" y="5212994"/>
+              <a:off x="8639795" y="5212963"/>
               <a:ext cx="63202" cy="63202"/>
             </a:xfrm>
             <a:custGeom>
@@ -13060,7 +13060,7 @@
           </p:nvSpPr>
           <p:spPr>
             <a:xfrm>
-              <a:off x="8414929" y="5533663"/>
+              <a:off x="8803101" y="5533532"/>
               <a:ext cx="63202" cy="63202"/>
             </a:xfrm>
             <a:custGeom>
@@ -13103,7 +13103,7 @@
           </p:nvSpPr>
           <p:spPr>
             <a:xfrm>
-              <a:off x="8695667" y="3027703"/>
+              <a:off x="8482966" y="3027710"/>
               <a:ext cx="63202" cy="63202"/>
             </a:xfrm>
             <a:custGeom>
@@ -13146,7 +13146,7 @@
           </p:nvSpPr>
           <p:spPr>
             <a:xfrm>
-              <a:off x="8608460" y="5724993"/>
+              <a:off x="8517142" y="5724954"/>
               <a:ext cx="63202" cy="63202"/>
             </a:xfrm>
             <a:custGeom>
@@ -13189,7 +13189,7 @@
           </p:nvSpPr>
           <p:spPr>
             <a:xfrm>
-              <a:off x="8700843" y="1953801"/>
+              <a:off x="8562821" y="1953472"/>
               <a:ext cx="63202" cy="63202"/>
             </a:xfrm>
             <a:custGeom>
@@ -13232,7 +13232,7 @@
           </p:nvSpPr>
           <p:spPr>
             <a:xfrm>
-              <a:off x="8596288" y="1916378"/>
+              <a:off x="8525216" y="1916121"/>
               <a:ext cx="63202" cy="63202"/>
             </a:xfrm>
             <a:custGeom>
@@ -13275,7 +13275,7 @@
           </p:nvSpPr>
           <p:spPr>
             <a:xfrm>
-              <a:off x="8614875" y="4794164"/>
+              <a:off x="8665992" y="4794308"/>
               <a:ext cx="63202" cy="63202"/>
             </a:xfrm>
             <a:custGeom>
@@ -13318,7 +13318,7 @@
           </p:nvSpPr>
           <p:spPr>
             <a:xfrm>
-              <a:off x="8795406" y="4487424"/>
+              <a:off x="8479663" y="4487190"/>
               <a:ext cx="63202" cy="63202"/>
             </a:xfrm>
             <a:custGeom>
@@ -13361,7 +13361,7 @@
           </p:nvSpPr>
           <p:spPr>
             <a:xfrm>
-              <a:off x="8710724" y="1913562"/>
+              <a:off x="8555775" y="1913115"/>
               <a:ext cx="63202" cy="63202"/>
             </a:xfrm>
             <a:custGeom>
@@ -13404,7 +13404,7 @@
           </p:nvSpPr>
           <p:spPr>
             <a:xfrm>
-              <a:off x="9504891" y="6585443"/>
+              <a:off x="9771645" y="6585444"/>
               <a:ext cx="63202" cy="63202"/>
             </a:xfrm>
             <a:custGeom>
@@ -13447,7 +13447,7 @@
           </p:nvSpPr>
           <p:spPr>
             <a:xfrm>
-              <a:off x="8410370" y="4288684"/>
+              <a:off x="8598524" y="4288642"/>
               <a:ext cx="63202" cy="63202"/>
             </a:xfrm>
             <a:custGeom>
@@ -13490,7 +13490,7 @@
           </p:nvSpPr>
           <p:spPr>
             <a:xfrm>
-              <a:off x="8520821" y="3084245"/>
+              <a:off x="8732430" y="3084301"/>
               <a:ext cx="63202" cy="63202"/>
             </a:xfrm>
             <a:custGeom>
@@ -13533,7 +13533,7 @@
           </p:nvSpPr>
           <p:spPr>
             <a:xfrm>
-              <a:off x="8713083" y="3360555"/>
+              <a:off x="8626658" y="3360363"/>
               <a:ext cx="63202" cy="63202"/>
             </a:xfrm>
             <a:custGeom>
@@ -13576,7 +13576,7 @@
           </p:nvSpPr>
           <p:spPr>
             <a:xfrm>
-              <a:off x="8678800" y="2004246"/>
+              <a:off x="8627314" y="2004167"/>
               <a:ext cx="63202" cy="63202"/>
             </a:xfrm>
             <a:custGeom>
@@ -13619,7 +13619,7 @@
           </p:nvSpPr>
           <p:spPr>
             <a:xfrm>
-              <a:off x="8616687" y="1946158"/>
+              <a:off x="8446923" y="1945707"/>
               <a:ext cx="63202" cy="63202"/>
             </a:xfrm>
             <a:custGeom>
@@ -13662,7 +13662,7 @@
           </p:nvSpPr>
           <p:spPr>
             <a:xfrm>
-              <a:off x="8709819" y="2005290"/>
+              <a:off x="8442743" y="2005149"/>
               <a:ext cx="63202" cy="63202"/>
             </a:xfrm>
             <a:custGeom>
@@ -13705,7 +13705,7 @@
           </p:nvSpPr>
           <p:spPr>
             <a:xfrm>
-              <a:off x="8770445" y="2004361"/>
+              <a:off x="8584375" y="2004027"/>
               <a:ext cx="63202" cy="63202"/>
             </a:xfrm>
             <a:custGeom>
@@ -13748,7 +13748,7 @@
           </p:nvSpPr>
           <p:spPr>
             <a:xfrm>
-              <a:off x="8711470" y="1943495"/>
+              <a:off x="8775495" y="1943231"/>
               <a:ext cx="63202" cy="63202"/>
             </a:xfrm>
             <a:custGeom>
@@ -13791,7 +13791,7 @@
           </p:nvSpPr>
           <p:spPr>
             <a:xfrm>
-              <a:off x="8496088" y="3031193"/>
+              <a:off x="8657984" y="3030693"/>
               <a:ext cx="63202" cy="63202"/>
             </a:xfrm>
             <a:custGeom>
@@ -13834,7 +13834,7 @@
           </p:nvSpPr>
           <p:spPr>
             <a:xfrm>
-              <a:off x="8702479" y="3054190"/>
+              <a:off x="8478241" y="3054184"/>
               <a:ext cx="63202" cy="63202"/>
             </a:xfrm>
             <a:custGeom>
@@ -13877,7 +13877,7 @@
           </p:nvSpPr>
           <p:spPr>
             <a:xfrm>
-              <a:off x="8495298" y="5583283"/>
+              <a:off x="8777365" y="5583150"/>
               <a:ext cx="63202" cy="63202"/>
             </a:xfrm>
             <a:custGeom>
@@ -13920,7 +13920,7 @@
           </p:nvSpPr>
           <p:spPr>
             <a:xfrm>
-              <a:off x="8517301" y="2914857"/>
+              <a:off x="8619608" y="2914613"/>
               <a:ext cx="63202" cy="63202"/>
             </a:xfrm>
             <a:custGeom>
@@ -13963,7 +13963,7 @@
           </p:nvSpPr>
           <p:spPr>
             <a:xfrm>
-              <a:off x="8535823" y="2496689"/>
+              <a:off x="8793880" y="2496510"/>
               <a:ext cx="63202" cy="63202"/>
             </a:xfrm>
             <a:custGeom>
@@ -14006,7 +14006,7 @@
           </p:nvSpPr>
           <p:spPr>
             <a:xfrm>
-              <a:off x="8805568" y="2563857"/>
+              <a:off x="8799694" y="2563700"/>
               <a:ext cx="63202" cy="63202"/>
             </a:xfrm>
             <a:custGeom>
@@ -14049,7 +14049,7 @@
           </p:nvSpPr>
           <p:spPr>
             <a:xfrm>
-              <a:off x="8800875" y="5637907"/>
+              <a:off x="8703467" y="5637979"/>
               <a:ext cx="63202" cy="63202"/>
             </a:xfrm>
             <a:custGeom>
@@ -14092,7 +14092,7 @@
           </p:nvSpPr>
           <p:spPr>
             <a:xfrm>
-              <a:off x="8440826" y="2077620"/>
+              <a:off x="8700924" y="2077230"/>
               <a:ext cx="63202" cy="63202"/>
             </a:xfrm>
             <a:custGeom>
@@ -14135,7 +14135,7 @@
           </p:nvSpPr>
           <p:spPr>
             <a:xfrm>
-              <a:off x="8590007" y="2864688"/>
+              <a:off x="8592751" y="2864484"/>
               <a:ext cx="63202" cy="63202"/>
             </a:xfrm>
             <a:custGeom>
@@ -14178,7 +14178,7 @@
           </p:nvSpPr>
           <p:spPr>
             <a:xfrm>
-              <a:off x="8605103" y="2996940"/>
+              <a:off x="8792116" y="2996654"/>
               <a:ext cx="63202" cy="63202"/>
             </a:xfrm>
             <a:custGeom>
@@ -14221,7 +14221,7 @@
           </p:nvSpPr>
           <p:spPr>
             <a:xfrm>
-              <a:off x="8464257" y="1946992"/>
+              <a:off x="8693742" y="1946588"/>
               <a:ext cx="63202" cy="63202"/>
             </a:xfrm>
             <a:custGeom>
@@ -14264,7 +14264,7 @@
           </p:nvSpPr>
           <p:spPr>
             <a:xfrm>
-              <a:off x="8714014" y="1960279"/>
+              <a:off x="8536207" y="1959904"/>
               <a:ext cx="63202" cy="63202"/>
             </a:xfrm>
             <a:custGeom>
@@ -14307,7 +14307,7 @@
           </p:nvSpPr>
           <p:spPr>
             <a:xfrm>
-              <a:off x="8541166" y="2396077"/>
+              <a:off x="8477628" y="2395868"/>
               <a:ext cx="63202" cy="63202"/>
             </a:xfrm>
             <a:custGeom>
@@ -14350,7 +14350,7 @@
           </p:nvSpPr>
           <p:spPr>
             <a:xfrm>
-              <a:off x="8554627" y="2731307"/>
+              <a:off x="8506228" y="2731047"/>
               <a:ext cx="63202" cy="63202"/>
             </a:xfrm>
             <a:custGeom>
@@ -14393,7 +14393,7 @@
           </p:nvSpPr>
           <p:spPr>
             <a:xfrm>
-              <a:off x="8801922" y="2542509"/>
+              <a:off x="8632003" y="2542373"/>
               <a:ext cx="63202" cy="63202"/>
             </a:xfrm>
             <a:custGeom>
@@ -14436,7 +14436,7 @@
           </p:nvSpPr>
           <p:spPr>
             <a:xfrm>
-              <a:off x="8781703" y="1943638"/>
+              <a:off x="8594798" y="1943235"/>
               <a:ext cx="63202" cy="63202"/>
             </a:xfrm>
             <a:custGeom>
@@ -14479,7 +14479,7 @@
           </p:nvSpPr>
           <p:spPr>
             <a:xfrm>
-              <a:off x="8503772" y="1947301"/>
+              <a:off x="8766458" y="1947224"/>
               <a:ext cx="63202" cy="63202"/>
             </a:xfrm>
             <a:custGeom>
@@ -14522,7 +14522,7 @@
           </p:nvSpPr>
           <p:spPr>
             <a:xfrm>
-              <a:off x="8457776" y="3018660"/>
+              <a:off x="8492078" y="3018415"/>
               <a:ext cx="63202" cy="63202"/>
             </a:xfrm>
             <a:custGeom>
@@ -14565,7 +14565,7 @@
           </p:nvSpPr>
           <p:spPr>
             <a:xfrm>
-              <a:off x="8442539" y="1953968"/>
+              <a:off x="8533596" y="1953615"/>
               <a:ext cx="63202" cy="63202"/>
             </a:xfrm>
             <a:custGeom>
@@ -14608,7 +14608,7 @@
           </p:nvSpPr>
           <p:spPr>
             <a:xfrm>
-              <a:off x="8621655" y="1957068"/>
+              <a:off x="8416006" y="1956888"/>
               <a:ext cx="63202" cy="63202"/>
             </a:xfrm>
             <a:custGeom>
@@ -14651,7 +14651,7 @@
           </p:nvSpPr>
           <p:spPr>
             <a:xfrm>
-              <a:off x="8569001" y="1947949"/>
+              <a:off x="8437001" y="1947640"/>
               <a:ext cx="63202" cy="63202"/>
             </a:xfrm>
             <a:custGeom>
@@ -14694,7 +14694,7 @@
           </p:nvSpPr>
           <p:spPr>
             <a:xfrm>
-              <a:off x="8531052" y="1913696"/>
+              <a:off x="8680995" y="1913369"/>
               <a:ext cx="63202" cy="63202"/>
             </a:xfrm>
             <a:custGeom>
@@ -14737,7 +14737,7 @@
           </p:nvSpPr>
           <p:spPr>
             <a:xfrm>
-              <a:off x="8616380" y="1962341"/>
+              <a:off x="8562169" y="1961807"/>
               <a:ext cx="63202" cy="63202"/>
             </a:xfrm>
             <a:custGeom>
@@ -14780,7 +14780,7 @@
           </p:nvSpPr>
           <p:spPr>
             <a:xfrm>
-              <a:off x="8662998" y="3319579"/>
+              <a:off x="8437299" y="3319334"/>
               <a:ext cx="63202" cy="63202"/>
             </a:xfrm>
             <a:custGeom>
@@ -14823,7 +14823,7 @@
           </p:nvSpPr>
           <p:spPr>
             <a:xfrm>
-              <a:off x="8589108" y="1860555"/>
+              <a:off x="8489041" y="1860279"/>
               <a:ext cx="63202" cy="63202"/>
             </a:xfrm>
             <a:custGeom>
@@ -14866,7 +14866,7 @@
           </p:nvSpPr>
           <p:spPr>
             <a:xfrm>
-              <a:off x="8652987" y="2417237"/>
+              <a:off x="8771039" y="2417036"/>
               <a:ext cx="63202" cy="63202"/>
             </a:xfrm>
             <a:custGeom>
@@ -14909,7 +14909,7 @@
           </p:nvSpPr>
           <p:spPr>
             <a:xfrm>
-              <a:off x="8703158" y="4770385"/>
+              <a:off x="8622831" y="4770070"/>
               <a:ext cx="63202" cy="63202"/>
             </a:xfrm>
             <a:custGeom>
@@ -14952,7 +14952,7 @@
           </p:nvSpPr>
           <p:spPr>
             <a:xfrm>
-              <a:off x="8558067" y="4770371"/>
+              <a:off x="8743291" y="4770166"/>
               <a:ext cx="63202" cy="63202"/>
             </a:xfrm>
             <a:custGeom>
@@ -14995,7 +14995,7 @@
           </p:nvSpPr>
           <p:spPr>
             <a:xfrm>
-              <a:off x="8469947" y="2209580"/>
+              <a:off x="8438408" y="2209253"/>
               <a:ext cx="63202" cy="63202"/>
             </a:xfrm>
             <a:custGeom>
@@ -15038,7 +15038,7 @@
           </p:nvSpPr>
           <p:spPr>
             <a:xfrm>
-              <a:off x="8807881" y="2438587"/>
+              <a:off x="8698901" y="2438500"/>
               <a:ext cx="63202" cy="63202"/>
             </a:xfrm>
             <a:custGeom>
@@ -15081,7 +15081,7 @@
           </p:nvSpPr>
           <p:spPr>
             <a:xfrm>
-              <a:off x="8704580" y="4915286"/>
+              <a:off x="8724661" y="4915138"/>
               <a:ext cx="63202" cy="63202"/>
             </a:xfrm>
             <a:custGeom>
@@ -15124,7 +15124,7 @@
           </p:nvSpPr>
           <p:spPr>
             <a:xfrm>
-              <a:off x="8710567" y="4902400"/>
+              <a:off x="8770716" y="4902343"/>
               <a:ext cx="63202" cy="63202"/>
             </a:xfrm>
             <a:custGeom>
@@ -15167,7 +15167,7 @@
           </p:nvSpPr>
           <p:spPr>
             <a:xfrm>
-              <a:off x="8727190" y="4911462"/>
+              <a:off x="8448041" y="4911365"/>
               <a:ext cx="63202" cy="63202"/>
             </a:xfrm>
             <a:custGeom>
@@ -15210,7 +15210,7 @@
           </p:nvSpPr>
           <p:spPr>
             <a:xfrm>
-              <a:off x="8520505" y="4734526"/>
+              <a:off x="8521965" y="4734488"/>
               <a:ext cx="63202" cy="63202"/>
             </a:xfrm>
             <a:custGeom>
@@ -15253,7 +15253,7 @@
           </p:nvSpPr>
           <p:spPr>
             <a:xfrm>
-              <a:off x="8629356" y="1937151"/>
+              <a:off x="8464240" y="1936830"/>
               <a:ext cx="63202" cy="63202"/>
             </a:xfrm>
             <a:custGeom>
@@ -15296,7 +15296,7 @@
           </p:nvSpPr>
           <p:spPr>
             <a:xfrm>
-              <a:off x="8441870" y="5538393"/>
+              <a:off x="8790730" y="5538252"/>
               <a:ext cx="63202" cy="63202"/>
             </a:xfrm>
             <a:custGeom>
@@ -15339,7 +15339,7 @@
           </p:nvSpPr>
           <p:spPr>
             <a:xfrm>
-              <a:off x="8736994" y="5661589"/>
+              <a:off x="8465690" y="5661416"/>
               <a:ext cx="63202" cy="63202"/>
             </a:xfrm>
             <a:custGeom>
@@ -15382,7 +15382,7 @@
           </p:nvSpPr>
           <p:spPr>
             <a:xfrm>
-              <a:off x="8536697" y="5708366"/>
+              <a:off x="8411882" y="5708404"/>
               <a:ext cx="63202" cy="63202"/>
             </a:xfrm>
             <a:custGeom>
@@ -15425,7 +15425,7 @@
           </p:nvSpPr>
           <p:spPr>
             <a:xfrm>
-              <a:off x="8567774" y="5687211"/>
+              <a:off x="8729513" y="5686994"/>
               <a:ext cx="63202" cy="63202"/>
             </a:xfrm>
             <a:custGeom>
@@ -15468,7 +15468,7 @@
           </p:nvSpPr>
           <p:spPr>
             <a:xfrm>
-              <a:off x="8791455" y="5661721"/>
+              <a:off x="8674170" y="5661614"/>
               <a:ext cx="63202" cy="63202"/>
             </a:xfrm>
             <a:custGeom>
@@ -15511,7 +15511,7 @@
           </p:nvSpPr>
           <p:spPr>
             <a:xfrm>
-              <a:off x="8805907" y="2101320"/>
+              <a:off x="8651330" y="2101050"/>
               <a:ext cx="63202" cy="63202"/>
             </a:xfrm>
             <a:custGeom>
@@ -15554,7 +15554,7 @@
           </p:nvSpPr>
           <p:spPr>
             <a:xfrm>
-              <a:off x="8602125" y="4406375"/>
+              <a:off x="8815206" y="4406068"/>
               <a:ext cx="63202" cy="63202"/>
             </a:xfrm>
             <a:custGeom>
@@ -15597,7 +15597,7 @@
           </p:nvSpPr>
           <p:spPr>
             <a:xfrm>
-              <a:off x="8732903" y="2072874"/>
+              <a:off x="8636378" y="2072510"/>
               <a:ext cx="63202" cy="63202"/>
             </a:xfrm>
             <a:custGeom>
@@ -15640,7 +15640,7 @@
           </p:nvSpPr>
           <p:spPr>
             <a:xfrm>
-              <a:off x="8429824" y="2099299"/>
+              <a:off x="8543314" y="2099196"/>
               <a:ext cx="63202" cy="63202"/>
             </a:xfrm>
             <a:custGeom>
@@ -15683,7 +15683,7 @@
           </p:nvSpPr>
           <p:spPr>
             <a:xfrm>
-              <a:off x="8810058" y="2013010"/>
+              <a:off x="8577853" y="2012991"/>
               <a:ext cx="63202" cy="63202"/>
             </a:xfrm>
             <a:custGeom>
@@ -15726,7 +15726,7 @@
           </p:nvSpPr>
           <p:spPr>
             <a:xfrm>
-              <a:off x="8721687" y="2039967"/>
+              <a:off x="8474817" y="2039675"/>
               <a:ext cx="63202" cy="63202"/>
             </a:xfrm>
             <a:custGeom>
@@ -15769,7 +15769,7 @@
           </p:nvSpPr>
           <p:spPr>
             <a:xfrm>
-              <a:off x="8710381" y="2022585"/>
+              <a:off x="8581554" y="2022125"/>
               <a:ext cx="63202" cy="63202"/>
             </a:xfrm>
             <a:custGeom>
@@ -15812,7 +15812,7 @@
           </p:nvSpPr>
           <p:spPr>
             <a:xfrm>
-              <a:off x="8436368" y="3391711"/>
+              <a:off x="8777944" y="3391633"/>
               <a:ext cx="63202" cy="63202"/>
             </a:xfrm>
             <a:custGeom>
@@ -21628,7 +21628,7 @@
           </p:nvSpPr>
           <p:spPr>
             <a:xfrm>
-              <a:off x="1210339" y="5716812"/>
+              <a:off x="1210339" y="5716734"/>
               <a:ext cx="186466" cy="81746"/>
             </a:xfrm>
             <a:prstGeom prst="rect">
@@ -21674,7 +21674,7 @@
           </p:nvSpPr>
           <p:spPr>
             <a:xfrm>
-              <a:off x="1210339" y="4326287"/>
+              <a:off x="1210339" y="4326121"/>
               <a:ext cx="186466" cy="81691"/>
             </a:xfrm>
             <a:prstGeom prst="rect">
@@ -21720,7 +21720,7 @@
           </p:nvSpPr>
           <p:spPr>
             <a:xfrm>
-              <a:off x="1210339" y="2935709"/>
+              <a:off x="1210339" y="2935452"/>
               <a:ext cx="186466" cy="81691"/>
             </a:xfrm>
             <a:prstGeom prst="rect">
@@ -21766,7 +21766,7 @@
           </p:nvSpPr>
           <p:spPr>
             <a:xfrm>
-              <a:off x="1148183" y="1545130"/>
+              <a:off x="1148183" y="1544784"/>
               <a:ext cx="248622" cy="81691"/>
             </a:xfrm>
             <a:prstGeom prst="rect">
@@ -21812,7 +21812,7 @@
           </p:nvSpPr>
           <p:spPr>
             <a:xfrm>
-              <a:off x="1424641" y="5758558"/>
+              <a:off x="1424641" y="5758481"/>
               <a:ext cx="34794" cy="0"/>
             </a:xfrm>
             <a:custGeom>
@@ -21852,7 +21852,7 @@
           </p:nvSpPr>
           <p:spPr>
             <a:xfrm>
-              <a:off x="1424641" y="4367979"/>
+              <a:off x="1424641" y="4367812"/>
               <a:ext cx="34794" cy="0"/>
             </a:xfrm>
             <a:custGeom>
@@ -21892,7 +21892,7 @@
           </p:nvSpPr>
           <p:spPr>
             <a:xfrm>
-              <a:off x="1424641" y="2977401"/>
+              <a:off x="1424641" y="2977144"/>
               <a:ext cx="34794" cy="0"/>
             </a:xfrm>
             <a:custGeom>
@@ -21932,7 +21932,7 @@
           </p:nvSpPr>
           <p:spPr>
             <a:xfrm>
-              <a:off x="1424641" y="1586822"/>
+              <a:off x="1424641" y="1586475"/>
               <a:ext cx="34794" cy="0"/>
             </a:xfrm>
             <a:custGeom>
